--- a/docs/ALG_7_Graphen_Dijkstra.pptx
+++ b/docs/ALG_7_Graphen_Dijkstra.pptx
@@ -11108,9 +11108,10 @@
           <a:lstStyle/>
           <a:p>
             <a:r>
-              <a:rPr lang="en-US" dirty="0"/>
-              <a:t>Agenda item/divider headline</a:t>
-            </a:r>
+              <a:rPr lang="en-US" dirty="0" err="1"/>
+              <a:t>Anwendungsmöglichkeiten</a:t>
+            </a:r>
+            <a:endParaRPr lang="en-US" dirty="0"/>
           </a:p>
           <a:p>
             <a:pPr lvl="1"/>
@@ -11122,20 +11123,28 @@
           <a:p>
             <a:r>
               <a:rPr lang="en-US" dirty="0"/>
-              <a:t>Agenda item/divider headline</a:t>
+              <a:t>Dijkstra’s Shortest Path</a:t>
             </a:r>
           </a:p>
           <a:p>
             <a:pPr lvl="1"/>
             <a:r>
-              <a:rPr lang="en-US" dirty="0"/>
-              <a:t>Details</a:t>
-            </a:r>
-          </a:p>
-          <a:p>
-            <a:r>
-              <a:rPr lang="en-US" dirty="0"/>
-              <a:t>Agenda item/divider headline</a:t>
+              <a:rPr lang="en-US" dirty="0" err="1"/>
+              <a:t>Graphen</a:t>
+            </a:r>
+            <a:endParaRPr lang="en-US" dirty="0"/>
+          </a:p>
+          <a:p>
+            <a:pPr lvl="1"/>
+            <a:r>
+              <a:rPr lang="en-US" dirty="0"/>
+              <a:t>Dijkstra</a:t>
+            </a:r>
+          </a:p>
+          <a:p>
+            <a:r>
+              <a:rPr lang="en-US" dirty="0"/>
+              <a:t>A* Search Algorithm</a:t>
             </a:r>
           </a:p>
           <a:p>
@@ -12149,6 +12158,15 @@
 </file>
 
 <file path=customXml/item1.xml><?xml version="1.0" encoding="utf-8"?>
+<?mso-contentType ?>
+<FormTemplates xmlns="http://schemas.microsoft.com/sharepoint/v3/contenttype/forms">
+  <Display>DocumentLibraryForm</Display>
+  <Edit>DocumentLibraryForm</Edit>
+  <New>DocumentLibraryForm</New>
+</FormTemplates>
+</file>
+
+<file path=customXml/item2.xml><?xml version="1.0" encoding="utf-8"?>
 <p:properties xmlns:p="http://schemas.microsoft.com/office/2006/metadata/properties" xmlns:xsi="http://www.w3.org/2001/XMLSchema-instance" xmlns:pc="http://schemas.microsoft.com/office/infopath/2007/PartnerControls">
   <documentManagement>
     <ResponsibleContact xmlns="47fc58d8-9f4b-4bc8-b278-c3cb6f298023">
@@ -12160,15 +12178,6 @@
     </ResponsibleContact>
   </documentManagement>
 </p:properties>
-</file>
-
-<file path=customXml/item2.xml><?xml version="1.0" encoding="utf-8"?>
-<?mso-contentType ?>
-<FormTemplates xmlns="http://schemas.microsoft.com/sharepoint/v3/contenttype/forms">
-  <Display>DocumentLibraryForm</Display>
-  <Edit>DocumentLibraryForm</Edit>
-  <New>DocumentLibraryForm</New>
-</FormTemplates>
 </file>
 
 <file path=customXml/item3.xml><?xml version="1.0" encoding="utf-8"?>
@@ -12395,19 +12404,19 @@
 </file>
 
 <file path=customXml/itemProps1.xml><?xml version="1.0" encoding="utf-8"?>
+<ds:datastoreItem xmlns:ds="http://schemas.openxmlformats.org/officeDocument/2006/customXml" ds:itemID="{398FD485-E434-4109-8170-8E0CFCDC1783}">
+  <ds:schemaRefs>
+    <ds:schemaRef ds:uri="http://schemas.microsoft.com/sharepoint/v3/contenttype/forms"/>
+  </ds:schemaRefs>
+</ds:datastoreItem>
+</file>
+
+<file path=customXml/itemProps2.xml><?xml version="1.0" encoding="utf-8"?>
 <ds:datastoreItem xmlns:ds="http://schemas.openxmlformats.org/officeDocument/2006/customXml" ds:itemID="{85C1D00C-D380-4A8A-881E-03688FCC3109}">
   <ds:schemaRefs>
     <ds:schemaRef ds:uri="http://schemas.microsoft.com/office/2006/metadata/properties"/>
     <ds:schemaRef ds:uri="http://schemas.microsoft.com/office/infopath/2007/PartnerControls"/>
     <ds:schemaRef ds:uri="47fc58d8-9f4b-4bc8-b278-c3cb6f298023"/>
-  </ds:schemaRefs>
-</ds:datastoreItem>
-</file>
-
-<file path=customXml/itemProps2.xml><?xml version="1.0" encoding="utf-8"?>
-<ds:datastoreItem xmlns:ds="http://schemas.openxmlformats.org/officeDocument/2006/customXml" ds:itemID="{398FD485-E434-4109-8170-8E0CFCDC1783}">
-  <ds:schemaRefs>
-    <ds:schemaRef ds:uri="http://schemas.microsoft.com/sharepoint/v3/contenttype/forms"/>
   </ds:schemaRefs>
 </ds:datastoreItem>
 </file>

--- a/docs/ALG_7_Graphen_Dijkstra.pptx
+++ b/docs/ALG_7_Graphen_Dijkstra.pptx
@@ -5,37 +5,35 @@
     <p:sldMasterId id="2147483733" r:id="rId4"/>
   </p:sldMasterIdLst>
   <p:notesMasterIdLst>
-    <p:notesMasterId r:id="rId30"/>
+    <p:notesMasterId r:id="rId28"/>
   </p:notesMasterIdLst>
   <p:handoutMasterIdLst>
-    <p:handoutMasterId r:id="rId31"/>
+    <p:handoutMasterId r:id="rId29"/>
   </p:handoutMasterIdLst>
   <p:sldIdLst>
-    <p:sldId id="436" r:id="rId5"/>
-    <p:sldId id="402" r:id="rId6"/>
-    <p:sldId id="433" r:id="rId7"/>
-    <p:sldId id="434" r:id="rId8"/>
-    <p:sldId id="344" r:id="rId9"/>
-    <p:sldId id="416" r:id="rId10"/>
-    <p:sldId id="430" r:id="rId11"/>
-    <p:sldId id="438" r:id="rId12"/>
-    <p:sldId id="364" r:id="rId13"/>
-    <p:sldId id="440" r:id="rId14"/>
-    <p:sldId id="382" r:id="rId15"/>
-    <p:sldId id="441" r:id="rId16"/>
-    <p:sldId id="388" r:id="rId17"/>
-    <p:sldId id="439" r:id="rId18"/>
-    <p:sldId id="442" r:id="rId19"/>
-    <p:sldId id="380" r:id="rId20"/>
-    <p:sldId id="379" r:id="rId21"/>
-    <p:sldId id="423" r:id="rId22"/>
-    <p:sldId id="387" r:id="rId23"/>
-    <p:sldId id="390" r:id="rId24"/>
-    <p:sldId id="420" r:id="rId25"/>
-    <p:sldId id="421" r:id="rId26"/>
-    <p:sldId id="413" r:id="rId27"/>
-    <p:sldId id="265" r:id="rId28"/>
-    <p:sldId id="435" r:id="rId29"/>
+    <p:sldId id="434" r:id="rId5"/>
+    <p:sldId id="344" r:id="rId6"/>
+    <p:sldId id="416" r:id="rId7"/>
+    <p:sldId id="446" r:id="rId8"/>
+    <p:sldId id="447" r:id="rId9"/>
+    <p:sldId id="443" r:id="rId10"/>
+    <p:sldId id="448" r:id="rId11"/>
+    <p:sldId id="456" r:id="rId12"/>
+    <p:sldId id="455" r:id="rId13"/>
+    <p:sldId id="449" r:id="rId14"/>
+    <p:sldId id="457" r:id="rId15"/>
+    <p:sldId id="450" r:id="rId16"/>
+    <p:sldId id="452" r:id="rId17"/>
+    <p:sldId id="453" r:id="rId18"/>
+    <p:sldId id="444" r:id="rId19"/>
+    <p:sldId id="454" r:id="rId20"/>
+    <p:sldId id="451" r:id="rId21"/>
+    <p:sldId id="445" r:id="rId22"/>
+    <p:sldId id="439" r:id="rId23"/>
+    <p:sldId id="388" r:id="rId24"/>
+    <p:sldId id="413" r:id="rId25"/>
+    <p:sldId id="265" r:id="rId26"/>
+    <p:sldId id="435" r:id="rId27"/>
   </p:sldIdLst>
   <p:sldSz cx="12195175" cy="6858000"/>
   <p:notesSz cx="6797675" cy="9928225"/>
@@ -191,6 +189,711 @@
 </p:presentation>
 </file>
 
+<file path=ppt/revisionInfo.xml><?xml version="1.0" encoding="utf-8"?>
+<p1510:revInfo xmlns:a="http://schemas.openxmlformats.org/drawingml/2006/main" xmlns:r="http://schemas.openxmlformats.org/officeDocument/2006/relationships" xmlns:p1510="http://schemas.microsoft.com/office/powerpoint/2015/10/main">
+  <p1510:revLst>
+    <p1510:client id="{7975F8F8-821C-4772-AC10-501CDE6779B6}" v="1736" dt="2021-06-15T14:16:52.054"/>
+    <p1510:client id="{867882C3-A1D2-4AE5-A140-3C07E46FF3E1}" v="1178" dt="2021-06-15T14:21:11.456"/>
+  </p1510:revLst>
+</p1510:revInfo>
+</file>
+
+<file path=ppt/changesInfos/changesInfo1.xml><?xml version="1.0" encoding="utf-8"?>
+<pc:chgInfo xmlns:a="http://schemas.openxmlformats.org/drawingml/2006/main" xmlns:r="http://schemas.openxmlformats.org/officeDocument/2006/relationships" xmlns:ac="http://schemas.microsoft.com/office/drawing/2013/main/command" xmlns:pc="http://schemas.microsoft.com/office/powerpoint/2013/main/command">
+  <pc:docChgLst>
+    <pc:chgData name="Mueller, Valentin" userId="7b1dcd0d-6a99-4c0b-84ee-0f5031e4392c" providerId="ADAL" clId="{867882C3-A1D2-4AE5-A140-3C07E46FF3E1}"/>
+    <pc:docChg chg="undo custSel addSld delSld modSld sldOrd">
+      <pc:chgData name="Mueller, Valentin" userId="7b1dcd0d-6a99-4c0b-84ee-0f5031e4392c" providerId="ADAL" clId="{867882C3-A1D2-4AE5-A140-3C07E46FF3E1}" dt="2021-06-15T14:21:11.456" v="1175" actId="14100"/>
+      <pc:docMkLst>
+        <pc:docMk/>
+      </pc:docMkLst>
+      <pc:sldChg chg="modSp mod">
+        <pc:chgData name="Mueller, Valentin" userId="7b1dcd0d-6a99-4c0b-84ee-0f5031e4392c" providerId="ADAL" clId="{867882C3-A1D2-4AE5-A140-3C07E46FF3E1}" dt="2021-06-15T13:45:43.769" v="601" actId="20577"/>
+        <pc:sldMkLst>
+          <pc:docMk/>
+          <pc:sldMk cId="0" sldId="344"/>
+        </pc:sldMkLst>
+        <pc:spChg chg="mod">
+          <ac:chgData name="Mueller, Valentin" userId="7b1dcd0d-6a99-4c0b-84ee-0f5031e4392c" providerId="ADAL" clId="{867882C3-A1D2-4AE5-A140-3C07E46FF3E1}" dt="2021-06-15T13:45:43.769" v="601" actId="20577"/>
+          <ac:spMkLst>
+            <pc:docMk/>
+            <pc:sldMk cId="0" sldId="344"/>
+            <ac:spMk id="3" creationId="{00000000-0000-0000-0000-000000000000}"/>
+          </ac:spMkLst>
+        </pc:spChg>
+      </pc:sldChg>
+      <pc:sldChg chg="del">
+        <pc:chgData name="Mueller, Valentin" userId="7b1dcd0d-6a99-4c0b-84ee-0f5031e4392c" providerId="ADAL" clId="{867882C3-A1D2-4AE5-A140-3C07E46FF3E1}" dt="2021-06-15T13:44:55.341" v="569" actId="47"/>
+        <pc:sldMkLst>
+          <pc:docMk/>
+          <pc:sldMk cId="3602749482" sldId="364"/>
+        </pc:sldMkLst>
+      </pc:sldChg>
+      <pc:sldChg chg="del">
+        <pc:chgData name="Mueller, Valentin" userId="7b1dcd0d-6a99-4c0b-84ee-0f5031e4392c" providerId="ADAL" clId="{867882C3-A1D2-4AE5-A140-3C07E46FF3E1}" dt="2021-06-15T13:47:11.609" v="640" actId="47"/>
+        <pc:sldMkLst>
+          <pc:docMk/>
+          <pc:sldMk cId="4154867534" sldId="379"/>
+        </pc:sldMkLst>
+      </pc:sldChg>
+      <pc:sldChg chg="del">
+        <pc:chgData name="Mueller, Valentin" userId="7b1dcd0d-6a99-4c0b-84ee-0f5031e4392c" providerId="ADAL" clId="{867882C3-A1D2-4AE5-A140-3C07E46FF3E1}" dt="2021-06-15T13:47:09.523" v="639" actId="47"/>
+        <pc:sldMkLst>
+          <pc:docMk/>
+          <pc:sldMk cId="2468716513" sldId="380"/>
+        </pc:sldMkLst>
+      </pc:sldChg>
+      <pc:sldChg chg="del">
+        <pc:chgData name="Mueller, Valentin" userId="7b1dcd0d-6a99-4c0b-84ee-0f5031e4392c" providerId="ADAL" clId="{867882C3-A1D2-4AE5-A140-3C07E46FF3E1}" dt="2021-06-15T13:44:50.919" v="567" actId="47"/>
+        <pc:sldMkLst>
+          <pc:docMk/>
+          <pc:sldMk cId="3886438963" sldId="382"/>
+        </pc:sldMkLst>
+      </pc:sldChg>
+      <pc:sldChg chg="del">
+        <pc:chgData name="Mueller, Valentin" userId="7b1dcd0d-6a99-4c0b-84ee-0f5031e4392c" providerId="ADAL" clId="{867882C3-A1D2-4AE5-A140-3C07E46FF3E1}" dt="2021-06-15T13:47:13.166" v="642" actId="47"/>
+        <pc:sldMkLst>
+          <pc:docMk/>
+          <pc:sldMk cId="854015491" sldId="387"/>
+        </pc:sldMkLst>
+      </pc:sldChg>
+      <pc:sldChg chg="modSp mod ord">
+        <pc:chgData name="Mueller, Valentin" userId="7b1dcd0d-6a99-4c0b-84ee-0f5031e4392c" providerId="ADAL" clId="{867882C3-A1D2-4AE5-A140-3C07E46FF3E1}" dt="2021-06-15T13:45:04.916" v="585" actId="20577"/>
+        <pc:sldMkLst>
+          <pc:docMk/>
+          <pc:sldMk cId="42108366" sldId="388"/>
+        </pc:sldMkLst>
+        <pc:spChg chg="mod">
+          <ac:chgData name="Mueller, Valentin" userId="7b1dcd0d-6a99-4c0b-84ee-0f5031e4392c" providerId="ADAL" clId="{867882C3-A1D2-4AE5-A140-3C07E46FF3E1}" dt="2021-06-15T13:45:04.916" v="585" actId="20577"/>
+          <ac:spMkLst>
+            <pc:docMk/>
+            <pc:sldMk cId="42108366" sldId="388"/>
+            <ac:spMk id="4" creationId="{00000000-0000-0000-0000-000000000000}"/>
+          </ac:spMkLst>
+        </pc:spChg>
+      </pc:sldChg>
+      <pc:sldChg chg="del">
+        <pc:chgData name="Mueller, Valentin" userId="7b1dcd0d-6a99-4c0b-84ee-0f5031e4392c" providerId="ADAL" clId="{867882C3-A1D2-4AE5-A140-3C07E46FF3E1}" dt="2021-06-15T13:47:13.916" v="643" actId="47"/>
+        <pc:sldMkLst>
+          <pc:docMk/>
+          <pc:sldMk cId="94846162" sldId="390"/>
+        </pc:sldMkLst>
+      </pc:sldChg>
+      <pc:sldChg chg="del">
+        <pc:chgData name="Mueller, Valentin" userId="7b1dcd0d-6a99-4c0b-84ee-0f5031e4392c" providerId="ADAL" clId="{867882C3-A1D2-4AE5-A140-3C07E46FF3E1}" dt="2021-06-15T12:58:33.779" v="158" actId="47"/>
+        <pc:sldMkLst>
+          <pc:docMk/>
+          <pc:sldMk cId="3316874168" sldId="402"/>
+        </pc:sldMkLst>
+      </pc:sldChg>
+      <pc:sldChg chg="addSp delSp modSp mod">
+        <pc:chgData name="Mueller, Valentin" userId="7b1dcd0d-6a99-4c0b-84ee-0f5031e4392c" providerId="ADAL" clId="{867882C3-A1D2-4AE5-A140-3C07E46FF3E1}" dt="2021-06-15T13:47:37.221" v="649" actId="478"/>
+        <pc:sldMkLst>
+          <pc:docMk/>
+          <pc:sldMk cId="1881851238" sldId="413"/>
+        </pc:sldMkLst>
+        <pc:spChg chg="del">
+          <ac:chgData name="Mueller, Valentin" userId="7b1dcd0d-6a99-4c0b-84ee-0f5031e4392c" providerId="ADAL" clId="{867882C3-A1D2-4AE5-A140-3C07E46FF3E1}" dt="2021-06-15T13:47:27.249" v="646" actId="478"/>
+          <ac:spMkLst>
+            <pc:docMk/>
+            <pc:sldMk cId="1881851238" sldId="413"/>
+            <ac:spMk id="3" creationId="{00000000-0000-0000-0000-000000000000}"/>
+          </ac:spMkLst>
+        </pc:spChg>
+        <pc:spChg chg="del mod">
+          <ac:chgData name="Mueller, Valentin" userId="7b1dcd0d-6a99-4c0b-84ee-0f5031e4392c" providerId="ADAL" clId="{867882C3-A1D2-4AE5-A140-3C07E46FF3E1}" dt="2021-06-15T13:47:37.221" v="649" actId="478"/>
+          <ac:spMkLst>
+            <pc:docMk/>
+            <pc:sldMk cId="1881851238" sldId="413"/>
+            <ac:spMk id="4" creationId="{00000000-0000-0000-0000-000000000000}"/>
+          </ac:spMkLst>
+        </pc:spChg>
+        <pc:spChg chg="add del mod">
+          <ac:chgData name="Mueller, Valentin" userId="7b1dcd0d-6a99-4c0b-84ee-0f5031e4392c" providerId="ADAL" clId="{867882C3-A1D2-4AE5-A140-3C07E46FF3E1}" dt="2021-06-15T13:47:29.691" v="647" actId="478"/>
+          <ac:spMkLst>
+            <pc:docMk/>
+            <pc:sldMk cId="1881851238" sldId="413"/>
+            <ac:spMk id="6" creationId="{CD0550F0-D17F-4A8E-A1D5-3EEEA57A6F68}"/>
+          </ac:spMkLst>
+        </pc:spChg>
+      </pc:sldChg>
+      <pc:sldChg chg="del">
+        <pc:chgData name="Mueller, Valentin" userId="7b1dcd0d-6a99-4c0b-84ee-0f5031e4392c" providerId="ADAL" clId="{867882C3-A1D2-4AE5-A140-3C07E46FF3E1}" dt="2021-06-15T13:47:14.572" v="644" actId="47"/>
+        <pc:sldMkLst>
+          <pc:docMk/>
+          <pc:sldMk cId="1504049518" sldId="420"/>
+        </pc:sldMkLst>
+      </pc:sldChg>
+      <pc:sldChg chg="del">
+        <pc:chgData name="Mueller, Valentin" userId="7b1dcd0d-6a99-4c0b-84ee-0f5031e4392c" providerId="ADAL" clId="{867882C3-A1D2-4AE5-A140-3C07E46FF3E1}" dt="2021-06-15T13:47:16.302" v="645" actId="47"/>
+        <pc:sldMkLst>
+          <pc:docMk/>
+          <pc:sldMk cId="1175416068" sldId="421"/>
+        </pc:sldMkLst>
+      </pc:sldChg>
+      <pc:sldChg chg="del">
+        <pc:chgData name="Mueller, Valentin" userId="7b1dcd0d-6a99-4c0b-84ee-0f5031e4392c" providerId="ADAL" clId="{867882C3-A1D2-4AE5-A140-3C07E46FF3E1}" dt="2021-06-15T13:47:12.360" v="641" actId="47"/>
+        <pc:sldMkLst>
+          <pc:docMk/>
+          <pc:sldMk cId="1840057824" sldId="423"/>
+        </pc:sldMkLst>
+      </pc:sldChg>
+      <pc:sldChg chg="del">
+        <pc:chgData name="Mueller, Valentin" userId="7b1dcd0d-6a99-4c0b-84ee-0f5031e4392c" providerId="ADAL" clId="{867882C3-A1D2-4AE5-A140-3C07E46FF3E1}" dt="2021-06-15T12:58:34.638" v="159" actId="47"/>
+        <pc:sldMkLst>
+          <pc:docMk/>
+          <pc:sldMk cId="1819205958" sldId="433"/>
+        </pc:sldMkLst>
+      </pc:sldChg>
+      <pc:sldChg chg="del">
+        <pc:chgData name="Mueller, Valentin" userId="7b1dcd0d-6a99-4c0b-84ee-0f5031e4392c" providerId="ADAL" clId="{867882C3-A1D2-4AE5-A140-3C07E46FF3E1}" dt="2021-06-15T12:58:32.739" v="157" actId="47"/>
+        <pc:sldMkLst>
+          <pc:docMk/>
+          <pc:sldMk cId="3207784688" sldId="436"/>
+        </pc:sldMkLst>
+      </pc:sldChg>
+      <pc:sldChg chg="modSp mod">
+        <pc:chgData name="Mueller, Valentin" userId="7b1dcd0d-6a99-4c0b-84ee-0f5031e4392c" providerId="ADAL" clId="{867882C3-A1D2-4AE5-A140-3C07E46FF3E1}" dt="2021-06-15T13:13:28.581" v="314" actId="20577"/>
+        <pc:sldMkLst>
+          <pc:docMk/>
+          <pc:sldMk cId="1801416843" sldId="439"/>
+        </pc:sldMkLst>
+        <pc:spChg chg="mod">
+          <ac:chgData name="Mueller, Valentin" userId="7b1dcd0d-6a99-4c0b-84ee-0f5031e4392c" providerId="ADAL" clId="{867882C3-A1D2-4AE5-A140-3C07E46FF3E1}" dt="2021-06-15T13:13:28.581" v="314" actId="20577"/>
+          <ac:spMkLst>
+            <pc:docMk/>
+            <pc:sldMk cId="1801416843" sldId="439"/>
+            <ac:spMk id="2" creationId="{00000000-0000-0000-0000-000000000000}"/>
+          </ac:spMkLst>
+        </pc:spChg>
+      </pc:sldChg>
+      <pc:sldChg chg="del">
+        <pc:chgData name="Mueller, Valentin" userId="7b1dcd0d-6a99-4c0b-84ee-0f5031e4392c" providerId="ADAL" clId="{867882C3-A1D2-4AE5-A140-3C07E46FF3E1}" dt="2021-06-15T13:44:52.919" v="568" actId="47"/>
+        <pc:sldMkLst>
+          <pc:docMk/>
+          <pc:sldMk cId="589477268" sldId="440"/>
+        </pc:sldMkLst>
+      </pc:sldChg>
+      <pc:sldChg chg="del">
+        <pc:chgData name="Mueller, Valentin" userId="7b1dcd0d-6a99-4c0b-84ee-0f5031e4392c" providerId="ADAL" clId="{867882C3-A1D2-4AE5-A140-3C07E46FF3E1}" dt="2021-06-15T13:44:47.991" v="566" actId="47"/>
+        <pc:sldMkLst>
+          <pc:docMk/>
+          <pc:sldMk cId="4260145101" sldId="441"/>
+        </pc:sldMkLst>
+      </pc:sldChg>
+      <pc:sldChg chg="del">
+        <pc:chgData name="Mueller, Valentin" userId="7b1dcd0d-6a99-4c0b-84ee-0f5031e4392c" providerId="ADAL" clId="{867882C3-A1D2-4AE5-A140-3C07E46FF3E1}" dt="2021-06-15T13:44:15.502" v="563" actId="47"/>
+        <pc:sldMkLst>
+          <pc:docMk/>
+          <pc:sldMk cId="1041611601" sldId="442"/>
+        </pc:sldMkLst>
+      </pc:sldChg>
+      <pc:sldChg chg="modSp mod">
+        <pc:chgData name="Mueller, Valentin" userId="7b1dcd0d-6a99-4c0b-84ee-0f5031e4392c" providerId="ADAL" clId="{867882C3-A1D2-4AE5-A140-3C07E46FF3E1}" dt="2021-06-15T13:38:55.745" v="452" actId="20577"/>
+        <pc:sldMkLst>
+          <pc:docMk/>
+          <pc:sldMk cId="306196124" sldId="444"/>
+        </pc:sldMkLst>
+        <pc:spChg chg="mod">
+          <ac:chgData name="Mueller, Valentin" userId="7b1dcd0d-6a99-4c0b-84ee-0f5031e4392c" providerId="ADAL" clId="{867882C3-A1D2-4AE5-A140-3C07E46FF3E1}" dt="2021-06-15T13:38:55.745" v="452" actId="20577"/>
+          <ac:spMkLst>
+            <pc:docMk/>
+            <pc:sldMk cId="306196124" sldId="444"/>
+            <ac:spMk id="2" creationId="{00000000-0000-0000-0000-000000000000}"/>
+          </ac:spMkLst>
+        </pc:spChg>
+      </pc:sldChg>
+      <pc:sldChg chg="modSp mod">
+        <pc:chgData name="Mueller, Valentin" userId="7b1dcd0d-6a99-4c0b-84ee-0f5031e4392c" providerId="ADAL" clId="{867882C3-A1D2-4AE5-A140-3C07E46FF3E1}" dt="2021-06-15T13:16:34.679" v="383" actId="20577"/>
+        <pc:sldMkLst>
+          <pc:docMk/>
+          <pc:sldMk cId="2732869722" sldId="448"/>
+        </pc:sldMkLst>
+        <pc:spChg chg="mod">
+          <ac:chgData name="Mueller, Valentin" userId="7b1dcd0d-6a99-4c0b-84ee-0f5031e4392c" providerId="ADAL" clId="{867882C3-A1D2-4AE5-A140-3C07E46FF3E1}" dt="2021-06-15T13:16:34.679" v="383" actId="20577"/>
+          <ac:spMkLst>
+            <pc:docMk/>
+            <pc:sldMk cId="2732869722" sldId="448"/>
+            <ac:spMk id="4" creationId="{00000000-0000-0000-0000-000000000000}"/>
+          </ac:spMkLst>
+        </pc:spChg>
+      </pc:sldChg>
+      <pc:sldChg chg="modSp mod">
+        <pc:chgData name="Mueller, Valentin" userId="7b1dcd0d-6a99-4c0b-84ee-0f5031e4392c" providerId="ADAL" clId="{867882C3-A1D2-4AE5-A140-3C07E46FF3E1}" dt="2021-06-15T14:21:11.456" v="1175" actId="14100"/>
+        <pc:sldMkLst>
+          <pc:docMk/>
+          <pc:sldMk cId="1287147475" sldId="449"/>
+        </pc:sldMkLst>
+        <pc:spChg chg="mod">
+          <ac:chgData name="Mueller, Valentin" userId="7b1dcd0d-6a99-4c0b-84ee-0f5031e4392c" providerId="ADAL" clId="{867882C3-A1D2-4AE5-A140-3C07E46FF3E1}" dt="2021-06-15T13:46:27.878" v="636" actId="20577"/>
+          <ac:spMkLst>
+            <pc:docMk/>
+            <pc:sldMk cId="1287147475" sldId="449"/>
+            <ac:spMk id="4" creationId="{00000000-0000-0000-0000-000000000000}"/>
+          </ac:spMkLst>
+        </pc:spChg>
+        <pc:spChg chg="mod">
+          <ac:chgData name="Mueller, Valentin" userId="7b1dcd0d-6a99-4c0b-84ee-0f5031e4392c" providerId="ADAL" clId="{867882C3-A1D2-4AE5-A140-3C07E46FF3E1}" dt="2021-06-15T14:00:17.710" v="1168" actId="20577"/>
+          <ac:spMkLst>
+            <pc:docMk/>
+            <pc:sldMk cId="1287147475" sldId="449"/>
+            <ac:spMk id="11" creationId="{00000000-0000-0000-0000-000000000000}"/>
+          </ac:spMkLst>
+        </pc:spChg>
+        <pc:picChg chg="mod">
+          <ac:chgData name="Mueller, Valentin" userId="7b1dcd0d-6a99-4c0b-84ee-0f5031e4392c" providerId="ADAL" clId="{867882C3-A1D2-4AE5-A140-3C07E46FF3E1}" dt="2021-06-15T14:21:11.456" v="1175" actId="14100"/>
+          <ac:picMkLst>
+            <pc:docMk/>
+            <pc:sldMk cId="1287147475" sldId="449"/>
+            <ac:picMk id="3" creationId="{C1E0909C-FE90-4849-BD03-588B611EA9ED}"/>
+          </ac:picMkLst>
+        </pc:picChg>
+      </pc:sldChg>
+      <pc:sldChg chg="modSp">
+        <pc:chgData name="Mueller, Valentin" userId="7b1dcd0d-6a99-4c0b-84ee-0f5031e4392c" providerId="ADAL" clId="{867882C3-A1D2-4AE5-A140-3C07E46FF3E1}" dt="2021-06-15T13:46:43.349" v="637"/>
+        <pc:sldMkLst>
+          <pc:docMk/>
+          <pc:sldMk cId="813842916" sldId="450"/>
+        </pc:sldMkLst>
+        <pc:spChg chg="mod">
+          <ac:chgData name="Mueller, Valentin" userId="7b1dcd0d-6a99-4c0b-84ee-0f5031e4392c" providerId="ADAL" clId="{867882C3-A1D2-4AE5-A140-3C07E46FF3E1}" dt="2021-06-15T13:46:43.349" v="637"/>
+          <ac:spMkLst>
+            <pc:docMk/>
+            <pc:sldMk cId="813842916" sldId="450"/>
+            <ac:spMk id="4" creationId="{00000000-0000-0000-0000-000000000000}"/>
+          </ac:spMkLst>
+        </pc:spChg>
+      </pc:sldChg>
+      <pc:sldChg chg="modSp">
+        <pc:chgData name="Mueller, Valentin" userId="7b1dcd0d-6a99-4c0b-84ee-0f5031e4392c" providerId="ADAL" clId="{867882C3-A1D2-4AE5-A140-3C07E46FF3E1}" dt="2021-06-15T13:46:50.716" v="638"/>
+        <pc:sldMkLst>
+          <pc:docMk/>
+          <pc:sldMk cId="20654166" sldId="452"/>
+        </pc:sldMkLst>
+        <pc:spChg chg="mod">
+          <ac:chgData name="Mueller, Valentin" userId="7b1dcd0d-6a99-4c0b-84ee-0f5031e4392c" providerId="ADAL" clId="{867882C3-A1D2-4AE5-A140-3C07E46FF3E1}" dt="2021-06-15T13:46:50.716" v="638"/>
+          <ac:spMkLst>
+            <pc:docMk/>
+            <pc:sldMk cId="20654166" sldId="452"/>
+            <ac:spMk id="4" creationId="{00000000-0000-0000-0000-000000000000}"/>
+          </ac:spMkLst>
+        </pc:spChg>
+      </pc:sldChg>
+      <pc:sldChg chg="modSp mod">
+        <pc:chgData name="Mueller, Valentin" userId="7b1dcd0d-6a99-4c0b-84ee-0f5031e4392c" providerId="ADAL" clId="{867882C3-A1D2-4AE5-A140-3C07E46FF3E1}" dt="2021-06-15T13:39:37.125" v="503" actId="207"/>
+        <pc:sldMkLst>
+          <pc:docMk/>
+          <pc:sldMk cId="1358289845" sldId="454"/>
+        </pc:sldMkLst>
+        <pc:spChg chg="mod">
+          <ac:chgData name="Mueller, Valentin" userId="7b1dcd0d-6a99-4c0b-84ee-0f5031e4392c" providerId="ADAL" clId="{867882C3-A1D2-4AE5-A140-3C07E46FF3E1}" dt="2021-06-15T13:39:37.125" v="503" actId="207"/>
+          <ac:spMkLst>
+            <pc:docMk/>
+            <pc:sldMk cId="1358289845" sldId="454"/>
+            <ac:spMk id="4" creationId="{00000000-0000-0000-0000-000000000000}"/>
+          </ac:spMkLst>
+        </pc:spChg>
+      </pc:sldChg>
+      <pc:sldChg chg="modSp add mod ord">
+        <pc:chgData name="Mueller, Valentin" userId="7b1dcd0d-6a99-4c0b-84ee-0f5031e4392c" providerId="ADAL" clId="{867882C3-A1D2-4AE5-A140-3C07E46FF3E1}" dt="2021-06-15T13:17:09.188" v="399" actId="20577"/>
+        <pc:sldMkLst>
+          <pc:docMk/>
+          <pc:sldMk cId="3758971385" sldId="455"/>
+        </pc:sldMkLst>
+        <pc:spChg chg="mod">
+          <ac:chgData name="Mueller, Valentin" userId="7b1dcd0d-6a99-4c0b-84ee-0f5031e4392c" providerId="ADAL" clId="{867882C3-A1D2-4AE5-A140-3C07E46FF3E1}" dt="2021-06-15T13:17:09.188" v="399" actId="20577"/>
+          <ac:spMkLst>
+            <pc:docMk/>
+            <pc:sldMk cId="3758971385" sldId="455"/>
+            <ac:spMk id="4" creationId="{00000000-0000-0000-0000-000000000000}"/>
+          </ac:spMkLst>
+        </pc:spChg>
+      </pc:sldChg>
+      <pc:sldChg chg="modSp add mod">
+        <pc:chgData name="Mueller, Valentin" userId="7b1dcd0d-6a99-4c0b-84ee-0f5031e4392c" providerId="ADAL" clId="{867882C3-A1D2-4AE5-A140-3C07E46FF3E1}" dt="2021-06-15T13:16:53.622" v="389" actId="20577"/>
+        <pc:sldMkLst>
+          <pc:docMk/>
+          <pc:sldMk cId="3501809785" sldId="456"/>
+        </pc:sldMkLst>
+        <pc:spChg chg="mod">
+          <ac:chgData name="Mueller, Valentin" userId="7b1dcd0d-6a99-4c0b-84ee-0f5031e4392c" providerId="ADAL" clId="{867882C3-A1D2-4AE5-A140-3C07E46FF3E1}" dt="2021-06-15T13:16:53.622" v="389" actId="20577"/>
+          <ac:spMkLst>
+            <pc:docMk/>
+            <pc:sldMk cId="3501809785" sldId="456"/>
+            <ac:spMk id="4" creationId="{00000000-0000-0000-0000-000000000000}"/>
+          </ac:spMkLst>
+        </pc:spChg>
+      </pc:sldChg>
+      <pc:sldChg chg="modSp add mod">
+        <pc:chgData name="Mueller, Valentin" userId="7b1dcd0d-6a99-4c0b-84ee-0f5031e4392c" providerId="ADAL" clId="{867882C3-A1D2-4AE5-A140-3C07E46FF3E1}" dt="2021-06-15T13:46:14.709" v="620" actId="20577"/>
+        <pc:sldMkLst>
+          <pc:docMk/>
+          <pc:sldMk cId="727985463" sldId="457"/>
+        </pc:sldMkLst>
+        <pc:spChg chg="mod">
+          <ac:chgData name="Mueller, Valentin" userId="7b1dcd0d-6a99-4c0b-84ee-0f5031e4392c" providerId="ADAL" clId="{867882C3-A1D2-4AE5-A140-3C07E46FF3E1}" dt="2021-06-15T13:46:14.709" v="620" actId="20577"/>
+          <ac:spMkLst>
+            <pc:docMk/>
+            <pc:sldMk cId="727985463" sldId="457"/>
+            <ac:spMk id="4" creationId="{00000000-0000-0000-0000-000000000000}"/>
+          </ac:spMkLst>
+        </pc:spChg>
+      </pc:sldChg>
+    </pc:docChg>
+  </pc:docChgLst>
+  <pc:docChgLst>
+    <pc:chgData name="Gilbert, Andre-Anan" userId="9702a563-eab5-4d2a-ab37-425108274ca8" providerId="ADAL" clId="{7975F8F8-821C-4772-AC10-501CDE6779B6}"/>
+    <pc:docChg chg="undo custSel addSld delSld modSld">
+      <pc:chgData name="Gilbert, Andre-Anan" userId="9702a563-eab5-4d2a-ab37-425108274ca8" providerId="ADAL" clId="{7975F8F8-821C-4772-AC10-501CDE6779B6}" dt="2021-06-15T14:16:52.053" v="1731" actId="931"/>
+      <pc:docMkLst>
+        <pc:docMk/>
+      </pc:docMkLst>
+      <pc:sldChg chg="modSp mod">
+        <pc:chgData name="Gilbert, Andre-Anan" userId="9702a563-eab5-4d2a-ab37-425108274ca8" providerId="ADAL" clId="{7975F8F8-821C-4772-AC10-501CDE6779B6}" dt="2021-06-15T13:38:22.095" v="656" actId="20577"/>
+        <pc:sldMkLst>
+          <pc:docMk/>
+          <pc:sldMk cId="0" sldId="344"/>
+        </pc:sldMkLst>
+        <pc:spChg chg="mod">
+          <ac:chgData name="Gilbert, Andre-Anan" userId="9702a563-eab5-4d2a-ab37-425108274ca8" providerId="ADAL" clId="{7975F8F8-821C-4772-AC10-501CDE6779B6}" dt="2021-06-15T13:38:22.095" v="656" actId="20577"/>
+          <ac:spMkLst>
+            <pc:docMk/>
+            <pc:sldMk cId="0" sldId="344"/>
+            <ac:spMk id="3" creationId="{00000000-0000-0000-0000-000000000000}"/>
+          </ac:spMkLst>
+        </pc:spChg>
+      </pc:sldChg>
+      <pc:sldChg chg="modSp add del mod">
+        <pc:chgData name="Gilbert, Andre-Anan" userId="9702a563-eab5-4d2a-ab37-425108274ca8" providerId="ADAL" clId="{7975F8F8-821C-4772-AC10-501CDE6779B6}" dt="2021-06-15T13:02:09.598" v="44" actId="6549"/>
+        <pc:sldMkLst>
+          <pc:docMk/>
+          <pc:sldMk cId="799205039" sldId="416"/>
+        </pc:sldMkLst>
+        <pc:spChg chg="mod">
+          <ac:chgData name="Gilbert, Andre-Anan" userId="9702a563-eab5-4d2a-ab37-425108274ca8" providerId="ADAL" clId="{7975F8F8-821C-4772-AC10-501CDE6779B6}" dt="2021-06-15T13:02:09.598" v="44" actId="6549"/>
+          <ac:spMkLst>
+            <pc:docMk/>
+            <pc:sldMk cId="799205039" sldId="416"/>
+            <ac:spMk id="2" creationId="{00000000-0000-0000-0000-000000000000}"/>
+          </ac:spMkLst>
+        </pc:spChg>
+      </pc:sldChg>
+      <pc:sldChg chg="modSp del mod">
+        <pc:chgData name="Gilbert, Andre-Anan" userId="9702a563-eab5-4d2a-ab37-425108274ca8" providerId="ADAL" clId="{7975F8F8-821C-4772-AC10-501CDE6779B6}" dt="2021-06-15T13:01:46.016" v="11" actId="47"/>
+        <pc:sldMkLst>
+          <pc:docMk/>
+          <pc:sldMk cId="1515423877" sldId="430"/>
+        </pc:sldMkLst>
+        <pc:picChg chg="mod">
+          <ac:chgData name="Gilbert, Andre-Anan" userId="9702a563-eab5-4d2a-ab37-425108274ca8" providerId="ADAL" clId="{7975F8F8-821C-4772-AC10-501CDE6779B6}" dt="2021-06-15T13:01:35.692" v="9" actId="1076"/>
+          <ac:picMkLst>
+            <pc:docMk/>
+            <pc:sldMk cId="1515423877" sldId="430"/>
+            <ac:picMk id="6" creationId="{00000000-0000-0000-0000-000000000000}"/>
+          </ac:picMkLst>
+        </pc:picChg>
+      </pc:sldChg>
+      <pc:sldChg chg="addSp delSp modSp mod">
+        <pc:chgData name="Gilbert, Andre-Anan" userId="9702a563-eab5-4d2a-ab37-425108274ca8" providerId="ADAL" clId="{7975F8F8-821C-4772-AC10-501CDE6779B6}" dt="2021-06-15T13:07:13.755" v="277" actId="20577"/>
+        <pc:sldMkLst>
+          <pc:docMk/>
+          <pc:sldMk cId="1786748081" sldId="434"/>
+        </pc:sldMkLst>
+        <pc:spChg chg="mod">
+          <ac:chgData name="Gilbert, Andre-Anan" userId="9702a563-eab5-4d2a-ab37-425108274ca8" providerId="ADAL" clId="{7975F8F8-821C-4772-AC10-501CDE6779B6}" dt="2021-06-15T13:07:13.755" v="277" actId="20577"/>
+          <ac:spMkLst>
+            <pc:docMk/>
+            <pc:sldMk cId="1786748081" sldId="434"/>
+            <ac:spMk id="4" creationId="{00000000-0000-0000-0000-000000000000}"/>
+          </ac:spMkLst>
+        </pc:spChg>
+        <pc:spChg chg="del">
+          <ac:chgData name="Gilbert, Andre-Anan" userId="9702a563-eab5-4d2a-ab37-425108274ca8" providerId="ADAL" clId="{7975F8F8-821C-4772-AC10-501CDE6779B6}" dt="2021-06-15T12:58:54.721" v="5" actId="478"/>
+          <ac:spMkLst>
+            <pc:docMk/>
+            <pc:sldMk cId="1786748081" sldId="434"/>
+            <ac:spMk id="6" creationId="{00000000-0000-0000-0000-000000000000}"/>
+          </ac:spMkLst>
+        </pc:spChg>
+        <pc:spChg chg="mod">
+          <ac:chgData name="Gilbert, Andre-Anan" userId="9702a563-eab5-4d2a-ab37-425108274ca8" providerId="ADAL" clId="{7975F8F8-821C-4772-AC10-501CDE6779B6}" dt="2021-06-15T13:06:20.539" v="228" actId="20577"/>
+          <ac:spMkLst>
+            <pc:docMk/>
+            <pc:sldMk cId="1786748081" sldId="434"/>
+            <ac:spMk id="16" creationId="{00000000-0000-0000-0000-000000000000}"/>
+          </ac:spMkLst>
+        </pc:spChg>
+        <pc:picChg chg="add del mod">
+          <ac:chgData name="Gilbert, Andre-Anan" userId="9702a563-eab5-4d2a-ab37-425108274ca8" providerId="ADAL" clId="{7975F8F8-821C-4772-AC10-501CDE6779B6}" dt="2021-06-15T12:56:33.205" v="1" actId="478"/>
+          <ac:picMkLst>
+            <pc:docMk/>
+            <pc:sldMk cId="1786748081" sldId="434"/>
+            <ac:picMk id="3" creationId="{59274B1C-A62E-40BB-AEFF-D09B64C85884}"/>
+          </ac:picMkLst>
+        </pc:picChg>
+        <pc:picChg chg="mod">
+          <ac:chgData name="Gilbert, Andre-Anan" userId="9702a563-eab5-4d2a-ab37-425108274ca8" providerId="ADAL" clId="{7975F8F8-821C-4772-AC10-501CDE6779B6}" dt="2021-06-15T12:58:12.037" v="4" actId="14826"/>
+          <ac:picMkLst>
+            <pc:docMk/>
+            <pc:sldMk cId="1786748081" sldId="434"/>
+            <ac:picMk id="5" creationId="{00000000-0000-0000-0000-000000000000}"/>
+          </ac:picMkLst>
+        </pc:picChg>
+        <pc:picChg chg="add del mod">
+          <ac:chgData name="Gilbert, Andre-Anan" userId="9702a563-eab5-4d2a-ab37-425108274ca8" providerId="ADAL" clId="{7975F8F8-821C-4772-AC10-501CDE6779B6}" dt="2021-06-15T12:58:00.523" v="3" actId="478"/>
+          <ac:picMkLst>
+            <pc:docMk/>
+            <pc:sldMk cId="1786748081" sldId="434"/>
+            <ac:picMk id="8" creationId="{A1BDE2C1-4D02-4A54-9D80-C456B1242162}"/>
+          </ac:picMkLst>
+        </pc:picChg>
+      </pc:sldChg>
+      <pc:sldChg chg="del">
+        <pc:chgData name="Gilbert, Andre-Anan" userId="9702a563-eab5-4d2a-ab37-425108274ca8" providerId="ADAL" clId="{7975F8F8-821C-4772-AC10-501CDE6779B6}" dt="2021-06-15T12:59:42.757" v="6" actId="47"/>
+        <pc:sldMkLst>
+          <pc:docMk/>
+          <pc:sldMk cId="3115733345" sldId="438"/>
+        </pc:sldMkLst>
+      </pc:sldChg>
+      <pc:sldChg chg="modSp add mod">
+        <pc:chgData name="Gilbert, Andre-Anan" userId="9702a563-eab5-4d2a-ab37-425108274ca8" providerId="ADAL" clId="{7975F8F8-821C-4772-AC10-501CDE6779B6}" dt="2021-06-15T13:02:25.646" v="81" actId="20577"/>
+        <pc:sldMkLst>
+          <pc:docMk/>
+          <pc:sldMk cId="161319076" sldId="443"/>
+        </pc:sldMkLst>
+        <pc:spChg chg="mod">
+          <ac:chgData name="Gilbert, Andre-Anan" userId="9702a563-eab5-4d2a-ab37-425108274ca8" providerId="ADAL" clId="{7975F8F8-821C-4772-AC10-501CDE6779B6}" dt="2021-06-15T13:02:25.646" v="81" actId="20577"/>
+          <ac:spMkLst>
+            <pc:docMk/>
+            <pc:sldMk cId="161319076" sldId="443"/>
+            <ac:spMk id="2" creationId="{00000000-0000-0000-0000-000000000000}"/>
+          </ac:spMkLst>
+        </pc:spChg>
+      </pc:sldChg>
+      <pc:sldChg chg="modSp add mod">
+        <pc:chgData name="Gilbert, Andre-Anan" userId="9702a563-eab5-4d2a-ab37-425108274ca8" providerId="ADAL" clId="{7975F8F8-821C-4772-AC10-501CDE6779B6}" dt="2021-06-15T13:02:49.774" v="112" actId="20577"/>
+        <pc:sldMkLst>
+          <pc:docMk/>
+          <pc:sldMk cId="306196124" sldId="444"/>
+        </pc:sldMkLst>
+        <pc:spChg chg="mod">
+          <ac:chgData name="Gilbert, Andre-Anan" userId="9702a563-eab5-4d2a-ab37-425108274ca8" providerId="ADAL" clId="{7975F8F8-821C-4772-AC10-501CDE6779B6}" dt="2021-06-15T13:02:49.774" v="112" actId="20577"/>
+          <ac:spMkLst>
+            <pc:docMk/>
+            <pc:sldMk cId="306196124" sldId="444"/>
+            <ac:spMk id="2" creationId="{00000000-0000-0000-0000-000000000000}"/>
+          </ac:spMkLst>
+        </pc:spChg>
+      </pc:sldChg>
+      <pc:sldChg chg="modSp add mod">
+        <pc:chgData name="Gilbert, Andre-Anan" userId="9702a563-eab5-4d2a-ab37-425108274ca8" providerId="ADAL" clId="{7975F8F8-821C-4772-AC10-501CDE6779B6}" dt="2021-06-15T13:37:57.759" v="639" actId="20577"/>
+        <pc:sldMkLst>
+          <pc:docMk/>
+          <pc:sldMk cId="418140978" sldId="445"/>
+        </pc:sldMkLst>
+        <pc:spChg chg="mod">
+          <ac:chgData name="Gilbert, Andre-Anan" userId="9702a563-eab5-4d2a-ab37-425108274ca8" providerId="ADAL" clId="{7975F8F8-821C-4772-AC10-501CDE6779B6}" dt="2021-06-15T13:37:57.759" v="639" actId="20577"/>
+          <ac:spMkLst>
+            <pc:docMk/>
+            <pc:sldMk cId="418140978" sldId="445"/>
+            <ac:spMk id="2" creationId="{00000000-0000-0000-0000-000000000000}"/>
+          </ac:spMkLst>
+        </pc:spChg>
+      </pc:sldChg>
+      <pc:sldChg chg="addSp modSp add mod">
+        <pc:chgData name="Gilbert, Andre-Anan" userId="9702a563-eab5-4d2a-ab37-425108274ca8" providerId="ADAL" clId="{7975F8F8-821C-4772-AC10-501CDE6779B6}" dt="2021-06-15T14:16:52.053" v="1731" actId="931"/>
+        <pc:sldMkLst>
+          <pc:docMk/>
+          <pc:sldMk cId="3546561420" sldId="446"/>
+        </pc:sldMkLst>
+        <pc:spChg chg="mod">
+          <ac:chgData name="Gilbert, Andre-Anan" userId="9702a563-eab5-4d2a-ab37-425108274ca8" providerId="ADAL" clId="{7975F8F8-821C-4772-AC10-501CDE6779B6}" dt="2021-06-15T13:16:09.432" v="361" actId="20577"/>
+          <ac:spMkLst>
+            <pc:docMk/>
+            <pc:sldMk cId="3546561420" sldId="446"/>
+            <ac:spMk id="4" creationId="{00000000-0000-0000-0000-000000000000}"/>
+          </ac:spMkLst>
+        </pc:spChg>
+        <pc:picChg chg="add mod">
+          <ac:chgData name="Gilbert, Andre-Anan" userId="9702a563-eab5-4d2a-ab37-425108274ca8" providerId="ADAL" clId="{7975F8F8-821C-4772-AC10-501CDE6779B6}" dt="2021-06-15T14:16:52.053" v="1731" actId="931"/>
+          <ac:picMkLst>
+            <pc:docMk/>
+            <pc:sldMk cId="3546561420" sldId="446"/>
+            <ac:picMk id="3" creationId="{306AA273-6982-4B5C-9C2F-50718E89E077}"/>
+          </ac:picMkLst>
+        </pc:picChg>
+      </pc:sldChg>
+      <pc:sldChg chg="addSp modSp add mod">
+        <pc:chgData name="Gilbert, Andre-Anan" userId="9702a563-eab5-4d2a-ab37-425108274ca8" providerId="ADAL" clId="{7975F8F8-821C-4772-AC10-501CDE6779B6}" dt="2021-06-15T14:16:40.372" v="1730" actId="931"/>
+        <pc:sldMkLst>
+          <pc:docMk/>
+          <pc:sldMk cId="304281148" sldId="447"/>
+        </pc:sldMkLst>
+        <pc:spChg chg="mod">
+          <ac:chgData name="Gilbert, Andre-Anan" userId="9702a563-eab5-4d2a-ab37-425108274ca8" providerId="ADAL" clId="{7975F8F8-821C-4772-AC10-501CDE6779B6}" dt="2021-06-15T13:17:26.842" v="428" actId="207"/>
+          <ac:spMkLst>
+            <pc:docMk/>
+            <pc:sldMk cId="304281148" sldId="447"/>
+            <ac:spMk id="4" creationId="{00000000-0000-0000-0000-000000000000}"/>
+          </ac:spMkLst>
+        </pc:spChg>
+        <pc:picChg chg="add mod">
+          <ac:chgData name="Gilbert, Andre-Anan" userId="9702a563-eab5-4d2a-ab37-425108274ca8" providerId="ADAL" clId="{7975F8F8-821C-4772-AC10-501CDE6779B6}" dt="2021-06-15T14:16:40.372" v="1730" actId="931"/>
+          <ac:picMkLst>
+            <pc:docMk/>
+            <pc:sldMk cId="304281148" sldId="447"/>
+            <ac:picMk id="3" creationId="{789BCBC6-0DA7-4332-B230-23466F85279F}"/>
+          </ac:picMkLst>
+        </pc:picChg>
+      </pc:sldChg>
+      <pc:sldChg chg="modSp add mod">
+        <pc:chgData name="Gilbert, Andre-Anan" userId="9702a563-eab5-4d2a-ab37-425108274ca8" providerId="ADAL" clId="{7975F8F8-821C-4772-AC10-501CDE6779B6}" dt="2021-06-15T13:52:20.886" v="1084" actId="20577"/>
+        <pc:sldMkLst>
+          <pc:docMk/>
+          <pc:sldMk cId="2732869722" sldId="448"/>
+        </pc:sldMkLst>
+        <pc:spChg chg="mod">
+          <ac:chgData name="Gilbert, Andre-Anan" userId="9702a563-eab5-4d2a-ab37-425108274ca8" providerId="ADAL" clId="{7975F8F8-821C-4772-AC10-501CDE6779B6}" dt="2021-06-15T13:45:05.849" v="723" actId="20577"/>
+          <ac:spMkLst>
+            <pc:docMk/>
+            <pc:sldMk cId="2732869722" sldId="448"/>
+            <ac:spMk id="4" creationId="{00000000-0000-0000-0000-000000000000}"/>
+          </ac:spMkLst>
+        </pc:spChg>
+        <pc:spChg chg="mod">
+          <ac:chgData name="Gilbert, Andre-Anan" userId="9702a563-eab5-4d2a-ab37-425108274ca8" providerId="ADAL" clId="{7975F8F8-821C-4772-AC10-501CDE6779B6}" dt="2021-06-15T13:52:20.886" v="1084" actId="20577"/>
+          <ac:spMkLst>
+            <pc:docMk/>
+            <pc:sldMk cId="2732869722" sldId="448"/>
+            <ac:spMk id="11" creationId="{00000000-0000-0000-0000-000000000000}"/>
+          </ac:spMkLst>
+        </pc:spChg>
+      </pc:sldChg>
+      <pc:sldChg chg="addSp modSp add mod">
+        <pc:chgData name="Gilbert, Andre-Anan" userId="9702a563-eab5-4d2a-ab37-425108274ca8" providerId="ADAL" clId="{7975F8F8-821C-4772-AC10-501CDE6779B6}" dt="2021-06-15T14:15:07.579" v="1729" actId="931"/>
+        <pc:sldMkLst>
+          <pc:docMk/>
+          <pc:sldMk cId="1287147475" sldId="449"/>
+        </pc:sldMkLst>
+        <pc:spChg chg="mod">
+          <ac:chgData name="Gilbert, Andre-Anan" userId="9702a563-eab5-4d2a-ab37-425108274ca8" providerId="ADAL" clId="{7975F8F8-821C-4772-AC10-501CDE6779B6}" dt="2021-06-15T13:27:23.940" v="495" actId="20577"/>
+          <ac:spMkLst>
+            <pc:docMk/>
+            <pc:sldMk cId="1287147475" sldId="449"/>
+            <ac:spMk id="4" creationId="{00000000-0000-0000-0000-000000000000}"/>
+          </ac:spMkLst>
+        </pc:spChg>
+        <pc:picChg chg="add mod">
+          <ac:chgData name="Gilbert, Andre-Anan" userId="9702a563-eab5-4d2a-ab37-425108274ca8" providerId="ADAL" clId="{7975F8F8-821C-4772-AC10-501CDE6779B6}" dt="2021-06-15T14:15:07.579" v="1729" actId="931"/>
+          <ac:picMkLst>
+            <pc:docMk/>
+            <pc:sldMk cId="1287147475" sldId="449"/>
+            <ac:picMk id="3" creationId="{C1E0909C-FE90-4849-BD03-588B611EA9ED}"/>
+          </ac:picMkLst>
+        </pc:picChg>
+      </pc:sldChg>
+      <pc:sldChg chg="add">
+        <pc:chgData name="Gilbert, Andre-Anan" userId="9702a563-eab5-4d2a-ab37-425108274ca8" providerId="ADAL" clId="{7975F8F8-821C-4772-AC10-501CDE6779B6}" dt="2021-06-15T13:13:51.229" v="282"/>
+        <pc:sldMkLst>
+          <pc:docMk/>
+          <pc:sldMk cId="813842916" sldId="450"/>
+        </pc:sldMkLst>
+      </pc:sldChg>
+      <pc:sldChg chg="add">
+        <pc:chgData name="Gilbert, Andre-Anan" userId="9702a563-eab5-4d2a-ab37-425108274ca8" providerId="ADAL" clId="{7975F8F8-821C-4772-AC10-501CDE6779B6}" dt="2021-06-15T13:14:07.990" v="283"/>
+        <pc:sldMkLst>
+          <pc:docMk/>
+          <pc:sldMk cId="4103154173" sldId="451"/>
+        </pc:sldMkLst>
+      </pc:sldChg>
+      <pc:sldChg chg="add">
+        <pc:chgData name="Gilbert, Andre-Anan" userId="9702a563-eab5-4d2a-ab37-425108274ca8" providerId="ADAL" clId="{7975F8F8-821C-4772-AC10-501CDE6779B6}" dt="2021-06-15T13:14:10.425" v="284"/>
+        <pc:sldMkLst>
+          <pc:docMk/>
+          <pc:sldMk cId="20654166" sldId="452"/>
+        </pc:sldMkLst>
+      </pc:sldChg>
+      <pc:sldChg chg="add">
+        <pc:chgData name="Gilbert, Andre-Anan" userId="9702a563-eab5-4d2a-ab37-425108274ca8" providerId="ADAL" clId="{7975F8F8-821C-4772-AC10-501CDE6779B6}" dt="2021-06-15T13:14:10.879" v="285"/>
+        <pc:sldMkLst>
+          <pc:docMk/>
+          <pc:sldMk cId="1588083430" sldId="453"/>
+        </pc:sldMkLst>
+      </pc:sldChg>
+      <pc:sldChg chg="modSp add mod">
+        <pc:chgData name="Gilbert, Andre-Anan" userId="9702a563-eab5-4d2a-ab37-425108274ca8" providerId="ADAL" clId="{7975F8F8-821C-4772-AC10-501CDE6779B6}" dt="2021-06-15T13:20:37.759" v="482" actId="20577"/>
+        <pc:sldMkLst>
+          <pc:docMk/>
+          <pc:sldMk cId="1358289845" sldId="454"/>
+        </pc:sldMkLst>
+        <pc:spChg chg="mod">
+          <ac:chgData name="Gilbert, Andre-Anan" userId="9702a563-eab5-4d2a-ab37-425108274ca8" providerId="ADAL" clId="{7975F8F8-821C-4772-AC10-501CDE6779B6}" dt="2021-06-15T13:20:37.759" v="482" actId="20577"/>
+          <ac:spMkLst>
+            <pc:docMk/>
+            <pc:sldMk cId="1358289845" sldId="454"/>
+            <ac:spMk id="4" creationId="{00000000-0000-0000-0000-000000000000}"/>
+          </ac:spMkLst>
+        </pc:spChg>
+      </pc:sldChg>
+      <pc:sldChg chg="modSp mod">
+        <pc:chgData name="Gilbert, Andre-Anan" userId="9702a563-eab5-4d2a-ab37-425108274ca8" providerId="ADAL" clId="{7975F8F8-821C-4772-AC10-501CDE6779B6}" dt="2021-06-15T14:06:48.625" v="1728" actId="20577"/>
+        <pc:sldMkLst>
+          <pc:docMk/>
+          <pc:sldMk cId="3758971385" sldId="455"/>
+        </pc:sldMkLst>
+        <pc:spChg chg="mod">
+          <ac:chgData name="Gilbert, Andre-Anan" userId="9702a563-eab5-4d2a-ab37-425108274ca8" providerId="ADAL" clId="{7975F8F8-821C-4772-AC10-501CDE6779B6}" dt="2021-06-15T14:00:14.604" v="1412" actId="20577"/>
+          <ac:spMkLst>
+            <pc:docMk/>
+            <pc:sldMk cId="3758971385" sldId="455"/>
+            <ac:spMk id="4" creationId="{00000000-0000-0000-0000-000000000000}"/>
+          </ac:spMkLst>
+        </pc:spChg>
+        <pc:spChg chg="mod">
+          <ac:chgData name="Gilbert, Andre-Anan" userId="9702a563-eab5-4d2a-ab37-425108274ca8" providerId="ADAL" clId="{7975F8F8-821C-4772-AC10-501CDE6779B6}" dt="2021-06-15T14:06:48.625" v="1728" actId="20577"/>
+          <ac:spMkLst>
+            <pc:docMk/>
+            <pc:sldMk cId="3758971385" sldId="455"/>
+            <ac:spMk id="11" creationId="{00000000-0000-0000-0000-000000000000}"/>
+          </ac:spMkLst>
+        </pc:spChg>
+      </pc:sldChg>
+      <pc:sldChg chg="addSp delSp modSp mod">
+        <pc:chgData name="Gilbert, Andre-Anan" userId="9702a563-eab5-4d2a-ab37-425108274ca8" providerId="ADAL" clId="{7975F8F8-821C-4772-AC10-501CDE6779B6}" dt="2021-06-15T13:59:41.731" v="1346" actId="20577"/>
+        <pc:sldMkLst>
+          <pc:docMk/>
+          <pc:sldMk cId="3501809785" sldId="456"/>
+        </pc:sldMkLst>
+        <pc:spChg chg="add del">
+          <ac:chgData name="Gilbert, Andre-Anan" userId="9702a563-eab5-4d2a-ab37-425108274ca8" providerId="ADAL" clId="{7975F8F8-821C-4772-AC10-501CDE6779B6}" dt="2021-06-15T13:56:22.546" v="1219"/>
+          <ac:spMkLst>
+            <pc:docMk/>
+            <pc:sldMk cId="3501809785" sldId="456"/>
+            <ac:spMk id="2" creationId="{EBE722A9-621E-4737-A816-4FF9FBE8B6D3}"/>
+          </ac:spMkLst>
+        </pc:spChg>
+        <pc:spChg chg="mod">
+          <ac:chgData name="Gilbert, Andre-Anan" userId="9702a563-eab5-4d2a-ab37-425108274ca8" providerId="ADAL" clId="{7975F8F8-821C-4772-AC10-501CDE6779B6}" dt="2021-06-15T13:53:25.168" v="1156" actId="20577"/>
+          <ac:spMkLst>
+            <pc:docMk/>
+            <pc:sldMk cId="3501809785" sldId="456"/>
+            <ac:spMk id="4" creationId="{00000000-0000-0000-0000-000000000000}"/>
+          </ac:spMkLst>
+        </pc:spChg>
+        <pc:spChg chg="mod">
+          <ac:chgData name="Gilbert, Andre-Anan" userId="9702a563-eab5-4d2a-ab37-425108274ca8" providerId="ADAL" clId="{7975F8F8-821C-4772-AC10-501CDE6779B6}" dt="2021-06-15T13:59:41.731" v="1346" actId="20577"/>
+          <ac:spMkLst>
+            <pc:docMk/>
+            <pc:sldMk cId="3501809785" sldId="456"/>
+            <ac:spMk id="11" creationId="{00000000-0000-0000-0000-000000000000}"/>
+          </ac:spMkLst>
+        </pc:spChg>
+      </pc:sldChg>
+    </pc:docChg>
+  </pc:docChgLst>
+</pc:chgInfo>
+</file>
+
 <file path=ppt/handoutMasters/handoutMaster1.xml><?xml version="1.0" encoding="utf-8"?>
 <p:handoutMaster xmlns:a="http://schemas.openxmlformats.org/drawingml/2006/main" xmlns:r="http://schemas.openxmlformats.org/officeDocument/2006/relationships" xmlns:p="http://schemas.openxmlformats.org/presentationml/2006/main">
   <p:cSld>
@@ -246,7 +949,7 @@
               <a:pPr algn="ctr"/>
               <a:t>‹#›</a:t>
             </a:fld>
-            <a:endParaRPr lang="de-DE" sz="1000" dirty="0"/>
+            <a:endParaRPr lang="de-DE" sz="1000"/>
           </a:p>
         </p:txBody>
       </p:sp>
@@ -312,7 +1015,7 @@
           <a:bodyPr vert="horz" lIns="91440" tIns="45720" rIns="91440" bIns="45720" rtlCol="0" anchor="ctr"/>
           <a:lstStyle/>
           <a:p>
-            <a:endParaRPr lang="de-DE" dirty="0"/>
+            <a:endParaRPr lang="de-DE"/>
           </a:p>
         </p:txBody>
       </p:sp>
@@ -343,21 +1046,21 @@
           <a:p>
             <a:pPr lvl="0"/>
             <a:r>
-              <a:rPr lang="en-US" dirty="0"/>
+              <a:rPr lang="en-US"/>
               <a:t>Click to edit Master text styles</a:t>
             </a:r>
           </a:p>
           <a:p>
             <a:pPr lvl="1"/>
             <a:r>
-              <a:rPr lang="en-US" dirty="0"/>
+              <a:rPr lang="en-US"/>
               <a:t>Second level</a:t>
             </a:r>
           </a:p>
           <a:p>
             <a:pPr lvl="2"/>
             <a:r>
-              <a:rPr lang="en-US" dirty="0"/>
+              <a:rPr lang="en-US"/>
               <a:t>Third level</a:t>
             </a:r>
           </a:p>
@@ -395,7 +1098,7 @@
               <a:pPr/>
               <a:t>‹#›</a:t>
             </a:fld>
-            <a:endParaRPr lang="de-DE" dirty="0"/>
+            <a:endParaRPr lang="de-DE"/>
           </a:p>
         </p:txBody>
       </p:sp>
@@ -538,37 +1241,6 @@
       </p:grpSpPr>
       <p:sp>
         <p:nvSpPr>
-          <p:cNvPr id="2" name="Slide Image Placeholder 1"/>
-          <p:cNvSpPr>
-            <a:spLocks noGrp="1" noRot="1" noChangeAspect="1"/>
-          </p:cNvSpPr>
-          <p:nvPr>
-            <p:ph type="sldImg"/>
-          </p:nvPr>
-        </p:nvSpPr>
-        <p:spPr/>
-      </p:sp>
-      <p:sp>
-        <p:nvSpPr>
-          <p:cNvPr id="3" name="Notes Placeholder 2"/>
-          <p:cNvSpPr>
-            <a:spLocks noGrp="1"/>
-          </p:cNvSpPr>
-          <p:nvPr>
-            <p:ph type="body" idx="1"/>
-          </p:nvPr>
-        </p:nvSpPr>
-        <p:spPr/>
-        <p:txBody>
-          <a:bodyPr/>
-          <a:lstStyle/>
-          <a:p>
-            <a:endParaRPr lang="en-US" dirty="0"/>
-          </a:p>
-        </p:txBody>
-      </p:sp>
-      <p:sp>
-        <p:nvSpPr>
           <p:cNvPr id="4" name="Slide Number Placeholder 3"/>
           <p:cNvSpPr>
             <a:spLocks noGrp="1"/>
@@ -585,16 +1257,54 @@
             <a:fld id="{7D8C2C35-2B8A-446E-BEC0-FD36716C29AC}" type="slidenum">
               <a:rPr lang="de-DE" smtClean="0"/>
               <a:pPr/>
-              <a:t>1</a:t>
+              <a:t>2</a:t>
             </a:fld>
-            <a:endParaRPr lang="de-DE" dirty="0"/>
+            <a:endParaRPr lang="de-DE"/>
+          </a:p>
+        </p:txBody>
+      </p:sp>
+      <p:sp>
+        <p:nvSpPr>
+          <p:cNvPr id="9" name="Slide Image Placeholder 8"/>
+          <p:cNvSpPr>
+            <a:spLocks noGrp="1" noRot="1" noChangeAspect="1"/>
+          </p:cNvSpPr>
+          <p:nvPr>
+            <p:ph type="sldImg"/>
+          </p:nvPr>
+        </p:nvSpPr>
+        <p:spPr>
+          <a:xfrm>
+            <a:off x="269875" y="665163"/>
+            <a:ext cx="6257925" cy="3519487"/>
+          </a:xfrm>
+        </p:spPr>
+      </p:sp>
+      <p:sp>
+        <p:nvSpPr>
+          <p:cNvPr id="10" name="Notes Placeholder 9"/>
+          <p:cNvSpPr>
+            <a:spLocks noGrp="1"/>
+          </p:cNvSpPr>
+          <p:nvPr>
+            <p:ph type="body" idx="1"/>
+          </p:nvPr>
+        </p:nvSpPr>
+        <p:spPr/>
+        <p:txBody>
+          <a:bodyPr>
+            <a:normAutofit/>
+          </a:bodyPr>
+          <a:lstStyle/>
+          <a:p>
+            <a:endParaRPr lang="en-US"/>
           </a:p>
         </p:txBody>
       </p:sp>
     </p:spTree>
     <p:extLst>
       <p:ext uri="{BB962C8B-B14F-4D97-AF65-F5344CB8AC3E}">
-        <p14:creationId xmlns:p14="http://schemas.microsoft.com/office/powerpoint/2010/main" val="2535800068"/>
+        <p14:creationId xmlns:p14="http://schemas.microsoft.com/office/powerpoint/2010/main" val="979621955"/>
       </p:ext>
     </p:extLst>
   </p:cSld>
@@ -623,6 +1333,37 @@
       </p:grpSpPr>
       <p:sp>
         <p:nvSpPr>
+          <p:cNvPr id="2" name="Slide Image Placeholder 1"/>
+          <p:cNvSpPr>
+            <a:spLocks noGrp="1" noRot="1" noChangeAspect="1"/>
+          </p:cNvSpPr>
+          <p:nvPr>
+            <p:ph type="sldImg"/>
+          </p:nvPr>
+        </p:nvSpPr>
+        <p:spPr/>
+      </p:sp>
+      <p:sp>
+        <p:nvSpPr>
+          <p:cNvPr id="3" name="Notes Placeholder 2"/>
+          <p:cNvSpPr>
+            <a:spLocks noGrp="1"/>
+          </p:cNvSpPr>
+          <p:nvPr>
+            <p:ph type="body" idx="1"/>
+          </p:nvPr>
+        </p:nvSpPr>
+        <p:spPr/>
+        <p:txBody>
+          <a:bodyPr/>
+          <a:lstStyle/>
+          <a:p>
+            <a:endParaRPr lang="en-US" sz="900"/>
+          </a:p>
+        </p:txBody>
+      </p:sp>
+      <p:sp>
+        <p:nvSpPr>
           <p:cNvPr id="4" name="Slide Number Placeholder 3"/>
           <p:cNvSpPr>
             <a:spLocks noGrp="1"/>
@@ -639,54 +1380,16 @@
             <a:fld id="{7D8C2C35-2B8A-446E-BEC0-FD36716C29AC}" type="slidenum">
               <a:rPr lang="de-DE" smtClean="0"/>
               <a:pPr/>
-              <a:t>5</a:t>
+              <a:t>3</a:t>
             </a:fld>
-            <a:endParaRPr lang="de-DE" dirty="0"/>
-          </a:p>
-        </p:txBody>
-      </p:sp>
-      <p:sp>
-        <p:nvSpPr>
-          <p:cNvPr id="9" name="Slide Image Placeholder 8"/>
-          <p:cNvSpPr>
-            <a:spLocks noGrp="1" noRot="1" noChangeAspect="1"/>
-          </p:cNvSpPr>
-          <p:nvPr>
-            <p:ph type="sldImg"/>
-          </p:nvPr>
-        </p:nvSpPr>
-        <p:spPr>
-          <a:xfrm>
-            <a:off x="269875" y="665163"/>
-            <a:ext cx="6257925" cy="3519487"/>
-          </a:xfrm>
-        </p:spPr>
-      </p:sp>
-      <p:sp>
-        <p:nvSpPr>
-          <p:cNvPr id="10" name="Notes Placeholder 9"/>
-          <p:cNvSpPr>
-            <a:spLocks noGrp="1"/>
-          </p:cNvSpPr>
-          <p:nvPr>
-            <p:ph type="body" idx="1"/>
-          </p:nvPr>
-        </p:nvSpPr>
-        <p:spPr/>
-        <p:txBody>
-          <a:bodyPr>
-            <a:normAutofit/>
-          </a:bodyPr>
-          <a:lstStyle/>
-          <a:p>
-            <a:endParaRPr lang="en-US"/>
+            <a:endParaRPr lang="de-DE"/>
           </a:p>
         </p:txBody>
       </p:sp>
     </p:spTree>
     <p:extLst>
       <p:ext uri="{BB962C8B-B14F-4D97-AF65-F5344CB8AC3E}">
-        <p14:creationId xmlns:p14="http://schemas.microsoft.com/office/powerpoint/2010/main" val="979621955"/>
+        <p14:creationId xmlns:p14="http://schemas.microsoft.com/office/powerpoint/2010/main" val="1278075918"/>
       </p:ext>
     </p:extLst>
   </p:cSld>
@@ -740,7 +1443,7 @@
           <a:bodyPr/>
           <a:lstStyle/>
           <a:p>
-            <a:endParaRPr lang="en-US" sz="900" dirty="0"/>
+            <a:endParaRPr lang="en-US" sz="900"/>
           </a:p>
         </p:txBody>
       </p:sp>
@@ -764,14 +1467,14 @@
               <a:pPr/>
               <a:t>6</a:t>
             </a:fld>
-            <a:endParaRPr lang="de-DE" dirty="0"/>
+            <a:endParaRPr lang="de-DE"/>
           </a:p>
         </p:txBody>
       </p:sp>
     </p:spTree>
     <p:extLst>
       <p:ext uri="{BB962C8B-B14F-4D97-AF65-F5344CB8AC3E}">
-        <p14:creationId xmlns:p14="http://schemas.microsoft.com/office/powerpoint/2010/main" val="1278075918"/>
+        <p14:creationId xmlns:p14="http://schemas.microsoft.com/office/powerpoint/2010/main" val="3621072712"/>
       </p:ext>
     </p:extLst>
   </p:cSld>
@@ -800,6 +1503,37 @@
       </p:grpSpPr>
       <p:sp>
         <p:nvSpPr>
+          <p:cNvPr id="2" name="Slide Image Placeholder 1"/>
+          <p:cNvSpPr>
+            <a:spLocks noGrp="1" noRot="1" noChangeAspect="1"/>
+          </p:cNvSpPr>
+          <p:nvPr>
+            <p:ph type="sldImg"/>
+          </p:nvPr>
+        </p:nvSpPr>
+        <p:spPr/>
+      </p:sp>
+      <p:sp>
+        <p:nvSpPr>
+          <p:cNvPr id="3" name="Notes Placeholder 2"/>
+          <p:cNvSpPr>
+            <a:spLocks noGrp="1"/>
+          </p:cNvSpPr>
+          <p:nvPr>
+            <p:ph type="body" idx="1"/>
+          </p:nvPr>
+        </p:nvSpPr>
+        <p:spPr/>
+        <p:txBody>
+          <a:bodyPr/>
+          <a:lstStyle/>
+          <a:p>
+            <a:endParaRPr lang="en-US" sz="900"/>
+          </a:p>
+        </p:txBody>
+      </p:sp>
+      <p:sp>
+        <p:nvSpPr>
           <p:cNvPr id="4" name="Slide Number Placeholder 3"/>
           <p:cNvSpPr>
             <a:spLocks noGrp="1"/>
@@ -816,9 +1550,148 @@
             <a:fld id="{7D8C2C35-2B8A-446E-BEC0-FD36716C29AC}" type="slidenum">
               <a:rPr lang="de-DE" smtClean="0"/>
               <a:pPr/>
-              <a:t>24</a:t>
+              <a:t>15</a:t>
             </a:fld>
-            <a:endParaRPr lang="de-DE" dirty="0"/>
+            <a:endParaRPr lang="de-DE"/>
+          </a:p>
+        </p:txBody>
+      </p:sp>
+    </p:spTree>
+    <p:extLst>
+      <p:ext uri="{BB962C8B-B14F-4D97-AF65-F5344CB8AC3E}">
+        <p14:creationId xmlns:p14="http://schemas.microsoft.com/office/powerpoint/2010/main" val="844668748"/>
+      </p:ext>
+    </p:extLst>
+  </p:cSld>
+  <p:clrMapOvr>
+    <a:masterClrMapping/>
+  </p:clrMapOvr>
+</p:notes>
+</file>
+
+<file path=ppt/notesSlides/notesSlide5.xml><?xml version="1.0" encoding="utf-8"?>
+<p:notes xmlns:a="http://schemas.openxmlformats.org/drawingml/2006/main" xmlns:r="http://schemas.openxmlformats.org/officeDocument/2006/relationships" xmlns:p="http://schemas.openxmlformats.org/presentationml/2006/main">
+  <p:cSld>
+    <p:spTree>
+      <p:nvGrpSpPr>
+        <p:cNvPr id="1" name=""/>
+        <p:cNvGrpSpPr/>
+        <p:nvPr/>
+      </p:nvGrpSpPr>
+      <p:grpSpPr>
+        <a:xfrm>
+          <a:off x="0" y="0"/>
+          <a:ext cx="0" cy="0"/>
+          <a:chOff x="0" y="0"/>
+          <a:chExt cx="0" cy="0"/>
+        </a:xfrm>
+      </p:grpSpPr>
+      <p:sp>
+        <p:nvSpPr>
+          <p:cNvPr id="2" name="Slide Image Placeholder 1"/>
+          <p:cNvSpPr>
+            <a:spLocks noGrp="1" noRot="1" noChangeAspect="1"/>
+          </p:cNvSpPr>
+          <p:nvPr>
+            <p:ph type="sldImg"/>
+          </p:nvPr>
+        </p:nvSpPr>
+        <p:spPr/>
+      </p:sp>
+      <p:sp>
+        <p:nvSpPr>
+          <p:cNvPr id="3" name="Notes Placeholder 2"/>
+          <p:cNvSpPr>
+            <a:spLocks noGrp="1"/>
+          </p:cNvSpPr>
+          <p:nvPr>
+            <p:ph type="body" idx="1"/>
+          </p:nvPr>
+        </p:nvSpPr>
+        <p:spPr/>
+        <p:txBody>
+          <a:bodyPr/>
+          <a:lstStyle/>
+          <a:p>
+            <a:endParaRPr lang="en-US" sz="900"/>
+          </a:p>
+        </p:txBody>
+      </p:sp>
+      <p:sp>
+        <p:nvSpPr>
+          <p:cNvPr id="4" name="Slide Number Placeholder 3"/>
+          <p:cNvSpPr>
+            <a:spLocks noGrp="1"/>
+          </p:cNvSpPr>
+          <p:nvPr>
+            <p:ph type="sldNum" sz="quarter" idx="10"/>
+          </p:nvPr>
+        </p:nvSpPr>
+        <p:spPr/>
+        <p:txBody>
+          <a:bodyPr/>
+          <a:lstStyle/>
+          <a:p>
+            <a:fld id="{7D8C2C35-2B8A-446E-BEC0-FD36716C29AC}" type="slidenum">
+              <a:rPr lang="de-DE" smtClean="0"/>
+              <a:pPr/>
+              <a:t>18</a:t>
+            </a:fld>
+            <a:endParaRPr lang="de-DE"/>
+          </a:p>
+        </p:txBody>
+      </p:sp>
+    </p:spTree>
+    <p:extLst>
+      <p:ext uri="{BB962C8B-B14F-4D97-AF65-F5344CB8AC3E}">
+        <p14:creationId xmlns:p14="http://schemas.microsoft.com/office/powerpoint/2010/main" val="1725153326"/>
+      </p:ext>
+    </p:extLst>
+  </p:cSld>
+  <p:clrMapOvr>
+    <a:masterClrMapping/>
+  </p:clrMapOvr>
+</p:notes>
+</file>
+
+<file path=ppt/notesSlides/notesSlide6.xml><?xml version="1.0" encoding="utf-8"?>
+<p:notes xmlns:a="http://schemas.openxmlformats.org/drawingml/2006/main" xmlns:r="http://schemas.openxmlformats.org/officeDocument/2006/relationships" xmlns:p="http://schemas.openxmlformats.org/presentationml/2006/main">
+  <p:cSld>
+    <p:spTree>
+      <p:nvGrpSpPr>
+        <p:cNvPr id="1" name=""/>
+        <p:cNvGrpSpPr/>
+        <p:nvPr/>
+      </p:nvGrpSpPr>
+      <p:grpSpPr>
+        <a:xfrm>
+          <a:off x="0" y="0"/>
+          <a:ext cx="0" cy="0"/>
+          <a:chOff x="0" y="0"/>
+          <a:chExt cx="0" cy="0"/>
+        </a:xfrm>
+      </p:grpSpPr>
+      <p:sp>
+        <p:nvSpPr>
+          <p:cNvPr id="4" name="Slide Number Placeholder 3"/>
+          <p:cNvSpPr>
+            <a:spLocks noGrp="1"/>
+          </p:cNvSpPr>
+          <p:nvPr>
+            <p:ph type="sldNum" sz="quarter" idx="10"/>
+          </p:nvPr>
+        </p:nvSpPr>
+        <p:spPr/>
+        <p:txBody>
+          <a:bodyPr/>
+          <a:lstStyle/>
+          <a:p>
+            <a:fld id="{7D8C2C35-2B8A-446E-BEC0-FD36716C29AC}" type="slidenum">
+              <a:rPr lang="de-DE" smtClean="0"/>
+              <a:pPr/>
+              <a:t>22</a:t>
+            </a:fld>
+            <a:endParaRPr lang="de-DE"/>
           </a:p>
         </p:txBody>
       </p:sp>
@@ -1042,7 +1915,6 @@
               <a:rPr lang="en-US" sz="900" b="0"/>
               <a:t>PUBLIC</a:t>
             </a:r>
-            <a:endParaRPr lang="en-US" sz="900" b="0" dirty="0"/>
           </a:p>
         </p:txBody>
       </p:sp>
@@ -1173,7 +2045,7 @@
           </a:lstStyle>
           <a:p>
             <a:r>
-              <a:rPr lang="en-US" dirty="0"/>
+              <a:rPr lang="en-US"/>
               <a:t>Speaker’s Name, SAP</a:t>
             </a:r>
           </a:p>
@@ -1198,7 +2070,7 @@
               <a:defRPr/>
             </a:pPr>
             <a:r>
-              <a:rPr lang="en-US" dirty="0"/>
+              <a:rPr lang="en-US"/>
               <a:t>Month 00, 2020</a:t>
             </a:r>
           </a:p>
@@ -1239,14 +2111,14 @@
           <a:p>
             <a:pPr lvl="0"/>
             <a:r>
-              <a:rPr lang="en-US" dirty="0"/>
+              <a:rPr lang="en-US"/>
               <a:t>Presentation Title </a:t>
             </a:r>
             <a:br>
-              <a:rPr lang="en-US" dirty="0"/>
+              <a:rPr lang="en-US"/>
             </a:br>
             <a:r>
-              <a:rPr lang="en-US" dirty="0"/>
+              <a:rPr lang="en-US"/>
               <a:t>Goes Here and Here.</a:t>
             </a:r>
           </a:p>
@@ -1282,7 +2154,7 @@
           </a:lstStyle>
           <a:p>
             <a:r>
-              <a:rPr lang="en-US" dirty="0"/>
+              <a:rPr lang="en-US"/>
               <a:t>Click to insert title image or illustration</a:t>
             </a:r>
           </a:p>
@@ -1398,35 +2270,35 @@
           <a:p>
             <a:pPr lvl="0"/>
             <a:r>
-              <a:rPr lang="en-US" noProof="0" dirty="0"/>
+              <a:rPr lang="en-US" noProof="0"/>
               <a:t>First level</a:t>
             </a:r>
           </a:p>
           <a:p>
             <a:pPr lvl="1"/>
             <a:r>
-              <a:rPr lang="en-US" dirty="0"/>
+              <a:rPr lang="en-US"/>
               <a:t>Second level</a:t>
             </a:r>
           </a:p>
           <a:p>
             <a:pPr lvl="2"/>
             <a:r>
-              <a:rPr lang="en-US" dirty="0"/>
+              <a:rPr lang="en-US"/>
               <a:t>Third level</a:t>
             </a:r>
           </a:p>
           <a:p>
             <a:pPr lvl="3"/>
             <a:r>
-              <a:rPr lang="en-US" dirty="0"/>
+              <a:rPr lang="en-US"/>
               <a:t>Fourth level</a:t>
             </a:r>
           </a:p>
           <a:p>
             <a:pPr lvl="4"/>
             <a:r>
-              <a:rPr lang="en-US" dirty="0"/>
+              <a:rPr lang="en-US"/>
               <a:t>Fifth level</a:t>
             </a:r>
           </a:p>
@@ -1453,10 +2325,10 @@
           <a:lstStyle/>
           <a:p>
             <a:r>
-              <a:rPr lang="en-US" noProof="0" dirty="0"/>
+              <a:rPr lang="en-US" noProof="0"/>
               <a:t>Insert page title (sentence case)</a:t>
             </a:r>
-            <a:endParaRPr lang="en-US" dirty="0"/>
+            <a:endParaRPr lang="en-US"/>
           </a:p>
         </p:txBody>
       </p:sp>
@@ -1552,35 +2424,35 @@
           <a:p>
             <a:pPr lvl="0"/>
             <a:r>
-              <a:rPr lang="en-US" noProof="0" dirty="0"/>
+              <a:rPr lang="en-US" noProof="0"/>
               <a:t>First level</a:t>
             </a:r>
           </a:p>
           <a:p>
             <a:pPr lvl="1"/>
             <a:r>
-              <a:rPr lang="en-US" dirty="0"/>
+              <a:rPr lang="en-US"/>
               <a:t>Second level</a:t>
             </a:r>
           </a:p>
           <a:p>
             <a:pPr lvl="2"/>
             <a:r>
-              <a:rPr lang="en-US" dirty="0"/>
+              <a:rPr lang="en-US"/>
               <a:t>Third level</a:t>
             </a:r>
           </a:p>
           <a:p>
             <a:pPr lvl="3"/>
             <a:r>
-              <a:rPr lang="en-US" dirty="0"/>
+              <a:rPr lang="en-US"/>
               <a:t>Fourth level</a:t>
             </a:r>
           </a:p>
           <a:p>
             <a:pPr lvl="4"/>
             <a:r>
-              <a:rPr lang="en-US" dirty="0"/>
+              <a:rPr lang="en-US"/>
               <a:t>Fifth level</a:t>
             </a:r>
           </a:p>
@@ -1612,35 +2484,35 @@
           <a:p>
             <a:pPr lvl="0"/>
             <a:r>
-              <a:rPr lang="en-US" noProof="0" dirty="0"/>
+              <a:rPr lang="en-US" noProof="0"/>
               <a:t>First level</a:t>
             </a:r>
           </a:p>
           <a:p>
             <a:pPr lvl="1"/>
             <a:r>
-              <a:rPr lang="en-US" dirty="0"/>
+              <a:rPr lang="en-US"/>
               <a:t>Second level</a:t>
             </a:r>
           </a:p>
           <a:p>
             <a:pPr lvl="2"/>
             <a:r>
-              <a:rPr lang="en-US" dirty="0"/>
+              <a:rPr lang="en-US"/>
               <a:t>Third level</a:t>
             </a:r>
           </a:p>
           <a:p>
             <a:pPr lvl="3"/>
             <a:r>
-              <a:rPr lang="en-US" dirty="0"/>
+              <a:rPr lang="en-US"/>
               <a:t>Fourth level</a:t>
             </a:r>
           </a:p>
           <a:p>
             <a:pPr lvl="4"/>
             <a:r>
-              <a:rPr lang="en-US" dirty="0"/>
+              <a:rPr lang="en-US"/>
               <a:t>Fifth level</a:t>
             </a:r>
           </a:p>
@@ -1667,10 +2539,10 @@
           <a:lstStyle/>
           <a:p>
             <a:r>
-              <a:rPr lang="en-US" noProof="0" dirty="0"/>
+              <a:rPr lang="en-US" noProof="0"/>
               <a:t>Insert page title (sentence case)</a:t>
             </a:r>
-            <a:endParaRPr lang="en-US" dirty="0"/>
+            <a:endParaRPr lang="en-US"/>
           </a:p>
         </p:txBody>
       </p:sp>
@@ -1776,35 +2648,35 @@
           <a:p>
             <a:pPr lvl="0"/>
             <a:r>
-              <a:rPr lang="en-US" noProof="0" dirty="0"/>
+              <a:rPr lang="en-US" noProof="0"/>
               <a:t>First level</a:t>
             </a:r>
           </a:p>
           <a:p>
             <a:pPr lvl="1"/>
             <a:r>
-              <a:rPr lang="en-US" dirty="0"/>
+              <a:rPr lang="en-US"/>
               <a:t>Second level</a:t>
             </a:r>
           </a:p>
           <a:p>
             <a:pPr lvl="2"/>
             <a:r>
-              <a:rPr lang="en-US" dirty="0"/>
+              <a:rPr lang="en-US"/>
               <a:t>Third level</a:t>
             </a:r>
           </a:p>
           <a:p>
             <a:pPr lvl="3"/>
             <a:r>
-              <a:rPr lang="en-US" dirty="0"/>
+              <a:rPr lang="en-US"/>
               <a:t>Fourth level</a:t>
             </a:r>
           </a:p>
           <a:p>
             <a:pPr lvl="4"/>
             <a:r>
-              <a:rPr lang="en-US" dirty="0"/>
+              <a:rPr lang="en-US"/>
               <a:t>Fifth level</a:t>
             </a:r>
           </a:p>
@@ -1836,35 +2708,35 @@
           <a:p>
             <a:pPr lvl="0"/>
             <a:r>
-              <a:rPr lang="en-US" noProof="0" dirty="0"/>
+              <a:rPr lang="en-US" noProof="0"/>
               <a:t>First level</a:t>
             </a:r>
           </a:p>
           <a:p>
             <a:pPr lvl="1"/>
             <a:r>
-              <a:rPr lang="en-US" dirty="0"/>
+              <a:rPr lang="en-US"/>
               <a:t>Second level</a:t>
             </a:r>
           </a:p>
           <a:p>
             <a:pPr lvl="2"/>
             <a:r>
-              <a:rPr lang="en-US" dirty="0"/>
+              <a:rPr lang="en-US"/>
               <a:t>Third level</a:t>
             </a:r>
           </a:p>
           <a:p>
             <a:pPr lvl="3"/>
             <a:r>
-              <a:rPr lang="en-US" dirty="0"/>
+              <a:rPr lang="en-US"/>
               <a:t>Fourth level</a:t>
             </a:r>
           </a:p>
           <a:p>
             <a:pPr lvl="4"/>
             <a:r>
-              <a:rPr lang="en-US" dirty="0"/>
+              <a:rPr lang="en-US"/>
               <a:t>Fifth level</a:t>
             </a:r>
           </a:p>
@@ -1896,35 +2768,35 @@
           <a:p>
             <a:pPr lvl="0"/>
             <a:r>
-              <a:rPr lang="en-US" noProof="0" dirty="0"/>
+              <a:rPr lang="en-US" noProof="0"/>
               <a:t>First level</a:t>
             </a:r>
           </a:p>
           <a:p>
             <a:pPr lvl="1"/>
             <a:r>
-              <a:rPr lang="en-US" dirty="0"/>
+              <a:rPr lang="en-US"/>
               <a:t>Second level</a:t>
             </a:r>
           </a:p>
           <a:p>
             <a:pPr lvl="2"/>
             <a:r>
-              <a:rPr lang="en-US" dirty="0"/>
+              <a:rPr lang="en-US"/>
               <a:t>Third level</a:t>
             </a:r>
           </a:p>
           <a:p>
             <a:pPr lvl="3"/>
             <a:r>
-              <a:rPr lang="en-US" dirty="0"/>
+              <a:rPr lang="en-US"/>
               <a:t>Fourth level</a:t>
             </a:r>
           </a:p>
           <a:p>
             <a:pPr lvl="4"/>
             <a:r>
-              <a:rPr lang="en-US" dirty="0"/>
+              <a:rPr lang="en-US"/>
               <a:t>Fifth level</a:t>
             </a:r>
           </a:p>
@@ -1951,10 +2823,10 @@
           <a:lstStyle/>
           <a:p>
             <a:r>
-              <a:rPr lang="en-US" noProof="0" dirty="0"/>
+              <a:rPr lang="en-US" noProof="0"/>
               <a:t>Insert page title (sentence case)</a:t>
             </a:r>
-            <a:endParaRPr lang="en-US" dirty="0"/>
+            <a:endParaRPr lang="en-US"/>
           </a:p>
         </p:txBody>
       </p:sp>
@@ -2079,21 +2951,21 @@
           <a:p>
             <a:pPr lvl="0"/>
             <a:r>
-              <a:rPr lang="en-US" noProof="0" dirty="0"/>
+              <a:rPr lang="en-US" noProof="0"/>
               <a:t>First level</a:t>
             </a:r>
           </a:p>
           <a:p>
             <a:pPr lvl="1"/>
             <a:r>
-              <a:rPr lang="en-US" dirty="0"/>
+              <a:rPr lang="en-US"/>
               <a:t>Second level</a:t>
             </a:r>
           </a:p>
           <a:p>
             <a:pPr lvl="2"/>
             <a:r>
-              <a:rPr lang="en-US" dirty="0"/>
+              <a:rPr lang="en-US"/>
               <a:t>Third level</a:t>
             </a:r>
           </a:p>
@@ -2143,10 +3015,10 @@
           </a:lstStyle>
           <a:p>
             <a:r>
-              <a:rPr lang="en-US" dirty="0"/>
+              <a:rPr lang="en-US"/>
               <a:t>Click icon to add image or pictogram</a:t>
             </a:r>
-            <a:endParaRPr lang="de-DE" dirty="0"/>
+            <a:endParaRPr lang="de-DE"/>
           </a:p>
         </p:txBody>
       </p:sp>
@@ -2185,21 +3057,21 @@
           <a:p>
             <a:pPr lvl="0"/>
             <a:r>
-              <a:rPr lang="en-US" noProof="0" dirty="0"/>
+              <a:rPr lang="en-US" noProof="0"/>
               <a:t>First level</a:t>
             </a:r>
           </a:p>
           <a:p>
             <a:pPr lvl="1"/>
             <a:r>
-              <a:rPr lang="en-US" dirty="0"/>
+              <a:rPr lang="en-US"/>
               <a:t>Second level</a:t>
             </a:r>
           </a:p>
           <a:p>
             <a:pPr lvl="2"/>
             <a:r>
-              <a:rPr lang="en-US" dirty="0"/>
+              <a:rPr lang="en-US"/>
               <a:t>Third level</a:t>
             </a:r>
           </a:p>
@@ -2249,10 +3121,10 @@
           </a:lstStyle>
           <a:p>
             <a:r>
-              <a:rPr lang="en-US" dirty="0"/>
+              <a:rPr lang="en-US"/>
               <a:t>Click icon to add image or pictogram</a:t>
             </a:r>
-            <a:endParaRPr lang="de-DE" dirty="0"/>
+            <a:endParaRPr lang="de-DE"/>
           </a:p>
         </p:txBody>
       </p:sp>
@@ -2277,10 +3149,10 @@
           <a:lstStyle/>
           <a:p>
             <a:r>
-              <a:rPr lang="en-US" noProof="0" dirty="0"/>
+              <a:rPr lang="en-US" noProof="0"/>
               <a:t>Insert page title (sentence case)</a:t>
             </a:r>
-            <a:endParaRPr lang="en-US" dirty="0"/>
+            <a:endParaRPr lang="en-US"/>
           </a:p>
         </p:txBody>
       </p:sp>
@@ -2405,21 +3277,21 @@
           <a:p>
             <a:pPr lvl="0"/>
             <a:r>
-              <a:rPr lang="en-US" noProof="0" dirty="0"/>
+              <a:rPr lang="en-US" noProof="0"/>
               <a:t>First level</a:t>
             </a:r>
           </a:p>
           <a:p>
             <a:pPr lvl="1"/>
             <a:r>
-              <a:rPr lang="en-US" dirty="0"/>
+              <a:rPr lang="en-US"/>
               <a:t>Second level</a:t>
             </a:r>
           </a:p>
           <a:p>
             <a:pPr lvl="2"/>
             <a:r>
-              <a:rPr lang="en-US" dirty="0"/>
+              <a:rPr lang="en-US"/>
               <a:t>Third level</a:t>
             </a:r>
           </a:p>
@@ -2469,10 +3341,10 @@
           </a:lstStyle>
           <a:p>
             <a:r>
-              <a:rPr lang="en-US" dirty="0"/>
+              <a:rPr lang="en-US"/>
               <a:t>Click icon to add image or pictogram</a:t>
             </a:r>
-            <a:endParaRPr lang="de-DE" dirty="0"/>
+            <a:endParaRPr lang="de-DE"/>
           </a:p>
         </p:txBody>
       </p:sp>
@@ -2511,21 +3383,21 @@
           <a:p>
             <a:pPr lvl="0"/>
             <a:r>
-              <a:rPr lang="en-US" noProof="0" dirty="0"/>
+              <a:rPr lang="en-US" noProof="0"/>
               <a:t>First level</a:t>
             </a:r>
           </a:p>
           <a:p>
             <a:pPr lvl="1"/>
             <a:r>
-              <a:rPr lang="en-US" dirty="0"/>
+              <a:rPr lang="en-US"/>
               <a:t>Second level</a:t>
             </a:r>
           </a:p>
           <a:p>
             <a:pPr lvl="2"/>
             <a:r>
-              <a:rPr lang="en-US" dirty="0"/>
+              <a:rPr lang="en-US"/>
               <a:t>Third level</a:t>
             </a:r>
           </a:p>
@@ -2575,10 +3447,10 @@
           </a:lstStyle>
           <a:p>
             <a:r>
-              <a:rPr lang="en-US" dirty="0"/>
+              <a:rPr lang="en-US"/>
               <a:t>Click icon to add image or pictogram</a:t>
             </a:r>
-            <a:endParaRPr lang="de-DE" dirty="0"/>
+            <a:endParaRPr lang="de-DE"/>
           </a:p>
         </p:txBody>
       </p:sp>
@@ -2617,21 +3489,21 @@
           <a:p>
             <a:pPr lvl="0"/>
             <a:r>
-              <a:rPr lang="en-US" noProof="0" dirty="0"/>
+              <a:rPr lang="en-US" noProof="0"/>
               <a:t>First level</a:t>
             </a:r>
           </a:p>
           <a:p>
             <a:pPr lvl="1"/>
             <a:r>
-              <a:rPr lang="en-US" dirty="0"/>
+              <a:rPr lang="en-US"/>
               <a:t>Second level</a:t>
             </a:r>
           </a:p>
           <a:p>
             <a:pPr lvl="2"/>
             <a:r>
-              <a:rPr lang="en-US" dirty="0"/>
+              <a:rPr lang="en-US"/>
               <a:t>Third level</a:t>
             </a:r>
           </a:p>
@@ -2681,10 +3553,10 @@
           </a:lstStyle>
           <a:p>
             <a:r>
-              <a:rPr lang="en-US" dirty="0"/>
+              <a:rPr lang="en-US"/>
               <a:t>Click icon to add image or pictogram</a:t>
             </a:r>
-            <a:endParaRPr lang="de-DE" dirty="0"/>
+            <a:endParaRPr lang="de-DE"/>
           </a:p>
         </p:txBody>
       </p:sp>
@@ -2709,10 +3581,10 @@
           <a:lstStyle/>
           <a:p>
             <a:r>
-              <a:rPr lang="en-US" noProof="0" dirty="0"/>
+              <a:rPr lang="en-US" noProof="0"/>
               <a:t>Insert page title (sentence case)</a:t>
             </a:r>
-            <a:endParaRPr lang="en-US" dirty="0"/>
+            <a:endParaRPr lang="en-US"/>
           </a:p>
         </p:txBody>
       </p:sp>
@@ -2847,21 +3719,21 @@
           <a:p>
             <a:pPr lvl="0"/>
             <a:r>
-              <a:rPr lang="en-US" noProof="0" dirty="0"/>
+              <a:rPr lang="en-US" noProof="0"/>
               <a:t>First level</a:t>
             </a:r>
           </a:p>
           <a:p>
             <a:pPr lvl="1"/>
             <a:r>
-              <a:rPr lang="en-US" dirty="0"/>
+              <a:rPr lang="en-US"/>
               <a:t>Second level</a:t>
             </a:r>
           </a:p>
           <a:p>
             <a:pPr lvl="2"/>
             <a:r>
-              <a:rPr lang="en-US" dirty="0"/>
+              <a:rPr lang="en-US"/>
               <a:t>Third level</a:t>
             </a:r>
           </a:p>
@@ -2911,10 +3783,10 @@
           </a:lstStyle>
           <a:p>
             <a:r>
-              <a:rPr lang="en-US" dirty="0"/>
+              <a:rPr lang="en-US"/>
               <a:t>Click icon to add image or pictogram</a:t>
             </a:r>
-            <a:endParaRPr lang="de-DE" dirty="0"/>
+            <a:endParaRPr lang="de-DE"/>
           </a:p>
         </p:txBody>
       </p:sp>
@@ -2953,21 +3825,21 @@
           <a:p>
             <a:pPr lvl="0"/>
             <a:r>
-              <a:rPr lang="en-US" noProof="0" dirty="0"/>
+              <a:rPr lang="en-US" noProof="0"/>
               <a:t>First level</a:t>
             </a:r>
           </a:p>
           <a:p>
             <a:pPr lvl="1"/>
             <a:r>
-              <a:rPr lang="en-US" dirty="0"/>
+              <a:rPr lang="en-US"/>
               <a:t>Second level</a:t>
             </a:r>
           </a:p>
           <a:p>
             <a:pPr lvl="2"/>
             <a:r>
-              <a:rPr lang="en-US" dirty="0"/>
+              <a:rPr lang="en-US"/>
               <a:t>Third level</a:t>
             </a:r>
           </a:p>
@@ -3017,10 +3889,10 @@
           </a:lstStyle>
           <a:p>
             <a:r>
-              <a:rPr lang="en-US" dirty="0"/>
+              <a:rPr lang="en-US"/>
               <a:t>Click icon to add image or pictogram</a:t>
             </a:r>
-            <a:endParaRPr lang="de-DE" dirty="0"/>
+            <a:endParaRPr lang="de-DE"/>
           </a:p>
         </p:txBody>
       </p:sp>
@@ -3059,21 +3931,21 @@
           <a:p>
             <a:pPr lvl="0"/>
             <a:r>
-              <a:rPr lang="en-US" noProof="0" dirty="0"/>
+              <a:rPr lang="en-US" noProof="0"/>
               <a:t>First level</a:t>
             </a:r>
           </a:p>
           <a:p>
             <a:pPr lvl="1"/>
             <a:r>
-              <a:rPr lang="en-US" dirty="0"/>
+              <a:rPr lang="en-US"/>
               <a:t>Second level</a:t>
             </a:r>
           </a:p>
           <a:p>
             <a:pPr lvl="2"/>
             <a:r>
-              <a:rPr lang="en-US" dirty="0"/>
+              <a:rPr lang="en-US"/>
               <a:t>Third level</a:t>
             </a:r>
           </a:p>
@@ -3123,10 +3995,10 @@
           </a:lstStyle>
           <a:p>
             <a:r>
-              <a:rPr lang="en-US" dirty="0"/>
+              <a:rPr lang="en-US"/>
               <a:t>Click icon to add image or pictogram</a:t>
             </a:r>
-            <a:endParaRPr lang="de-DE" dirty="0"/>
+            <a:endParaRPr lang="de-DE"/>
           </a:p>
         </p:txBody>
       </p:sp>
@@ -3165,21 +4037,21 @@
           <a:p>
             <a:pPr lvl="0"/>
             <a:r>
-              <a:rPr lang="en-US" noProof="0" dirty="0"/>
+              <a:rPr lang="en-US" noProof="0"/>
               <a:t>First level</a:t>
             </a:r>
           </a:p>
           <a:p>
             <a:pPr lvl="1"/>
             <a:r>
-              <a:rPr lang="en-US" dirty="0"/>
+              <a:rPr lang="en-US"/>
               <a:t>Second level</a:t>
             </a:r>
           </a:p>
           <a:p>
             <a:pPr lvl="2"/>
             <a:r>
-              <a:rPr lang="en-US" dirty="0"/>
+              <a:rPr lang="en-US"/>
               <a:t>Third level</a:t>
             </a:r>
           </a:p>
@@ -3229,10 +4101,10 @@
           </a:lstStyle>
           <a:p>
             <a:r>
-              <a:rPr lang="en-US" dirty="0"/>
+              <a:rPr lang="en-US"/>
               <a:t>Click icon to add image or pictogram</a:t>
             </a:r>
-            <a:endParaRPr lang="de-DE" dirty="0"/>
+            <a:endParaRPr lang="de-DE"/>
           </a:p>
         </p:txBody>
       </p:sp>
@@ -3257,10 +4129,10 @@
           <a:lstStyle/>
           <a:p>
             <a:r>
-              <a:rPr lang="en-US" noProof="0" dirty="0"/>
+              <a:rPr lang="en-US" noProof="0"/>
               <a:t>Insert page title (sentence case)</a:t>
             </a:r>
-            <a:endParaRPr lang="en-US" dirty="0"/>
+            <a:endParaRPr lang="en-US"/>
           </a:p>
         </p:txBody>
       </p:sp>
@@ -3414,21 +4286,21 @@
           <a:p>
             <a:pPr lvl="0"/>
             <a:r>
-              <a:rPr lang="en-US" noProof="0" dirty="0"/>
+              <a:rPr lang="en-US" noProof="0"/>
               <a:t>“Quote goes here </a:t>
             </a:r>
             <a:br>
-              <a:rPr lang="en-US" noProof="0" dirty="0"/>
+              <a:rPr lang="en-US" noProof="0"/>
             </a:br>
             <a:r>
-              <a:rPr lang="en-US" noProof="0" dirty="0"/>
+              <a:rPr lang="en-US" noProof="0"/>
               <a:t>and here.”</a:t>
             </a:r>
           </a:p>
           <a:p>
             <a:pPr lvl="1"/>
             <a:r>
-              <a:rPr lang="en-US" noProof="0" dirty="0"/>
+              <a:rPr lang="en-US" noProof="0"/>
               <a:t>Source</a:t>
             </a:r>
           </a:p>
@@ -3534,21 +4406,21 @@
           <a:p>
             <a:pPr lvl="0"/>
             <a:r>
-              <a:rPr lang="en-US" noProof="0" dirty="0"/>
+              <a:rPr lang="en-US" noProof="0"/>
               <a:t>“Quote goes here </a:t>
             </a:r>
             <a:br>
-              <a:rPr lang="en-US" noProof="0" dirty="0"/>
+              <a:rPr lang="en-US" noProof="0"/>
             </a:br>
             <a:r>
-              <a:rPr lang="en-US" noProof="0" dirty="0"/>
+              <a:rPr lang="en-US" noProof="0"/>
               <a:t>and here.”</a:t>
             </a:r>
           </a:p>
           <a:p>
             <a:pPr lvl="1"/>
             <a:r>
-              <a:rPr lang="en-US" noProof="0" dirty="0"/>
+              <a:rPr lang="en-US" noProof="0"/>
               <a:t>Source</a:t>
             </a:r>
           </a:p>
@@ -3654,10 +4526,10 @@
           </a:lstStyle>
           <a:p>
             <a:r>
-              <a:rPr lang="en-US" dirty="0"/>
+              <a:rPr lang="en-US"/>
               <a:t>Click icon to add image</a:t>
             </a:r>
-            <a:endParaRPr lang="de-DE" dirty="0"/>
+            <a:endParaRPr lang="de-DE"/>
           </a:p>
         </p:txBody>
       </p:sp>
@@ -3687,38 +4559,38 @@
           <a:p>
             <a:pPr lvl="0"/>
             <a:r>
-              <a:rPr lang="en-US" noProof="0" dirty="0"/>
+              <a:rPr lang="en-US" noProof="0"/>
               <a:t>First level</a:t>
             </a:r>
           </a:p>
           <a:p>
             <a:pPr lvl="1"/>
             <a:r>
-              <a:rPr lang="en-US" dirty="0"/>
+              <a:rPr lang="en-US"/>
               <a:t>Second level</a:t>
             </a:r>
           </a:p>
           <a:p>
             <a:pPr lvl="2"/>
             <a:r>
-              <a:rPr lang="en-US" dirty="0"/>
+              <a:rPr lang="en-US"/>
               <a:t>Third level</a:t>
             </a:r>
           </a:p>
           <a:p>
             <a:pPr lvl="3"/>
             <a:r>
-              <a:rPr lang="en-US" dirty="0"/>
+              <a:rPr lang="en-US"/>
               <a:t>Fourth level</a:t>
             </a:r>
           </a:p>
           <a:p>
             <a:pPr lvl="4"/>
             <a:r>
-              <a:rPr lang="en-US" dirty="0"/>
+              <a:rPr lang="en-US"/>
               <a:t>Fifth level</a:t>
             </a:r>
-            <a:endParaRPr lang="de-DE" dirty="0"/>
+            <a:endParaRPr lang="de-DE"/>
           </a:p>
         </p:txBody>
       </p:sp>
@@ -3743,10 +4615,10 @@
           <a:lstStyle/>
           <a:p>
             <a:r>
-              <a:rPr lang="en-US" noProof="0" dirty="0"/>
+              <a:rPr lang="en-US" noProof="0"/>
               <a:t>Insert page title (sentence case)</a:t>
             </a:r>
-            <a:endParaRPr lang="en-US" dirty="0"/>
+            <a:endParaRPr lang="en-US"/>
           </a:p>
         </p:txBody>
       </p:sp>
@@ -3865,10 +4737,10 @@
           </a:lstStyle>
           <a:p>
             <a:r>
-              <a:rPr lang="en-US" dirty="0"/>
+              <a:rPr lang="en-US"/>
               <a:t>Click icon to add image</a:t>
             </a:r>
-            <a:endParaRPr lang="de-DE" dirty="0"/>
+            <a:endParaRPr lang="de-DE"/>
           </a:p>
         </p:txBody>
       </p:sp>
@@ -3898,38 +4770,38 @@
           <a:p>
             <a:pPr lvl="0"/>
             <a:r>
-              <a:rPr lang="en-US" noProof="0" dirty="0"/>
+              <a:rPr lang="en-US" noProof="0"/>
               <a:t>First level</a:t>
             </a:r>
           </a:p>
           <a:p>
             <a:pPr lvl="1"/>
             <a:r>
-              <a:rPr lang="en-US" dirty="0"/>
+              <a:rPr lang="en-US"/>
               <a:t>Second level</a:t>
             </a:r>
           </a:p>
           <a:p>
             <a:pPr lvl="2"/>
             <a:r>
-              <a:rPr lang="en-US" dirty="0"/>
+              <a:rPr lang="en-US"/>
               <a:t>Third level</a:t>
             </a:r>
           </a:p>
           <a:p>
             <a:pPr lvl="3"/>
             <a:r>
-              <a:rPr lang="en-US" dirty="0"/>
+              <a:rPr lang="en-US"/>
               <a:t>Fourth level</a:t>
             </a:r>
           </a:p>
           <a:p>
             <a:pPr lvl="4"/>
             <a:r>
-              <a:rPr lang="en-US" dirty="0"/>
+              <a:rPr lang="en-US"/>
               <a:t>Fifth level</a:t>
             </a:r>
-            <a:endParaRPr lang="de-DE" dirty="0"/>
+            <a:endParaRPr lang="de-DE"/>
           </a:p>
         </p:txBody>
       </p:sp>
@@ -3954,10 +4826,10 @@
           <a:lstStyle/>
           <a:p>
             <a:r>
-              <a:rPr lang="en-US" noProof="0" dirty="0"/>
+              <a:rPr lang="en-US" noProof="0"/>
               <a:t>Insert page title (sentence case)</a:t>
             </a:r>
-            <a:endParaRPr lang="en-US" dirty="0"/>
+            <a:endParaRPr lang="en-US"/>
           </a:p>
         </p:txBody>
       </p:sp>
@@ -4160,7 +5032,6 @@
               <a:rPr lang="en-US" sz="900" b="0"/>
               <a:t>PUBLIC</a:t>
             </a:r>
-            <a:endParaRPr lang="en-US" sz="900" b="0" dirty="0"/>
           </a:p>
         </p:txBody>
       </p:sp>
@@ -4291,7 +5162,7 @@
           </a:lstStyle>
           <a:p>
             <a:r>
-              <a:rPr lang="en-US" dirty="0"/>
+              <a:rPr lang="en-US"/>
               <a:t>Speaker’s Name, SAP</a:t>
             </a:r>
           </a:p>
@@ -4316,7 +5187,7 @@
               <a:defRPr/>
             </a:pPr>
             <a:r>
-              <a:rPr lang="en-US" dirty="0"/>
+              <a:rPr lang="en-US"/>
               <a:t>Month 00, 2020</a:t>
             </a:r>
           </a:p>
@@ -4364,17 +5235,17 @@
               <a:buSzPct val="80000"/>
             </a:pPr>
             <a:r>
-              <a:rPr lang="en-US" sz="3600" dirty="0"/>
+              <a:rPr lang="en-US" sz="3600"/>
               <a:t>Presentation Title </a:t>
             </a:r>
             <a:br>
-              <a:rPr lang="en-US" sz="3600" dirty="0"/>
+              <a:rPr lang="en-US" sz="3600"/>
             </a:br>
             <a:r>
-              <a:rPr lang="en-US" sz="3600" dirty="0"/>
+              <a:rPr lang="en-US" sz="3600"/>
               <a:t>Goes Here and Here.</a:t>
             </a:r>
-            <a:endParaRPr lang="de-DE" sz="3600" kern="0" dirty="0" err="1">
+            <a:endParaRPr lang="de-DE" sz="3600" kern="0" err="1">
               <a:ea typeface="Arial Unicode MS" pitchFamily="34" charset="-128"/>
               <a:cs typeface="Arial Unicode MS" pitchFamily="34" charset="-128"/>
             </a:endParaRPr>
@@ -4526,10 +5397,10 @@
           </a:lstStyle>
           <a:p>
             <a:r>
-              <a:rPr lang="en-US" dirty="0"/>
+              <a:rPr lang="en-US"/>
               <a:t>Click icon to add image</a:t>
             </a:r>
-            <a:endParaRPr lang="de-DE" dirty="0"/>
+            <a:endParaRPr lang="de-DE"/>
           </a:p>
         </p:txBody>
       </p:sp>
@@ -4607,10 +5478,10 @@
           </a:lstStyle>
           <a:p>
             <a:r>
-              <a:rPr lang="en-US" dirty="0"/>
+              <a:rPr lang="en-US"/>
               <a:t>Click icon to add screenshot</a:t>
             </a:r>
-            <a:endParaRPr lang="de-DE" dirty="0"/>
+            <a:endParaRPr lang="de-DE"/>
           </a:p>
         </p:txBody>
       </p:sp>
@@ -4640,35 +5511,35 @@
           <a:p>
             <a:pPr lvl="0"/>
             <a:r>
-              <a:rPr lang="en-US" noProof="0" dirty="0"/>
+              <a:rPr lang="en-US" noProof="0"/>
               <a:t>First level</a:t>
             </a:r>
           </a:p>
           <a:p>
             <a:pPr lvl="1"/>
             <a:r>
-              <a:rPr lang="en-US" dirty="0"/>
+              <a:rPr lang="en-US"/>
               <a:t>Second level</a:t>
             </a:r>
           </a:p>
           <a:p>
             <a:pPr lvl="2"/>
             <a:r>
-              <a:rPr lang="en-US" dirty="0"/>
+              <a:rPr lang="en-US"/>
               <a:t>Third level</a:t>
             </a:r>
           </a:p>
           <a:p>
             <a:pPr lvl="3"/>
             <a:r>
-              <a:rPr lang="en-US" dirty="0"/>
+              <a:rPr lang="en-US"/>
               <a:t>Fourth level</a:t>
             </a:r>
           </a:p>
           <a:p>
             <a:pPr lvl="4"/>
             <a:r>
-              <a:rPr lang="en-US" dirty="0"/>
+              <a:rPr lang="en-US"/>
               <a:t>Fifth level</a:t>
             </a:r>
           </a:p>
@@ -4695,10 +5566,10 @@
           <a:lstStyle/>
           <a:p>
             <a:r>
-              <a:rPr lang="en-US" noProof="0" dirty="0"/>
+              <a:rPr lang="en-US" noProof="0"/>
               <a:t>Insert page title (sentence case)</a:t>
             </a:r>
-            <a:endParaRPr lang="en-US" dirty="0"/>
+            <a:endParaRPr lang="en-US"/>
           </a:p>
         </p:txBody>
       </p:sp>
@@ -4805,7 +5676,7 @@
           <a:p>
             <a:pPr lvl="0"/>
             <a:r>
-              <a:rPr lang="en-US" dirty="0"/>
+              <a:rPr lang="en-US"/>
               <a:t>Click to add content</a:t>
             </a:r>
           </a:p>
@@ -4827,10 +5698,10 @@
           <a:lstStyle/>
           <a:p>
             <a:r>
-              <a:rPr lang="en-US" noProof="0" dirty="0"/>
+              <a:rPr lang="en-US" noProof="0"/>
               <a:t>Insert page title (sentence case)</a:t>
             </a:r>
-            <a:endParaRPr lang="en-US" dirty="0"/>
+            <a:endParaRPr lang="en-US"/>
           </a:p>
         </p:txBody>
       </p:sp>
@@ -4994,35 +5865,35 @@
           </a:lstStyle>
           <a:p>
             <a:r>
-              <a:rPr lang="en-US" dirty="0"/>
+              <a:rPr lang="en-US"/>
               <a:t>Contact information:</a:t>
             </a:r>
           </a:p>
           <a:p>
             <a:pPr lvl="1"/>
             <a:r>
-              <a:rPr lang="en-US" dirty="0"/>
+              <a:rPr lang="en-US"/>
               <a:t>F name L name</a:t>
             </a:r>
           </a:p>
           <a:p>
             <a:pPr lvl="1"/>
             <a:r>
-              <a:rPr lang="en-US" dirty="0"/>
+              <a:rPr lang="en-US"/>
               <a:t>Title</a:t>
             </a:r>
           </a:p>
           <a:p>
             <a:pPr lvl="1"/>
             <a:r>
-              <a:rPr lang="en-US" dirty="0"/>
+              <a:rPr lang="en-US"/>
               <a:t>Address</a:t>
             </a:r>
           </a:p>
           <a:p>
             <a:pPr lvl="1"/>
             <a:r>
-              <a:rPr lang="en-US" dirty="0"/>
+              <a:rPr lang="en-US"/>
               <a:t>Phone number</a:t>
             </a:r>
           </a:p>
@@ -5060,10 +5931,10 @@
           </a:lstStyle>
           <a:p>
             <a:r>
-              <a:rPr lang="en-US" dirty="0"/>
+              <a:rPr lang="en-US"/>
               <a:t>Thank you.</a:t>
             </a:r>
-            <a:endParaRPr lang="de-DE" dirty="0"/>
+            <a:endParaRPr lang="de-DE"/>
           </a:p>
         </p:txBody>
       </p:sp>
@@ -5203,10 +6074,10 @@
               <a:defRPr/>
             </a:pPr>
             <a:r>
-              <a:rPr lang="en-US" sz="800" b="0" noProof="0" dirty="0"/>
+              <a:rPr lang="en-US" sz="800" b="0" noProof="0"/>
               <a:t>© 2020 SAP SE or an SAP affiliate company. All rights reserved.</a:t>
             </a:r>
-            <a:endParaRPr lang="de-DE" sz="800" kern="0" dirty="0">
+            <a:endParaRPr lang="de-DE" sz="800" kern="0">
               <a:ea typeface="Arial Unicode MS" pitchFamily="34" charset="-128"/>
               <a:cs typeface="Arial Unicode MS" pitchFamily="34" charset="-128"/>
             </a:endParaRPr>
@@ -5218,7 +6089,7 @@
               </a:spcBef>
             </a:pPr>
             <a:r>
-              <a:rPr lang="en-US" sz="800" kern="1200" dirty="0">
+              <a:rPr lang="en-US" sz="800" kern="1200">
                 <a:solidFill>
                   <a:schemeClr val="tx1"/>
                 </a:solidFill>
@@ -5236,7 +6107,7 @@
               </a:spcBef>
             </a:pPr>
             <a:r>
-              <a:rPr lang="en-US" sz="800" kern="1200" dirty="0">
+              <a:rPr lang="en-US" sz="800" kern="1200">
                 <a:solidFill>
                   <a:schemeClr val="tx1"/>
                 </a:solidFill>
@@ -5254,7 +6125,7 @@
               </a:spcBef>
             </a:pPr>
             <a:r>
-              <a:rPr lang="en-US" sz="800" kern="1200" dirty="0">
+              <a:rPr lang="en-US" sz="800" kern="1200">
                 <a:solidFill>
                   <a:schemeClr val="tx1"/>
                 </a:solidFill>
@@ -5272,7 +6143,7 @@
               </a:spcBef>
             </a:pPr>
             <a:r>
-              <a:rPr lang="en-US" sz="800" kern="1200" dirty="0">
+              <a:rPr lang="en-US" sz="800" kern="1200">
                 <a:solidFill>
                   <a:schemeClr val="tx1"/>
                 </a:solidFill>
@@ -5283,7 +6154,7 @@
               <a:t>In particular, SAP SE or its affiliated companies have no obligation to pursue any course of business outlined in this document or any related presentation, or to develop or release any functionality mentioned therein. This document, or any related presentation, and SAP SE’s or its affiliated companies’ strategy and possible future developments, products, and/or platforms, directions, and functionality are all subject to change and may be changed by SAP SE or its affiliated companies at any time for any reason without notice. The information in this document is not a commitment, promise, or legal obligation to deliver any material, code, or functionality. All forward-looking statements are subject to various</a:t>
             </a:r>
             <a:r>
-              <a:rPr lang="en-US" sz="800" kern="1200" baseline="0" dirty="0">
+              <a:rPr lang="en-US" sz="800" kern="1200" baseline="0">
                 <a:solidFill>
                   <a:schemeClr val="tx1"/>
                 </a:solidFill>
@@ -5294,7 +6165,7 @@
               <a:t> </a:t>
             </a:r>
             <a:r>
-              <a:rPr lang="en-US" sz="800" kern="1200" dirty="0">
+              <a:rPr lang="en-US" sz="800" kern="1200">
                 <a:solidFill>
                   <a:schemeClr val="tx1"/>
                 </a:solidFill>
@@ -5312,7 +6183,7 @@
               </a:spcBef>
             </a:pPr>
             <a:r>
-              <a:rPr lang="en-US" sz="800" kern="1200" dirty="0">
+              <a:rPr lang="en-US" sz="800" kern="1200">
                 <a:solidFill>
                   <a:schemeClr val="tx1"/>
                 </a:solidFill>
@@ -5330,7 +6201,7 @@
               </a:spcBef>
             </a:pPr>
             <a:r>
-              <a:rPr lang="en-US" sz="800" kern="1200" dirty="0">
+              <a:rPr lang="en-US" sz="800" kern="1200">
                 <a:solidFill>
                   <a:schemeClr val="tx1"/>
                 </a:solidFill>
@@ -5341,7 +6212,7 @@
               <a:t>See </a:t>
             </a:r>
             <a:r>
-              <a:rPr lang="en-US" sz="800" kern="1200" dirty="0">
+              <a:rPr lang="en-US" sz="800" kern="1200">
                 <a:solidFill>
                   <a:schemeClr val="tx1"/>
                 </a:solidFill>
@@ -5353,7 +6224,7 @@
               <a:t>www.sap.com/copyright</a:t>
             </a:r>
             <a:r>
-              <a:rPr lang="en-US" sz="800" kern="1200" dirty="0">
+              <a:rPr lang="en-US" sz="800" kern="1200">
                 <a:solidFill>
                   <a:schemeClr val="tx1"/>
                 </a:solidFill>
@@ -5408,7 +6279,7 @@
               <a:defRPr/>
             </a:pPr>
             <a:r>
-              <a:rPr lang="en-US" sz="1100" b="1" kern="1200" dirty="0">
+              <a:rPr lang="en-US" sz="1100" b="1" kern="1200">
                 <a:solidFill>
                   <a:schemeClr val="accent1"/>
                 </a:solidFill>
@@ -5419,7 +6290,7 @@
               <a:t>www.sap.com</a:t>
             </a:r>
             <a:r>
-              <a:rPr lang="en-US" sz="1100" b="1" kern="1200" dirty="0">
+              <a:rPr lang="en-US" sz="1100" b="1" kern="1200">
                 <a:solidFill>
                   <a:schemeClr val="tx1"/>
                 </a:solidFill>
@@ -5472,7 +6343,7 @@
               <a:defRPr/>
             </a:pPr>
             <a:r>
-              <a:rPr lang="en-US" sz="1100" b="0" kern="1200" dirty="0">
+              <a:rPr lang="en-US" sz="1100" b="0" kern="1200">
                 <a:solidFill>
                   <a:schemeClr val="tx1"/>
                 </a:solidFill>
@@ -5699,18 +6570,18 @@
               <a:defRPr/>
             </a:pPr>
             <a:r>
-              <a:rPr lang="en-US" sz="800" b="0" noProof="0" dirty="0"/>
+              <a:rPr lang="en-US" sz="800" b="0" noProof="0"/>
               <a:t>© 2020 SAP SE </a:t>
             </a:r>
             <a:r>
-              <a:rPr lang="de-DE" sz="800" b="0" noProof="0" dirty="0"/>
+              <a:rPr lang="de-DE" sz="800" b="0" noProof="0"/>
               <a:t>oder ein SAP-Konzernunternehmen. Alle Rechte vorbehalten</a:t>
             </a:r>
             <a:r>
-              <a:rPr lang="en-US" sz="800" b="0" noProof="0" dirty="0"/>
+              <a:rPr lang="en-US" sz="800" b="0" noProof="0"/>
               <a:t>.</a:t>
             </a:r>
-            <a:endParaRPr lang="de-DE" sz="800" kern="0" dirty="0">
+            <a:endParaRPr lang="de-DE" sz="800" kern="0">
               <a:ea typeface="Arial Unicode MS" pitchFamily="34" charset="-128"/>
               <a:cs typeface="Arial Unicode MS" pitchFamily="34" charset="-128"/>
             </a:endParaRPr>
@@ -5722,7 +6593,7 @@
               </a:spcBef>
             </a:pPr>
             <a:r>
-              <a:rPr lang="de-DE" sz="800" kern="1200" noProof="0" dirty="0">
+              <a:rPr lang="de-DE" sz="800" kern="1200" noProof="0">
                 <a:solidFill>
                   <a:schemeClr val="tx1"/>
                 </a:solidFill>
@@ -5741,7 +6612,7 @@
               </a:spcBef>
             </a:pPr>
             <a:r>
-              <a:rPr lang="de-DE" sz="800" kern="1200" noProof="0" dirty="0">
+              <a:rPr lang="de-DE" sz="800" kern="1200" noProof="0">
                 <a:solidFill>
                   <a:schemeClr val="tx1"/>
                 </a:solidFill>
@@ -5760,7 +6631,7 @@
               </a:spcBef>
             </a:pPr>
             <a:r>
-              <a:rPr lang="de-DE" sz="800" kern="1200" noProof="0" dirty="0">
+              <a:rPr lang="de-DE" sz="800" kern="1200" noProof="0">
                 <a:solidFill>
                   <a:schemeClr val="tx1"/>
                 </a:solidFill>
@@ -5779,7 +6650,7 @@
               </a:spcBef>
             </a:pPr>
             <a:r>
-              <a:rPr lang="de-DE" sz="800" kern="1200" noProof="0" dirty="0">
+              <a:rPr lang="de-DE" sz="800" kern="1200" noProof="0">
                 <a:solidFill>
                   <a:schemeClr val="tx1"/>
                 </a:solidFill>
@@ -5798,7 +6669,7 @@
               </a:spcBef>
             </a:pPr>
             <a:r>
-              <a:rPr lang="de-DE" sz="800" kern="1200" noProof="0" dirty="0">
+              <a:rPr lang="de-DE" sz="800" kern="1200" noProof="0">
                 <a:solidFill>
                   <a:schemeClr val="tx1"/>
                 </a:solidFill>
@@ -5810,7 +6681,7 @@
               <a:t>SAP und andere in diesem Dokument erwähnte Produkte und Dienstleistungen von SAP sowie die dazugehörigen Logos sind Marken oder eingetragene Marken der SAP SE (oder von einem SAP-Konzernunternehmen) in Deutschland und verschiedenen anderen Ländern weltweit.</a:t>
             </a:r>
             <a:r>
-              <a:rPr lang="de-DE" sz="800" kern="1200" baseline="0" noProof="0" dirty="0">
+              <a:rPr lang="de-DE" sz="800" kern="1200" baseline="0" noProof="0">
                 <a:solidFill>
                   <a:schemeClr val="tx1"/>
                 </a:solidFill>
@@ -5822,7 +6693,7 @@
               <a:t> </a:t>
             </a:r>
             <a:r>
-              <a:rPr lang="de-DE" sz="800" kern="1200" noProof="0" dirty="0">
+              <a:rPr lang="de-DE" sz="800" kern="1200" noProof="0">
                 <a:solidFill>
                   <a:schemeClr val="tx1"/>
                 </a:solidFill>
@@ -5841,7 +6712,7 @@
               </a:spcBef>
             </a:pPr>
             <a:r>
-              <a:rPr lang="de-DE" sz="800" kern="1200" noProof="0" dirty="0">
+              <a:rPr lang="de-DE" sz="800" kern="1200" noProof="0">
                 <a:solidFill>
                   <a:schemeClr val="tx1"/>
                 </a:solidFill>
@@ -5853,7 +6724,7 @@
               <a:t>Zusätzliche Informationen zur Marke und Vermerke finden Sie auf der Seite </a:t>
             </a:r>
             <a:r>
-              <a:rPr lang="de-DE" sz="800" kern="1200" noProof="0" dirty="0">
+              <a:rPr lang="de-DE" sz="800" kern="1200" noProof="0">
                 <a:solidFill>
                   <a:schemeClr val="tx1"/>
                 </a:solidFill>
@@ -5866,7 +6737,7 @@
               <a:t>www.sap.com/corporate/de/legal/copyright.html</a:t>
             </a:r>
             <a:r>
-              <a:rPr lang="de-DE" sz="800" kern="1200" noProof="0" dirty="0">
+              <a:rPr lang="de-DE" sz="800" kern="1200" noProof="0">
                 <a:solidFill>
                   <a:schemeClr val="tx1"/>
                 </a:solidFill>
@@ -5922,7 +6793,7 @@
               <a:defRPr/>
             </a:pPr>
             <a:r>
-              <a:rPr lang="en-US" sz="1100" b="1" kern="1200" dirty="0">
+              <a:rPr lang="en-US" sz="1100" b="1" kern="1200">
                 <a:solidFill>
                   <a:schemeClr val="accent1"/>
                 </a:solidFill>
@@ -5933,7 +6804,7 @@
               <a:t>www.sap.com/germany</a:t>
             </a:r>
             <a:r>
-              <a:rPr lang="en-US" sz="1100" b="1" kern="1200" dirty="0">
+              <a:rPr lang="en-US" sz="1100" b="1" kern="1200">
                 <a:solidFill>
                   <a:schemeClr val="tx1"/>
                 </a:solidFill>
@@ -5986,7 +6857,7 @@
               <a:defRPr/>
             </a:pPr>
             <a:r>
-              <a:rPr lang="de-DE" sz="1100" b="0" kern="1200" noProof="0" dirty="0">
+              <a:rPr lang="de-DE" sz="1100" b="0" kern="1200" noProof="0">
                 <a:solidFill>
                   <a:schemeClr val="tx1"/>
                 </a:solidFill>
@@ -6197,7 +7068,7 @@
               <a:rPr lang="en-US"/>
               <a:t>Click icon to add picture</a:t>
             </a:r>
-            <a:endParaRPr lang="de-DE" dirty="0"/>
+            <a:endParaRPr lang="de-DE"/>
           </a:p>
         </p:txBody>
       </p:sp>
@@ -6329,7 +7200,6 @@
               <a:rPr lang="en-US" sz="900" b="0"/>
               <a:t>PUBLIC</a:t>
             </a:r>
-            <a:endParaRPr lang="en-US" sz="900" b="0" dirty="0"/>
           </a:p>
         </p:txBody>
       </p:sp>
@@ -6460,7 +7330,7 @@
           </a:lstStyle>
           <a:p>
             <a:r>
-              <a:rPr lang="en-US" dirty="0"/>
+              <a:rPr lang="en-US"/>
               <a:t>Speaker’s Name, SAP</a:t>
             </a:r>
           </a:p>
@@ -6485,7 +7355,7 @@
               <a:defRPr/>
             </a:pPr>
             <a:r>
-              <a:rPr lang="en-US" dirty="0"/>
+              <a:rPr lang="en-US"/>
               <a:t>Month 00, 2020</a:t>
             </a:r>
           </a:p>
@@ -6533,17 +7403,17 @@
               <a:buSzPct val="80000"/>
             </a:pPr>
             <a:r>
-              <a:rPr lang="en-US" sz="3600" dirty="0"/>
+              <a:rPr lang="en-US" sz="3600"/>
               <a:t>Presentation Title </a:t>
             </a:r>
             <a:br>
-              <a:rPr lang="en-US" sz="3600" dirty="0"/>
+              <a:rPr lang="en-US" sz="3600"/>
             </a:br>
             <a:r>
-              <a:rPr lang="en-US" sz="3600" dirty="0"/>
+              <a:rPr lang="en-US" sz="3600"/>
               <a:t>Goes Here and Here.</a:t>
             </a:r>
-            <a:endParaRPr lang="de-DE" sz="3600" kern="0" dirty="0" err="1">
+            <a:endParaRPr lang="de-DE" sz="3600" kern="0" err="1">
               <a:ea typeface="Arial Unicode MS" pitchFamily="34" charset="-128"/>
               <a:cs typeface="Arial Unicode MS" pitchFamily="34" charset="-128"/>
             </a:endParaRPr>
@@ -6730,14 +7600,14 @@
           <a:p>
             <a:pPr lvl="0"/>
             <a:r>
-              <a:rPr lang="en-US" dirty="0"/>
+              <a:rPr lang="en-US"/>
               <a:t>Agenda Item/Divider Headline</a:t>
             </a:r>
           </a:p>
           <a:p>
             <a:pPr lvl="1"/>
             <a:r>
-              <a:rPr lang="en-US" dirty="0"/>
+              <a:rPr lang="en-US"/>
               <a:t>Details</a:t>
             </a:r>
           </a:p>
@@ -6763,7 +7633,7 @@
           </a:lstStyle>
           <a:p>
             <a:r>
-              <a:rPr lang="en-US" dirty="0"/>
+              <a:rPr lang="en-US"/>
               <a:t>Agenda</a:t>
             </a:r>
           </a:p>
@@ -6867,10 +7737,10 @@
           </a:lstStyle>
           <a:p>
             <a:r>
-              <a:rPr lang="en-US" dirty="0"/>
+              <a:rPr lang="en-US"/>
               <a:t>Divider page</a:t>
             </a:r>
-            <a:endParaRPr lang="de-DE" dirty="0"/>
+            <a:endParaRPr lang="de-DE"/>
           </a:p>
         </p:txBody>
       </p:sp>
@@ -6991,7 +7861,7 @@
               <a:defRPr/>
             </a:pPr>
             <a:r>
-              <a:rPr lang="en-US" dirty="0"/>
+              <a:rPr lang="en-US"/>
               <a:t>Placeholder for image and illustration</a:t>
             </a:r>
           </a:p>
@@ -7029,10 +7899,10 @@
           </a:lstStyle>
           <a:p>
             <a:r>
-              <a:rPr lang="en-US" dirty="0"/>
+              <a:rPr lang="en-US"/>
               <a:t>Divider page</a:t>
             </a:r>
-            <a:endParaRPr lang="de-DE" dirty="0"/>
+            <a:endParaRPr lang="de-DE"/>
           </a:p>
         </p:txBody>
       </p:sp>
@@ -7114,10 +7984,10 @@
           <a:lstStyle/>
           <a:p>
             <a:r>
-              <a:rPr lang="en-US" noProof="0" dirty="0"/>
+              <a:rPr lang="en-US" noProof="0"/>
               <a:t>Insert page title (sentence case)</a:t>
             </a:r>
-            <a:endParaRPr lang="en-US" dirty="0"/>
+            <a:endParaRPr lang="en-US"/>
           </a:p>
         </p:txBody>
       </p:sp>
@@ -7206,10 +8076,10 @@
           <a:lstStyle/>
           <a:p>
             <a:r>
-              <a:rPr lang="en-US" noProof="0" dirty="0"/>
+              <a:rPr lang="en-US" noProof="0"/>
               <a:t>Insert page title (sentence case)</a:t>
             </a:r>
-            <a:endParaRPr lang="en-US" dirty="0"/>
+            <a:endParaRPr lang="en-US"/>
           </a:p>
         </p:txBody>
       </p:sp>
@@ -7300,35 +8170,35 @@
           <a:p>
             <a:pPr lvl="0"/>
             <a:r>
-              <a:rPr lang="en-US" noProof="0" dirty="0"/>
+              <a:rPr lang="en-US" noProof="0"/>
               <a:t>First level</a:t>
             </a:r>
           </a:p>
           <a:p>
             <a:pPr lvl="1"/>
             <a:r>
-              <a:rPr lang="en-US" dirty="0"/>
+              <a:rPr lang="en-US"/>
               <a:t>Second level</a:t>
             </a:r>
           </a:p>
           <a:p>
             <a:pPr lvl="2"/>
             <a:r>
-              <a:rPr lang="en-US" dirty="0"/>
+              <a:rPr lang="en-US"/>
               <a:t>Third level</a:t>
             </a:r>
           </a:p>
           <a:p>
             <a:pPr lvl="3"/>
             <a:r>
-              <a:rPr lang="en-US" dirty="0"/>
+              <a:rPr lang="en-US"/>
               <a:t>Fourth level</a:t>
             </a:r>
           </a:p>
           <a:p>
             <a:pPr lvl="4"/>
             <a:r>
-              <a:rPr lang="en-US" dirty="0"/>
+              <a:rPr lang="en-US"/>
               <a:t>Fifth level</a:t>
             </a:r>
           </a:p>
@@ -7355,10 +8225,10 @@
           <a:lstStyle/>
           <a:p>
             <a:r>
-              <a:rPr lang="en-US" noProof="0" dirty="0"/>
+              <a:rPr lang="en-US" noProof="0"/>
               <a:t>Insert page title (sentence case)</a:t>
             </a:r>
-            <a:endParaRPr lang="en-US" dirty="0"/>
+            <a:endParaRPr lang="en-US"/>
           </a:p>
         </p:txBody>
       </p:sp>
@@ -7478,7 +8348,7 @@
               </a:pPr>
               <a:t>‹#›</a:t>
             </a:fld>
-            <a:endParaRPr lang="en-US" sz="900" noProof="0" dirty="0"/>
+            <a:endParaRPr lang="en-US" sz="900" noProof="0"/>
           </a:p>
         </p:txBody>
       </p:sp>
@@ -7535,15 +8405,6 @@
               </a:rPr>
               <a:t>PUBLIC</a:t>
             </a:r>
-            <a:endParaRPr kumimoji="0" lang="en-US" sz="600" b="0" i="0" u="none" kern="0" baseline="0" dirty="0">
-              <a:solidFill>
-                <a:schemeClr val="tx1"/>
-              </a:solidFill>
-              <a:latin typeface="Arial"/>
-              <a:ea typeface="Arial Unicode MS"/>
-              <a:cs typeface="Arial Unicode MS" pitchFamily="34" charset="-128"/>
-              <a:sym typeface="Arial"/>
-            </a:endParaRPr>
           </a:p>
         </p:txBody>
       </p:sp>
@@ -7589,7 +8450,7 @@
               <a:defRPr/>
             </a:pPr>
             <a:r>
-              <a:rPr lang="en-US" sz="600" noProof="0" dirty="0">
+              <a:rPr lang="en-US" sz="600" noProof="0">
                 <a:solidFill>
                   <a:schemeClr val="tx1"/>
                 </a:solidFill>
@@ -7597,7 +8458,7 @@
               <a:t>2020 SAP SE or an SAP affiliate company. All rights reserved.  </a:t>
             </a:r>
             <a:r>
-              <a:rPr kumimoji="0" lang="en-US" sz="600" b="0" i="0" u="none" kern="0" baseline="0" dirty="0">
+              <a:rPr kumimoji="0" lang="en-US" sz="600" b="0" i="0" u="none" kern="0" baseline="0">
                 <a:solidFill>
                   <a:schemeClr val="tx1"/>
                 </a:solidFill>
@@ -7638,35 +8499,35 @@
           <a:p>
             <a:pPr lvl="0"/>
             <a:r>
-              <a:rPr lang="en-US" noProof="0" dirty="0"/>
+              <a:rPr lang="en-US" noProof="0"/>
               <a:t>First level</a:t>
             </a:r>
           </a:p>
           <a:p>
             <a:pPr lvl="1"/>
             <a:r>
-              <a:rPr lang="en-US" noProof="0" dirty="0"/>
+              <a:rPr lang="en-US" noProof="0"/>
               <a:t>Second level</a:t>
             </a:r>
           </a:p>
           <a:p>
             <a:pPr lvl="2"/>
             <a:r>
-              <a:rPr lang="en-US" noProof="0" dirty="0"/>
+              <a:rPr lang="en-US" noProof="0"/>
               <a:t>Third level</a:t>
             </a:r>
           </a:p>
           <a:p>
             <a:pPr lvl="3"/>
             <a:r>
-              <a:rPr lang="en-US" noProof="0" dirty="0"/>
+              <a:rPr lang="en-US" noProof="0"/>
               <a:t>Fourth level</a:t>
             </a:r>
           </a:p>
           <a:p>
             <a:pPr lvl="4"/>
             <a:r>
-              <a:rPr lang="en-US" noProof="0" dirty="0"/>
+              <a:rPr lang="en-US" noProof="0"/>
               <a:t>Fifth level</a:t>
             </a:r>
           </a:p>
@@ -7698,7 +8559,7 @@
           <a:lstStyle/>
           <a:p>
             <a:r>
-              <a:rPr lang="en-US" noProof="0" dirty="0"/>
+              <a:rPr lang="en-US" noProof="0"/>
               <a:t>Insert page title (sentence case)</a:t>
             </a:r>
           </a:p>
@@ -8036,93 +8897,9 @@
           <a:chExt cx="0" cy="0"/>
         </a:xfrm>
       </p:grpSpPr>
-      <p:pic>
-        <p:nvPicPr>
-          <p:cNvPr id="5" name="Picture Placeholder 4">
-            <a:extLst>
-              <a:ext uri="{FF2B5EF4-FFF2-40B4-BE49-F238E27FC236}">
-                <a16:creationId xmlns:a16="http://schemas.microsoft.com/office/drawing/2014/main" id="{5FAFCEBA-11F5-4F45-9A63-A30458470117}"/>
-              </a:ext>
-            </a:extLst>
-          </p:cNvPr>
-          <p:cNvPicPr>
-            <a:picLocks noGrp="1" noChangeAspect="1"/>
-          </p:cNvPicPr>
-          <p:nvPr>
-            <p:ph type="pic" sz="quarter" idx="12"/>
-          </p:nvPr>
-        </p:nvPicPr>
-        <p:blipFill>
-          <a:blip r:embed="rId3" cstate="screen">
-            <a:extLst>
-              <a:ext uri="{28A0092B-C50C-407E-A947-70E740481C1C}">
-                <a14:useLocalDpi xmlns:a14="http://schemas.microsoft.com/office/drawing/2010/main"/>
-              </a:ext>
-            </a:extLst>
-          </a:blip>
-          <a:srcRect/>
-          <a:stretch>
-            <a:fillRect/>
-          </a:stretch>
-        </p:blipFill>
-        <p:spPr/>
-      </p:pic>
-      <p:sp>
-        <p:nvSpPr>
-          <p:cNvPr id="41" name="Placeholder Partner logo"/>
-          <p:cNvSpPr/>
-          <p:nvPr/>
-        </p:nvSpPr>
-        <p:spPr bwMode="gray">
-          <a:xfrm>
-            <a:off x="288000" y="6174872"/>
-            <a:ext cx="944661" cy="402796"/>
-          </a:xfrm>
-          <a:prstGeom prst="rect">
-            <a:avLst/>
-          </a:prstGeom>
-          <a:solidFill>
-            <a:schemeClr val="tx2"/>
-          </a:solidFill>
-          <a:ln w="6350" algn="ctr">
-            <a:noFill/>
-            <a:miter lim="800000"/>
-            <a:headEnd/>
-            <a:tailEnd/>
-          </a:ln>
-        </p:spPr>
-        <p:txBody>
-          <a:bodyPr lIns="89979" tIns="71983" rIns="89979" bIns="71983" rtlCol="0" anchor="ctr"/>
-          <a:lstStyle/>
-          <a:p>
-            <a:pPr algn="ctr" defTabSz="914217" fontAlgn="base">
-              <a:spcBef>
-                <a:spcPct val="50000"/>
-              </a:spcBef>
-              <a:spcAft>
-                <a:spcPct val="0"/>
-              </a:spcAft>
-              <a:buClr>
-                <a:srgbClr val="F0AB00"/>
-              </a:buClr>
-              <a:buSzPct val="80000"/>
-            </a:pPr>
-            <a:r>
-              <a:rPr lang="en-US" sz="1100" kern="0" dirty="0">
-                <a:solidFill>
-                  <a:sysClr val="windowText" lastClr="000000"/>
-                </a:solidFill>
-                <a:ea typeface="Arial Unicode MS" pitchFamily="34" charset="-128"/>
-                <a:cs typeface="Arial Unicode MS" pitchFamily="34" charset="-128"/>
-              </a:rPr>
-              <a:t>Partner logo</a:t>
-            </a:r>
-          </a:p>
-        </p:txBody>
-      </p:sp>
-      <p:sp>
-        <p:nvSpPr>
-          <p:cNvPr id="35" name="Speaker"/>
+      <p:sp>
+        <p:nvSpPr>
+          <p:cNvPr id="16" name="Speaker"/>
           <p:cNvSpPr>
             <a:spLocks noGrp="1"/>
           </p:cNvSpPr>
@@ -8130,33 +8907,32 @@
             <p:ph type="subTitle" idx="1"/>
           </p:nvPr>
         </p:nvSpPr>
-        <p:spPr>
-          <a:xfrm>
-            <a:off x="288000" y="5130489"/>
-            <a:ext cx="10899174" cy="430887"/>
-          </a:xfrm>
-        </p:spPr>
+        <p:spPr/>
         <p:txBody>
           <a:bodyPr/>
           <a:lstStyle/>
           <a:p>
             <a:r>
-              <a:rPr lang="en-US" dirty="0"/>
-              <a:t>Speaker’s Name, SAP</a:t>
+              <a:rPr lang="en-US"/>
+              <a:t>André Gilbert und Valentin Müller, SAP</a:t>
             </a:r>
           </a:p>
           <a:p>
             <a:pPr lvl="0"/>
             <a:r>
-              <a:rPr lang="en-US" dirty="0"/>
-              <a:t>Month 00, 2020</a:t>
-            </a:r>
-          </a:p>
-        </p:txBody>
-      </p:sp>
-      <p:sp>
-        <p:nvSpPr>
-          <p:cNvPr id="8" name="Presentation Title"/>
+              <a:rPr lang="en-US" err="1"/>
+              <a:t>Juni</a:t>
+            </a:r>
+            <a:r>
+              <a:rPr lang="en-US"/>
+              <a:t> 30, 2021</a:t>
+            </a:r>
+          </a:p>
+        </p:txBody>
+      </p:sp>
+      <p:sp>
+        <p:nvSpPr>
+          <p:cNvPr id="4" name="Title"/>
           <p:cNvSpPr>
             <a:spLocks noGrp="1"/>
           </p:cNvSpPr>
@@ -8170,21 +8946,29 @@
           <a:lstStyle/>
           <a:p>
             <a:r>
-              <a:rPr lang="en-US" dirty="0"/>
-              <a:t>Title Goes Here</a:t>
+              <a:rPr lang="en-US" err="1"/>
+              <a:t>Graphen</a:t>
             </a:r>
             <a:br>
-              <a:rPr lang="en-US" dirty="0"/>
+              <a:rPr lang="en-US"/>
             </a:br>
             <a:r>
-              <a:rPr lang="en-US" dirty="0">
+              <a:rPr lang="en-US">
                 <a:solidFill>
                   <a:schemeClr val="accent1"/>
                 </a:solidFill>
               </a:rPr>
-              <a:t>and Here and Here</a:t>
-            </a:r>
-            <a:endParaRPr lang="de-DE" dirty="0">
+              <a:t>Dijkstra-</a:t>
+            </a:r>
+            <a:r>
+              <a:rPr lang="en-US" err="1">
+                <a:solidFill>
+                  <a:schemeClr val="accent1"/>
+                </a:solidFill>
+              </a:rPr>
+              <a:t>Algorithmus</a:t>
+            </a:r>
+            <a:endParaRPr lang="de-DE">
               <a:solidFill>
                 <a:schemeClr val="accent1"/>
               </a:solidFill>
@@ -8192,352 +8976,32 @@
           </a:p>
         </p:txBody>
       </p:sp>
-      <p:sp>
-        <p:nvSpPr>
-          <p:cNvPr id="11" name="Change Classification info"/>
-          <p:cNvSpPr/>
-          <p:nvPr/>
-        </p:nvSpPr>
-        <p:spPr bwMode="gray">
+      <p:pic>
+        <p:nvPicPr>
+          <p:cNvPr id="5" name="Pictogram"/>
+          <p:cNvPicPr>
+            <a:picLocks noGrp="1" noChangeAspect="1"/>
+          </p:cNvPicPr>
+          <p:nvPr>
+            <p:ph type="pic" sz="quarter" idx="16"/>
+          </p:nvPr>
+        </p:nvPicPr>
+        <p:blipFill>
+          <a:blip r:embed="rId2"/>
+          <a:srcRect/>
+          <a:stretch/>
+        </p:blipFill>
+        <p:spPr bwMode="invGray">
           <a:xfrm>
-            <a:off x="1232661" y="5655747"/>
-            <a:ext cx="4860000" cy="340519"/>
+            <a:off x="6954855" y="963000"/>
+            <a:ext cx="4932000" cy="4932000"/>
           </a:xfrm>
-          <a:prstGeom prst="roundRect">
-            <a:avLst>
-              <a:gd name="adj" fmla="val 16667"/>
-            </a:avLst>
-          </a:prstGeom>
-          <a:solidFill>
-            <a:srgbClr val="FFFF00"/>
-          </a:solidFill>
-          <a:ln>
-            <a:noFill/>
-            <a:headEnd/>
-            <a:tailEnd/>
-          </a:ln>
-          <a:effectLst/>
         </p:spPr>
-        <p:style>
-          <a:lnRef idx="3">
-            <a:schemeClr val="lt1"/>
-          </a:lnRef>
-          <a:fillRef idx="1">
-            <a:schemeClr val="accent6"/>
-          </a:fillRef>
-          <a:effectRef idx="1">
-            <a:schemeClr val="accent6"/>
-          </a:effectRef>
-          <a:fontRef idx="minor">
-            <a:schemeClr val="lt1"/>
-          </a:fontRef>
-        </p:style>
-        <p:txBody>
-          <a:bodyPr wrap="square" lIns="36000" tIns="0" rIns="36000" bIns="0" rtlCol="0" anchor="ctr">
-            <a:spAutoFit/>
-          </a:bodyPr>
-          <a:lstStyle/>
-          <a:p>
-            <a:pPr fontAlgn="base">
-              <a:spcBef>
-                <a:spcPts val="600"/>
-              </a:spcBef>
-              <a:spcAft>
-                <a:spcPct val="0"/>
-              </a:spcAft>
-              <a:buClr>
-                <a:srgbClr val="F0AB00"/>
-              </a:buClr>
-              <a:buSzPct val="80000"/>
-            </a:pPr>
-            <a:r>
-              <a:rPr lang="en-US" sz="1000" kern="0" dirty="0">
-                <a:solidFill>
-                  <a:sysClr val="windowText" lastClr="000000"/>
-                </a:solidFill>
-                <a:ea typeface="Arial Unicode MS" pitchFamily="34" charset="-128"/>
-                <a:cs typeface="Arial Unicode MS" pitchFamily="34" charset="-128"/>
-                <a:sym typeface="Arial"/>
-              </a:rPr>
-              <a:t>You can easily change the classification on </a:t>
-            </a:r>
-            <a:r>
-              <a:rPr lang="en-US" sz="1000" b="1" kern="0" dirty="0">
-                <a:solidFill>
-                  <a:sysClr val="windowText" lastClr="000000"/>
-                </a:solidFill>
-                <a:ea typeface="Arial Unicode MS" pitchFamily="34" charset="-128"/>
-                <a:cs typeface="Arial Unicode MS" pitchFamily="34" charset="-128"/>
-                <a:sym typeface="Arial"/>
-              </a:rPr>
-              <a:t>all</a:t>
-            </a:r>
-            <a:r>
-              <a:rPr lang="en-US" sz="1000" kern="0" dirty="0">
-                <a:solidFill>
-                  <a:sysClr val="windowText" lastClr="000000"/>
-                </a:solidFill>
-                <a:ea typeface="Arial Unicode MS" pitchFamily="34" charset="-128"/>
-                <a:cs typeface="Arial Unicode MS" pitchFamily="34" charset="-128"/>
-                <a:sym typeface="Arial"/>
-              </a:rPr>
-              <a:t> slides with the </a:t>
-            </a:r>
-            <a:r>
-              <a:rPr lang="en-US" sz="1000" i="1" kern="0" dirty="0">
-                <a:solidFill>
-                  <a:sysClr val="windowText" lastClr="000000"/>
-                </a:solidFill>
-                <a:ea typeface="Arial Unicode MS" pitchFamily="34" charset="-128"/>
-                <a:cs typeface="Arial Unicode MS" pitchFamily="34" charset="-128"/>
-                <a:sym typeface="Arial"/>
-              </a:rPr>
-              <a:t>Presentation Wizard</a:t>
-            </a:r>
-            <a:r>
-              <a:rPr lang="en-US" sz="1000" kern="0" dirty="0">
-                <a:solidFill>
-                  <a:sysClr val="windowText" lastClr="000000"/>
-                </a:solidFill>
-                <a:ea typeface="Arial Unicode MS" pitchFamily="34" charset="-128"/>
-                <a:cs typeface="Arial Unicode MS" pitchFamily="34" charset="-128"/>
-                <a:sym typeface="Arial"/>
-              </a:rPr>
-              <a:t>. </a:t>
-            </a:r>
-            <a:br>
-              <a:rPr lang="en-US" sz="1000" kern="0" dirty="0">
-                <a:solidFill>
-                  <a:sysClr val="windowText" lastClr="000000"/>
-                </a:solidFill>
-                <a:ea typeface="Arial Unicode MS" pitchFamily="34" charset="-128"/>
-                <a:cs typeface="Arial Unicode MS" pitchFamily="34" charset="-128"/>
-                <a:sym typeface="Arial"/>
-              </a:rPr>
-            </a:br>
-            <a:r>
-              <a:rPr lang="en-US" sz="1000" kern="0" dirty="0">
-                <a:solidFill>
-                  <a:sysClr val="windowText" lastClr="000000"/>
-                </a:solidFill>
-                <a:ea typeface="Arial Unicode MS" pitchFamily="34" charset="-128"/>
-                <a:cs typeface="Arial Unicode MS" pitchFamily="34" charset="-128"/>
-                <a:sym typeface="Arial"/>
-              </a:rPr>
-              <a:t>Go to </a:t>
-            </a:r>
-            <a:r>
-              <a:rPr lang="en-US" sz="1000" i="1" kern="0" dirty="0">
-                <a:solidFill>
-                  <a:sysClr val="windowText" lastClr="000000"/>
-                </a:solidFill>
-                <a:ea typeface="Arial Unicode MS" pitchFamily="34" charset="-128"/>
-                <a:cs typeface="Arial Unicode MS" pitchFamily="34" charset="-128"/>
-                <a:sym typeface="Arial"/>
-              </a:rPr>
-              <a:t>File</a:t>
-            </a:r>
-            <a:r>
-              <a:rPr lang="en-US" sz="1000" kern="0" dirty="0">
-                <a:solidFill>
-                  <a:sysClr val="windowText" lastClr="000000"/>
-                </a:solidFill>
-                <a:ea typeface="Arial Unicode MS" pitchFamily="34" charset="-128"/>
-                <a:cs typeface="Arial Unicode MS" pitchFamily="34" charset="-128"/>
-                <a:sym typeface="Arial"/>
-              </a:rPr>
-              <a:t> </a:t>
-            </a:r>
-            <a:r>
-              <a:rPr lang="en-US" sz="1000" kern="0" dirty="0">
-                <a:solidFill>
-                  <a:sysClr val="windowText" lastClr="000000"/>
-                </a:solidFill>
-                <a:ea typeface="Arial Unicode MS" pitchFamily="34" charset="-128"/>
-                <a:cs typeface="Arial Unicode MS" pitchFamily="34" charset="-128"/>
-                <a:sym typeface="Wingdings"/>
-              </a:rPr>
-              <a:t></a:t>
-            </a:r>
-            <a:r>
-              <a:rPr lang="en-US" sz="1000" kern="0" dirty="0">
-                <a:solidFill>
-                  <a:sysClr val="windowText" lastClr="000000"/>
-                </a:solidFill>
-                <a:ea typeface="Arial Unicode MS" pitchFamily="34" charset="-128"/>
-                <a:cs typeface="Arial Unicode MS" pitchFamily="34" charset="-128"/>
-                <a:sym typeface="Arial"/>
-              </a:rPr>
-              <a:t> </a:t>
-            </a:r>
-            <a:r>
-              <a:rPr lang="en-US" sz="1000" i="1" kern="0" dirty="0">
-                <a:solidFill>
-                  <a:sysClr val="windowText" lastClr="000000"/>
-                </a:solidFill>
-                <a:ea typeface="Arial Unicode MS" pitchFamily="34" charset="-128"/>
-                <a:cs typeface="Arial Unicode MS" pitchFamily="34" charset="-128"/>
-                <a:sym typeface="Arial"/>
-              </a:rPr>
-              <a:t>Change Classification</a:t>
-            </a:r>
-          </a:p>
-        </p:txBody>
-      </p:sp>
-      <p:sp>
-        <p:nvSpPr>
-          <p:cNvPr id="12" name="Link SAP Image Library"/>
-          <p:cNvSpPr/>
-          <p:nvPr/>
-        </p:nvSpPr>
-        <p:spPr bwMode="gray">
-          <a:xfrm>
-            <a:off x="288000" y="604876"/>
-            <a:ext cx="3322438" cy="506086"/>
-          </a:xfrm>
-          <a:prstGeom prst="roundRect">
-            <a:avLst>
-              <a:gd name="adj" fmla="val 16667"/>
-            </a:avLst>
-          </a:prstGeom>
-          <a:solidFill>
-            <a:srgbClr val="FFFF00"/>
-          </a:solidFill>
-          <a:ln>
-            <a:noFill/>
-            <a:headEnd/>
-            <a:tailEnd/>
-          </a:ln>
-          <a:effectLst/>
-        </p:spPr>
-        <p:style>
-          <a:lnRef idx="3">
-            <a:schemeClr val="lt1"/>
-          </a:lnRef>
-          <a:fillRef idx="1">
-            <a:schemeClr val="accent6"/>
-          </a:fillRef>
-          <a:effectRef idx="1">
-            <a:schemeClr val="accent6"/>
-          </a:effectRef>
-          <a:fontRef idx="minor">
-            <a:schemeClr val="lt1"/>
-          </a:fontRef>
-        </p:style>
-        <p:txBody>
-          <a:bodyPr wrap="square" lIns="36000" tIns="36000" rIns="36000" bIns="36000" rtlCol="0" anchor="ctr">
-            <a:spAutoFit/>
-          </a:bodyPr>
-          <a:lstStyle/>
-          <a:p>
-            <a:pPr fontAlgn="base">
-              <a:spcBef>
-                <a:spcPct val="50000"/>
-              </a:spcBef>
-              <a:spcAft>
-                <a:spcPct val="0"/>
-              </a:spcAft>
-              <a:buClr>
-                <a:srgbClr val="F0AB00"/>
-              </a:buClr>
-              <a:buSzPct val="80000"/>
-            </a:pPr>
-            <a:r>
-              <a:rPr lang="en-US" sz="1000" b="1" kern="0" dirty="0">
-                <a:solidFill>
-                  <a:sysClr val="windowText" lastClr="000000"/>
-                </a:solidFill>
-                <a:ea typeface="Arial Unicode MS" pitchFamily="34" charset="-128"/>
-                <a:cs typeface="Arial Unicode MS" pitchFamily="34" charset="-128"/>
-                <a:sym typeface="Arial"/>
-              </a:rPr>
-              <a:t>NOTE: </a:t>
-            </a:r>
-            <a:r>
-              <a:rPr lang="en-US" sz="1000" kern="0" dirty="0">
-                <a:solidFill>
-                  <a:sysClr val="windowText" lastClr="000000"/>
-                </a:solidFill>
-                <a:ea typeface="Arial Unicode MS" pitchFamily="34" charset="-128"/>
-                <a:cs typeface="Arial Unicode MS" pitchFamily="34" charset="-128"/>
-                <a:sym typeface="Arial"/>
-              </a:rPr>
-              <a:t>Delete the yellow stickers</a:t>
-            </a:r>
-            <a:r>
-              <a:rPr lang="en-US" sz="1000" kern="0" baseline="0" dirty="0">
-                <a:solidFill>
-                  <a:sysClr val="windowText" lastClr="000000"/>
-                </a:solidFill>
-                <a:ea typeface="Arial Unicode MS" pitchFamily="34" charset="-128"/>
-                <a:cs typeface="Arial Unicode MS" pitchFamily="34" charset="-128"/>
-                <a:sym typeface="Arial"/>
-              </a:rPr>
-              <a:t> when finished.</a:t>
-            </a:r>
-            <a:endParaRPr lang="en-US" sz="1000" kern="0" dirty="0">
-              <a:solidFill>
-                <a:sysClr val="windowText" lastClr="000000"/>
-              </a:solidFill>
-              <a:ea typeface="Arial Unicode MS" pitchFamily="34" charset="-128"/>
-              <a:cs typeface="Arial Unicode MS" pitchFamily="34" charset="-128"/>
-              <a:sym typeface="Arial"/>
-            </a:endParaRPr>
-          </a:p>
-          <a:p>
-            <a:pPr fontAlgn="base">
-              <a:spcBef>
-                <a:spcPts val="600"/>
-              </a:spcBef>
-              <a:spcAft>
-                <a:spcPct val="0"/>
-              </a:spcAft>
-              <a:buClr>
-                <a:srgbClr val="F0AB00"/>
-              </a:buClr>
-              <a:buSzPct val="80000"/>
-            </a:pPr>
-            <a:r>
-              <a:rPr lang="en-US" sz="1000" kern="0" dirty="0">
-                <a:solidFill>
-                  <a:sysClr val="windowText" lastClr="000000"/>
-                </a:solidFill>
-                <a:ea typeface="Arial Unicode MS" pitchFamily="34" charset="-128"/>
-                <a:cs typeface="Arial Unicode MS" pitchFamily="34" charset="-128"/>
-                <a:sym typeface="Arial"/>
-              </a:rPr>
-              <a:t>See the </a:t>
-            </a:r>
-            <a:r>
-              <a:rPr lang="en-US" sz="1000" kern="0" dirty="0">
-                <a:solidFill>
-                  <a:sysClr val="windowText" lastClr="000000"/>
-                </a:solidFill>
-                <a:ea typeface="Arial Unicode MS" pitchFamily="34" charset="-128"/>
-                <a:cs typeface="Arial Unicode MS" pitchFamily="34" charset="-128"/>
-                <a:sym typeface="Arial"/>
-                <a:hlinkClick r:id="rId4"/>
-              </a:rPr>
-              <a:t>SAP Image Library</a:t>
-            </a:r>
-            <a:r>
-              <a:rPr lang="en-US" sz="1000" kern="0" dirty="0">
-                <a:solidFill>
-                  <a:sysClr val="windowText" lastClr="000000"/>
-                </a:solidFill>
-                <a:ea typeface="Arial Unicode MS" pitchFamily="34" charset="-128"/>
-                <a:cs typeface="Arial Unicode MS" pitchFamily="34" charset="-128"/>
-                <a:sym typeface="Arial"/>
-              </a:rPr>
-              <a:t> for other available images.</a:t>
-            </a:r>
-          </a:p>
-        </p:txBody>
-      </p:sp>
+      </p:pic>
     </p:spTree>
     <p:extLst>
       <p:ext uri="{BB962C8B-B14F-4D97-AF65-F5344CB8AC3E}">
-        <p14:creationId xmlns:p14="http://schemas.microsoft.com/office/powerpoint/2010/main" val="3207784688"/>
+        <p14:creationId xmlns:p14="http://schemas.microsoft.com/office/powerpoint/2010/main" val="1786748081"/>
       </p:ext>
     </p:extLst>
   </p:cSld>
@@ -8566,7 +9030,227 @@
       </p:grpSpPr>
       <p:sp>
         <p:nvSpPr>
-          <p:cNvPr id="24" name="Title"/>
+          <p:cNvPr id="11" name="Text Placeholder"/>
+          <p:cNvSpPr>
+            <a:spLocks noGrp="1"/>
+          </p:cNvSpPr>
+          <p:nvPr>
+            <p:ph type="body" sz="quarter" idx="10"/>
+          </p:nvPr>
+        </p:nvSpPr>
+        <p:spPr/>
+        <p:txBody>
+          <a:bodyPr/>
+          <a:lstStyle/>
+          <a:p>
+            <a:pPr lvl="0"/>
+            <a:r>
+              <a:rPr lang="en-US"/>
+              <a:t>Edges des Graph </a:t>
+            </a:r>
+            <a:r>
+              <a:rPr lang="en-US" err="1"/>
+              <a:t>dürfen</a:t>
+            </a:r>
+            <a:r>
+              <a:rPr lang="en-US"/>
+              <a:t> </a:t>
+            </a:r>
+            <a:r>
+              <a:rPr lang="en-US" err="1"/>
+              <a:t>keine</a:t>
+            </a:r>
+            <a:r>
+              <a:rPr lang="en-US"/>
+              <a:t> negative Weights </a:t>
+            </a:r>
+            <a:br>
+              <a:rPr lang="en-US"/>
+            </a:br>
+            <a:r>
+              <a:rPr lang="en-US" err="1"/>
+              <a:t>bzw</a:t>
+            </a:r>
+            <a:r>
+              <a:rPr lang="en-US"/>
+              <a:t>. </a:t>
+            </a:r>
+            <a:r>
+              <a:rPr lang="en-US" err="1"/>
+              <a:t>Pfadkosten</a:t>
+            </a:r>
+            <a:r>
+              <a:rPr lang="en-US"/>
+              <a:t> </a:t>
+            </a:r>
+            <a:r>
+              <a:rPr lang="en-US" err="1"/>
+              <a:t>haben</a:t>
+            </a:r>
+            <a:endParaRPr lang="en-US"/>
+          </a:p>
+          <a:p>
+            <a:pPr lvl="1"/>
+            <a:r>
+              <a:rPr lang="en-US"/>
+              <a:t>Vertex </a:t>
+            </a:r>
+            <a:r>
+              <a:rPr lang="en-US" err="1"/>
+              <a:t>besucht</a:t>
+            </a:r>
+            <a:r>
+              <a:rPr lang="en-US"/>
+              <a:t> </a:t>
+            </a:r>
+            <a:r>
+              <a:rPr lang="en-US">
+                <a:sym typeface="Wingdings" panose="05000000000000000000" pitchFamily="2" charset="2"/>
+              </a:rPr>
+              <a:t> </a:t>
+            </a:r>
+            <a:r>
+              <a:rPr lang="en-US" err="1">
+                <a:sym typeface="Wingdings" panose="05000000000000000000" pitchFamily="2" charset="2"/>
+              </a:rPr>
+              <a:t>Optimale</a:t>
+            </a:r>
+            <a:r>
+              <a:rPr lang="en-US">
+                <a:sym typeface="Wingdings" panose="05000000000000000000" pitchFamily="2" charset="2"/>
+              </a:rPr>
+              <a:t> </a:t>
+            </a:r>
+            <a:r>
+              <a:rPr lang="en-US" err="1">
+                <a:sym typeface="Wingdings" panose="05000000000000000000" pitchFamily="2" charset="2"/>
+              </a:rPr>
+              <a:t>Distanz</a:t>
+            </a:r>
+            <a:r>
+              <a:rPr lang="en-US">
+                <a:sym typeface="Wingdings" panose="05000000000000000000" pitchFamily="2" charset="2"/>
+              </a:rPr>
+              <a:t> </a:t>
+            </a:r>
+            <a:r>
+              <a:rPr lang="en-US" err="1">
+                <a:sym typeface="Wingdings" panose="05000000000000000000" pitchFamily="2" charset="2"/>
+              </a:rPr>
+              <a:t>bzw</a:t>
+            </a:r>
+            <a:r>
+              <a:rPr lang="en-US">
+                <a:sym typeface="Wingdings" panose="05000000000000000000" pitchFamily="2" charset="2"/>
+              </a:rPr>
+              <a:t>. </a:t>
+            </a:r>
+            <a:r>
+              <a:rPr lang="en-US" err="1">
+                <a:sym typeface="Wingdings" panose="05000000000000000000" pitchFamily="2" charset="2"/>
+              </a:rPr>
+              <a:t>Pfadkosten</a:t>
+            </a:r>
+            <a:r>
+              <a:rPr lang="en-US">
+                <a:sym typeface="Wingdings" panose="05000000000000000000" pitchFamily="2" charset="2"/>
+              </a:rPr>
+              <a:t> </a:t>
+            </a:r>
+            <a:br>
+              <a:rPr lang="en-US">
+                <a:sym typeface="Wingdings" panose="05000000000000000000" pitchFamily="2" charset="2"/>
+              </a:rPr>
+            </a:br>
+            <a:r>
+              <a:rPr lang="en-US" err="1">
+                <a:sym typeface="Wingdings" panose="05000000000000000000" pitchFamily="2" charset="2"/>
+              </a:rPr>
+              <a:t>erreicht</a:t>
+            </a:r>
+            <a:endParaRPr lang="en-US">
+              <a:sym typeface="Wingdings" panose="05000000000000000000" pitchFamily="2" charset="2"/>
+            </a:endParaRPr>
+          </a:p>
+          <a:p>
+            <a:pPr lvl="1"/>
+            <a:r>
+              <a:rPr lang="en-US" err="1">
+                <a:sym typeface="Wingdings" panose="05000000000000000000" pitchFamily="2" charset="2"/>
+              </a:rPr>
+              <a:t>Ermöglicht</a:t>
+            </a:r>
+            <a:r>
+              <a:rPr lang="en-US">
+                <a:sym typeface="Wingdings" panose="05000000000000000000" pitchFamily="2" charset="2"/>
+              </a:rPr>
+              <a:t> greedy-</a:t>
+            </a:r>
+            <a:r>
+              <a:rPr lang="en-US" err="1">
+                <a:sym typeface="Wingdings" panose="05000000000000000000" pitchFamily="2" charset="2"/>
+              </a:rPr>
+              <a:t>Funktionsweise</a:t>
+            </a:r>
+            <a:r>
+              <a:rPr lang="en-US">
+                <a:sym typeface="Wingdings" panose="05000000000000000000" pitchFamily="2" charset="2"/>
+              </a:rPr>
+              <a:t> (Wahl des </a:t>
+            </a:r>
+            <a:br>
+              <a:rPr lang="en-US">
+                <a:sym typeface="Wingdings" panose="05000000000000000000" pitchFamily="2" charset="2"/>
+              </a:rPr>
+            </a:br>
+            <a:r>
+              <a:rPr lang="en-US">
+                <a:sym typeface="Wingdings" panose="05000000000000000000" pitchFamily="2" charset="2"/>
+              </a:rPr>
+              <a:t>“Next Most Promising Vertex”) des </a:t>
+            </a:r>
+            <a:r>
+              <a:rPr lang="en-US" err="1">
+                <a:sym typeface="Wingdings" panose="05000000000000000000" pitchFamily="2" charset="2"/>
+              </a:rPr>
+              <a:t>Algorithmus</a:t>
+            </a:r>
+            <a:endParaRPr lang="en-US">
+              <a:sym typeface="Wingdings" panose="05000000000000000000" pitchFamily="2" charset="2"/>
+            </a:endParaRPr>
+          </a:p>
+          <a:p>
+            <a:pPr lvl="1"/>
+            <a:r>
+              <a:rPr lang="en-US" err="1">
+                <a:sym typeface="Wingdings" panose="05000000000000000000" pitchFamily="2" charset="2"/>
+              </a:rPr>
+              <a:t>Funktioniert</a:t>
+            </a:r>
+            <a:r>
+              <a:rPr lang="en-US">
+                <a:sym typeface="Wingdings" panose="05000000000000000000" pitchFamily="2" charset="2"/>
+              </a:rPr>
+              <a:t> </a:t>
+            </a:r>
+            <a:r>
+              <a:rPr lang="en-US" err="1">
+                <a:sym typeface="Wingdings" panose="05000000000000000000" pitchFamily="2" charset="2"/>
+              </a:rPr>
+              <a:t>für</a:t>
+            </a:r>
+            <a:r>
+              <a:rPr lang="en-US">
+                <a:sym typeface="Wingdings" panose="05000000000000000000" pitchFamily="2" charset="2"/>
+              </a:rPr>
+              <a:t> directed und undirected Graphs</a:t>
+            </a:r>
+          </a:p>
+        </p:txBody>
+      </p:sp>
+      <p:sp>
+        <p:nvSpPr>
+          <p:cNvPr id="4" name="Title"/>
           <p:cNvSpPr>
             <a:spLocks noGrp="1"/>
           </p:cNvSpPr>
@@ -8574,22 +9258,73 @@
             <p:ph type="title"/>
           </p:nvPr>
         </p:nvSpPr>
-        <p:spPr/>
+        <p:spPr>
+          <a:xfrm>
+            <a:off x="504001" y="504000"/>
+            <a:ext cx="11186476" cy="677108"/>
+          </a:xfrm>
+        </p:spPr>
         <p:txBody>
           <a:bodyPr/>
           <a:lstStyle/>
           <a:p>
             <a:r>
-              <a:rPr lang="en-US" dirty="0"/>
-              <a:t>Insert page title (sentence case)</a:t>
-            </a:r>
-          </a:p>
-        </p:txBody>
-      </p:sp>
+              <a:rPr lang="en-US"/>
+              <a:t>Dijkstra’s Shortest Path Algorithm</a:t>
+            </a:r>
+            <a:br>
+              <a:rPr lang="en-US"/>
+            </a:br>
+            <a:r>
+              <a:rPr lang="en-US" sz="2000" b="0" err="1">
+                <a:solidFill>
+                  <a:schemeClr val="accent1"/>
+                </a:solidFill>
+              </a:rPr>
+              <a:t>Voraussetzungen</a:t>
+            </a:r>
+            <a:endParaRPr lang="en-US" sz="2000" b="0">
+              <a:solidFill>
+                <a:schemeClr val="accent1"/>
+              </a:solidFill>
+            </a:endParaRPr>
+          </a:p>
+        </p:txBody>
+      </p:sp>
+      <p:pic>
+        <p:nvPicPr>
+          <p:cNvPr id="3" name="Picture 2">
+            <a:extLst>
+              <a:ext uri="{FF2B5EF4-FFF2-40B4-BE49-F238E27FC236}">
+                <a16:creationId xmlns:a16="http://schemas.microsoft.com/office/drawing/2014/main" id="{C1E0909C-FE90-4849-BD03-588B611EA9ED}"/>
+              </a:ext>
+            </a:extLst>
+          </p:cNvPr>
+          <p:cNvPicPr>
+            <a:picLocks noChangeAspect="1"/>
+          </p:cNvPicPr>
+          <p:nvPr/>
+        </p:nvPicPr>
+        <p:blipFill>
+          <a:blip r:embed="rId2"/>
+          <a:stretch>
+            <a:fillRect/>
+          </a:stretch>
+        </p:blipFill>
+        <p:spPr>
+          <a:xfrm>
+            <a:off x="8538838" y="1620000"/>
+            <a:ext cx="3151638" cy="3151638"/>
+          </a:xfrm>
+          <a:prstGeom prst="rect">
+            <a:avLst/>
+          </a:prstGeom>
+        </p:spPr>
+      </p:pic>
     </p:spTree>
     <p:extLst>
       <p:ext uri="{BB962C8B-B14F-4D97-AF65-F5344CB8AC3E}">
-        <p14:creationId xmlns:p14="http://schemas.microsoft.com/office/powerpoint/2010/main" val="589477268"/>
+        <p14:creationId xmlns:p14="http://schemas.microsoft.com/office/powerpoint/2010/main" val="1287147475"/>
       </p:ext>
     </p:extLst>
   </p:cSld>
@@ -8633,21 +9368,21 @@
           <a:p>
             <a:pPr lvl="0"/>
             <a:r>
-              <a:rPr lang="en-US" dirty="0"/>
+              <a:rPr lang="en-US"/>
               <a:t>First level</a:t>
             </a:r>
           </a:p>
           <a:p>
             <a:pPr lvl="1"/>
             <a:r>
-              <a:rPr lang="en-US" dirty="0"/>
+              <a:rPr lang="en-US"/>
               <a:t>Second level</a:t>
             </a:r>
           </a:p>
           <a:p>
             <a:pPr lvl="2"/>
             <a:r>
-              <a:rPr lang="en-US" dirty="0"/>
+              <a:rPr lang="en-US"/>
               <a:t>Third level</a:t>
             </a:r>
           </a:p>
@@ -8663,511 +9398,43 @@
             <p:ph type="title"/>
           </p:nvPr>
         </p:nvSpPr>
-        <p:spPr/>
+        <p:spPr>
+          <a:xfrm>
+            <a:off x="504001" y="504000"/>
+            <a:ext cx="11186476" cy="677108"/>
+          </a:xfrm>
+        </p:spPr>
         <p:txBody>
           <a:bodyPr/>
           <a:lstStyle/>
           <a:p>
             <a:r>
-              <a:rPr lang="en-US" dirty="0"/>
-              <a:t>Insert page title (sentence case)</a:t>
-            </a:r>
-          </a:p>
-        </p:txBody>
-      </p:sp>
-      <p:grpSp>
-        <p:nvGrpSpPr>
-          <p:cNvPr id="2" name="Group 1">
-            <a:extLst>
-              <a:ext uri="{FF2B5EF4-FFF2-40B4-BE49-F238E27FC236}">
-                <a16:creationId xmlns:a16="http://schemas.microsoft.com/office/drawing/2014/main" id="{50AF53FA-52E8-403A-AFAA-403918F7B17C}"/>
-              </a:ext>
-            </a:extLst>
-          </p:cNvPr>
-          <p:cNvGrpSpPr/>
-          <p:nvPr/>
-        </p:nvGrpSpPr>
-        <p:grpSpPr>
-          <a:xfrm>
-            <a:off x="2626973" y="1620000"/>
-            <a:ext cx="3118507" cy="3874789"/>
-            <a:chOff x="2626973" y="1620000"/>
-            <a:chExt cx="3118507" cy="3874789"/>
-          </a:xfrm>
-        </p:grpSpPr>
-        <p:sp>
-          <p:nvSpPr>
-            <p:cNvPr id="5" name="Information to list level button" descr="Description of the list level funcionality while working with text placeholders" title="Description list level buttons"/>
-            <p:cNvSpPr/>
-            <p:nvPr/>
-          </p:nvSpPr>
-          <p:spPr bwMode="gray">
-            <a:xfrm>
-              <a:off x="2626973" y="1620000"/>
-              <a:ext cx="3118507" cy="3874789"/>
-            </a:xfrm>
-            <a:prstGeom prst="roundRect">
-              <a:avLst>
-                <a:gd name="adj" fmla="val 5631"/>
-              </a:avLst>
-            </a:prstGeom>
-            <a:solidFill>
-              <a:srgbClr val="FFFF00"/>
-            </a:solidFill>
-            <a:ln w="6350" algn="ctr">
-              <a:noFill/>
-              <a:miter lim="800000"/>
-              <a:headEnd/>
-              <a:tailEnd/>
-            </a:ln>
-          </p:spPr>
-          <p:txBody>
-            <a:bodyPr lIns="90000" tIns="72000" rIns="90000" bIns="72000" rtlCol="0" anchor="t" anchorCtr="0"/>
-            <a:lstStyle/>
-            <a:p>
-              <a:pPr>
-                <a:spcBef>
-                  <a:spcPts val="600"/>
-                </a:spcBef>
-                <a:buClr>
+              <a:rPr lang="en-US"/>
+              <a:t>Dijkstra’s Shortest Path Algorithm</a:t>
+            </a:r>
+            <a:br>
+              <a:rPr lang="en-US"/>
+            </a:br>
+            <a:r>
+              <a:rPr lang="en-US" sz="2000" b="0" err="1">
+                <a:solidFill>
                   <a:schemeClr val="accent1"/>
-                </a:buClr>
-                <a:buSzPct val="80000"/>
-                <a:defRPr/>
-              </a:pPr>
-              <a:r>
-                <a:rPr lang="en-US" sz="1000" b="1" kern="0" dirty="0">
-                  <a:solidFill>
-                    <a:schemeClr val="bg1"/>
-                  </a:solidFill>
-                  <a:ea typeface="Arial Unicode MS" pitchFamily="34" charset="-128"/>
-                  <a:cs typeface="Arial Unicode MS" pitchFamily="34" charset="-128"/>
-                  <a:sym typeface="Arial"/>
-                </a:rPr>
-                <a:t>NOTE: </a:t>
-              </a:r>
-              <a:r>
-                <a:rPr lang="en-US" sz="1000" kern="0" dirty="0">
-                  <a:solidFill>
-                    <a:schemeClr val="bg1"/>
-                  </a:solidFill>
-                  <a:ea typeface="Arial Unicode MS" pitchFamily="34" charset="-128"/>
-                  <a:cs typeface="Arial Unicode MS" pitchFamily="34" charset="-128"/>
-                  <a:sym typeface="Arial"/>
-                </a:rPr>
-                <a:t>Delete the yellow stickers when finished.</a:t>
-              </a:r>
-            </a:p>
-            <a:p>
-              <a:pPr>
-                <a:spcBef>
-                  <a:spcPts val="600"/>
-                </a:spcBef>
-                <a:buClr>
-                  <a:schemeClr val="accent1"/>
-                </a:buClr>
-                <a:buSzPct val="80000"/>
-                <a:defRPr/>
-              </a:pPr>
-              <a:r>
-                <a:rPr lang="en-US" sz="1000" dirty="0">
-                  <a:solidFill>
-                    <a:schemeClr val="bg1"/>
-                  </a:solidFill>
-                </a:rPr>
-                <a:t>The text placeholders have different, preformatted text levels. Each level has different formatting </a:t>
-              </a:r>
-              <a:br>
-                <a:rPr lang="en-US" sz="1000" dirty="0">
-                  <a:solidFill>
-                    <a:schemeClr val="bg1"/>
-                  </a:solidFill>
-                </a:rPr>
-              </a:br>
-              <a:r>
-                <a:rPr lang="en-US" sz="1000" dirty="0">
-                  <a:solidFill>
-                    <a:schemeClr val="bg1"/>
-                  </a:solidFill>
-                </a:rPr>
-                <a:t>(font size, indent, bullet).</a:t>
-              </a:r>
-            </a:p>
-            <a:p>
-              <a:pPr>
-                <a:spcBef>
-                  <a:spcPts val="600"/>
-                </a:spcBef>
-                <a:buClr>
-                  <a:schemeClr val="accent1"/>
-                </a:buClr>
-                <a:buSzPct val="80000"/>
-                <a:defRPr/>
-              </a:pPr>
-              <a:r>
-                <a:rPr lang="en-US" sz="1000" dirty="0">
-                  <a:solidFill>
-                    <a:schemeClr val="bg1"/>
-                  </a:solidFill>
-                </a:rPr>
-                <a:t>To jump between the preformatted text levels, use the </a:t>
-              </a:r>
-              <a:r>
-                <a:rPr lang="en-US" sz="1000" i="1" dirty="0">
-                  <a:solidFill>
-                    <a:schemeClr val="bg1"/>
-                  </a:solidFill>
-                </a:rPr>
-                <a:t>Increase</a:t>
-              </a:r>
-              <a:r>
-                <a:rPr lang="en-US" sz="1000" dirty="0">
-                  <a:solidFill>
-                    <a:schemeClr val="bg1"/>
-                  </a:solidFill>
-                </a:rPr>
-                <a:t> </a:t>
-              </a:r>
-              <a:r>
-                <a:rPr lang="en-US" sz="1000" i="1" dirty="0">
-                  <a:solidFill>
-                    <a:schemeClr val="bg1"/>
-                  </a:solidFill>
-                </a:rPr>
-                <a:t>List Level </a:t>
-              </a:r>
-              <a:r>
-                <a:rPr lang="en-US" sz="1000" dirty="0">
-                  <a:solidFill>
-                    <a:schemeClr val="bg1"/>
-                  </a:solidFill>
-                </a:rPr>
-                <a:t>and </a:t>
-              </a:r>
-              <a:r>
-                <a:rPr lang="en-US" sz="1000" i="1" dirty="0">
-                  <a:solidFill>
-                    <a:schemeClr val="bg1"/>
-                  </a:solidFill>
-                </a:rPr>
-                <a:t>Decrease</a:t>
-              </a:r>
-              <a:r>
-                <a:rPr lang="en-US" sz="1000" dirty="0">
-                  <a:solidFill>
-                    <a:schemeClr val="bg1"/>
-                  </a:solidFill>
-                </a:rPr>
-                <a:t> </a:t>
-              </a:r>
-              <a:r>
-                <a:rPr lang="en-US" sz="1000" i="1" dirty="0">
-                  <a:solidFill>
-                    <a:schemeClr val="bg1"/>
-                  </a:solidFill>
-                </a:rPr>
-                <a:t>List Level </a:t>
-              </a:r>
-              <a:r>
-                <a:rPr lang="en-US" sz="1000" dirty="0">
-                  <a:solidFill>
-                    <a:schemeClr val="bg1"/>
-                  </a:solidFill>
-                </a:rPr>
-                <a:t>buttons button in the </a:t>
-              </a:r>
-              <a:r>
-                <a:rPr lang="en-US" sz="1000" i="1" dirty="0">
-                  <a:solidFill>
-                    <a:schemeClr val="bg1"/>
-                  </a:solidFill>
-                </a:rPr>
-                <a:t>Paragraph</a:t>
-              </a:r>
-              <a:r>
-                <a:rPr lang="en-US" sz="1000" dirty="0">
-                  <a:solidFill>
-                    <a:schemeClr val="bg1"/>
-                  </a:solidFill>
-                </a:rPr>
-                <a:t> toolbar.</a:t>
-              </a:r>
-            </a:p>
-            <a:p>
-              <a:pPr>
-                <a:spcBef>
-                  <a:spcPts val="600"/>
-                </a:spcBef>
-                <a:buClr>
-                  <a:schemeClr val="accent1"/>
-                </a:buClr>
-                <a:buSzPct val="80000"/>
-                <a:defRPr/>
-              </a:pPr>
-              <a:endParaRPr lang="en-US" sz="1000" dirty="0">
-                <a:solidFill>
-                  <a:schemeClr val="bg1"/>
                 </a:solidFill>
-              </a:endParaRPr>
-            </a:p>
-            <a:p>
-              <a:pPr>
-                <a:spcBef>
-                  <a:spcPts val="600"/>
-                </a:spcBef>
-                <a:buClr>
-                  <a:schemeClr val="accent1"/>
-                </a:buClr>
-                <a:buSzPct val="80000"/>
-                <a:defRPr/>
-              </a:pPr>
-              <a:endParaRPr lang="en-US" sz="1000" dirty="0">
-                <a:solidFill>
-                  <a:schemeClr val="bg1"/>
-                </a:solidFill>
-              </a:endParaRPr>
-            </a:p>
-            <a:p>
-              <a:pPr>
-                <a:spcBef>
-                  <a:spcPts val="600"/>
-                </a:spcBef>
-                <a:buClr>
-                  <a:schemeClr val="accent1"/>
-                </a:buClr>
-                <a:buSzPct val="80000"/>
-                <a:defRPr/>
-              </a:pPr>
-              <a:endParaRPr lang="en-US" sz="1000" dirty="0">
-                <a:solidFill>
-                  <a:schemeClr val="bg1"/>
-                </a:solidFill>
-              </a:endParaRPr>
-            </a:p>
-            <a:p>
-              <a:pPr>
-                <a:spcBef>
-                  <a:spcPts val="600"/>
-                </a:spcBef>
-                <a:buClr>
-                  <a:schemeClr val="accent1"/>
-                </a:buClr>
-                <a:buSzPct val="80000"/>
-                <a:defRPr/>
-              </a:pPr>
-              <a:endParaRPr lang="en-US" sz="1000" dirty="0">
-                <a:solidFill>
-                  <a:schemeClr val="bg1"/>
-                </a:solidFill>
-              </a:endParaRPr>
-            </a:p>
-            <a:p>
-              <a:pPr marL="136525" indent="-136525">
-                <a:spcBef>
-                  <a:spcPts val="1200"/>
-                </a:spcBef>
-                <a:buClr>
-                  <a:schemeClr val="bg1"/>
-                </a:buClr>
-                <a:buSzPct val="100000"/>
-                <a:buFont typeface="Arial" panose="020B0604020202020204" pitchFamily="34" charset="0"/>
-                <a:buChar char="•"/>
-                <a:defRPr/>
-              </a:pPr>
-              <a:r>
-                <a:rPr lang="en-US" sz="1000" dirty="0">
-                  <a:solidFill>
-                    <a:schemeClr val="bg1"/>
-                  </a:solidFill>
-                </a:rPr>
-                <a:t>Type your text in the placeholder.</a:t>
-              </a:r>
-            </a:p>
-            <a:p>
-              <a:pPr marL="136525" indent="-136525">
-                <a:spcBef>
-                  <a:spcPts val="600"/>
-                </a:spcBef>
-                <a:buClr>
-                  <a:schemeClr val="bg1"/>
-                </a:buClr>
-                <a:buSzPct val="100000"/>
-                <a:buFont typeface="Arial" panose="020B0604020202020204" pitchFamily="34" charset="0"/>
-                <a:buChar char="•"/>
-                <a:defRPr/>
-              </a:pPr>
-              <a:r>
-                <a:rPr lang="en-US" sz="1000" dirty="0">
-                  <a:solidFill>
-                    <a:schemeClr val="bg1"/>
-                  </a:solidFill>
-                </a:rPr>
-                <a:t>Click </a:t>
-              </a:r>
-              <a:r>
-                <a:rPr lang="en-US" sz="1000" i="1" dirty="0">
-                  <a:solidFill>
-                    <a:schemeClr val="bg1"/>
-                  </a:solidFill>
-                </a:rPr>
-                <a:t>the Increase List Level </a:t>
-              </a:r>
-              <a:r>
-                <a:rPr lang="en-US" sz="1000" dirty="0">
-                  <a:solidFill>
-                    <a:schemeClr val="bg1"/>
-                  </a:solidFill>
-                </a:rPr>
-                <a:t>button in the </a:t>
-              </a:r>
-              <a:r>
-                <a:rPr lang="en-US" sz="1000" i="1" dirty="0">
-                  <a:solidFill>
-                    <a:schemeClr val="bg1"/>
-                  </a:solidFill>
-                </a:rPr>
-                <a:t>Paragraph</a:t>
-              </a:r>
-              <a:r>
-                <a:rPr lang="en-US" sz="1000" dirty="0">
-                  <a:solidFill>
-                    <a:schemeClr val="bg1"/>
-                  </a:solidFill>
-                </a:rPr>
-                <a:t> toolbar to go to the next level.</a:t>
-              </a:r>
-            </a:p>
-            <a:p>
-              <a:pPr marL="136525" indent="-136525">
-                <a:spcBef>
-                  <a:spcPts val="600"/>
-                </a:spcBef>
-                <a:buClr>
-                  <a:schemeClr val="bg1"/>
-                </a:buClr>
-                <a:buSzPct val="100000"/>
-                <a:buFont typeface="Arial" panose="020B0604020202020204" pitchFamily="34" charset="0"/>
-                <a:buChar char="•"/>
-                <a:defRPr/>
-              </a:pPr>
-              <a:r>
-                <a:rPr lang="en-US" sz="1000" dirty="0">
-                  <a:solidFill>
-                    <a:schemeClr val="bg1"/>
-                  </a:solidFill>
-                </a:rPr>
-                <a:t>If you need a bullet list, choose level 2. </a:t>
-              </a:r>
-            </a:p>
-            <a:p>
-              <a:pPr marL="0" indent="0">
-                <a:spcBef>
-                  <a:spcPts val="600"/>
-                </a:spcBef>
-                <a:buClr>
-                  <a:schemeClr val="bg1"/>
-                </a:buClr>
-                <a:buSzPct val="100000"/>
-                <a:buFont typeface="Arial" panose="020B0604020202020204" pitchFamily="34" charset="0"/>
-                <a:buNone/>
-                <a:defRPr/>
-              </a:pPr>
-              <a:r>
-                <a:rPr lang="en-US" sz="1000" dirty="0">
-                  <a:solidFill>
-                    <a:schemeClr val="bg1"/>
-                  </a:solidFill>
-                </a:rPr>
-                <a:t>Avoid working with spaces, other bullets, or bullets in the wrong level. Only when you use the right levels it is possible to reset the slide layout.</a:t>
-              </a:r>
-            </a:p>
-          </p:txBody>
-        </p:sp>
-        <p:pic>
-          <p:nvPicPr>
-            <p:cNvPr id="6" name="List level button" descr="Screenshot list level buttons" title="Screenshot list level buttons"/>
-            <p:cNvPicPr>
-              <a:picLocks noChangeAspect="1"/>
-            </p:cNvPicPr>
-            <p:nvPr/>
-          </p:nvPicPr>
-          <p:blipFill rotWithShape="1">
-            <a:blip r:embed="rId2"/>
-            <a:srcRect l="1094"/>
-            <a:stretch/>
-          </p:blipFill>
-          <p:spPr>
-            <a:xfrm>
-              <a:off x="2790065" y="3057124"/>
-              <a:ext cx="2826492" cy="901766"/>
-            </a:xfrm>
-            <a:prstGeom prst="rect">
-              <a:avLst/>
-            </a:prstGeom>
-          </p:spPr>
-        </p:pic>
-        <p:sp>
-          <p:nvSpPr>
-            <p:cNvPr id="7" name="Highlight list level button" descr="Rectangle for highliting list level buttons " title="Rectangle"/>
-            <p:cNvSpPr/>
-            <p:nvPr/>
-          </p:nvSpPr>
-          <p:spPr bwMode="gray">
-            <a:xfrm>
-              <a:off x="3415863" y="3108395"/>
-              <a:ext cx="543560" cy="311592"/>
-            </a:xfrm>
-            <a:prstGeom prst="rect">
-              <a:avLst/>
-            </a:prstGeom>
-            <a:noFill/>
-            <a:ln w="28575" algn="ctr">
+              </a:rPr>
+              <a:t>Algorithmus</a:t>
+            </a:r>
+            <a:endParaRPr lang="en-US" sz="2000" b="0">
               <a:solidFill>
-                <a:srgbClr val="FF0000"/>
+                <a:schemeClr val="accent1"/>
               </a:solidFill>
-              <a:miter lim="800000"/>
-              <a:headEnd/>
-              <a:tailEnd/>
-            </a:ln>
-          </p:spPr>
-          <p:txBody>
-            <a:bodyPr lIns="90000" tIns="72000" rIns="90000" bIns="72000" rtlCol="0" anchor="ctr"/>
-            <a:lstStyle/>
-            <a:p>
-              <a:pPr marR="0" algn="ctr" defTabSz="914400" eaLnBrk="1" fontAlgn="base" latinLnBrk="0" hangingPunct="1">
-                <a:lnSpc>
-                  <a:spcPct val="100000"/>
-                </a:lnSpc>
-                <a:spcBef>
-                  <a:spcPct val="50000"/>
-                </a:spcBef>
-                <a:spcAft>
-                  <a:spcPct val="0"/>
-                </a:spcAft>
-                <a:buClr>
-                  <a:srgbClr val="F0AB00"/>
-                </a:buClr>
-                <a:buSzPct val="80000"/>
-                <a:tabLst/>
-              </a:pPr>
-              <a:endParaRPr kumimoji="0" lang="en-US" sz="1800" b="0" i="0" u="none" strike="noStrike" kern="0" cap="none" spc="0" normalizeH="0" baseline="0" noProof="0" dirty="0" err="1">
-                <a:ln>
-                  <a:noFill/>
-                </a:ln>
-                <a:effectLst/>
-                <a:uLnTx/>
-                <a:uFillTx/>
-                <a:ea typeface="Arial Unicode MS" pitchFamily="34" charset="-128"/>
-                <a:cs typeface="Arial Unicode MS" pitchFamily="34" charset="-128"/>
-              </a:endParaRPr>
-            </a:p>
-          </p:txBody>
-        </p:sp>
-      </p:grpSp>
+            </a:endParaRPr>
+          </a:p>
+        </p:txBody>
+      </p:sp>
     </p:spTree>
     <p:extLst>
       <p:ext uri="{BB962C8B-B14F-4D97-AF65-F5344CB8AC3E}">
-        <p14:creationId xmlns:p14="http://schemas.microsoft.com/office/powerpoint/2010/main" val="3886438963"/>
+        <p14:creationId xmlns:p14="http://schemas.microsoft.com/office/powerpoint/2010/main" val="727985463"/>
       </p:ext>
     </p:extLst>
   </p:cSld>
@@ -9211,21 +9478,21 @@
           <a:p>
             <a:pPr lvl="0"/>
             <a:r>
-              <a:rPr lang="en-US" dirty="0"/>
+              <a:rPr lang="en-US"/>
               <a:t>First level</a:t>
             </a:r>
           </a:p>
           <a:p>
             <a:pPr lvl="1"/>
             <a:r>
-              <a:rPr lang="en-US" dirty="0"/>
+              <a:rPr lang="en-US"/>
               <a:t>Second level</a:t>
             </a:r>
           </a:p>
           <a:p>
             <a:pPr lvl="2"/>
             <a:r>
-              <a:rPr lang="en-US" dirty="0"/>
+              <a:rPr lang="en-US"/>
               <a:t>Third level</a:t>
             </a:r>
           </a:p>
@@ -9241,22 +9508,39 @@
             <p:ph type="title"/>
           </p:nvPr>
         </p:nvSpPr>
-        <p:spPr/>
+        <p:spPr>
+          <a:xfrm>
+            <a:off x="504001" y="504000"/>
+            <a:ext cx="11186476" cy="677108"/>
+          </a:xfrm>
+        </p:spPr>
         <p:txBody>
           <a:bodyPr/>
           <a:lstStyle/>
           <a:p>
             <a:r>
-              <a:rPr lang="en-US" dirty="0"/>
-              <a:t>Insert page title (sentence case)</a:t>
-            </a:r>
+              <a:rPr lang="en-US"/>
+              <a:t>Dijkstra’s Shortest Path Algorithm</a:t>
+            </a:r>
+            <a:br>
+              <a:rPr lang="en-US"/>
+            </a:br>
+            <a:r>
+              <a:rPr lang="en-US" sz="2000" b="0" err="1">
+                <a:solidFill>
+                  <a:schemeClr val="accent1"/>
+                </a:solidFill>
+              </a:rPr>
+              <a:t>Algorithmus</a:t>
+            </a:r>
+            <a:endParaRPr lang="en-US" sz="2000" b="0"/>
           </a:p>
         </p:txBody>
       </p:sp>
     </p:spTree>
     <p:extLst>
       <p:ext uri="{BB962C8B-B14F-4D97-AF65-F5344CB8AC3E}">
-        <p14:creationId xmlns:p14="http://schemas.microsoft.com/office/powerpoint/2010/main" val="4260145101"/>
+        <p14:creationId xmlns:p14="http://schemas.microsoft.com/office/powerpoint/2010/main" val="813842916"/>
       </p:ext>
     </p:extLst>
   </p:cSld>
@@ -9300,21 +9584,21 @@
           <a:p>
             <a:pPr lvl="0"/>
             <a:r>
-              <a:rPr lang="en-US" dirty="0"/>
+              <a:rPr lang="en-US"/>
               <a:t>First level</a:t>
             </a:r>
           </a:p>
           <a:p>
             <a:pPr lvl="1"/>
             <a:r>
-              <a:rPr lang="en-US" dirty="0"/>
+              <a:rPr lang="en-US"/>
               <a:t>Second level</a:t>
             </a:r>
           </a:p>
           <a:p>
             <a:pPr lvl="2"/>
             <a:r>
-              <a:rPr lang="en-US" dirty="0"/>
+              <a:rPr lang="en-US"/>
               <a:t>Third level</a:t>
             </a:r>
           </a:p>
@@ -9341,24 +9625,28 @@
           <a:lstStyle/>
           <a:p>
             <a:r>
-              <a:rPr lang="en-US" dirty="0"/>
-              <a:t>Insert page title (sentence case)</a:t>
+              <a:rPr lang="en-US"/>
+              <a:t>Dijkstra’s Shortest Path Algorithm</a:t>
             </a:r>
             <a:br>
-              <a:rPr lang="en-US" dirty="0"/>
+              <a:rPr lang="en-US"/>
             </a:br>
             <a:r>
-              <a:rPr lang="en-US" sz="2000" b="0" dirty="0" err="1"/>
-              <a:t>Subheadline</a:t>
-            </a:r>
-            <a:endParaRPr lang="en-US" sz="2000" b="0" dirty="0"/>
+              <a:rPr lang="en-US" sz="2000" b="0">
+                <a:solidFill>
+                  <a:schemeClr val="accent1"/>
+                </a:solidFill>
+              </a:rPr>
+              <a:t>Algorithmus</a:t>
+            </a:r>
+            <a:endParaRPr lang="en-US" sz="2000" b="0"/>
           </a:p>
         </p:txBody>
       </p:sp>
     </p:spTree>
     <p:extLst>
       <p:ext uri="{BB962C8B-B14F-4D97-AF65-F5344CB8AC3E}">
-        <p14:creationId xmlns:p14="http://schemas.microsoft.com/office/powerpoint/2010/main" val="42108366"/>
+        <p14:creationId xmlns:p14="http://schemas.microsoft.com/office/powerpoint/2010/main" val="20654166"/>
       </p:ext>
     </p:extLst>
   </p:cSld>
@@ -9387,7 +9675,7 @@
       </p:grpSpPr>
       <p:sp>
         <p:nvSpPr>
-          <p:cNvPr id="2" name="Quote placeholder"/>
+          <p:cNvPr id="11" name="Text Placeholder"/>
           <p:cNvSpPr>
             <a:spLocks noGrp="1"/>
           </p:cNvSpPr>
@@ -9402,35 +9690,65 @@
           <a:p>
             <a:pPr lvl="0"/>
             <a:r>
-              <a:rPr lang="en-US" dirty="0"/>
-              <a:t>“Quote goes here and here </a:t>
-            </a:r>
-            <a:r>
-              <a:rPr lang="en-US" dirty="0">
-                <a:solidFill>
-                  <a:schemeClr val="accent1"/>
-                </a:solidFill>
-              </a:rPr>
-              <a:t>and here</a:t>
-            </a:r>
-            <a:r>
-              <a:rPr lang="en-US" dirty="0"/>
-              <a:t>.”</a:t>
+              <a:rPr lang="en-US"/>
+              <a:t>First level</a:t>
             </a:r>
           </a:p>
           <a:p>
             <a:pPr lvl="1"/>
             <a:r>
-              <a:rPr lang="en-US" dirty="0"/>
-              <a:t>Source</a:t>
-            </a:r>
+              <a:rPr lang="en-US"/>
+              <a:t>Second level</a:t>
+            </a:r>
+          </a:p>
+          <a:p>
+            <a:pPr lvl="2"/>
+            <a:r>
+              <a:rPr lang="en-US"/>
+              <a:t>Third level</a:t>
+            </a:r>
+          </a:p>
+        </p:txBody>
+      </p:sp>
+      <p:sp>
+        <p:nvSpPr>
+          <p:cNvPr id="4" name="Title"/>
+          <p:cNvSpPr>
+            <a:spLocks noGrp="1"/>
+          </p:cNvSpPr>
+          <p:nvPr>
+            <p:ph type="title"/>
+          </p:nvPr>
+        </p:nvSpPr>
+        <p:spPr>
+          <a:xfrm>
+            <a:off x="504001" y="504000"/>
+            <a:ext cx="11186476" cy="677108"/>
+          </a:xfrm>
+        </p:spPr>
+        <p:txBody>
+          <a:bodyPr/>
+          <a:lstStyle/>
+          <a:p>
+            <a:r>
+              <a:rPr lang="en-US"/>
+              <a:t>Insert page title (sentence case)</a:t>
+            </a:r>
+            <a:br>
+              <a:rPr lang="en-US"/>
+            </a:br>
+            <a:r>
+              <a:rPr lang="en-US" sz="2000" b="0" err="1"/>
+              <a:t>Subheadline</a:t>
+            </a:r>
+            <a:endParaRPr lang="en-US" sz="2000" b="0"/>
           </a:p>
         </p:txBody>
       </p:sp>
     </p:spTree>
     <p:extLst>
       <p:ext uri="{BB962C8B-B14F-4D97-AF65-F5344CB8AC3E}">
-        <p14:creationId xmlns:p14="http://schemas.microsoft.com/office/powerpoint/2010/main" val="1801416843"/>
+        <p14:creationId xmlns:p14="http://schemas.microsoft.com/office/powerpoint/2010/main" val="1588083430"/>
       </p:ext>
     </p:extLst>
   </p:cSld>
@@ -9459,12 +9777,12 @@
       </p:grpSpPr>
       <p:sp>
         <p:nvSpPr>
-          <p:cNvPr id="2" name="Quote placeholder"/>
+          <p:cNvPr id="2" name="Divider"/>
           <p:cNvSpPr>
             <a:spLocks noGrp="1"/>
           </p:cNvSpPr>
           <p:nvPr>
-            <p:ph type="body" sz="quarter" idx="10"/>
+            <p:ph type="ctrTitle"/>
           </p:nvPr>
         </p:nvSpPr>
         <p:spPr/>
@@ -9472,29 +9790,21 @@
           <a:bodyPr/>
           <a:lstStyle/>
           <a:p>
-            <a:pPr lvl="0"/>
-            <a:r>
-              <a:rPr lang="en-US" dirty="0"/>
-              <a:t>“Quote goes here and here </a:t>
-            </a:r>
-            <a:r>
-              <a:rPr lang="en-US" dirty="0">
+            <a:r>
+              <a:rPr lang="en-US" err="1"/>
+              <a:t>Erweiterung</a:t>
+            </a:r>
+            <a:r>
+              <a:rPr lang="en-US"/>
+              <a:t> von</a:t>
+            </a:r>
+            <a:r>
+              <a:rPr lang="en-US">
                 <a:solidFill>
                   <a:schemeClr val="accent1"/>
                 </a:solidFill>
               </a:rPr>
-              <a:t>and here</a:t>
-            </a:r>
-            <a:r>
-              <a:rPr lang="en-US" dirty="0"/>
-              <a:t>.”</a:t>
-            </a:r>
-          </a:p>
-          <a:p>
-            <a:pPr lvl="1"/>
-            <a:r>
-              <a:rPr lang="en-US" dirty="0"/>
-              <a:t>Source</a:t>
+              <a:t> Dijkstra’s Algorithm</a:t>
             </a:r>
           </a:p>
         </p:txBody>
@@ -9502,7 +9812,7 @@
     </p:spTree>
     <p:extLst>
       <p:ext uri="{BB962C8B-B14F-4D97-AF65-F5344CB8AC3E}">
-        <p14:creationId xmlns:p14="http://schemas.microsoft.com/office/powerpoint/2010/main" val="1041611601"/>
+        <p14:creationId xmlns:p14="http://schemas.microsoft.com/office/powerpoint/2010/main" val="306196124"/>
       </p:ext>
     </p:extLst>
   </p:cSld>
@@ -9531,24 +9841,12 @@
       </p:grpSpPr>
       <p:sp>
         <p:nvSpPr>
-          <p:cNvPr id="6" name="Picture Placeholder" descr="Placeholder for an image" title="Image placeholder content slide"/>
+          <p:cNvPr id="11" name="Text Placeholder"/>
           <p:cNvSpPr>
             <a:spLocks noGrp="1"/>
           </p:cNvSpPr>
           <p:nvPr>
-            <p:ph type="pic" sz="quarter" idx="10"/>
-          </p:nvPr>
-        </p:nvSpPr>
-        <p:spPr/>
-      </p:sp>
-      <p:sp>
-        <p:nvSpPr>
-          <p:cNvPr id="4" name="Text Placeholder"/>
-          <p:cNvSpPr>
-            <a:spLocks noGrp="1"/>
-          </p:cNvSpPr>
-          <p:nvPr>
-            <p:ph type="body" sz="quarter" idx="11"/>
+            <p:ph type="body" sz="quarter" idx="10"/>
           </p:nvPr>
         </p:nvSpPr>
         <p:spPr/>
@@ -9575,13 +9873,12 @@
               <a:rPr lang="en-US"/>
               <a:t>Third level</a:t>
             </a:r>
-            <a:endParaRPr lang="en-US" dirty="0"/>
-          </a:p>
-        </p:txBody>
-      </p:sp>
-      <p:sp>
-        <p:nvSpPr>
-          <p:cNvPr id="2" name="Title"/>
+          </a:p>
+        </p:txBody>
+      </p:sp>
+      <p:sp>
+        <p:nvSpPr>
+          <p:cNvPr id="4" name="Title"/>
           <p:cNvSpPr>
             <a:spLocks noGrp="1"/>
           </p:cNvSpPr>
@@ -9589,14 +9886,34 @@
             <p:ph type="title"/>
           </p:nvPr>
         </p:nvSpPr>
-        <p:spPr/>
+        <p:spPr>
+          <a:xfrm>
+            <a:off x="504001" y="504000"/>
+            <a:ext cx="11186476" cy="677108"/>
+          </a:xfrm>
+        </p:spPr>
         <p:txBody>
           <a:bodyPr/>
           <a:lstStyle/>
           <a:p>
             <a:r>
-              <a:rPr lang="en-US" dirty="0"/>
-              <a:t>Insert page title (sentence case)</a:t>
+              <a:rPr lang="en-US" err="1"/>
+              <a:t>Erweiterung</a:t>
+            </a:r>
+            <a:r>
+              <a:rPr lang="en-US"/>
+              <a:t> von Dijkstra’s Algorithm</a:t>
+            </a:r>
+            <a:br>
+              <a:rPr lang="en-US"/>
+            </a:br>
+            <a:r>
+              <a:rPr lang="en-US" sz="2000" b="0">
+                <a:solidFill>
+                  <a:schemeClr val="accent1"/>
+                </a:solidFill>
+              </a:rPr>
+              <a:t>A* Search</a:t>
             </a:r>
           </a:p>
         </p:txBody>
@@ -9604,7 +9921,7 @@
     </p:spTree>
     <p:extLst>
       <p:ext uri="{BB962C8B-B14F-4D97-AF65-F5344CB8AC3E}">
-        <p14:creationId xmlns:p14="http://schemas.microsoft.com/office/powerpoint/2010/main" val="2468716513"/>
+        <p14:creationId xmlns:p14="http://schemas.microsoft.com/office/powerpoint/2010/main" val="1358289845"/>
       </p:ext>
     </p:extLst>
   </p:cSld>
@@ -9633,24 +9950,12 @@
       </p:grpSpPr>
       <p:sp>
         <p:nvSpPr>
-          <p:cNvPr id="6" name="Picture Placeholder" descr="Placeholder for an image" title="Image placeholder content slide"/>
+          <p:cNvPr id="11" name="Text Placeholder"/>
           <p:cNvSpPr>
             <a:spLocks noGrp="1"/>
           </p:cNvSpPr>
           <p:nvPr>
-            <p:ph type="pic" sz="quarter" idx="10"/>
-          </p:nvPr>
-        </p:nvSpPr>
-        <p:spPr/>
-      </p:sp>
-      <p:sp>
-        <p:nvSpPr>
-          <p:cNvPr id="4" name="Text Placeholder"/>
-          <p:cNvSpPr>
-            <a:spLocks noGrp="1"/>
-          </p:cNvSpPr>
-          <p:nvPr>
-            <p:ph type="body" sz="quarter" idx="11"/>
+            <p:ph type="body" sz="quarter" idx="10"/>
           </p:nvPr>
         </p:nvSpPr>
         <p:spPr/>
@@ -9677,13 +9982,12 @@
               <a:rPr lang="en-US"/>
               <a:t>Third level</a:t>
             </a:r>
-            <a:endParaRPr lang="en-US" dirty="0"/>
-          </a:p>
-        </p:txBody>
-      </p:sp>
-      <p:sp>
-        <p:nvSpPr>
-          <p:cNvPr id="2" name="Title"/>
+          </a:p>
+        </p:txBody>
+      </p:sp>
+      <p:sp>
+        <p:nvSpPr>
+          <p:cNvPr id="4" name="Title"/>
           <p:cNvSpPr>
             <a:spLocks noGrp="1"/>
           </p:cNvSpPr>
@@ -9691,22 +9995,35 @@
             <p:ph type="title"/>
           </p:nvPr>
         </p:nvSpPr>
-        <p:spPr/>
+        <p:spPr>
+          <a:xfrm>
+            <a:off x="504001" y="504000"/>
+            <a:ext cx="11186476" cy="677108"/>
+          </a:xfrm>
+        </p:spPr>
         <p:txBody>
           <a:bodyPr/>
           <a:lstStyle/>
           <a:p>
             <a:r>
-              <a:rPr lang="en-US" dirty="0"/>
+              <a:rPr lang="en-US"/>
               <a:t>Insert page title (sentence case)</a:t>
             </a:r>
+            <a:br>
+              <a:rPr lang="en-US"/>
+            </a:br>
+            <a:r>
+              <a:rPr lang="en-US" sz="2000" b="0" err="1"/>
+              <a:t>Subheadline</a:t>
+            </a:r>
+            <a:endParaRPr lang="en-US" sz="2000" b="0"/>
           </a:p>
         </p:txBody>
       </p:sp>
     </p:spTree>
     <p:extLst>
       <p:ext uri="{BB962C8B-B14F-4D97-AF65-F5344CB8AC3E}">
-        <p14:creationId xmlns:p14="http://schemas.microsoft.com/office/powerpoint/2010/main" val="4154867534"/>
+        <p14:creationId xmlns:p14="http://schemas.microsoft.com/office/powerpoint/2010/main" val="4103154173"/>
       </p:ext>
     </p:extLst>
   </p:cSld>
@@ -9735,20 +10052,38 @@
       </p:grpSpPr>
       <p:sp>
         <p:nvSpPr>
-          <p:cNvPr id="2" name="Picture Placeholder" title="Image placeholder content slide"/>
+          <p:cNvPr id="2" name="Divider"/>
           <p:cNvSpPr>
             <a:spLocks noGrp="1"/>
           </p:cNvSpPr>
           <p:nvPr>
-            <p:ph type="pic" sz="quarter" idx="10"/>
+            <p:ph type="ctrTitle"/>
           </p:nvPr>
         </p:nvSpPr>
         <p:spPr/>
+        <p:txBody>
+          <a:bodyPr/>
+          <a:lstStyle/>
+          <a:p>
+            <a:r>
+              <a:rPr lang="en-US"/>
+              <a:t>Demon</a:t>
+            </a:r>
+            <a:r>
+              <a:rPr lang="en-US">
+                <a:solidFill>
+                  <a:schemeClr val="accent1"/>
+                </a:solidFill>
+              </a:rPr>
+              <a:t>stration</a:t>
+            </a:r>
+          </a:p>
+        </p:txBody>
       </p:sp>
     </p:spTree>
     <p:extLst>
       <p:ext uri="{BB962C8B-B14F-4D97-AF65-F5344CB8AC3E}">
-        <p14:creationId xmlns:p14="http://schemas.microsoft.com/office/powerpoint/2010/main" val="1840057824"/>
+        <p14:creationId xmlns:p14="http://schemas.microsoft.com/office/powerpoint/2010/main" val="418140978"/>
       </p:ext>
     </p:extLst>
   </p:cSld>
@@ -9777,45 +10112,7 @@
       </p:grpSpPr>
       <p:sp>
         <p:nvSpPr>
-          <p:cNvPr id="9" name="Text Placeholder column 2"/>
-          <p:cNvSpPr>
-            <a:spLocks noGrp="1"/>
-          </p:cNvSpPr>
-          <p:nvPr>
-            <p:ph type="body" sz="quarter" idx="11"/>
-          </p:nvPr>
-        </p:nvSpPr>
-        <p:spPr/>
-        <p:txBody>
-          <a:bodyPr/>
-          <a:lstStyle/>
-          <a:p>
-            <a:pPr lvl="0"/>
-            <a:r>
-              <a:rPr lang="en-US"/>
-              <a:t>First level</a:t>
-            </a:r>
-          </a:p>
-          <a:p>
-            <a:pPr lvl="1"/>
-            <a:r>
-              <a:rPr lang="en-US"/>
-              <a:t>Second level</a:t>
-            </a:r>
-          </a:p>
-          <a:p>
-            <a:pPr lvl="2"/>
-            <a:r>
-              <a:rPr lang="en-US"/>
-              <a:t>Third level</a:t>
-            </a:r>
-            <a:endParaRPr lang="en-US" dirty="0"/>
-          </a:p>
-        </p:txBody>
-      </p:sp>
-      <p:sp>
-        <p:nvSpPr>
-          <p:cNvPr id="8" name="Text Placeholder column 1"/>
+          <p:cNvPr id="2" name="Quote placeholder"/>
           <p:cNvSpPr>
             <a:spLocks noGrp="1"/>
           </p:cNvSpPr>
@@ -9831,44 +10128,30 @@
             <a:pPr lvl="0"/>
             <a:r>
               <a:rPr lang="en-US"/>
-              <a:t>First level</a:t>
+              <a:t>“For the absence of a bibliography I offer </a:t>
+            </a:r>
+            <a:r>
+              <a:rPr lang="en-US">
+                <a:solidFill>
+                  <a:schemeClr val="accent1"/>
+                </a:solidFill>
+              </a:rPr>
+              <a:t>neither explanation nor apology</a:t>
+            </a:r>
+            <a:r>
+              <a:rPr lang="en-US"/>
+              <a:t>.”</a:t>
             </a:r>
           </a:p>
           <a:p>
             <a:pPr lvl="1"/>
             <a:r>
-              <a:rPr lang="en-US"/>
-              <a:t>Second level</a:t>
-            </a:r>
-          </a:p>
-          <a:p>
-            <a:pPr lvl="2"/>
-            <a:r>
-              <a:rPr lang="en-US"/>
-              <a:t>Third level</a:t>
-            </a:r>
-            <a:endParaRPr lang="en-US" dirty="0"/>
-          </a:p>
-        </p:txBody>
-      </p:sp>
-      <p:sp>
-        <p:nvSpPr>
-          <p:cNvPr id="7" name="Title"/>
-          <p:cNvSpPr>
-            <a:spLocks noGrp="1"/>
-          </p:cNvSpPr>
-          <p:nvPr>
-            <p:ph type="title"/>
-          </p:nvPr>
-        </p:nvSpPr>
-        <p:spPr/>
-        <p:txBody>
-          <a:bodyPr/>
-          <a:lstStyle/>
-          <a:p>
-            <a:r>
-              <a:rPr lang="en-US" dirty="0"/>
-              <a:t>Insert page title (sentence case)</a:t>
+              <a:rPr lang="en-US" err="1"/>
+              <a:t>Edsger</a:t>
+            </a:r>
+            <a:r>
+              <a:rPr lang="en-US"/>
+              <a:t> W. Dijkstra</a:t>
             </a:r>
           </a:p>
         </p:txBody>
@@ -9876,7 +10159,7 @@
     </p:spTree>
     <p:extLst>
       <p:ext uri="{BB962C8B-B14F-4D97-AF65-F5344CB8AC3E}">
-        <p14:creationId xmlns:p14="http://schemas.microsoft.com/office/powerpoint/2010/main" val="854015491"/>
+        <p14:creationId xmlns:p14="http://schemas.microsoft.com/office/powerpoint/2010/main" val="1801416843"/>
       </p:ext>
     </p:extLst>
   </p:cSld>
@@ -9905,94 +10188,99 @@
       </p:grpSpPr>
       <p:sp>
         <p:nvSpPr>
-          <p:cNvPr id="6" name="Placeholder Partner logo"/>
-          <p:cNvSpPr/>
-          <p:nvPr/>
-        </p:nvSpPr>
-        <p:spPr bwMode="gray">
-          <a:xfrm>
-            <a:off x="288000" y="6174872"/>
-            <a:ext cx="944661" cy="402796"/>
-          </a:xfrm>
-          <a:prstGeom prst="rect">
-            <a:avLst/>
-          </a:prstGeom>
-          <a:solidFill>
-            <a:schemeClr val="tx2"/>
-          </a:solidFill>
-          <a:ln w="6350" algn="ctr">
-            <a:noFill/>
-            <a:miter lim="800000"/>
-            <a:headEnd/>
-            <a:tailEnd/>
-          </a:ln>
-        </p:spPr>
-        <p:txBody>
-          <a:bodyPr lIns="89979" tIns="71983" rIns="89979" bIns="71983" rtlCol="0" anchor="ctr"/>
-          <a:lstStyle/>
-          <a:p>
-            <a:pPr algn="ctr" defTabSz="914217" fontAlgn="base">
-              <a:spcBef>
-                <a:spcPct val="50000"/>
-              </a:spcBef>
-              <a:spcAft>
-                <a:spcPct val="0"/>
-              </a:spcAft>
-              <a:buClr>
-                <a:srgbClr val="F0AB00"/>
-              </a:buClr>
-              <a:buSzPct val="80000"/>
-            </a:pPr>
-            <a:r>
-              <a:rPr lang="en-US" sz="1100" kern="0" dirty="0">
-                <a:solidFill>
-                  <a:sysClr val="windowText" lastClr="000000"/>
-                </a:solidFill>
-                <a:ea typeface="Arial Unicode MS" pitchFamily="34" charset="-128"/>
-                <a:cs typeface="Arial Unicode MS" pitchFamily="34" charset="-128"/>
-              </a:rPr>
-              <a:t>Partner logo</a:t>
-            </a:r>
-          </a:p>
-        </p:txBody>
-      </p:sp>
-      <p:sp>
-        <p:nvSpPr>
-          <p:cNvPr id="2" name="Speaker"/>
+          <p:cNvPr id="3" name="Agenda items"/>
           <p:cNvSpPr>
             <a:spLocks noGrp="1"/>
           </p:cNvSpPr>
           <p:nvPr>
-            <p:ph type="subTitle" idx="1"/>
+            <p:ph type="body" sz="quarter" idx="10"/>
           </p:nvPr>
         </p:nvSpPr>
-        <p:spPr>
-          <a:xfrm>
-            <a:off x="288000" y="4268503"/>
-            <a:ext cx="8595171" cy="430887"/>
-          </a:xfrm>
-        </p:spPr>
-        <p:txBody>
-          <a:bodyPr/>
+        <p:spPr/>
+        <p:txBody>
+          <a:bodyPr>
+            <a:normAutofit/>
+          </a:bodyPr>
           <a:lstStyle/>
           <a:p>
             <a:r>
-              <a:rPr lang="en-US" dirty="0"/>
-              <a:t>Speaker’s Name, SAP</a:t>
-            </a:r>
-          </a:p>
-          <a:p>
-            <a:pPr lvl="0"/>
-            <a:r>
-              <a:rPr lang="en-US" dirty="0"/>
-              <a:t>Month 00, 2020</a:t>
-            </a:r>
-          </a:p>
-        </p:txBody>
-      </p:sp>
-      <p:sp>
-        <p:nvSpPr>
-          <p:cNvPr id="11" name="Title"/>
+              <a:rPr lang="en-US" err="1"/>
+              <a:t>Anwendungsmöglichkeiten</a:t>
+            </a:r>
+            <a:endParaRPr lang="en-US"/>
+          </a:p>
+          <a:p>
+            <a:pPr lvl="1"/>
+            <a:r>
+              <a:rPr lang="en-US"/>
+              <a:t>Routing</a:t>
+            </a:r>
+          </a:p>
+          <a:p>
+            <a:pPr lvl="1"/>
+            <a:r>
+              <a:rPr lang="en-US"/>
+              <a:t>Navigation</a:t>
+            </a:r>
+          </a:p>
+          <a:p>
+            <a:r>
+              <a:rPr lang="en-US"/>
+              <a:t>Dijkstra’s Shortest Path Algorithm</a:t>
+            </a:r>
+          </a:p>
+          <a:p>
+            <a:pPr lvl="1"/>
+            <a:r>
+              <a:rPr lang="en-US" err="1"/>
+              <a:t>Graphen</a:t>
+            </a:r>
+            <a:endParaRPr lang="en-US"/>
+          </a:p>
+          <a:p>
+            <a:pPr lvl="1"/>
+            <a:r>
+              <a:rPr lang="en-US" err="1"/>
+              <a:t>Voraussetzungen</a:t>
+            </a:r>
+            <a:endParaRPr lang="en-US"/>
+          </a:p>
+          <a:p>
+            <a:pPr lvl="1"/>
+            <a:r>
+              <a:rPr lang="en-US" err="1"/>
+              <a:t>Algorithmus</a:t>
+            </a:r>
+            <a:endParaRPr lang="en-US"/>
+          </a:p>
+          <a:p>
+            <a:r>
+              <a:rPr lang="en-US" err="1"/>
+              <a:t>Erweiterung</a:t>
+            </a:r>
+            <a:r>
+              <a:rPr lang="en-US"/>
+              <a:t> von Dijkstra’s Algorithm</a:t>
+            </a:r>
+          </a:p>
+          <a:p>
+            <a:pPr lvl="1"/>
+            <a:r>
+              <a:rPr lang="en-US"/>
+              <a:t>A* Search</a:t>
+            </a:r>
+          </a:p>
+          <a:p>
+            <a:r>
+              <a:rPr lang="en-US"/>
+              <a:t>Demonstration</a:t>
+            </a:r>
+          </a:p>
+        </p:txBody>
+      </p:sp>
+      <p:sp>
+        <p:nvSpPr>
+          <p:cNvPr id="2" name="Agenda"/>
           <p:cNvSpPr>
             <a:spLocks noGrp="1"/>
           </p:cNvSpPr>
@@ -10006,34 +10294,13 @@
           <a:lstStyle/>
           <a:p>
             <a:r>
-              <a:rPr lang="en-US" dirty="0"/>
-              <a:t>Title Goes Here</a:t>
-            </a:r>
-            <a:br>
-              <a:rPr lang="en-US" dirty="0"/>
-            </a:br>
-            <a:r>
-              <a:rPr lang="en-US" dirty="0">
-                <a:solidFill>
-                  <a:schemeClr val="accent1"/>
-                </a:solidFill>
-              </a:rPr>
-              <a:t>and Here and Here</a:t>
-            </a:r>
-            <a:endParaRPr lang="de-DE" dirty="0">
-              <a:solidFill>
-                <a:schemeClr val="accent1"/>
-              </a:solidFill>
-            </a:endParaRPr>
+              <a:rPr lang="en-US"/>
+              <a:t>Agenda</a:t>
+            </a:r>
           </a:p>
         </p:txBody>
       </p:sp>
     </p:spTree>
-    <p:extLst>
-      <p:ext uri="{BB962C8B-B14F-4D97-AF65-F5344CB8AC3E}">
-        <p14:creationId xmlns:p14="http://schemas.microsoft.com/office/powerpoint/2010/main" val="3316874168"/>
-      </p:ext>
-    </p:extLst>
   </p:cSld>
   <p:clrMapOvr>
     <a:masterClrMapping/>
@@ -10060,83 +10327,7 @@
       </p:grpSpPr>
       <p:sp>
         <p:nvSpPr>
-          <p:cNvPr id="5" name="Text Placeholder column 3"/>
-          <p:cNvSpPr>
-            <a:spLocks noGrp="1"/>
-          </p:cNvSpPr>
-          <p:nvPr>
-            <p:ph type="body" sz="quarter" idx="13"/>
-          </p:nvPr>
-        </p:nvSpPr>
-        <p:spPr/>
-        <p:txBody>
-          <a:bodyPr/>
-          <a:lstStyle/>
-          <a:p>
-            <a:pPr lvl="0"/>
-            <a:r>
-              <a:rPr lang="en-US"/>
-              <a:t>First level</a:t>
-            </a:r>
-          </a:p>
-          <a:p>
-            <a:pPr lvl="1"/>
-            <a:r>
-              <a:rPr lang="en-US"/>
-              <a:t>Second level</a:t>
-            </a:r>
-          </a:p>
-          <a:p>
-            <a:pPr lvl="2"/>
-            <a:r>
-              <a:rPr lang="en-US"/>
-              <a:t>Third level</a:t>
-            </a:r>
-            <a:endParaRPr lang="en-US" dirty="0"/>
-          </a:p>
-        </p:txBody>
-      </p:sp>
-      <p:sp>
-        <p:nvSpPr>
-          <p:cNvPr id="4" name="Text Placeholder column 2"/>
-          <p:cNvSpPr>
-            <a:spLocks noGrp="1"/>
-          </p:cNvSpPr>
-          <p:nvPr>
-            <p:ph type="body" sz="quarter" idx="12"/>
-          </p:nvPr>
-        </p:nvSpPr>
-        <p:spPr/>
-        <p:txBody>
-          <a:bodyPr/>
-          <a:lstStyle/>
-          <a:p>
-            <a:pPr lvl="0"/>
-            <a:r>
-              <a:rPr lang="en-US"/>
-              <a:t>First level</a:t>
-            </a:r>
-          </a:p>
-          <a:p>
-            <a:pPr lvl="1"/>
-            <a:r>
-              <a:rPr lang="en-US"/>
-              <a:t>Second level</a:t>
-            </a:r>
-          </a:p>
-          <a:p>
-            <a:pPr lvl="2"/>
-            <a:r>
-              <a:rPr lang="en-US"/>
-              <a:t>Third level</a:t>
-            </a:r>
-            <a:endParaRPr lang="en-US" dirty="0"/>
-          </a:p>
-        </p:txBody>
-      </p:sp>
-      <p:sp>
-        <p:nvSpPr>
-          <p:cNvPr id="3" name="Text Placeholder column 1"/>
+          <p:cNvPr id="11" name="Text Placeholder"/>
           <p:cNvSpPr>
             <a:spLocks noGrp="1"/>
           </p:cNvSpPr>
@@ -10168,13 +10359,12 @@
               <a:rPr lang="en-US"/>
               <a:t>Third level</a:t>
             </a:r>
-            <a:endParaRPr lang="en-US" dirty="0"/>
-          </a:p>
-        </p:txBody>
-      </p:sp>
-      <p:sp>
-        <p:nvSpPr>
-          <p:cNvPr id="2" name="Title"/>
+          </a:p>
+        </p:txBody>
+      </p:sp>
+      <p:sp>
+        <p:nvSpPr>
+          <p:cNvPr id="4" name="Title"/>
           <p:cNvSpPr>
             <a:spLocks noGrp="1"/>
           </p:cNvSpPr>
@@ -10182,22 +10372,28 @@
             <p:ph type="title"/>
           </p:nvPr>
         </p:nvSpPr>
-        <p:spPr/>
+        <p:spPr>
+          <a:xfrm>
+            <a:off x="504001" y="504000"/>
+            <a:ext cx="11186476" cy="369332"/>
+          </a:xfrm>
+        </p:spPr>
         <p:txBody>
           <a:bodyPr/>
           <a:lstStyle/>
           <a:p>
             <a:r>
-              <a:rPr lang="en-US" dirty="0"/>
-              <a:t>Insert page title (sentence case)</a:t>
-            </a:r>
+              <a:rPr lang="en-US" err="1"/>
+              <a:t>Quellenangaben</a:t>
+            </a:r>
+            <a:endParaRPr lang="en-US" sz="2000" b="0"/>
           </a:p>
         </p:txBody>
       </p:sp>
     </p:spTree>
     <p:extLst>
       <p:ext uri="{BB962C8B-B14F-4D97-AF65-F5344CB8AC3E}">
-        <p14:creationId xmlns:p14="http://schemas.microsoft.com/office/powerpoint/2010/main" val="94846162"/>
+        <p14:creationId xmlns:p14="http://schemas.microsoft.com/office/powerpoint/2010/main" val="42108366"/>
       </p:ext>
     </p:extLst>
   </p:cSld>
@@ -10226,320 +10422,6 @@
       </p:grpSpPr>
       <p:sp>
         <p:nvSpPr>
-          <p:cNvPr id="10" name="Text Placeholder column 2"/>
-          <p:cNvSpPr>
-            <a:spLocks noGrp="1"/>
-          </p:cNvSpPr>
-          <p:nvPr>
-            <p:ph type="body" sz="quarter" idx="13"/>
-          </p:nvPr>
-        </p:nvSpPr>
-        <p:spPr/>
-        <p:txBody>
-          <a:bodyPr/>
-          <a:lstStyle/>
-          <a:p>
-            <a:pPr lvl="0"/>
-            <a:r>
-              <a:rPr lang="en-US" dirty="0"/>
-              <a:t>First level</a:t>
-            </a:r>
-          </a:p>
-          <a:p>
-            <a:pPr lvl="1"/>
-            <a:r>
-              <a:rPr lang="en-US" dirty="0"/>
-              <a:t>Second level</a:t>
-            </a:r>
-          </a:p>
-        </p:txBody>
-      </p:sp>
-      <p:sp>
-        <p:nvSpPr>
-          <p:cNvPr id="16" name="Picture Placeholder 2" descr="Image placeholder right" title="Image placeholder"/>
-          <p:cNvSpPr>
-            <a:spLocks noGrp="1"/>
-          </p:cNvSpPr>
-          <p:nvPr>
-            <p:ph type="pic" sz="quarter" idx="14"/>
-          </p:nvPr>
-        </p:nvSpPr>
-        <p:spPr/>
-      </p:sp>
-      <p:sp>
-        <p:nvSpPr>
-          <p:cNvPr id="3" name="Text Placeholder column 1"/>
-          <p:cNvSpPr>
-            <a:spLocks noGrp="1"/>
-          </p:cNvSpPr>
-          <p:nvPr>
-            <p:ph type="body" sz="quarter" idx="10"/>
-          </p:nvPr>
-        </p:nvSpPr>
-        <p:spPr/>
-        <p:txBody>
-          <a:bodyPr/>
-          <a:lstStyle/>
-          <a:p>
-            <a:pPr lvl="0"/>
-            <a:r>
-              <a:rPr lang="en-US" dirty="0"/>
-              <a:t>First level</a:t>
-            </a:r>
-          </a:p>
-          <a:p>
-            <a:pPr lvl="1"/>
-            <a:r>
-              <a:rPr lang="en-US" dirty="0"/>
-              <a:t>Second level</a:t>
-            </a:r>
-          </a:p>
-        </p:txBody>
-      </p:sp>
-      <p:sp>
-        <p:nvSpPr>
-          <p:cNvPr id="15" name="Picture Placeholder 1" descr="Image placeholder left" title="Image placeholde"/>
-          <p:cNvSpPr>
-            <a:spLocks noGrp="1"/>
-          </p:cNvSpPr>
-          <p:nvPr>
-            <p:ph type="pic" sz="quarter" idx="12"/>
-          </p:nvPr>
-        </p:nvSpPr>
-        <p:spPr/>
-      </p:sp>
-      <p:sp>
-        <p:nvSpPr>
-          <p:cNvPr id="8" name="Title"/>
-          <p:cNvSpPr>
-            <a:spLocks noGrp="1"/>
-          </p:cNvSpPr>
-          <p:nvPr>
-            <p:ph type="title"/>
-          </p:nvPr>
-        </p:nvSpPr>
-        <p:spPr/>
-        <p:txBody>
-          <a:bodyPr/>
-          <a:lstStyle/>
-          <a:p>
-            <a:r>
-              <a:rPr lang="en-US" dirty="0"/>
-              <a:t>Insert page title (sentence case)</a:t>
-            </a:r>
-          </a:p>
-        </p:txBody>
-      </p:sp>
-    </p:spTree>
-    <p:extLst>
-      <p:ext uri="{BB962C8B-B14F-4D97-AF65-F5344CB8AC3E}">
-        <p14:creationId xmlns:p14="http://schemas.microsoft.com/office/powerpoint/2010/main" val="1504049518"/>
-      </p:ext>
-    </p:extLst>
-  </p:cSld>
-  <p:clrMapOvr>
-    <a:masterClrMapping/>
-  </p:clrMapOvr>
-</p:sld>
-</file>
-
-<file path=ppt/slides/slide22.xml><?xml version="1.0" encoding="utf-8"?>
-<p:sld xmlns:a="http://schemas.openxmlformats.org/drawingml/2006/main" xmlns:r="http://schemas.openxmlformats.org/officeDocument/2006/relationships" xmlns:p="http://schemas.openxmlformats.org/presentationml/2006/main">
-  <p:cSld>
-    <p:spTree>
-      <p:nvGrpSpPr>
-        <p:cNvPr id="1" name=""/>
-        <p:cNvGrpSpPr/>
-        <p:nvPr/>
-      </p:nvGrpSpPr>
-      <p:grpSpPr>
-        <a:xfrm>
-          <a:off x="0" y="0"/>
-          <a:ext cx="0" cy="0"/>
-          <a:chOff x="0" y="0"/>
-          <a:chExt cx="0" cy="0"/>
-        </a:xfrm>
-      </p:grpSpPr>
-      <p:sp>
-        <p:nvSpPr>
-          <p:cNvPr id="12" name="Text Placeholder column 3"/>
-          <p:cNvSpPr>
-            <a:spLocks noGrp="1"/>
-          </p:cNvSpPr>
-          <p:nvPr>
-            <p:ph type="body" sz="quarter" idx="13"/>
-          </p:nvPr>
-        </p:nvSpPr>
-        <p:spPr/>
-        <p:txBody>
-          <a:bodyPr/>
-          <a:lstStyle/>
-          <a:p>
-            <a:pPr lvl="0"/>
-            <a:r>
-              <a:rPr lang="en-US" dirty="0"/>
-              <a:t>First level</a:t>
-            </a:r>
-          </a:p>
-          <a:p>
-            <a:pPr lvl="1"/>
-            <a:r>
-              <a:rPr lang="en-US" dirty="0"/>
-              <a:t>Second level</a:t>
-            </a:r>
-          </a:p>
-        </p:txBody>
-      </p:sp>
-      <p:sp>
-        <p:nvSpPr>
-          <p:cNvPr id="13" name="Picture Placeholder 3" descr="Image placeholder 3/3" title="Image placeholder 3/3"/>
-          <p:cNvSpPr>
-            <a:spLocks noGrp="1"/>
-          </p:cNvSpPr>
-          <p:nvPr>
-            <p:ph type="pic" sz="quarter" idx="14"/>
-          </p:nvPr>
-        </p:nvSpPr>
-        <p:spPr/>
-      </p:sp>
-      <p:sp>
-        <p:nvSpPr>
-          <p:cNvPr id="14" name="Text Placeholder column 2"/>
-          <p:cNvSpPr>
-            <a:spLocks noGrp="1"/>
-          </p:cNvSpPr>
-          <p:nvPr>
-            <p:ph type="body" sz="quarter" idx="15"/>
-          </p:nvPr>
-        </p:nvSpPr>
-        <p:spPr/>
-        <p:txBody>
-          <a:bodyPr/>
-          <a:lstStyle/>
-          <a:p>
-            <a:pPr lvl="0"/>
-            <a:r>
-              <a:rPr lang="en-US" dirty="0"/>
-              <a:t>First level</a:t>
-            </a:r>
-          </a:p>
-          <a:p>
-            <a:pPr lvl="1"/>
-            <a:r>
-              <a:rPr lang="en-US" dirty="0"/>
-              <a:t>Second level</a:t>
-            </a:r>
-          </a:p>
-        </p:txBody>
-      </p:sp>
-      <p:sp>
-        <p:nvSpPr>
-          <p:cNvPr id="15" name="Picture Placeholder 2" descr="Image placeholder 2/3" title="Image placeholder 2/3"/>
-          <p:cNvSpPr>
-            <a:spLocks noGrp="1"/>
-          </p:cNvSpPr>
-          <p:nvPr>
-            <p:ph type="pic" sz="quarter" idx="16"/>
-          </p:nvPr>
-        </p:nvSpPr>
-        <p:spPr/>
-      </p:sp>
-      <p:sp>
-        <p:nvSpPr>
-          <p:cNvPr id="10" name="Text Placeholder column 1"/>
-          <p:cNvSpPr>
-            <a:spLocks noGrp="1"/>
-          </p:cNvSpPr>
-          <p:nvPr>
-            <p:ph type="body" sz="quarter" idx="10"/>
-          </p:nvPr>
-        </p:nvSpPr>
-        <p:spPr/>
-        <p:txBody>
-          <a:bodyPr/>
-          <a:lstStyle/>
-          <a:p>
-            <a:pPr lvl="0"/>
-            <a:r>
-              <a:rPr lang="en-US" dirty="0"/>
-              <a:t>First level</a:t>
-            </a:r>
-          </a:p>
-          <a:p>
-            <a:pPr lvl="1"/>
-            <a:r>
-              <a:rPr lang="en-US" dirty="0"/>
-              <a:t>Second level</a:t>
-            </a:r>
-          </a:p>
-        </p:txBody>
-      </p:sp>
-      <p:sp>
-        <p:nvSpPr>
-          <p:cNvPr id="11" name="Picture Placeholder 1" descr="Image placeholder 1/3" title="Image placeholder 1/3"/>
-          <p:cNvSpPr>
-            <a:spLocks noGrp="1"/>
-          </p:cNvSpPr>
-          <p:nvPr>
-            <p:ph type="pic" sz="quarter" idx="12"/>
-          </p:nvPr>
-        </p:nvSpPr>
-        <p:spPr/>
-      </p:sp>
-      <p:sp>
-        <p:nvSpPr>
-          <p:cNvPr id="2" name="Title"/>
-          <p:cNvSpPr>
-            <a:spLocks noGrp="1"/>
-          </p:cNvSpPr>
-          <p:nvPr>
-            <p:ph type="title"/>
-          </p:nvPr>
-        </p:nvSpPr>
-        <p:spPr/>
-        <p:txBody>
-          <a:bodyPr/>
-          <a:lstStyle/>
-          <a:p>
-            <a:r>
-              <a:rPr lang="en-US" dirty="0"/>
-              <a:t>Insert page title (sentence case)</a:t>
-            </a:r>
-          </a:p>
-        </p:txBody>
-      </p:sp>
-    </p:spTree>
-    <p:extLst>
-      <p:ext uri="{BB962C8B-B14F-4D97-AF65-F5344CB8AC3E}">
-        <p14:creationId xmlns:p14="http://schemas.microsoft.com/office/powerpoint/2010/main" val="1175416068"/>
-      </p:ext>
-    </p:extLst>
-  </p:cSld>
-  <p:clrMapOvr>
-    <a:masterClrMapping/>
-  </p:clrMapOvr>
-</p:sld>
-</file>
-
-<file path=ppt/slides/slide23.xml><?xml version="1.0" encoding="utf-8"?>
-<p:sld xmlns:a="http://schemas.openxmlformats.org/drawingml/2006/main" xmlns:r="http://schemas.openxmlformats.org/officeDocument/2006/relationships" xmlns:p="http://schemas.openxmlformats.org/presentationml/2006/main">
-  <p:cSld>
-    <p:spTree>
-      <p:nvGrpSpPr>
-        <p:cNvPr id="1" name=""/>
-        <p:cNvGrpSpPr/>
-        <p:nvPr/>
-      </p:nvGrpSpPr>
-      <p:grpSpPr>
-        <a:xfrm>
-          <a:off x="0" y="0"/>
-          <a:ext cx="0" cy="0"/>
-          <a:chOff x="0" y="0"/>
-          <a:chExt cx="0" cy="0"/>
-        </a:xfrm>
-      </p:grpSpPr>
-      <p:sp>
-        <p:nvSpPr>
           <p:cNvPr id="2" name="Thank you"/>
           <p:cNvSpPr>
             <a:spLocks noGrp="1"/>
@@ -10554,116 +10436,8 @@
           <a:lstStyle/>
           <a:p>
             <a:r>
-              <a:rPr lang="en-US" dirty="0"/>
+              <a:rPr lang="en-US"/>
               <a:t>Thank you.</a:t>
-            </a:r>
-          </a:p>
-        </p:txBody>
-      </p:sp>
-      <p:sp>
-        <p:nvSpPr>
-          <p:cNvPr id="4" name="Placeholder Partner logo"/>
-          <p:cNvSpPr/>
-          <p:nvPr/>
-        </p:nvSpPr>
-        <p:spPr bwMode="gray">
-          <a:xfrm>
-            <a:off x="504000" y="5944029"/>
-            <a:ext cx="944661" cy="402796"/>
-          </a:xfrm>
-          <a:prstGeom prst="rect">
-            <a:avLst/>
-          </a:prstGeom>
-          <a:solidFill>
-            <a:schemeClr val="tx2"/>
-          </a:solidFill>
-          <a:ln w="6350" algn="ctr">
-            <a:noFill/>
-            <a:miter lim="800000"/>
-            <a:headEnd/>
-            <a:tailEnd/>
-          </a:ln>
-        </p:spPr>
-        <p:txBody>
-          <a:bodyPr lIns="89979" tIns="71983" rIns="89979" bIns="71983" rtlCol="0" anchor="ctr"/>
-          <a:lstStyle/>
-          <a:p>
-            <a:pPr algn="ctr" defTabSz="914217" fontAlgn="base">
-              <a:spcBef>
-                <a:spcPct val="50000"/>
-              </a:spcBef>
-              <a:spcAft>
-                <a:spcPct val="0"/>
-              </a:spcAft>
-              <a:buClr>
-                <a:srgbClr val="F0AB00"/>
-              </a:buClr>
-              <a:buSzPct val="80000"/>
-            </a:pPr>
-            <a:r>
-              <a:rPr lang="en-US" sz="1100" kern="0" dirty="0">
-                <a:solidFill>
-                  <a:sysClr val="windowText" lastClr="000000"/>
-                </a:solidFill>
-                <a:ea typeface="Arial Unicode MS" pitchFamily="34" charset="-128"/>
-                <a:cs typeface="Arial Unicode MS" pitchFamily="34" charset="-128"/>
-              </a:rPr>
-              <a:t>Partner logo</a:t>
-            </a:r>
-          </a:p>
-        </p:txBody>
-      </p:sp>
-      <p:sp>
-        <p:nvSpPr>
-          <p:cNvPr id="3" name="Contact information"/>
-          <p:cNvSpPr>
-            <a:spLocks noGrp="1"/>
-          </p:cNvSpPr>
-          <p:nvPr>
-            <p:ph type="body" sz="quarter" idx="10"/>
-          </p:nvPr>
-        </p:nvSpPr>
-        <p:spPr>
-          <a:xfrm>
-            <a:off x="504000" y="2905487"/>
-            <a:ext cx="5593588" cy="2501010"/>
-          </a:xfrm>
-        </p:spPr>
-        <p:txBody>
-          <a:bodyPr/>
-          <a:lstStyle/>
-          <a:p>
-            <a:r>
-              <a:rPr lang="en-US" dirty="0"/>
-              <a:t>Contact information:</a:t>
-            </a:r>
-          </a:p>
-          <a:p>
-            <a:pPr lvl="1"/>
-            <a:r>
-              <a:rPr lang="en-US" b="1" dirty="0"/>
-              <a:t>F name L name</a:t>
-            </a:r>
-          </a:p>
-          <a:p>
-            <a:pPr lvl="1"/>
-            <a:r>
-              <a:rPr lang="en-US" dirty="0"/>
-              <a:t>Title</a:t>
-            </a:r>
-          </a:p>
-          <a:p>
-            <a:pPr lvl="1"/>
-            <a:r>
-              <a:rPr lang="en-US" dirty="0"/>
-              <a:t>Address</a:t>
-            </a:r>
-          </a:p>
-          <a:p>
-            <a:pPr lvl="1"/>
-            <a:r>
-              <a:rPr lang="en-US" dirty="0"/>
-              <a:t>Phone number</a:t>
             </a:r>
           </a:p>
         </p:txBody>
@@ -10681,7 +10455,7 @@
 </p:sld>
 </file>
 
-<file path=ppt/slides/slide24.xml><?xml version="1.0" encoding="utf-8"?>
+<file path=ppt/slides/slide22.xml><?xml version="1.0" encoding="utf-8"?>
 <p:sld xmlns:a="http://schemas.openxmlformats.org/drawingml/2006/main" xmlns:r="http://schemas.openxmlformats.org/officeDocument/2006/relationships" xmlns:p="http://schemas.openxmlformats.org/presentationml/2006/main" show="0">
   <p:cSld>
     <p:spTree>
@@ -10707,7 +10481,7 @@
 </p:sld>
 </file>
 
-<file path=ppt/slides/slide25.xml><?xml version="1.0" encoding="utf-8"?>
+<file path=ppt/slides/slide23.xml><?xml version="1.0" encoding="utf-8"?>
 <p:sld xmlns:a="http://schemas.openxmlformats.org/drawingml/2006/main" xmlns:r="http://schemas.openxmlformats.org/officeDocument/2006/relationships" xmlns:p="http://schemas.openxmlformats.org/presentationml/2006/main" show="0">
   <p:cSld>
     <p:spTree>
@@ -10756,65 +10530,12 @@
       </p:grpSpPr>
       <p:sp>
         <p:nvSpPr>
-          <p:cNvPr id="5" name="Placeholder Partner logo"/>
-          <p:cNvSpPr/>
-          <p:nvPr/>
-        </p:nvSpPr>
-        <p:spPr bwMode="gray">
-          <a:xfrm>
-            <a:off x="288000" y="6174872"/>
-            <a:ext cx="944661" cy="402796"/>
-          </a:xfrm>
-          <a:prstGeom prst="rect">
-            <a:avLst/>
-          </a:prstGeom>
-          <a:solidFill>
-            <a:schemeClr val="tx2"/>
-          </a:solidFill>
-          <a:ln w="6350" algn="ctr">
-            <a:noFill/>
-            <a:miter lim="800000"/>
-            <a:headEnd/>
-            <a:tailEnd/>
-          </a:ln>
-        </p:spPr>
-        <p:txBody>
-          <a:bodyPr lIns="89979" tIns="71983" rIns="89979" bIns="71983" rtlCol="0" anchor="ctr"/>
-          <a:lstStyle/>
-          <a:p>
-            <a:pPr algn="ctr" defTabSz="914217" fontAlgn="base">
-              <a:spcBef>
-                <a:spcPct val="50000"/>
-              </a:spcBef>
-              <a:spcAft>
-                <a:spcPct val="0"/>
-              </a:spcAft>
-              <a:buClr>
-                <a:srgbClr val="F0AB00"/>
-              </a:buClr>
-              <a:buSzPct val="80000"/>
-            </a:pPr>
-            <a:r>
-              <a:rPr lang="en-US" sz="1100" kern="0" dirty="0">
-                <a:solidFill>
-                  <a:sysClr val="windowText" lastClr="000000"/>
-                </a:solidFill>
-                <a:ea typeface="Arial Unicode MS" pitchFamily="34" charset="-128"/>
-                <a:cs typeface="Arial Unicode MS" pitchFamily="34" charset="-128"/>
-              </a:rPr>
-              <a:t>Partner logo</a:t>
-            </a:r>
-          </a:p>
-        </p:txBody>
-      </p:sp>
-      <p:sp>
-        <p:nvSpPr>
-          <p:cNvPr id="4" name="Speaker"/>
+          <p:cNvPr id="2" name="Divider"/>
           <p:cNvSpPr>
             <a:spLocks noGrp="1"/>
           </p:cNvSpPr>
           <p:nvPr>
-            <p:ph type="subTitle" idx="1"/>
+            <p:ph type="ctrTitle"/>
           </p:nvPr>
         </p:nvSpPr>
         <p:spPr/>
@@ -10823,50 +10544,18 @@
           <a:lstStyle/>
           <a:p>
             <a:r>
-              <a:rPr lang="en-US" dirty="0"/>
-              <a:t>Speaker’s Name, SAP</a:t>
-            </a:r>
-          </a:p>
-          <a:p>
-            <a:pPr lvl="0"/>
-            <a:r>
-              <a:rPr lang="en-US" dirty="0"/>
-              <a:t>Month 00, 2020</a:t>
-            </a:r>
-          </a:p>
-        </p:txBody>
-      </p:sp>
-      <p:sp>
-        <p:nvSpPr>
-          <p:cNvPr id="7" name="Title"/>
-          <p:cNvSpPr>
-            <a:spLocks noGrp="1"/>
-          </p:cNvSpPr>
-          <p:nvPr>
-            <p:ph type="title"/>
-          </p:nvPr>
-        </p:nvSpPr>
-        <p:spPr/>
-        <p:txBody>
-          <a:bodyPr/>
-          <a:lstStyle/>
-          <a:p>
-            <a:r>
-              <a:rPr lang="en-US" dirty="0"/>
-              <a:t>Title Goes Here</a:t>
-            </a:r>
-            <a:br>
-              <a:rPr lang="en-US" dirty="0"/>
-            </a:br>
-            <a:r>
-              <a:rPr lang="en-US" dirty="0">
+              <a:rPr lang="en-US" err="1"/>
+              <a:t>Anwendungs</a:t>
+            </a:r>
+            <a:r>
+              <a:rPr lang="en-US" err="1">
                 <a:solidFill>
                   <a:schemeClr val="accent1"/>
                 </a:solidFill>
               </a:rPr>
-              <a:t>and Here and Here</a:t>
-            </a:r>
-            <a:endParaRPr lang="de-DE" dirty="0">
+              <a:t>möglichkeiten</a:t>
+            </a:r>
+            <a:endParaRPr lang="en-US">
               <a:solidFill>
                 <a:schemeClr val="accent1"/>
               </a:solidFill>
@@ -10874,29 +10563,10 @@
           </a:p>
         </p:txBody>
       </p:sp>
-      <p:pic>
-        <p:nvPicPr>
-          <p:cNvPr id="6" name="Illustration" descr="Example of an illustration" title="Illustration for title slide"/>
-          <p:cNvPicPr>
-            <a:picLocks noGrp="1" noChangeAspect="1"/>
-          </p:cNvPicPr>
-          <p:nvPr>
-            <p:ph type="pic" sz="quarter" idx="12"/>
-          </p:nvPr>
-        </p:nvPicPr>
-        <p:blipFill>
-          <a:blip r:embed="rId2"/>
-          <a:srcRect t="3106" b="3106"/>
-          <a:stretch>
-            <a:fillRect/>
-          </a:stretch>
-        </p:blipFill>
-        <p:spPr bwMode="invGray"/>
-      </p:pic>
     </p:spTree>
     <p:extLst>
       <p:ext uri="{BB962C8B-B14F-4D97-AF65-F5344CB8AC3E}">
-        <p14:creationId xmlns:p14="http://schemas.microsoft.com/office/powerpoint/2010/main" val="1819205958"/>
+        <p14:creationId xmlns:p14="http://schemas.microsoft.com/office/powerpoint/2010/main" val="799205039"/>
       </p:ext>
     </p:extLst>
   </p:cSld>
@@ -10925,65 +10595,12 @@
       </p:grpSpPr>
       <p:sp>
         <p:nvSpPr>
-          <p:cNvPr id="6" name="Placeholder Partner logo"/>
-          <p:cNvSpPr/>
-          <p:nvPr/>
-        </p:nvSpPr>
-        <p:spPr bwMode="gray">
-          <a:xfrm>
-            <a:off x="288000" y="6174872"/>
-            <a:ext cx="944661" cy="402796"/>
-          </a:xfrm>
-          <a:prstGeom prst="rect">
-            <a:avLst/>
-          </a:prstGeom>
-          <a:solidFill>
-            <a:schemeClr val="tx2"/>
-          </a:solidFill>
-          <a:ln w="6350" algn="ctr">
-            <a:noFill/>
-            <a:miter lim="800000"/>
-            <a:headEnd/>
-            <a:tailEnd/>
-          </a:ln>
-        </p:spPr>
-        <p:txBody>
-          <a:bodyPr lIns="89979" tIns="71983" rIns="89979" bIns="71983" rtlCol="0" anchor="ctr"/>
-          <a:lstStyle/>
-          <a:p>
-            <a:pPr algn="ctr" defTabSz="914217" fontAlgn="base">
-              <a:spcBef>
-                <a:spcPct val="50000"/>
-              </a:spcBef>
-              <a:spcAft>
-                <a:spcPct val="0"/>
-              </a:spcAft>
-              <a:buClr>
-                <a:srgbClr val="F0AB00"/>
-              </a:buClr>
-              <a:buSzPct val="80000"/>
-            </a:pPr>
-            <a:r>
-              <a:rPr lang="en-US" sz="1100" kern="0" dirty="0">
-                <a:solidFill>
-                  <a:sysClr val="windowText" lastClr="000000"/>
-                </a:solidFill>
-                <a:ea typeface="Arial Unicode MS" pitchFamily="34" charset="-128"/>
-                <a:cs typeface="Arial Unicode MS" pitchFamily="34" charset="-128"/>
-              </a:rPr>
-              <a:t>Partner logo</a:t>
-            </a:r>
-          </a:p>
-        </p:txBody>
-      </p:sp>
-      <p:sp>
-        <p:nvSpPr>
-          <p:cNvPr id="16" name="Speaker"/>
+          <p:cNvPr id="11" name="Text Placeholder"/>
           <p:cNvSpPr>
             <a:spLocks noGrp="1"/>
           </p:cNvSpPr>
           <p:nvPr>
-            <p:ph type="subTitle" idx="1"/>
+            <p:ph type="body" sz="quarter" idx="10"/>
           </p:nvPr>
         </p:nvSpPr>
         <p:spPr/>
@@ -10991,16 +10608,24 @@
           <a:bodyPr/>
           <a:lstStyle/>
           <a:p>
-            <a:r>
-              <a:rPr lang="en-US" dirty="0"/>
-              <a:t>Speaker’s Name, SAP</a:t>
-            </a:r>
-          </a:p>
-          <a:p>
             <a:pPr lvl="0"/>
             <a:r>
-              <a:rPr lang="en-US" dirty="0"/>
-              <a:t>Month 00, 2020</a:t>
+              <a:rPr lang="en-US"/>
+              <a:t>First level</a:t>
+            </a:r>
+          </a:p>
+          <a:p>
+            <a:pPr lvl="1"/>
+            <a:r>
+              <a:rPr lang="en-US"/>
+              <a:t>Second level</a:t>
+            </a:r>
+          </a:p>
+          <a:p>
+            <a:pPr lvl="2"/>
+            <a:r>
+              <a:rPr lang="en-US"/>
+              <a:t>Third level</a:t>
             </a:r>
           </a:p>
         </p:txBody>
@@ -11015,57 +10640,68 @@
             <p:ph type="title"/>
           </p:nvPr>
         </p:nvSpPr>
-        <p:spPr/>
+        <p:spPr>
+          <a:xfrm>
+            <a:off x="504001" y="504000"/>
+            <a:ext cx="11186476" cy="677108"/>
+          </a:xfrm>
+        </p:spPr>
         <p:txBody>
           <a:bodyPr/>
           <a:lstStyle/>
           <a:p>
             <a:r>
-              <a:rPr lang="en-US" dirty="0"/>
-              <a:t>Title Goes Here</a:t>
+              <a:rPr lang="en-US" err="1"/>
+              <a:t>Anwendungsmöglichkeiten</a:t>
             </a:r>
             <a:br>
-              <a:rPr lang="en-US" dirty="0"/>
+              <a:rPr lang="en-US"/>
             </a:br>
             <a:r>
-              <a:rPr lang="en-US" dirty="0">
+              <a:rPr lang="en-US" sz="2000" b="0">
                 <a:solidFill>
                   <a:schemeClr val="accent1"/>
                 </a:solidFill>
               </a:rPr>
-              <a:t>and Here and Here</a:t>
-            </a:r>
-            <a:endParaRPr lang="de-DE" dirty="0">
-              <a:solidFill>
-                <a:schemeClr val="accent1"/>
-              </a:solidFill>
-            </a:endParaRPr>
+              <a:t>Routing</a:t>
+            </a:r>
           </a:p>
         </p:txBody>
       </p:sp>
       <p:pic>
         <p:nvPicPr>
-          <p:cNvPr id="5" name="Pictogram" descr="Example of an pictogram" title="Pictogram for title slide"/>
+          <p:cNvPr id="3" name="Picture 2">
+            <a:extLst>
+              <a:ext uri="{FF2B5EF4-FFF2-40B4-BE49-F238E27FC236}">
+                <a16:creationId xmlns:a16="http://schemas.microsoft.com/office/drawing/2014/main" id="{306AA273-6982-4B5C-9C2F-50718E89E077}"/>
+              </a:ext>
+            </a:extLst>
+          </p:cNvPr>
           <p:cNvPicPr>
-            <a:picLocks noGrp="1" noChangeAspect="1"/>
+            <a:picLocks noChangeAspect="1"/>
           </p:cNvPicPr>
-          <p:nvPr>
-            <p:ph type="pic" sz="quarter" idx="16"/>
-          </p:nvPr>
+          <p:nvPr/>
         </p:nvPicPr>
         <p:blipFill>
           <a:blip r:embed="rId2"/>
-          <a:srcRect t="16" b="16"/>
           <a:stretch>
             <a:fillRect/>
           </a:stretch>
         </p:blipFill>
-        <p:spPr bwMode="invGray"/>
+        <p:spPr>
+          <a:xfrm>
+            <a:off x="4521768" y="1853181"/>
+            <a:ext cx="3151638" cy="3151638"/>
+          </a:xfrm>
+          <a:prstGeom prst="rect">
+            <a:avLst/>
+          </a:prstGeom>
+        </p:spPr>
       </p:pic>
     </p:spTree>
     <p:extLst>
       <p:ext uri="{BB962C8B-B14F-4D97-AF65-F5344CB8AC3E}">
-        <p14:creationId xmlns:p14="http://schemas.microsoft.com/office/powerpoint/2010/main" val="1786748081"/>
+        <p14:creationId xmlns:p14="http://schemas.microsoft.com/office/powerpoint/2010/main" val="3546561420"/>
       </p:ext>
     </p:extLst>
   </p:cSld>
@@ -11094,7 +10730,7 @@
       </p:grpSpPr>
       <p:sp>
         <p:nvSpPr>
-          <p:cNvPr id="3" name="Agenda items"/>
+          <p:cNvPr id="11" name="Text Placeholder"/>
           <p:cNvSpPr>
             <a:spLocks noGrp="1"/>
           </p:cNvSpPr>
@@ -11107,71 +10743,31 @@
           <a:bodyPr/>
           <a:lstStyle/>
           <a:p>
-            <a:r>
-              <a:rPr lang="en-US" dirty="0" err="1"/>
-              <a:t>Anwendungsmöglichkeiten</a:t>
-            </a:r>
-            <a:endParaRPr lang="en-US" dirty="0"/>
+            <a:pPr lvl="0"/>
+            <a:r>
+              <a:rPr lang="en-US"/>
+              <a:t>First level</a:t>
+            </a:r>
           </a:p>
           <a:p>
             <a:pPr lvl="1"/>
             <a:r>
-              <a:rPr lang="en-US" dirty="0"/>
-              <a:t>Details</a:t>
-            </a:r>
-          </a:p>
-          <a:p>
-            <a:r>
-              <a:rPr lang="en-US" dirty="0"/>
-              <a:t>Dijkstra’s Shortest Path</a:t>
-            </a:r>
-          </a:p>
-          <a:p>
-            <a:pPr lvl="1"/>
-            <a:r>
-              <a:rPr lang="en-US" dirty="0" err="1"/>
-              <a:t>Graphen</a:t>
-            </a:r>
-            <a:endParaRPr lang="en-US" dirty="0"/>
-          </a:p>
-          <a:p>
-            <a:pPr lvl="1"/>
-            <a:r>
-              <a:rPr lang="en-US" dirty="0"/>
-              <a:t>Dijkstra</a:t>
-            </a:r>
-          </a:p>
-          <a:p>
-            <a:r>
-              <a:rPr lang="en-US" dirty="0"/>
-              <a:t>A* Search Algorithm</a:t>
-            </a:r>
-          </a:p>
-          <a:p>
-            <a:pPr lvl="1"/>
-            <a:r>
-              <a:rPr lang="en-US" dirty="0"/>
-              <a:t>Details</a:t>
-            </a:r>
-          </a:p>
-          <a:p>
-            <a:r>
-              <a:rPr lang="en-US" dirty="0"/>
-              <a:t>Agenda item/divider headline</a:t>
-            </a:r>
-          </a:p>
-          <a:p>
-            <a:pPr lvl="1"/>
-            <a:r>
-              <a:rPr lang="en-US" dirty="0"/>
-              <a:t>Details</a:t>
-            </a:r>
-          </a:p>
-        </p:txBody>
-      </p:sp>
-      <p:sp>
-        <p:nvSpPr>
-          <p:cNvPr id="2" name="Agenda"/>
+              <a:rPr lang="en-US"/>
+              <a:t>Second level</a:t>
+            </a:r>
+          </a:p>
+          <a:p>
+            <a:pPr lvl="2"/>
+            <a:r>
+              <a:rPr lang="en-US"/>
+              <a:t>Third level</a:t>
+            </a:r>
+          </a:p>
+        </p:txBody>
+      </p:sp>
+      <p:sp>
+        <p:nvSpPr>
+          <p:cNvPr id="4" name="Title"/>
           <p:cNvSpPr>
             <a:spLocks noGrp="1"/>
           </p:cNvSpPr>
@@ -11179,19 +10775,70 @@
             <p:ph type="title"/>
           </p:nvPr>
         </p:nvSpPr>
-        <p:spPr/>
+        <p:spPr>
+          <a:xfrm>
+            <a:off x="504001" y="504000"/>
+            <a:ext cx="11186476" cy="677108"/>
+          </a:xfrm>
+        </p:spPr>
         <p:txBody>
           <a:bodyPr/>
           <a:lstStyle/>
           <a:p>
             <a:r>
-              <a:rPr lang="en-US" dirty="0"/>
-              <a:t>Agenda</a:t>
-            </a:r>
-          </a:p>
-        </p:txBody>
-      </p:sp>
+              <a:rPr lang="en-US" err="1"/>
+              <a:t>Anwendungsmöglichkeit</a:t>
+            </a:r>
+            <a:br>
+              <a:rPr lang="en-US"/>
+            </a:br>
+            <a:r>
+              <a:rPr lang="en-US" sz="2000" b="0">
+                <a:solidFill>
+                  <a:schemeClr val="accent1"/>
+                </a:solidFill>
+              </a:rPr>
+              <a:t>Navigation</a:t>
+            </a:r>
+          </a:p>
+        </p:txBody>
+      </p:sp>
+      <p:pic>
+        <p:nvPicPr>
+          <p:cNvPr id="3" name="Picture 2">
+            <a:extLst>
+              <a:ext uri="{FF2B5EF4-FFF2-40B4-BE49-F238E27FC236}">
+                <a16:creationId xmlns:a16="http://schemas.microsoft.com/office/drawing/2014/main" id="{789BCBC6-0DA7-4332-B230-23466F85279F}"/>
+              </a:ext>
+            </a:extLst>
+          </p:cNvPr>
+          <p:cNvPicPr>
+            <a:picLocks noChangeAspect="1"/>
+          </p:cNvPicPr>
+          <p:nvPr/>
+        </p:nvPicPr>
+        <p:blipFill>
+          <a:blip r:embed="rId2"/>
+          <a:stretch>
+            <a:fillRect/>
+          </a:stretch>
+        </p:blipFill>
+        <p:spPr>
+          <a:xfrm>
+            <a:off x="4572060" y="1903473"/>
+            <a:ext cx="3051054" cy="3051054"/>
+          </a:xfrm>
+          <a:prstGeom prst="rect">
+            <a:avLst/>
+          </a:prstGeom>
+        </p:spPr>
+      </p:pic>
     </p:spTree>
+    <p:extLst>
+      <p:ext uri="{BB962C8B-B14F-4D97-AF65-F5344CB8AC3E}">
+        <p14:creationId xmlns:p14="http://schemas.microsoft.com/office/powerpoint/2010/main" val="304281148"/>
+      </p:ext>
+    </p:extLst>
   </p:cSld>
   <p:clrMapOvr>
     <a:masterClrMapping/>
@@ -11232,16 +10879,16 @@
           <a:lstStyle/>
           <a:p>
             <a:r>
-              <a:rPr lang="en-US" dirty="0"/>
-              <a:t>Divider </a:t>
-            </a:r>
-            <a:r>
-              <a:rPr lang="en-US" dirty="0">
+              <a:rPr lang="en-US"/>
+              <a:t>Dijkstra’s </a:t>
+            </a:r>
+            <a:r>
+              <a:rPr lang="en-US">
                 <a:solidFill>
                   <a:schemeClr val="accent1"/>
                 </a:solidFill>
               </a:rPr>
-              <a:t>page</a:t>
+              <a:t>Shortest Path</a:t>
             </a:r>
           </a:p>
         </p:txBody>
@@ -11249,7 +10896,7 @@
     </p:spTree>
     <p:extLst>
       <p:ext uri="{BB962C8B-B14F-4D97-AF65-F5344CB8AC3E}">
-        <p14:creationId xmlns:p14="http://schemas.microsoft.com/office/powerpoint/2010/main" val="799205039"/>
+        <p14:creationId xmlns:p14="http://schemas.microsoft.com/office/powerpoint/2010/main" val="161319076"/>
       </p:ext>
     </p:extLst>
   </p:cSld>
@@ -11278,12 +10925,12 @@
       </p:grpSpPr>
       <p:sp>
         <p:nvSpPr>
-          <p:cNvPr id="3" name="Divider"/>
+          <p:cNvPr id="11" name="Text Placeholder"/>
           <p:cNvSpPr>
             <a:spLocks noGrp="1"/>
           </p:cNvSpPr>
           <p:nvPr>
-            <p:ph type="ctrTitle"/>
+            <p:ph type="body" sz="quarter" idx="10"/>
           </p:nvPr>
         </p:nvSpPr>
         <p:spPr/>
@@ -11291,50 +10938,216 @@
           <a:bodyPr/>
           <a:lstStyle/>
           <a:p>
-            <a:r>
-              <a:rPr lang="en-US" dirty="0"/>
-              <a:t>Divider </a:t>
-            </a:r>
-            <a:r>
-              <a:rPr lang="en-US" dirty="0">
+            <a:pPr lvl="0"/>
+            <a:r>
+              <a:rPr lang="en-US"/>
+              <a:t>Undirected Graphs</a:t>
+            </a:r>
+          </a:p>
+          <a:p>
+            <a:pPr lvl="1"/>
+            <a:r>
+              <a:rPr lang="en-US"/>
+              <a:t>Die Edges </a:t>
+            </a:r>
+            <a:r>
+              <a:rPr lang="en-US" err="1"/>
+              <a:t>haben</a:t>
+            </a:r>
+            <a:r>
+              <a:rPr lang="en-US"/>
+              <a:t> </a:t>
+            </a:r>
+            <a:r>
+              <a:rPr lang="en-US" err="1"/>
+              <a:t>keine</a:t>
+            </a:r>
+            <a:r>
+              <a:rPr lang="en-US"/>
+              <a:t> </a:t>
+            </a:r>
+            <a:r>
+              <a:rPr lang="en-US" err="1"/>
+              <a:t>Orientierung</a:t>
+            </a:r>
+            <a:r>
+              <a:rPr lang="en-US"/>
+              <a:t> </a:t>
+            </a:r>
+            <a:r>
+              <a:rPr lang="en-US" err="1"/>
+              <a:t>oder</a:t>
+            </a:r>
+            <a:r>
+              <a:rPr lang="en-US"/>
+              <a:t> </a:t>
+            </a:r>
+            <a:r>
+              <a:rPr lang="en-US" err="1"/>
+              <a:t>Richtung</a:t>
+            </a:r>
+            <a:endParaRPr lang="en-US"/>
+          </a:p>
+          <a:p>
+            <a:pPr lvl="1"/>
+            <a:r>
+              <a:rPr lang="en-US"/>
+              <a:t>Die Edge (u, v) </a:t>
+            </a:r>
+            <a:r>
+              <a:rPr lang="en-US" err="1"/>
+              <a:t>ist</a:t>
+            </a:r>
+            <a:r>
+              <a:rPr lang="en-US"/>
+              <a:t> </a:t>
+            </a:r>
+            <a:r>
+              <a:rPr lang="en-US" err="1"/>
+              <a:t>identisch</a:t>
+            </a:r>
+            <a:r>
+              <a:rPr lang="en-US"/>
+              <a:t> </a:t>
+            </a:r>
+            <a:r>
+              <a:rPr lang="en-US" err="1"/>
+              <a:t>mit</a:t>
+            </a:r>
+            <a:r>
+              <a:rPr lang="en-US"/>
+              <a:t> der </a:t>
+            </a:r>
+            <a:r>
+              <a:rPr lang="en-US" err="1"/>
+              <a:t>Kante</a:t>
+            </a:r>
+            <a:r>
+              <a:rPr lang="en-US"/>
+              <a:t> (v, u)</a:t>
+            </a:r>
+          </a:p>
+          <a:p>
+            <a:pPr lvl="1"/>
+            <a:r>
+              <a:rPr lang="en-US"/>
+              <a:t>Die Vertices </a:t>
+            </a:r>
+            <a:r>
+              <a:rPr lang="en-US" err="1"/>
+              <a:t>könnten</a:t>
+            </a:r>
+            <a:r>
+              <a:rPr lang="en-US"/>
+              <a:t> </a:t>
+            </a:r>
+            <a:r>
+              <a:rPr lang="en-US" err="1"/>
+              <a:t>Städte</a:t>
+            </a:r>
+            <a:r>
+              <a:rPr lang="en-US"/>
+              <a:t> </a:t>
+            </a:r>
+            <a:r>
+              <a:rPr lang="en-US" err="1"/>
+              <a:t>darstellen</a:t>
+            </a:r>
+            <a:r>
+              <a:rPr lang="en-US"/>
+              <a:t> und </a:t>
+            </a:r>
+            <a:r>
+              <a:rPr lang="en-US" err="1"/>
+              <a:t>eine</a:t>
+            </a:r>
+            <a:r>
+              <a:rPr lang="en-US"/>
+              <a:t> Edge </a:t>
+            </a:r>
+            <a:r>
+              <a:rPr lang="en-US" err="1"/>
+              <a:t>könnte</a:t>
+            </a:r>
+            <a:r>
+              <a:rPr lang="en-US"/>
+              <a:t> </a:t>
+            </a:r>
+            <a:r>
+              <a:rPr lang="en-US" err="1"/>
+              <a:t>eine</a:t>
+            </a:r>
+            <a:r>
+              <a:rPr lang="en-US"/>
+              <a:t> </a:t>
+            </a:r>
+            <a:r>
+              <a:rPr lang="en-US" err="1"/>
+              <a:t>bidirektionale</a:t>
+            </a:r>
+            <a:r>
+              <a:rPr lang="en-US"/>
+              <a:t> </a:t>
+            </a:r>
+            <a:r>
+              <a:rPr lang="en-US" err="1"/>
+              <a:t>Straße</a:t>
+            </a:r>
+            <a:r>
+              <a:rPr lang="en-US"/>
+              <a:t> </a:t>
+            </a:r>
+            <a:r>
+              <a:rPr lang="en-US" err="1"/>
+              <a:t>representieren</a:t>
+            </a:r>
+            <a:endParaRPr lang="en-US"/>
+          </a:p>
+        </p:txBody>
+      </p:sp>
+      <p:sp>
+        <p:nvSpPr>
+          <p:cNvPr id="4" name="Title"/>
+          <p:cNvSpPr>
+            <a:spLocks noGrp="1"/>
+          </p:cNvSpPr>
+          <p:nvPr>
+            <p:ph type="title"/>
+          </p:nvPr>
+        </p:nvSpPr>
+        <p:spPr>
+          <a:xfrm>
+            <a:off x="504001" y="504000"/>
+            <a:ext cx="11186476" cy="677108"/>
+          </a:xfrm>
+        </p:spPr>
+        <p:txBody>
+          <a:bodyPr/>
+          <a:lstStyle/>
+          <a:p>
+            <a:r>
+              <a:rPr lang="en-US"/>
+              <a:t>Dijkstra’s Shortest Path Algorithm</a:t>
+            </a:r>
+            <a:br>
+              <a:rPr lang="en-US"/>
+            </a:br>
+            <a:r>
+              <a:rPr lang="en-US" sz="2000" b="0" err="1">
                 <a:solidFill>
                   <a:schemeClr val="accent1"/>
                 </a:solidFill>
               </a:rPr>
-              <a:t>page</a:t>
-            </a:r>
-            <a:endParaRPr lang="en-US" dirty="0"/>
-          </a:p>
-        </p:txBody>
-      </p:sp>
-      <p:pic>
-        <p:nvPicPr>
-          <p:cNvPr id="6" name="Illustration" descr="Example of an illustration " title="Illustration for divider page"/>
-          <p:cNvPicPr>
-            <a:picLocks noGrp="1" noChangeAspect="1"/>
-          </p:cNvPicPr>
-          <p:nvPr>
-            <p:ph type="pic" sz="quarter" idx="12"/>
-          </p:nvPr>
-        </p:nvPicPr>
-        <p:blipFill>
-          <a:blip r:embed="rId2"/>
-          <a:srcRect t="3112" b="3112"/>
-          <a:stretch>
-            <a:fillRect/>
-          </a:stretch>
-        </p:blipFill>
-        <p:spPr bwMode="invGray">
-          <a:xfrm>
-            <a:off x="0" y="3427200"/>
-            <a:ext cx="12195175" cy="3430800"/>
-          </a:xfrm>
-        </p:spPr>
-      </p:pic>
+              <a:t>Graphen</a:t>
+            </a:r>
+            <a:endParaRPr lang="en-US" sz="2000" b="0"/>
+          </a:p>
+        </p:txBody>
+      </p:sp>
     </p:spTree>
     <p:extLst>
       <p:ext uri="{BB962C8B-B14F-4D97-AF65-F5344CB8AC3E}">
-        <p14:creationId xmlns:p14="http://schemas.microsoft.com/office/powerpoint/2010/main" val="1515423877"/>
+        <p14:creationId xmlns:p14="http://schemas.microsoft.com/office/powerpoint/2010/main" val="2732869722"/>
       </p:ext>
     </p:extLst>
   </p:cSld>
@@ -11363,12 +11176,12 @@
       </p:grpSpPr>
       <p:sp>
         <p:nvSpPr>
-          <p:cNvPr id="3" name="Divider"/>
+          <p:cNvPr id="11" name="Text Placeholder"/>
           <p:cNvSpPr>
             <a:spLocks noGrp="1"/>
           </p:cNvSpPr>
           <p:nvPr>
-            <p:ph type="ctrTitle"/>
+            <p:ph type="body" sz="quarter" idx="10"/>
           </p:nvPr>
         </p:nvSpPr>
         <p:spPr/>
@@ -11376,59 +11189,195 @@
           <a:bodyPr/>
           <a:lstStyle/>
           <a:p>
-            <a:r>
-              <a:rPr lang="en-US" dirty="0"/>
-              <a:t>Divider </a:t>
-            </a:r>
-            <a:r>
-              <a:rPr lang="en-US" dirty="0">
+            <a:pPr lvl="0"/>
+            <a:r>
+              <a:rPr lang="en-US"/>
+              <a:t>Directed Graphs</a:t>
+            </a:r>
+          </a:p>
+          <a:p>
+            <a:pPr lvl="1"/>
+            <a:r>
+              <a:rPr lang="en-US"/>
+              <a:t>Die Edges </a:t>
+            </a:r>
+            <a:r>
+              <a:rPr lang="en-US" err="1"/>
+              <a:t>haben</a:t>
+            </a:r>
+            <a:r>
+              <a:rPr lang="en-US"/>
+              <a:t> </a:t>
+            </a:r>
+            <a:r>
+              <a:rPr lang="en-US" err="1"/>
+              <a:t>eine</a:t>
+            </a:r>
+            <a:r>
+              <a:rPr lang="en-US"/>
+              <a:t> </a:t>
+            </a:r>
+            <a:r>
+              <a:rPr lang="en-US" err="1"/>
+              <a:t>Orientierung</a:t>
+            </a:r>
+            <a:r>
+              <a:rPr lang="en-US"/>
+              <a:t> </a:t>
+            </a:r>
+            <a:r>
+              <a:rPr lang="en-US" err="1"/>
+              <a:t>oder</a:t>
+            </a:r>
+            <a:r>
+              <a:rPr lang="en-US"/>
+              <a:t> </a:t>
+            </a:r>
+            <a:r>
+              <a:rPr lang="en-US" err="1"/>
+              <a:t>Richtung</a:t>
+            </a:r>
+            <a:endParaRPr lang="en-US"/>
+          </a:p>
+          <a:p>
+            <a:pPr lvl="1"/>
+            <a:r>
+              <a:rPr lang="en-US"/>
+              <a:t>Die Edge (u, v) </a:t>
+            </a:r>
+            <a:r>
+              <a:rPr lang="en-US" err="1"/>
+              <a:t>ist</a:t>
+            </a:r>
+            <a:r>
+              <a:rPr lang="en-US"/>
+              <a:t> die Edge von Vertex u </a:t>
+            </a:r>
+            <a:r>
+              <a:rPr lang="en-US" err="1"/>
+              <a:t>zu</a:t>
+            </a:r>
+            <a:r>
+              <a:rPr lang="en-US"/>
+              <a:t> Vertex v</a:t>
+            </a:r>
+          </a:p>
+          <a:p>
+            <a:pPr lvl="1"/>
+            <a:r>
+              <a:rPr lang="en-US"/>
+              <a:t>Die Vertices </a:t>
+            </a:r>
+            <a:r>
+              <a:rPr lang="en-US" err="1"/>
+              <a:t>könnten</a:t>
+            </a:r>
+            <a:r>
+              <a:rPr lang="en-US"/>
+              <a:t> Menschen </a:t>
+            </a:r>
+            <a:r>
+              <a:rPr lang="en-US" err="1"/>
+              <a:t>darstellen</a:t>
+            </a:r>
+            <a:r>
+              <a:rPr lang="en-US"/>
+              <a:t> und </a:t>
+            </a:r>
+            <a:r>
+              <a:rPr lang="en-US" err="1"/>
+              <a:t>eine</a:t>
+            </a:r>
+            <a:r>
+              <a:rPr lang="en-US"/>
+              <a:t> Edge </a:t>
+            </a:r>
+            <a:r>
+              <a:rPr lang="en-US" err="1"/>
+              <a:t>könnte</a:t>
+            </a:r>
+            <a:r>
+              <a:rPr lang="en-US"/>
+              <a:t> </a:t>
+            </a:r>
+            <a:r>
+              <a:rPr lang="en-US" err="1"/>
+              <a:t>eine</a:t>
+            </a:r>
+            <a:r>
+              <a:rPr lang="en-US"/>
+              <a:t> Person u sein, die Person v </a:t>
+            </a:r>
+            <a:r>
+              <a:rPr lang="en-US" err="1"/>
+              <a:t>ein</a:t>
+            </a:r>
+            <a:r>
+              <a:rPr lang="en-US"/>
+              <a:t> </a:t>
+            </a:r>
+            <a:r>
+              <a:rPr lang="en-US" err="1"/>
+              <a:t>Geschenk</a:t>
+            </a:r>
+            <a:r>
+              <a:rPr lang="en-US"/>
+              <a:t> </a:t>
+            </a:r>
+            <a:r>
+              <a:rPr lang="en-US" err="1"/>
+              <a:t>gekauft</a:t>
+            </a:r>
+            <a:r>
+              <a:rPr lang="en-US"/>
+              <a:t> hat</a:t>
+            </a:r>
+          </a:p>
+        </p:txBody>
+      </p:sp>
+      <p:sp>
+        <p:nvSpPr>
+          <p:cNvPr id="4" name="Title"/>
+          <p:cNvSpPr>
+            <a:spLocks noGrp="1"/>
+          </p:cNvSpPr>
+          <p:nvPr>
+            <p:ph type="title"/>
+          </p:nvPr>
+        </p:nvSpPr>
+        <p:spPr>
+          <a:xfrm>
+            <a:off x="504001" y="504000"/>
+            <a:ext cx="11186476" cy="677108"/>
+          </a:xfrm>
+        </p:spPr>
+        <p:txBody>
+          <a:bodyPr/>
+          <a:lstStyle/>
+          <a:p>
+            <a:r>
+              <a:rPr lang="en-US"/>
+              <a:t>Dijkstra’s Shortest Path Algorithm</a:t>
+            </a:r>
+            <a:br>
+              <a:rPr lang="en-US"/>
+            </a:br>
+            <a:r>
+              <a:rPr lang="en-US" sz="2000" b="0" err="1">
                 <a:solidFill>
                   <a:schemeClr val="accent1"/>
                 </a:solidFill>
               </a:rPr>
-              <a:t>page</a:t>
-            </a:r>
-            <a:endParaRPr lang="en-US" dirty="0"/>
-          </a:p>
-        </p:txBody>
-      </p:sp>
-      <p:pic>
-        <p:nvPicPr>
-          <p:cNvPr id="6" name="Divider Image Placeholder">
-            <a:extLst>
-              <a:ext uri="{FF2B5EF4-FFF2-40B4-BE49-F238E27FC236}">
-                <a16:creationId xmlns:a16="http://schemas.microsoft.com/office/drawing/2014/main" id="{D2BEE16A-A830-4ED4-95FF-D97EA39A69F4}"/>
-              </a:ext>
-            </a:extLst>
-          </p:cNvPr>
-          <p:cNvPicPr>
-            <a:picLocks noGrp="1" noChangeAspect="1"/>
-          </p:cNvPicPr>
-          <p:nvPr>
-            <p:ph type="pic" sz="quarter" idx="12"/>
-          </p:nvPr>
-        </p:nvPicPr>
-        <p:blipFill rotWithShape="1">
-          <a:blip r:embed="rId2" cstate="screen">
-            <a:extLst>
-              <a:ext uri="{28A0092B-C50C-407E-A947-70E740481C1C}">
-                <a14:useLocalDpi xmlns:a14="http://schemas.microsoft.com/office/drawing/2010/main"/>
-              </a:ext>
-            </a:extLst>
-          </a:blip>
-          <a:srcRect t="34" b="34"/>
-          <a:stretch/>
-        </p:blipFill>
-        <p:spPr>
-          <a:prstGeom prst="rect">
-            <a:avLst/>
-          </a:prstGeom>
-        </p:spPr>
-      </p:pic>
+              <a:t>Graphen</a:t>
+            </a:r>
+            <a:endParaRPr lang="en-US" sz="2000" b="0"/>
+          </a:p>
+        </p:txBody>
+      </p:sp>
     </p:spTree>
     <p:extLst>
       <p:ext uri="{BB962C8B-B14F-4D97-AF65-F5344CB8AC3E}">
-        <p14:creationId xmlns:p14="http://schemas.microsoft.com/office/powerpoint/2010/main" val="3115733345"/>
+        <p14:creationId xmlns:p14="http://schemas.microsoft.com/office/powerpoint/2010/main" val="3501809785"/>
       </p:ext>
     </p:extLst>
   </p:cSld>
@@ -11457,7 +11406,242 @@
       </p:grpSpPr>
       <p:sp>
         <p:nvSpPr>
-          <p:cNvPr id="24" name="Title"/>
+          <p:cNvPr id="11" name="Text Placeholder"/>
+          <p:cNvSpPr>
+            <a:spLocks noGrp="1"/>
+          </p:cNvSpPr>
+          <p:nvPr>
+            <p:ph type="body" sz="quarter" idx="10"/>
+          </p:nvPr>
+        </p:nvSpPr>
+        <p:spPr/>
+        <p:txBody>
+          <a:bodyPr/>
+          <a:lstStyle/>
+          <a:p>
+            <a:pPr lvl="0"/>
+            <a:r>
+              <a:rPr lang="en-US"/>
+              <a:t>Weighted Graphs</a:t>
+            </a:r>
+          </a:p>
+          <a:p>
+            <a:pPr lvl="1"/>
+            <a:r>
+              <a:rPr lang="en-US"/>
+              <a:t>Vertices </a:t>
+            </a:r>
+            <a:r>
+              <a:rPr lang="en-US" err="1"/>
+              <a:t>können</a:t>
+            </a:r>
+            <a:r>
+              <a:rPr lang="en-US"/>
+              <a:t> </a:t>
+            </a:r>
+            <a:r>
+              <a:rPr lang="en-US" err="1"/>
+              <a:t>ein</a:t>
+            </a:r>
+            <a:r>
+              <a:rPr lang="en-US"/>
+              <a:t> </a:t>
+            </a:r>
+            <a:r>
+              <a:rPr lang="en-US" err="1"/>
+              <a:t>bestimmtes</a:t>
+            </a:r>
+            <a:r>
+              <a:rPr lang="en-US"/>
+              <a:t> </a:t>
+            </a:r>
+            <a:r>
+              <a:rPr lang="en-US" err="1"/>
+              <a:t>Gewicht</a:t>
+            </a:r>
+            <a:r>
+              <a:rPr lang="en-US"/>
+              <a:t> </a:t>
+            </a:r>
+            <a:r>
+              <a:rPr lang="en-US" err="1"/>
+              <a:t>enthalten</a:t>
+            </a:r>
+            <a:r>
+              <a:rPr lang="en-US"/>
+              <a:t>, der </a:t>
+            </a:r>
+            <a:r>
+              <a:rPr lang="en-US" err="1"/>
+              <a:t>einen</a:t>
+            </a:r>
+            <a:r>
+              <a:rPr lang="en-US"/>
+              <a:t> </a:t>
+            </a:r>
+            <a:r>
+              <a:rPr lang="en-US" err="1"/>
+              <a:t>beliebigen</a:t>
+            </a:r>
+            <a:r>
+              <a:rPr lang="en-US"/>
+              <a:t> Wert </a:t>
+            </a:r>
+            <a:r>
+              <a:rPr lang="en-US" err="1"/>
+              <a:t>wie</a:t>
+            </a:r>
+            <a:r>
+              <a:rPr lang="en-US"/>
+              <a:t> </a:t>
+            </a:r>
+            <a:r>
+              <a:rPr lang="en-US" err="1"/>
+              <a:t>Kosten</a:t>
+            </a:r>
+            <a:r>
+              <a:rPr lang="en-US"/>
+              <a:t>, </a:t>
+            </a:r>
+            <a:r>
+              <a:rPr lang="en-US" err="1"/>
+              <a:t>Entfernung</a:t>
+            </a:r>
+            <a:r>
+              <a:rPr lang="en-US"/>
+              <a:t>, </a:t>
+            </a:r>
+            <a:r>
+              <a:rPr lang="en-US" err="1"/>
+              <a:t>Menge</a:t>
+            </a:r>
+            <a:r>
+              <a:rPr lang="en-US"/>
+              <a:t> </a:t>
+            </a:r>
+            <a:r>
+              <a:rPr lang="en-US" err="1"/>
+              <a:t>usw</a:t>
+            </a:r>
+            <a:r>
+              <a:rPr lang="en-US"/>
+              <a:t>. </a:t>
+            </a:r>
+            <a:r>
+              <a:rPr lang="en-US" err="1"/>
+              <a:t>darstellen</a:t>
+            </a:r>
+            <a:r>
+              <a:rPr lang="en-US"/>
+              <a:t> </a:t>
+            </a:r>
+            <a:r>
+              <a:rPr lang="en-US" err="1"/>
+              <a:t>kann</a:t>
+            </a:r>
+            <a:endParaRPr lang="en-US"/>
+          </a:p>
+          <a:p>
+            <a:pPr lvl="1"/>
+            <a:r>
+              <a:rPr lang="en-US"/>
+              <a:t>Eine Edge in </a:t>
+            </a:r>
+            <a:r>
+              <a:rPr lang="en-US" err="1"/>
+              <a:t>einem</a:t>
+            </a:r>
+            <a:r>
+              <a:rPr lang="en-US"/>
+              <a:t> </a:t>
+            </a:r>
+            <a:r>
+              <a:rPr lang="en-US" err="1"/>
+              <a:t>solchen</a:t>
+            </a:r>
+            <a:r>
+              <a:rPr lang="en-US"/>
+              <a:t> Graph </a:t>
+            </a:r>
+            <a:r>
+              <a:rPr lang="en-US" err="1"/>
+              <a:t>wird</a:t>
+            </a:r>
+            <a:r>
+              <a:rPr lang="en-US"/>
+              <a:t> </a:t>
+            </a:r>
+            <a:r>
+              <a:rPr lang="en-US" err="1"/>
+              <a:t>als</a:t>
+            </a:r>
+            <a:r>
+              <a:rPr lang="en-US"/>
+              <a:t> Triplet (u, v, w) </a:t>
+            </a:r>
+            <a:r>
+              <a:rPr lang="en-US" err="1"/>
+              <a:t>dargestellt</a:t>
+            </a:r>
+            <a:endParaRPr lang="en-US"/>
+          </a:p>
+          <a:p>
+            <a:pPr lvl="1"/>
+            <a:r>
+              <a:rPr lang="en-US"/>
+              <a:t>Vertices </a:t>
+            </a:r>
+            <a:r>
+              <a:rPr lang="en-US" err="1"/>
+              <a:t>mit</a:t>
+            </a:r>
+            <a:r>
+              <a:rPr lang="en-US"/>
+              <a:t> </a:t>
+            </a:r>
+            <a:r>
+              <a:rPr lang="en-US" err="1"/>
+              <a:t>einem</a:t>
+            </a:r>
+            <a:r>
+              <a:rPr lang="en-US"/>
+              <a:t> </a:t>
+            </a:r>
+            <a:r>
+              <a:rPr lang="en-US" err="1"/>
+              <a:t>Gewicht</a:t>
+            </a:r>
+            <a:r>
+              <a:rPr lang="en-US"/>
+              <a:t> </a:t>
+            </a:r>
+            <a:r>
+              <a:rPr lang="en-US" err="1"/>
+              <a:t>können</a:t>
+            </a:r>
+            <a:r>
+              <a:rPr lang="en-US"/>
+              <a:t> in undirected </a:t>
+            </a:r>
+            <a:r>
+              <a:rPr lang="en-US" err="1"/>
+              <a:t>oder</a:t>
+            </a:r>
+            <a:r>
+              <a:rPr lang="en-US"/>
+              <a:t> directed Graphs </a:t>
+            </a:r>
+            <a:r>
+              <a:rPr lang="en-US" err="1"/>
+              <a:t>vorkommen</a:t>
+            </a:r>
+            <a:endParaRPr lang="en-US"/>
+          </a:p>
+        </p:txBody>
+      </p:sp>
+      <p:sp>
+        <p:nvSpPr>
+          <p:cNvPr id="4" name="Title"/>
           <p:cNvSpPr>
             <a:spLocks noGrp="1"/>
           </p:cNvSpPr>
@@ -11468,7 +11652,7 @@
         <p:spPr>
           <a:xfrm>
             <a:off x="504001" y="504000"/>
-            <a:ext cx="11186476" cy="369332"/>
+            <a:ext cx="11186476" cy="677108"/>
           </a:xfrm>
         </p:spPr>
         <p:txBody>
@@ -11476,16 +11660,28 @@
           <a:lstStyle/>
           <a:p>
             <a:r>
-              <a:rPr lang="en-US" dirty="0"/>
-              <a:t>Insert page title (sentence case)</a:t>
-            </a:r>
+              <a:rPr lang="en-US"/>
+              <a:t>Dijkstra’s Shortest Path Algorithm</a:t>
+            </a:r>
+            <a:br>
+              <a:rPr lang="en-US"/>
+            </a:br>
+            <a:r>
+              <a:rPr lang="en-US" sz="2000" b="0" err="1">
+                <a:solidFill>
+                  <a:schemeClr val="accent1"/>
+                </a:solidFill>
+              </a:rPr>
+              <a:t>Graphen</a:t>
+            </a:r>
+            <a:endParaRPr lang="en-US" sz="2000" b="0"/>
           </a:p>
         </p:txBody>
       </p:sp>
     </p:spTree>
     <p:extLst>
       <p:ext uri="{BB962C8B-B14F-4D97-AF65-F5344CB8AC3E}">
-        <p14:creationId xmlns:p14="http://schemas.microsoft.com/office/powerpoint/2010/main" val="3602749482"/>
+        <p14:creationId xmlns:p14="http://schemas.microsoft.com/office/powerpoint/2010/main" val="3758971385"/>
       </p:ext>
     </p:extLst>
   </p:cSld>
@@ -12158,15 +12354,6 @@
 </file>
 
 <file path=customXml/item1.xml><?xml version="1.0" encoding="utf-8"?>
-<?mso-contentType ?>
-<FormTemplates xmlns="http://schemas.microsoft.com/sharepoint/v3/contenttype/forms">
-  <Display>DocumentLibraryForm</Display>
-  <Edit>DocumentLibraryForm</Edit>
-  <New>DocumentLibraryForm</New>
-</FormTemplates>
-</file>
-
-<file path=customXml/item2.xml><?xml version="1.0" encoding="utf-8"?>
 <p:properties xmlns:p="http://schemas.microsoft.com/office/2006/metadata/properties" xmlns:xsi="http://www.w3.org/2001/XMLSchema-instance" xmlns:pc="http://schemas.microsoft.com/office/infopath/2007/PartnerControls">
   <documentManagement>
     <ResponsibleContact xmlns="47fc58d8-9f4b-4bc8-b278-c3cb6f298023">
@@ -12178,6 +12365,15 @@
     </ResponsibleContact>
   </documentManagement>
 </p:properties>
+</file>
+
+<file path=customXml/item2.xml><?xml version="1.0" encoding="utf-8"?>
+<?mso-contentType ?>
+<FormTemplates xmlns="http://schemas.microsoft.com/sharepoint/v3/contenttype/forms">
+  <Display>DocumentLibraryForm</Display>
+  <Edit>DocumentLibraryForm</Edit>
+  <New>DocumentLibraryForm</New>
+</FormTemplates>
 </file>
 
 <file path=customXml/item3.xml><?xml version="1.0" encoding="utf-8"?>
@@ -12404,6 +12600,16 @@
 </file>
 
 <file path=customXml/itemProps1.xml><?xml version="1.0" encoding="utf-8"?>
+<ds:datastoreItem xmlns:ds="http://schemas.openxmlformats.org/officeDocument/2006/customXml" ds:itemID="{85C1D00C-D380-4A8A-881E-03688FCC3109}">
+  <ds:schemaRefs>
+    <ds:schemaRef ds:uri="47fc58d8-9f4b-4bc8-b278-c3cb6f298023"/>
+    <ds:schemaRef ds:uri="http://schemas.microsoft.com/office/2006/metadata/properties"/>
+    <ds:schemaRef ds:uri="http://schemas.microsoft.com/office/infopath/2007/PartnerControls"/>
+  </ds:schemaRefs>
+</ds:datastoreItem>
+</file>
+
+<file path=customXml/itemProps2.xml><?xml version="1.0" encoding="utf-8"?>
 <ds:datastoreItem xmlns:ds="http://schemas.openxmlformats.org/officeDocument/2006/customXml" ds:itemID="{398FD485-E434-4109-8170-8E0CFCDC1783}">
   <ds:schemaRefs>
     <ds:schemaRef ds:uri="http://schemas.microsoft.com/sharepoint/v3/contenttype/forms"/>
@@ -12411,31 +12617,21 @@
 </ds:datastoreItem>
 </file>
 
-<file path=customXml/itemProps2.xml><?xml version="1.0" encoding="utf-8"?>
-<ds:datastoreItem xmlns:ds="http://schemas.openxmlformats.org/officeDocument/2006/customXml" ds:itemID="{85C1D00C-D380-4A8A-881E-03688FCC3109}">
-  <ds:schemaRefs>
-    <ds:schemaRef ds:uri="http://schemas.microsoft.com/office/2006/metadata/properties"/>
-    <ds:schemaRef ds:uri="http://schemas.microsoft.com/office/infopath/2007/PartnerControls"/>
-    <ds:schemaRef ds:uri="47fc58d8-9f4b-4bc8-b278-c3cb6f298023"/>
-  </ds:schemaRefs>
-</ds:datastoreItem>
-</file>
-
 <file path=customXml/itemProps3.xml><?xml version="1.0" encoding="utf-8"?>
 <ds:datastoreItem xmlns:ds="http://schemas.openxmlformats.org/officeDocument/2006/customXml" ds:itemID="{DE1E1F54-06F8-4B11-A8A2-4A0196ECD2B2}">
   <ds:schemaRefs>
-    <ds:schemaRef ds:uri="http://schemas.microsoft.com/office/2006/metadata/contentType"/>
-    <ds:schemaRef ds:uri="http://schemas.microsoft.com/office/2006/metadata/properties/metaAttributes"/>
-    <ds:schemaRef ds:uri="http://www.w3.org/2001/XMLSchema"/>
-    <ds:schemaRef ds:uri="http://schemas.microsoft.com/office/2006/metadata/properties"/>
     <ds:schemaRef ds:uri="0e00d59e-b0d2-4e67-be34-67e465b0fbed"/>
     <ds:schemaRef ds:uri="47fc58d8-9f4b-4bc8-b278-c3cb6f298023"/>
-    <ds:schemaRef ds:uri="http://schemas.microsoft.com/office/2006/documentManagement/types"/>
-    <ds:schemaRef ds:uri="http://schemas.microsoft.com/office/infopath/2007/PartnerControls"/>
-    <ds:schemaRef ds:uri="http://schemas.openxmlformats.org/package/2006/metadata/core-properties"/>
     <ds:schemaRef ds:uri="http://purl.org/dc/elements/1.1/"/>
     <ds:schemaRef ds:uri="http://purl.org/dc/terms/"/>
     <ds:schemaRef ds:uri="http://schemas.microsoft.com/internal/obd"/>
+    <ds:schemaRef ds:uri="http://schemas.microsoft.com/office/2006/documentManagement/types"/>
+    <ds:schemaRef ds:uri="http://schemas.microsoft.com/office/2006/metadata/contentType"/>
+    <ds:schemaRef ds:uri="http://schemas.microsoft.com/office/2006/metadata/properties"/>
+    <ds:schemaRef ds:uri="http://schemas.microsoft.com/office/2006/metadata/properties/metaAttributes"/>
+    <ds:schemaRef ds:uri="http://schemas.microsoft.com/office/infopath/2007/PartnerControls"/>
+    <ds:schemaRef ds:uri="http://schemas.openxmlformats.org/package/2006/metadata/core-properties"/>
+    <ds:schemaRef ds:uri="http://www.w3.org/2001/XMLSchema"/>
   </ds:schemaRefs>
 </ds:datastoreItem>
 </file>
--- a/docs/ALG_7_Graphen_Dijkstra.pptx
+++ b/docs/ALG_7_Graphen_Dijkstra.pptx
@@ -5,10 +5,10 @@
     <p:sldMasterId id="2147483733" r:id="rId4"/>
   </p:sldMasterIdLst>
   <p:notesMasterIdLst>
-    <p:notesMasterId r:id="rId28"/>
+    <p:notesMasterId r:id="rId29"/>
   </p:notesMasterIdLst>
   <p:handoutMasterIdLst>
-    <p:handoutMasterId r:id="rId29"/>
+    <p:handoutMasterId r:id="rId30"/>
   </p:handoutMasterIdLst>
   <p:sldIdLst>
     <p:sldId id="434" r:id="rId5"/>
@@ -27,13 +27,14 @@
     <p:sldId id="453" r:id="rId18"/>
     <p:sldId id="444" r:id="rId19"/>
     <p:sldId id="454" r:id="rId20"/>
-    <p:sldId id="451" r:id="rId21"/>
-    <p:sldId id="445" r:id="rId22"/>
-    <p:sldId id="439" r:id="rId23"/>
-    <p:sldId id="388" r:id="rId24"/>
-    <p:sldId id="413" r:id="rId25"/>
-    <p:sldId id="265" r:id="rId26"/>
-    <p:sldId id="435" r:id="rId27"/>
+    <p:sldId id="458" r:id="rId21"/>
+    <p:sldId id="451" r:id="rId22"/>
+    <p:sldId id="445" r:id="rId23"/>
+    <p:sldId id="439" r:id="rId24"/>
+    <p:sldId id="388" r:id="rId25"/>
+    <p:sldId id="413" r:id="rId26"/>
+    <p:sldId id="265" r:id="rId27"/>
+    <p:sldId id="435" r:id="rId28"/>
   </p:sldIdLst>
   <p:sldSz cx="12195175" cy="6858000"/>
   <p:notesSz cx="6797675" cy="9928225"/>
@@ -192,8 +193,7 @@
 <file path=ppt/revisionInfo.xml><?xml version="1.0" encoding="utf-8"?>
 <p1510:revInfo xmlns:a="http://schemas.openxmlformats.org/drawingml/2006/main" xmlns:r="http://schemas.openxmlformats.org/officeDocument/2006/relationships" xmlns:p1510="http://schemas.microsoft.com/office/powerpoint/2015/10/main">
   <p1510:revLst>
-    <p1510:client id="{7975F8F8-821C-4772-AC10-501CDE6779B6}" v="1736" dt="2021-06-15T14:16:52.054"/>
-    <p1510:client id="{867882C3-A1D2-4AE5-A140-3C07E46FF3E1}" v="1178" dt="2021-06-15T14:21:11.456"/>
+    <p1510:client id="{7975F8F8-821C-4772-AC10-501CDE6779B6}" v="1977" dt="2021-06-16T15:19:57.382"/>
   </p1510:revLst>
 </p1510:revInfo>
 </file>
@@ -544,7 +544,7 @@
   <pc:docChgLst>
     <pc:chgData name="Gilbert, Andre-Anan" userId="9702a563-eab5-4d2a-ab37-425108274ca8" providerId="ADAL" clId="{7975F8F8-821C-4772-AC10-501CDE6779B6}"/>
     <pc:docChg chg="undo custSel addSld delSld modSld">
-      <pc:chgData name="Gilbert, Andre-Anan" userId="9702a563-eab5-4d2a-ab37-425108274ca8" providerId="ADAL" clId="{7975F8F8-821C-4772-AC10-501CDE6779B6}" dt="2021-06-15T14:16:52.053" v="1731" actId="931"/>
+      <pc:chgData name="Gilbert, Andre-Anan" userId="9702a563-eab5-4d2a-ab37-425108274ca8" providerId="ADAL" clId="{7975F8F8-821C-4772-AC10-501CDE6779B6}" dt="2021-06-16T15:24:18.753" v="2930" actId="20577"/>
       <pc:docMkLst>
         <pc:docMk/>
       </pc:docMkLst>
@@ -746,8 +746,8 @@
           </ac:picMkLst>
         </pc:picChg>
       </pc:sldChg>
-      <pc:sldChg chg="modSp add mod">
-        <pc:chgData name="Gilbert, Andre-Anan" userId="9702a563-eab5-4d2a-ab37-425108274ca8" providerId="ADAL" clId="{7975F8F8-821C-4772-AC10-501CDE6779B6}" dt="2021-06-15T13:52:20.886" v="1084" actId="20577"/>
+      <pc:sldChg chg="addSp modSp add mod">
+        <pc:chgData name="Gilbert, Andre-Anan" userId="9702a563-eab5-4d2a-ab37-425108274ca8" providerId="ADAL" clId="{7975F8F8-821C-4772-AC10-501CDE6779B6}" dt="2021-06-16T15:24:18.753" v="2930" actId="20577"/>
         <pc:sldMkLst>
           <pc:docMk/>
           <pc:sldMk cId="2732869722" sldId="448"/>
@@ -761,16 +761,24 @@
           </ac:spMkLst>
         </pc:spChg>
         <pc:spChg chg="mod">
-          <ac:chgData name="Gilbert, Andre-Anan" userId="9702a563-eab5-4d2a-ab37-425108274ca8" providerId="ADAL" clId="{7975F8F8-821C-4772-AC10-501CDE6779B6}" dt="2021-06-15T13:52:20.886" v="1084" actId="20577"/>
+          <ac:chgData name="Gilbert, Andre-Anan" userId="9702a563-eab5-4d2a-ab37-425108274ca8" providerId="ADAL" clId="{7975F8F8-821C-4772-AC10-501CDE6779B6}" dt="2021-06-16T15:24:18.753" v="2930" actId="20577"/>
           <ac:spMkLst>
             <pc:docMk/>
             <pc:sldMk cId="2732869722" sldId="448"/>
             <ac:spMk id="11" creationId="{00000000-0000-0000-0000-000000000000}"/>
           </ac:spMkLst>
         </pc:spChg>
+        <pc:picChg chg="add mod">
+          <ac:chgData name="Gilbert, Andre-Anan" userId="9702a563-eab5-4d2a-ab37-425108274ca8" providerId="ADAL" clId="{7975F8F8-821C-4772-AC10-501CDE6779B6}" dt="2021-06-16T15:24:09.049" v="2925" actId="1076"/>
+          <ac:picMkLst>
+            <pc:docMk/>
+            <pc:sldMk cId="2732869722" sldId="448"/>
+            <ac:picMk id="3" creationId="{07D9A331-CE48-4C4D-9300-F251E0ECD785}"/>
+          </ac:picMkLst>
+        </pc:picChg>
       </pc:sldChg>
       <pc:sldChg chg="addSp modSp add mod">
-        <pc:chgData name="Gilbert, Andre-Anan" userId="9702a563-eab5-4d2a-ab37-425108274ca8" providerId="ADAL" clId="{7975F8F8-821C-4772-AC10-501CDE6779B6}" dt="2021-06-15T14:15:07.579" v="1729" actId="931"/>
+        <pc:chgData name="Gilbert, Andre-Anan" userId="9702a563-eab5-4d2a-ab37-425108274ca8" providerId="ADAL" clId="{7975F8F8-821C-4772-AC10-501CDE6779B6}" dt="2021-06-16T13:56:20.937" v="1744" actId="1076"/>
         <pc:sldMkLst>
           <pc:docMk/>
           <pc:sldMk cId="1287147475" sldId="449"/>
@@ -784,7 +792,7 @@
           </ac:spMkLst>
         </pc:spChg>
         <pc:picChg chg="add mod">
-          <ac:chgData name="Gilbert, Andre-Anan" userId="9702a563-eab5-4d2a-ab37-425108274ca8" providerId="ADAL" clId="{7975F8F8-821C-4772-AC10-501CDE6779B6}" dt="2021-06-15T14:15:07.579" v="1729" actId="931"/>
+          <ac:chgData name="Gilbert, Andre-Anan" userId="9702a563-eab5-4d2a-ab37-425108274ca8" providerId="ADAL" clId="{7975F8F8-821C-4772-AC10-501CDE6779B6}" dt="2021-06-16T13:56:20.937" v="1744" actId="1076"/>
           <ac:picMkLst>
             <pc:docMk/>
             <pc:sldMk cId="1287147475" sldId="449"/>
@@ -820,8 +828,8 @@
           <pc:sldMk cId="1588083430" sldId="453"/>
         </pc:sldMkLst>
       </pc:sldChg>
-      <pc:sldChg chg="modSp add mod">
-        <pc:chgData name="Gilbert, Andre-Anan" userId="9702a563-eab5-4d2a-ab37-425108274ca8" providerId="ADAL" clId="{7975F8F8-821C-4772-AC10-501CDE6779B6}" dt="2021-06-15T13:20:37.759" v="482" actId="20577"/>
+      <pc:sldChg chg="addSp modSp add mod">
+        <pc:chgData name="Gilbert, Andre-Anan" userId="9702a563-eab5-4d2a-ab37-425108274ca8" providerId="ADAL" clId="{7975F8F8-821C-4772-AC10-501CDE6779B6}" dt="2021-06-16T14:48:20.395" v="2204" actId="1076"/>
         <pc:sldMkLst>
           <pc:docMk/>
           <pc:sldMk cId="1358289845" sldId="454"/>
@@ -834,9 +842,25 @@
             <ac:spMk id="4" creationId="{00000000-0000-0000-0000-000000000000}"/>
           </ac:spMkLst>
         </pc:spChg>
+        <pc:spChg chg="mod">
+          <ac:chgData name="Gilbert, Andre-Anan" userId="9702a563-eab5-4d2a-ab37-425108274ca8" providerId="ADAL" clId="{7975F8F8-821C-4772-AC10-501CDE6779B6}" dt="2021-06-16T14:48:13.190" v="2203" actId="20577"/>
+          <ac:spMkLst>
+            <pc:docMk/>
+            <pc:sldMk cId="1358289845" sldId="454"/>
+            <ac:spMk id="11" creationId="{00000000-0000-0000-0000-000000000000}"/>
+          </ac:spMkLst>
+        </pc:spChg>
+        <pc:picChg chg="add mod">
+          <ac:chgData name="Gilbert, Andre-Anan" userId="9702a563-eab5-4d2a-ab37-425108274ca8" providerId="ADAL" clId="{7975F8F8-821C-4772-AC10-501CDE6779B6}" dt="2021-06-16T14:48:20.395" v="2204" actId="1076"/>
+          <ac:picMkLst>
+            <pc:docMk/>
+            <pc:sldMk cId="1358289845" sldId="454"/>
+            <ac:picMk id="3" creationId="{C773EC50-4830-433E-97E7-9E19D698E1AC}"/>
+          </ac:picMkLst>
+        </pc:picChg>
       </pc:sldChg>
-      <pc:sldChg chg="modSp mod">
-        <pc:chgData name="Gilbert, Andre-Anan" userId="9702a563-eab5-4d2a-ab37-425108274ca8" providerId="ADAL" clId="{7975F8F8-821C-4772-AC10-501CDE6779B6}" dt="2021-06-15T14:06:48.625" v="1728" actId="20577"/>
+      <pc:sldChg chg="addSp modSp mod">
+        <pc:chgData name="Gilbert, Andre-Anan" userId="9702a563-eab5-4d2a-ab37-425108274ca8" providerId="ADAL" clId="{7975F8F8-821C-4772-AC10-501CDE6779B6}" dt="2021-06-16T15:22:47.333" v="2906" actId="20577"/>
         <pc:sldMkLst>
           <pc:docMk/>
           <pc:sldMk cId="3758971385" sldId="455"/>
@@ -850,16 +874,24 @@
           </ac:spMkLst>
         </pc:spChg>
         <pc:spChg chg="mod">
-          <ac:chgData name="Gilbert, Andre-Anan" userId="9702a563-eab5-4d2a-ab37-425108274ca8" providerId="ADAL" clId="{7975F8F8-821C-4772-AC10-501CDE6779B6}" dt="2021-06-15T14:06:48.625" v="1728" actId="20577"/>
+          <ac:chgData name="Gilbert, Andre-Anan" userId="9702a563-eab5-4d2a-ab37-425108274ca8" providerId="ADAL" clId="{7975F8F8-821C-4772-AC10-501CDE6779B6}" dt="2021-06-16T15:22:47.333" v="2906" actId="20577"/>
           <ac:spMkLst>
             <pc:docMk/>
             <pc:sldMk cId="3758971385" sldId="455"/>
             <ac:spMk id="11" creationId="{00000000-0000-0000-0000-000000000000}"/>
           </ac:spMkLst>
         </pc:spChg>
+        <pc:picChg chg="add mod">
+          <ac:chgData name="Gilbert, Andre-Anan" userId="9702a563-eab5-4d2a-ab37-425108274ca8" providerId="ADAL" clId="{7975F8F8-821C-4772-AC10-501CDE6779B6}" dt="2021-06-16T15:21:47.142" v="2865" actId="1076"/>
+          <ac:picMkLst>
+            <pc:docMk/>
+            <pc:sldMk cId="3758971385" sldId="455"/>
+            <ac:picMk id="3" creationId="{C453A092-1D9D-4A57-BADE-1B00ACCB32A2}"/>
+          </ac:picMkLst>
+        </pc:picChg>
       </pc:sldChg>
       <pc:sldChg chg="addSp delSp modSp mod">
-        <pc:chgData name="Gilbert, Andre-Anan" userId="9702a563-eab5-4d2a-ab37-425108274ca8" providerId="ADAL" clId="{7975F8F8-821C-4772-AC10-501CDE6779B6}" dt="2021-06-15T13:59:41.731" v="1346" actId="20577"/>
+        <pc:chgData name="Gilbert, Andre-Anan" userId="9702a563-eab5-4d2a-ab37-425108274ca8" providerId="ADAL" clId="{7975F8F8-821C-4772-AC10-501CDE6779B6}" dt="2021-06-16T15:23:32.068" v="2923" actId="20577"/>
         <pc:sldMkLst>
           <pc:docMk/>
           <pc:sldMk cId="3501809785" sldId="456"/>
@@ -881,10 +913,33 @@
           </ac:spMkLst>
         </pc:spChg>
         <pc:spChg chg="mod">
-          <ac:chgData name="Gilbert, Andre-Anan" userId="9702a563-eab5-4d2a-ab37-425108274ca8" providerId="ADAL" clId="{7975F8F8-821C-4772-AC10-501CDE6779B6}" dt="2021-06-15T13:59:41.731" v="1346" actId="20577"/>
+          <ac:chgData name="Gilbert, Andre-Anan" userId="9702a563-eab5-4d2a-ab37-425108274ca8" providerId="ADAL" clId="{7975F8F8-821C-4772-AC10-501CDE6779B6}" dt="2021-06-16T15:23:32.068" v="2923" actId="20577"/>
           <ac:spMkLst>
             <pc:docMk/>
             <pc:sldMk cId="3501809785" sldId="456"/>
+            <ac:spMk id="11" creationId="{00000000-0000-0000-0000-000000000000}"/>
+          </ac:spMkLst>
+        </pc:spChg>
+        <pc:picChg chg="add mod">
+          <ac:chgData name="Gilbert, Andre-Anan" userId="9702a563-eab5-4d2a-ab37-425108274ca8" providerId="ADAL" clId="{7975F8F8-821C-4772-AC10-501CDE6779B6}" dt="2021-06-16T15:23:16.947" v="2909" actId="1076"/>
+          <ac:picMkLst>
+            <pc:docMk/>
+            <pc:sldMk cId="3501809785" sldId="456"/>
+            <ac:picMk id="3" creationId="{A74EE34C-1DC2-4275-96AE-D294C8F47A2D}"/>
+          </ac:picMkLst>
+        </pc:picChg>
+      </pc:sldChg>
+      <pc:sldChg chg="modSp add mod">
+        <pc:chgData name="Gilbert, Andre-Anan" userId="9702a563-eab5-4d2a-ab37-425108274ca8" providerId="ADAL" clId="{7975F8F8-821C-4772-AC10-501CDE6779B6}" dt="2021-06-16T15:17:27.572" v="2835" actId="20577"/>
+        <pc:sldMkLst>
+          <pc:docMk/>
+          <pc:sldMk cId="1242600562" sldId="458"/>
+        </pc:sldMkLst>
+        <pc:spChg chg="mod">
+          <ac:chgData name="Gilbert, Andre-Anan" userId="9702a563-eab5-4d2a-ab37-425108274ca8" providerId="ADAL" clId="{7975F8F8-821C-4772-AC10-501CDE6779B6}" dt="2021-06-16T15:17:27.572" v="2835" actId="20577"/>
+          <ac:spMkLst>
+            <pc:docMk/>
+            <pc:sldMk cId="1242600562" sldId="458"/>
             <ac:spMk id="11" creationId="{00000000-0000-0000-0000-000000000000}"/>
           </ac:spMkLst>
         </pc:spChg>
@@ -1635,7 +1690,7 @@
             <a:fld id="{7D8C2C35-2B8A-446E-BEC0-FD36716C29AC}" type="slidenum">
               <a:rPr lang="de-DE" smtClean="0"/>
               <a:pPr/>
-              <a:t>18</a:t>
+              <a:t>19</a:t>
             </a:fld>
             <a:endParaRPr lang="de-DE"/>
           </a:p>
@@ -1689,7 +1744,7 @@
             <a:fld id="{7D8C2C35-2B8A-446E-BEC0-FD36716C29AC}" type="slidenum">
               <a:rPr lang="de-DE" smtClean="0"/>
               <a:pPr/>
-              <a:t>22</a:t>
+              <a:t>23</a:t>
             </a:fld>
             <a:endParaRPr lang="de-DE"/>
           </a:p>
@@ -9045,202 +9100,202 @@
           <a:p>
             <a:pPr lvl="0"/>
             <a:r>
-              <a:rPr lang="en-US"/>
+              <a:rPr lang="en-US" dirty="0"/>
               <a:t>Edges des Graph </a:t>
             </a:r>
             <a:r>
-              <a:rPr lang="en-US" err="1"/>
+              <a:rPr lang="en-US" dirty="0" err="1"/>
               <a:t>dürfen</a:t>
             </a:r>
             <a:r>
-              <a:rPr lang="en-US"/>
+              <a:rPr lang="en-US" dirty="0"/>
               <a:t> </a:t>
             </a:r>
             <a:r>
-              <a:rPr lang="en-US" err="1"/>
+              <a:rPr lang="en-US" dirty="0" err="1"/>
               <a:t>keine</a:t>
             </a:r>
             <a:r>
-              <a:rPr lang="en-US"/>
+              <a:rPr lang="en-US" dirty="0"/>
               <a:t> negative Weights </a:t>
             </a:r>
             <a:br>
-              <a:rPr lang="en-US"/>
+              <a:rPr lang="en-US" dirty="0"/>
             </a:br>
             <a:r>
-              <a:rPr lang="en-US" err="1"/>
+              <a:rPr lang="en-US" dirty="0" err="1"/>
               <a:t>bzw</a:t>
             </a:r>
             <a:r>
-              <a:rPr lang="en-US"/>
+              <a:rPr lang="en-US" dirty="0"/>
               <a:t>. </a:t>
             </a:r>
             <a:r>
-              <a:rPr lang="en-US" err="1"/>
+              <a:rPr lang="en-US" dirty="0" err="1"/>
               <a:t>Pfadkosten</a:t>
             </a:r>
             <a:r>
-              <a:rPr lang="en-US"/>
+              <a:rPr lang="en-US" dirty="0"/>
               <a:t> </a:t>
             </a:r>
             <a:r>
-              <a:rPr lang="en-US" err="1"/>
+              <a:rPr lang="en-US" dirty="0" err="1"/>
               <a:t>haben</a:t>
             </a:r>
-            <a:endParaRPr lang="en-US"/>
+            <a:endParaRPr lang="en-US" dirty="0"/>
           </a:p>
           <a:p>
             <a:pPr lvl="1"/>
             <a:r>
-              <a:rPr lang="en-US"/>
+              <a:rPr lang="en-US" dirty="0"/>
               <a:t>Vertex </a:t>
             </a:r>
             <a:r>
-              <a:rPr lang="en-US" err="1"/>
+              <a:rPr lang="en-US" dirty="0" err="1"/>
               <a:t>besucht</a:t>
             </a:r>
             <a:r>
-              <a:rPr lang="en-US"/>
+              <a:rPr lang="en-US" dirty="0"/>
               <a:t> </a:t>
             </a:r>
             <a:r>
-              <a:rPr lang="en-US">
+              <a:rPr lang="en-US" dirty="0">
                 <a:sym typeface="Wingdings" panose="05000000000000000000" pitchFamily="2" charset="2"/>
               </a:rPr>
               <a:t> </a:t>
             </a:r>
             <a:r>
-              <a:rPr lang="en-US" err="1">
+              <a:rPr lang="en-US" dirty="0" err="1">
                 <a:sym typeface="Wingdings" panose="05000000000000000000" pitchFamily="2" charset="2"/>
               </a:rPr>
               <a:t>Optimale</a:t>
             </a:r>
             <a:r>
-              <a:rPr lang="en-US">
+              <a:rPr lang="en-US" dirty="0">
                 <a:sym typeface="Wingdings" panose="05000000000000000000" pitchFamily="2" charset="2"/>
               </a:rPr>
               <a:t> </a:t>
             </a:r>
             <a:r>
-              <a:rPr lang="en-US" err="1">
+              <a:rPr lang="en-US" dirty="0" err="1">
                 <a:sym typeface="Wingdings" panose="05000000000000000000" pitchFamily="2" charset="2"/>
               </a:rPr>
               <a:t>Distanz</a:t>
             </a:r>
             <a:r>
-              <a:rPr lang="en-US">
+              <a:rPr lang="en-US" dirty="0">
                 <a:sym typeface="Wingdings" panose="05000000000000000000" pitchFamily="2" charset="2"/>
               </a:rPr>
               <a:t> </a:t>
             </a:r>
             <a:r>
-              <a:rPr lang="en-US" err="1">
+              <a:rPr lang="en-US" dirty="0" err="1">
                 <a:sym typeface="Wingdings" panose="05000000000000000000" pitchFamily="2" charset="2"/>
               </a:rPr>
               <a:t>bzw</a:t>
             </a:r>
             <a:r>
-              <a:rPr lang="en-US">
+              <a:rPr lang="en-US" dirty="0">
                 <a:sym typeface="Wingdings" panose="05000000000000000000" pitchFamily="2" charset="2"/>
               </a:rPr>
               <a:t>. </a:t>
             </a:r>
             <a:r>
-              <a:rPr lang="en-US" err="1">
+              <a:rPr lang="en-US" dirty="0" err="1">
                 <a:sym typeface="Wingdings" panose="05000000000000000000" pitchFamily="2" charset="2"/>
               </a:rPr>
               <a:t>Pfadkosten</a:t>
             </a:r>
             <a:r>
-              <a:rPr lang="en-US">
+              <a:rPr lang="en-US" dirty="0">
                 <a:sym typeface="Wingdings" panose="05000000000000000000" pitchFamily="2" charset="2"/>
               </a:rPr>
               <a:t> </a:t>
             </a:r>
             <a:br>
-              <a:rPr lang="en-US">
+              <a:rPr lang="en-US" dirty="0">
                 <a:sym typeface="Wingdings" panose="05000000000000000000" pitchFamily="2" charset="2"/>
               </a:rPr>
             </a:br>
             <a:r>
-              <a:rPr lang="en-US" err="1">
+              <a:rPr lang="en-US" dirty="0" err="1">
                 <a:sym typeface="Wingdings" panose="05000000000000000000" pitchFamily="2" charset="2"/>
               </a:rPr>
               <a:t>erreicht</a:t>
             </a:r>
-            <a:endParaRPr lang="en-US">
+            <a:endParaRPr lang="en-US" dirty="0">
               <a:sym typeface="Wingdings" panose="05000000000000000000" pitchFamily="2" charset="2"/>
             </a:endParaRPr>
           </a:p>
           <a:p>
             <a:pPr lvl="1"/>
             <a:r>
-              <a:rPr lang="en-US" err="1">
+              <a:rPr lang="en-US" dirty="0" err="1">
                 <a:sym typeface="Wingdings" panose="05000000000000000000" pitchFamily="2" charset="2"/>
               </a:rPr>
               <a:t>Ermöglicht</a:t>
             </a:r>
             <a:r>
-              <a:rPr lang="en-US">
+              <a:rPr lang="en-US" dirty="0">
                 <a:sym typeface="Wingdings" panose="05000000000000000000" pitchFamily="2" charset="2"/>
               </a:rPr>
               <a:t> greedy-</a:t>
             </a:r>
             <a:r>
-              <a:rPr lang="en-US" err="1">
+              <a:rPr lang="en-US" dirty="0" err="1">
                 <a:sym typeface="Wingdings" panose="05000000000000000000" pitchFamily="2" charset="2"/>
               </a:rPr>
               <a:t>Funktionsweise</a:t>
             </a:r>
             <a:r>
-              <a:rPr lang="en-US">
+              <a:rPr lang="en-US" dirty="0">
                 <a:sym typeface="Wingdings" panose="05000000000000000000" pitchFamily="2" charset="2"/>
               </a:rPr>
               <a:t> (Wahl des </a:t>
             </a:r>
             <a:br>
-              <a:rPr lang="en-US">
+              <a:rPr lang="en-US" dirty="0">
                 <a:sym typeface="Wingdings" panose="05000000000000000000" pitchFamily="2" charset="2"/>
               </a:rPr>
             </a:br>
             <a:r>
-              <a:rPr lang="en-US">
+              <a:rPr lang="en-US" dirty="0">
                 <a:sym typeface="Wingdings" panose="05000000000000000000" pitchFamily="2" charset="2"/>
               </a:rPr>
               <a:t>“Next Most Promising Vertex”) des </a:t>
             </a:r>
             <a:r>
-              <a:rPr lang="en-US" err="1">
+              <a:rPr lang="en-US" dirty="0" err="1">
                 <a:sym typeface="Wingdings" panose="05000000000000000000" pitchFamily="2" charset="2"/>
               </a:rPr>
               <a:t>Algorithmus</a:t>
             </a:r>
-            <a:endParaRPr lang="en-US">
+            <a:endParaRPr lang="en-US" dirty="0">
               <a:sym typeface="Wingdings" panose="05000000000000000000" pitchFamily="2" charset="2"/>
             </a:endParaRPr>
           </a:p>
           <a:p>
             <a:pPr lvl="1"/>
             <a:r>
-              <a:rPr lang="en-US" err="1">
+              <a:rPr lang="en-US" dirty="0" err="1">
                 <a:sym typeface="Wingdings" panose="05000000000000000000" pitchFamily="2" charset="2"/>
               </a:rPr>
               <a:t>Funktioniert</a:t>
             </a:r>
             <a:r>
-              <a:rPr lang="en-US">
+              <a:rPr lang="en-US" dirty="0">
                 <a:sym typeface="Wingdings" panose="05000000000000000000" pitchFamily="2" charset="2"/>
               </a:rPr>
               <a:t> </a:t>
             </a:r>
             <a:r>
-              <a:rPr lang="en-US" err="1">
+              <a:rPr lang="en-US" dirty="0" err="1">
                 <a:sym typeface="Wingdings" panose="05000000000000000000" pitchFamily="2" charset="2"/>
               </a:rPr>
               <a:t>für</a:t>
             </a:r>
             <a:r>
-              <a:rPr lang="en-US">
+              <a:rPr lang="en-US" dirty="0">
                 <a:sym typeface="Wingdings" panose="05000000000000000000" pitchFamily="2" charset="2"/>
               </a:rPr>
               <a:t> directed und undirected Graphs</a:t>
@@ -9313,7 +9368,7 @@
         </p:blipFill>
         <p:spPr>
           <a:xfrm>
-            <a:off x="8538838" y="1620000"/>
+            <a:off x="8538838" y="1853181"/>
             <a:ext cx="3151638" cy="3151638"/>
           </a:xfrm>
           <a:prstGeom prst="rect">
@@ -9856,23 +9911,123 @@
           <a:p>
             <a:pPr lvl="0"/>
             <a:r>
-              <a:rPr lang="en-US"/>
-              <a:t>First level</a:t>
+              <a:rPr lang="en-US" dirty="0" err="1"/>
+              <a:t>Ineffizienz</a:t>
+            </a:r>
+            <a:r>
+              <a:rPr lang="en-US" dirty="0"/>
+              <a:t> von Dijkstra</a:t>
             </a:r>
           </a:p>
           <a:p>
             <a:pPr lvl="1"/>
             <a:r>
-              <a:rPr lang="en-US"/>
-              <a:t>Second level</a:t>
-            </a:r>
-          </a:p>
-          <a:p>
-            <a:pPr lvl="2"/>
-            <a:r>
-              <a:rPr lang="en-US"/>
-              <a:t>Third level</a:t>
-            </a:r>
+              <a:rPr lang="de-DE" dirty="0"/>
+              <a:t>Dijkstra‘s Algorithm verarbeitet jede</a:t>
+            </a:r>
+          </a:p>
+          <a:p>
+            <a:pPr marL="0" lvl="1" indent="0">
+              <a:buNone/>
+            </a:pPr>
+            <a:r>
+              <a:rPr lang="de-DE" dirty="0"/>
+              <a:t>   vielversprechendste Edge der Reihe nach</a:t>
+            </a:r>
+          </a:p>
+          <a:p>
+            <a:r>
+              <a:rPr lang="en-US" dirty="0" err="1"/>
+              <a:t>Heuristik</a:t>
+            </a:r>
+            <a:endParaRPr lang="en-US" dirty="0"/>
+          </a:p>
+          <a:p>
+            <a:pPr lvl="1"/>
+            <a:r>
+              <a:rPr lang="en-US" dirty="0"/>
+              <a:t>Bei </a:t>
+            </a:r>
+            <a:r>
+              <a:rPr lang="en-US" dirty="0" err="1"/>
+              <a:t>jedem</a:t>
+            </a:r>
+            <a:r>
+              <a:rPr lang="en-US" dirty="0"/>
+              <a:t> Schritt </a:t>
+            </a:r>
+            <a:r>
+              <a:rPr lang="en-US" dirty="0" err="1"/>
+              <a:t>wird</a:t>
+            </a:r>
+            <a:r>
+              <a:rPr lang="en-US" dirty="0"/>
+              <a:t> </a:t>
+            </a:r>
+            <a:r>
+              <a:rPr lang="en-US" dirty="0" err="1"/>
+              <a:t>vorausgeplant</a:t>
+            </a:r>
+            <a:r>
+              <a:rPr lang="en-US" dirty="0"/>
+              <a:t>, </a:t>
+            </a:r>
+          </a:p>
+          <a:p>
+            <a:pPr marL="0" lvl="1" indent="0">
+              <a:buNone/>
+            </a:pPr>
+            <a:r>
+              <a:rPr lang="en-US" dirty="0"/>
+              <a:t>   </a:t>
+            </a:r>
+            <a:r>
+              <a:rPr lang="en-US" dirty="0" err="1"/>
+              <a:t>damit</a:t>
+            </a:r>
+            <a:r>
+              <a:rPr lang="en-US" dirty="0"/>
+              <a:t> </a:t>
+            </a:r>
+            <a:r>
+              <a:rPr lang="en-US" dirty="0" err="1"/>
+              <a:t>optimalere</a:t>
+            </a:r>
+            <a:r>
+              <a:rPr lang="en-US" dirty="0"/>
+              <a:t> </a:t>
+            </a:r>
+            <a:r>
+              <a:rPr lang="en-US" dirty="0" err="1"/>
+              <a:t>Entscheidung</a:t>
+            </a:r>
+            <a:r>
+              <a:rPr lang="en-US" dirty="0"/>
+              <a:t> </a:t>
+            </a:r>
+            <a:r>
+              <a:rPr lang="en-US" dirty="0" err="1"/>
+              <a:t>getroffen</a:t>
+            </a:r>
+            <a:r>
+              <a:rPr lang="en-US" dirty="0"/>
+              <a:t> </a:t>
+            </a:r>
+            <a:r>
+              <a:rPr lang="en-US" dirty="0" err="1"/>
+              <a:t>werden</a:t>
+            </a:r>
+            <a:endParaRPr lang="en-US" dirty="0"/>
+          </a:p>
+          <a:p>
+            <a:pPr lvl="1"/>
+            <a:endParaRPr lang="en-US" dirty="0"/>
+          </a:p>
+          <a:p>
+            <a:pPr marL="0" lvl="1" indent="0">
+              <a:buNone/>
+            </a:pPr>
+            <a:endParaRPr lang="en-US" dirty="0"/>
           </a:p>
         </p:txBody>
       </p:sp>
@@ -9918,6 +10073,36 @@
           </a:p>
         </p:txBody>
       </p:sp>
+      <p:pic>
+        <p:nvPicPr>
+          <p:cNvPr id="3" name="Picture 2">
+            <a:extLst>
+              <a:ext uri="{FF2B5EF4-FFF2-40B4-BE49-F238E27FC236}">
+                <a16:creationId xmlns:a16="http://schemas.microsoft.com/office/drawing/2014/main" id="{C773EC50-4830-433E-97E7-9E19D698E1AC}"/>
+              </a:ext>
+            </a:extLst>
+          </p:cNvPr>
+          <p:cNvPicPr>
+            <a:picLocks noChangeAspect="1"/>
+          </p:cNvPicPr>
+          <p:nvPr/>
+        </p:nvPicPr>
+        <p:blipFill>
+          <a:blip r:embed="rId2"/>
+          <a:stretch>
+            <a:fillRect/>
+          </a:stretch>
+        </p:blipFill>
+        <p:spPr>
+          <a:xfrm>
+            <a:off x="7751928" y="767729"/>
+            <a:ext cx="2191634" cy="5322541"/>
+          </a:xfrm>
+          <a:prstGeom prst="rect">
+            <a:avLst/>
+          </a:prstGeom>
+        </p:spPr>
+      </p:pic>
     </p:spTree>
     <p:extLst>
       <p:ext uri="{BB962C8B-B14F-4D97-AF65-F5344CB8AC3E}">
@@ -9948,6 +10133,587 @@
           <a:chExt cx="0" cy="0"/>
         </a:xfrm>
       </p:grpSpPr>
+      <mc:AlternateContent xmlns:mc="http://schemas.openxmlformats.org/markup-compatibility/2006">
+        <mc:Choice xmlns:a14="http://schemas.microsoft.com/office/drawing/2010/main" Requires="a14">
+          <p:sp>
+            <p:nvSpPr>
+              <p:cNvPr id="11" name="Text Placeholder"/>
+              <p:cNvSpPr>
+                <a:spLocks noGrp="1"/>
+              </p:cNvSpPr>
+              <p:nvPr>
+                <p:ph type="body" sz="quarter" idx="10"/>
+              </p:nvPr>
+            </p:nvSpPr>
+            <p:spPr/>
+            <p:txBody>
+              <a:bodyPr/>
+              <a:lstStyle/>
+              <a:p>
+                <a:pPr lvl="0"/>
+                <a:r>
+                  <a:rPr lang="en-US" dirty="0"/>
+                  <a:t>Manhatten </a:t>
+                </a:r>
+                <a:r>
+                  <a:rPr lang="en-US" dirty="0" err="1"/>
+                  <a:t>Distanz</a:t>
+                </a:r>
+                <a:endParaRPr lang="en-US" dirty="0"/>
+              </a:p>
+              <a:p>
+                <a:pPr lvl="1"/>
+                <a:r>
+                  <a:rPr lang="de-DE" dirty="0"/>
+                  <a:t>Berechnung </a:t>
+                </a:r>
+                <a:r>
+                  <a:rPr lang="en-US" dirty="0"/>
+                  <a:t>des </a:t>
+                </a:r>
+                <a:r>
+                  <a:rPr lang="en-US" dirty="0" err="1"/>
+                  <a:t>absoluten</a:t>
+                </a:r>
+                <a:r>
+                  <a:rPr lang="en-US" dirty="0"/>
+                  <a:t> </a:t>
+                </a:r>
+                <a:r>
+                  <a:rPr lang="en-US" dirty="0" err="1"/>
+                  <a:t>Abstandes</a:t>
+                </a:r>
+                <a:r>
+                  <a:rPr lang="en-US" dirty="0"/>
+                  <a:t> von </a:t>
+                </a:r>
+                <a:r>
+                  <a:rPr lang="en-US" dirty="0" err="1"/>
+                  <a:t>einer</a:t>
+                </a:r>
+                <a:r>
+                  <a:rPr lang="en-US" dirty="0"/>
+                  <a:t> Edge </a:t>
+                </a:r>
+                <a:r>
+                  <a:rPr lang="en-US" dirty="0" err="1"/>
+                  <a:t>zur</a:t>
+                </a:r>
+                <a:r>
+                  <a:rPr lang="en-US" dirty="0"/>
+                  <a:t> Destination Edge</a:t>
+                </a:r>
+              </a:p>
+              <a:p>
+                <a:pPr lvl="1"/>
+                <a14:m>
+                  <m:oMath xmlns:m="http://schemas.openxmlformats.org/officeDocument/2006/math">
+                    <m:r>
+                      <a:rPr lang="en-US" b="0" i="1" smtClean="0">
+                        <a:latin typeface="Cambria Math" panose="02040503050406030204" pitchFamily="18" charset="0"/>
+                      </a:rPr>
+                      <m:t>h</m:t>
+                    </m:r>
+                    <m:r>
+                      <a:rPr lang="en-US" b="0" i="1" smtClean="0">
+                        <a:latin typeface="Cambria Math" panose="02040503050406030204" pitchFamily="18" charset="0"/>
+                      </a:rPr>
+                      <m:t>= </m:t>
+                    </m:r>
+                    <m:r>
+                      <a:rPr lang="en-DE" smtClean="0"/>
+                      <m:t>∣</m:t>
+                    </m:r>
+                    <m:r>
+                      <a:rPr lang="en-DE" i="1"/>
+                      <m:t>𝑥𝑠𝑡𝑎𝑟𝑡</m:t>
+                    </m:r>
+                    <m:r>
+                      <a:rPr lang="en-DE"/>
+                      <m:t>​</m:t>
+                    </m:r>
+                    <m:r>
+                      <a:rPr lang="en-DE" i="1"/>
+                      <m:t>−</m:t>
+                    </m:r>
+                    <m:r>
+                      <a:rPr lang="en-DE" i="1"/>
+                      <m:t>𝑥𝑑𝑒𝑠𝑡𝑖𝑛𝑎𝑡𝑖𝑜𝑛</m:t>
+                    </m:r>
+                    <m:r>
+                      <a:rPr lang="en-DE"/>
+                      <m:t>​∣+</m:t>
+                    </m:r>
+                    <m:r>
+                      <a:rPr lang="en-US" b="0" i="0" smtClean="0">
+                        <a:latin typeface="Cambria Math" panose="02040503050406030204" pitchFamily="18" charset="0"/>
+                      </a:rPr>
+                      <m:t> </m:t>
+                    </m:r>
+                    <m:r>
+                      <a:rPr lang="en-DE"/>
+                      <m:t>∣</m:t>
+                    </m:r>
+                    <m:r>
+                      <a:rPr lang="en-DE" i="1"/>
+                      <m:t>𝑦𝑠𝑡𝑎𝑟𝑡</m:t>
+                    </m:r>
+                    <m:r>
+                      <a:rPr lang="en-DE"/>
+                      <m:t>​</m:t>
+                    </m:r>
+                    <m:r>
+                      <a:rPr lang="en-DE" i="1"/>
+                      <m:t>−</m:t>
+                    </m:r>
+                    <m:r>
+                      <a:rPr lang="en-DE" i="1"/>
+                      <m:t>𝑦𝑑𝑒𝑠𝑡𝑖𝑛𝑎𝑡𝑖𝑜𝑛</m:t>
+                    </m:r>
+                    <m:r>
+                      <a:rPr lang="en-DE"/>
+                      <m:t>​∣</m:t>
+                    </m:r>
+                  </m:oMath>
+                </a14:m>
+                <a:endParaRPr lang="en-US" dirty="0"/>
+              </a:p>
+              <a:p>
+                <a:r>
+                  <a:rPr lang="en-US" dirty="0" err="1"/>
+                  <a:t>Euklidische</a:t>
+                </a:r>
+                <a:r>
+                  <a:rPr lang="en-US" dirty="0"/>
+                  <a:t> </a:t>
+                </a:r>
+                <a:r>
+                  <a:rPr lang="en-US" dirty="0" err="1"/>
+                  <a:t>Distanz</a:t>
+                </a:r>
+                <a:endParaRPr lang="en-US" dirty="0"/>
+              </a:p>
+              <a:p>
+                <a:pPr lvl="1"/>
+                <a:r>
+                  <a:rPr lang="en-US" dirty="0" err="1"/>
+                  <a:t>Genauer</a:t>
+                </a:r>
+                <a:r>
+                  <a:rPr lang="en-US" dirty="0"/>
+                  <a:t> </a:t>
+                </a:r>
+                <a:r>
+                  <a:rPr lang="en-US" dirty="0" err="1"/>
+                  <a:t>als</a:t>
+                </a:r>
+                <a:r>
+                  <a:rPr lang="en-US" dirty="0"/>
+                  <a:t> die </a:t>
+                </a:r>
+                <a:r>
+                  <a:rPr lang="en-US" dirty="0" err="1"/>
+                  <a:t>Manhatten</a:t>
+                </a:r>
+                <a:r>
+                  <a:rPr lang="en-US" dirty="0"/>
+                  <a:t> </a:t>
+                </a:r>
+                <a:r>
+                  <a:rPr lang="en-US" dirty="0" err="1"/>
+                  <a:t>Distanz</a:t>
+                </a:r>
+                <a:r>
+                  <a:rPr lang="en-US" dirty="0"/>
+                  <a:t>, </a:t>
+                </a:r>
+                <a:r>
+                  <a:rPr lang="en-US" dirty="0" err="1"/>
+                  <a:t>aber</a:t>
+                </a:r>
+                <a:r>
+                  <a:rPr lang="en-US" dirty="0"/>
+                  <a:t> </a:t>
+                </a:r>
+                <a:r>
+                  <a:rPr lang="en-US" dirty="0" err="1"/>
+                  <a:t>langsamer</a:t>
+                </a:r>
+                <a:r>
+                  <a:rPr lang="en-US" dirty="0"/>
+                  <a:t>, </a:t>
+                </a:r>
+              </a:p>
+              <a:p>
+                <a:pPr marL="0" lvl="1" indent="0">
+                  <a:buNone/>
+                </a:pPr>
+                <a:r>
+                  <a:rPr lang="en-US" dirty="0"/>
+                  <a:t>   da </a:t>
+                </a:r>
+                <a:r>
+                  <a:rPr lang="en-US" dirty="0" err="1"/>
+                  <a:t>ein</a:t>
+                </a:r>
+                <a:r>
+                  <a:rPr lang="en-US" dirty="0"/>
+                  <a:t> </a:t>
+                </a:r>
+                <a:r>
+                  <a:rPr lang="en-US" dirty="0" err="1"/>
+                  <a:t>größeres</a:t>
+                </a:r>
+                <a:r>
+                  <a:rPr lang="en-US" dirty="0"/>
+                  <a:t> </a:t>
+                </a:r>
+                <a:r>
+                  <a:rPr lang="en-US" dirty="0" err="1"/>
+                  <a:t>Gebiet</a:t>
+                </a:r>
+                <a:r>
+                  <a:rPr lang="en-US" dirty="0"/>
+                  <a:t> </a:t>
+                </a:r>
+                <a:r>
+                  <a:rPr lang="en-US" dirty="0" err="1"/>
+                  <a:t>erkundet</a:t>
+                </a:r>
+                <a:r>
+                  <a:rPr lang="en-US" dirty="0"/>
+                  <a:t> </a:t>
+                </a:r>
+                <a:r>
+                  <a:rPr lang="en-US" dirty="0" err="1"/>
+                  <a:t>werden</a:t>
+                </a:r>
+                <a:r>
+                  <a:rPr lang="en-US" dirty="0"/>
+                  <a:t> muss</a:t>
+                </a:r>
+              </a:p>
+              <a:p>
+                <a:pPr lvl="1"/>
+                <a:r>
+                  <a:rPr lang="en-US" dirty="0" err="1"/>
+                  <a:t>Bevorzugt</a:t>
+                </a:r>
+                <a:r>
+                  <a:rPr lang="en-US" dirty="0"/>
+                  <a:t> </a:t>
+                </a:r>
+                <a:r>
+                  <a:rPr lang="en-US" dirty="0" err="1"/>
+                  <a:t>einen</a:t>
+                </a:r>
+                <a:r>
+                  <a:rPr lang="en-US" dirty="0"/>
+                  <a:t> </a:t>
+                </a:r>
+                <a:r>
+                  <a:rPr lang="en-US" dirty="0" err="1"/>
+                  <a:t>Pfad</a:t>
+                </a:r>
+                <a:r>
+                  <a:rPr lang="en-US" dirty="0"/>
+                  <a:t> </a:t>
+                </a:r>
+                <a:r>
+                  <a:rPr lang="en-US" dirty="0" err="1"/>
+                  <a:t>entlang</a:t>
+                </a:r>
+                <a:r>
+                  <a:rPr lang="en-US" dirty="0"/>
+                  <a:t> </a:t>
+                </a:r>
+                <a:r>
+                  <a:rPr lang="en-US" dirty="0" err="1"/>
+                  <a:t>einer</a:t>
+                </a:r>
+                <a:r>
+                  <a:rPr lang="en-US" dirty="0"/>
+                  <a:t> </a:t>
+                </a:r>
+                <a:r>
+                  <a:rPr lang="en-US" dirty="0" err="1"/>
+                  <a:t>Linie</a:t>
+                </a:r>
+                <a:endParaRPr lang="en-US" dirty="0"/>
+              </a:p>
+              <a:p>
+                <a:pPr lvl="1"/>
+                <a14:m>
+                  <m:oMath xmlns:m="http://schemas.openxmlformats.org/officeDocument/2006/math">
+                    <m:r>
+                      <a:rPr lang="en-US" b="0" i="1" smtClean="0">
+                        <a:latin typeface="Cambria Math" panose="02040503050406030204" pitchFamily="18" charset="0"/>
+                      </a:rPr>
+                      <m:t>h</m:t>
+                    </m:r>
+                    <m:r>
+                      <a:rPr lang="en-US" b="0" i="1" smtClean="0">
+                        <a:latin typeface="Cambria Math" panose="02040503050406030204" pitchFamily="18" charset="0"/>
+                      </a:rPr>
+                      <m:t>= </m:t>
+                    </m:r>
+                    <m:rad>
+                      <m:radPr>
+                        <m:degHide m:val="on"/>
+                        <m:ctrlPr>
+                          <a:rPr lang="en-US" b="0" i="1" smtClean="0">
+                            <a:latin typeface="Cambria Math" panose="02040503050406030204" pitchFamily="18" charset="0"/>
+                          </a:rPr>
+                        </m:ctrlPr>
+                      </m:radPr>
+                      <m:deg/>
+                      <m:e>
+                        <m:sSup>
+                          <m:sSupPr>
+                            <m:ctrlPr>
+                              <a:rPr lang="en-US" b="0" i="1" smtClean="0">
+                                <a:latin typeface="Cambria Math" panose="02040503050406030204" pitchFamily="18" charset="0"/>
+                              </a:rPr>
+                            </m:ctrlPr>
+                          </m:sSupPr>
+                          <m:e>
+                            <m:r>
+                              <a:rPr lang="en-US" b="0" i="1" smtClean="0">
+                                <a:latin typeface="Cambria Math" panose="02040503050406030204" pitchFamily="18" charset="0"/>
+                              </a:rPr>
+                              <m:t>(</m:t>
+                            </m:r>
+                            <m:r>
+                              <a:rPr lang="en-US" b="0" i="1" smtClean="0">
+                                <a:latin typeface="Cambria Math" panose="02040503050406030204" pitchFamily="18" charset="0"/>
+                              </a:rPr>
+                              <m:t>𝑥𝑠𝑡𝑎𝑟𝑡</m:t>
+                            </m:r>
+                            <m:r>
+                              <a:rPr lang="en-US" b="0" i="1" smtClean="0">
+                                <a:latin typeface="Cambria Math" panose="02040503050406030204" pitchFamily="18" charset="0"/>
+                              </a:rPr>
+                              <m:t> −</m:t>
+                            </m:r>
+                            <m:r>
+                              <a:rPr lang="en-US" b="0" i="1" smtClean="0">
+                                <a:latin typeface="Cambria Math" panose="02040503050406030204" pitchFamily="18" charset="0"/>
+                              </a:rPr>
+                              <m:t>𝑥𝑑𝑒𝑠𝑡𝑖𝑛𝑎𝑡𝑖𝑜𝑛</m:t>
+                            </m:r>
+                            <m:r>
+                              <a:rPr lang="en-US" b="0" i="1" smtClean="0">
+                                <a:latin typeface="Cambria Math" panose="02040503050406030204" pitchFamily="18" charset="0"/>
+                              </a:rPr>
+                              <m:t>)</m:t>
+                            </m:r>
+                          </m:e>
+                          <m:sup>
+                            <m:r>
+                              <a:rPr lang="en-US" b="0" i="1" smtClean="0">
+                                <a:latin typeface="Cambria Math" panose="02040503050406030204" pitchFamily="18" charset="0"/>
+                              </a:rPr>
+                              <m:t>2</m:t>
+                            </m:r>
+                          </m:sup>
+                        </m:sSup>
+                        <m:r>
+                          <a:rPr lang="en-US" b="0" i="1" smtClean="0">
+                            <a:latin typeface="Cambria Math" panose="02040503050406030204" pitchFamily="18" charset="0"/>
+                          </a:rPr>
+                          <m:t> + </m:t>
+                        </m:r>
+                        <m:sSup>
+                          <m:sSupPr>
+                            <m:ctrlPr>
+                              <a:rPr lang="en-US" b="0" i="1" smtClean="0">
+                                <a:latin typeface="Cambria Math" panose="02040503050406030204" pitchFamily="18" charset="0"/>
+                              </a:rPr>
+                            </m:ctrlPr>
+                          </m:sSupPr>
+                          <m:e>
+                            <m:r>
+                              <a:rPr lang="en-US" b="0" i="1" smtClean="0">
+                                <a:latin typeface="Cambria Math" panose="02040503050406030204" pitchFamily="18" charset="0"/>
+                              </a:rPr>
+                              <m:t>(</m:t>
+                            </m:r>
+                            <m:r>
+                              <a:rPr lang="en-US" b="0" i="1" smtClean="0">
+                                <a:latin typeface="Cambria Math" panose="02040503050406030204" pitchFamily="18" charset="0"/>
+                              </a:rPr>
+                              <m:t>𝑦𝑠𝑡𝑎𝑟𝑡</m:t>
+                            </m:r>
+                            <m:r>
+                              <a:rPr lang="en-US" b="0" i="1" smtClean="0">
+                                <a:latin typeface="Cambria Math" panose="02040503050406030204" pitchFamily="18" charset="0"/>
+                              </a:rPr>
+                              <m:t> −</m:t>
+                            </m:r>
+                            <m:r>
+                              <a:rPr lang="en-US" b="0" i="1" smtClean="0">
+                                <a:latin typeface="Cambria Math" panose="02040503050406030204" pitchFamily="18" charset="0"/>
+                              </a:rPr>
+                              <m:t>𝑦𝑑𝑒𝑠𝑡𝑖𝑛𝑎𝑡𝑖𝑜𝑛</m:t>
+                            </m:r>
+                            <m:r>
+                              <a:rPr lang="en-US" b="0" i="1" smtClean="0">
+                                <a:latin typeface="Cambria Math" panose="02040503050406030204" pitchFamily="18" charset="0"/>
+                              </a:rPr>
+                              <m:t>)</m:t>
+                            </m:r>
+                          </m:e>
+                          <m:sup>
+                            <m:r>
+                              <a:rPr lang="en-US" b="0" i="1" smtClean="0">
+                                <a:latin typeface="Cambria Math" panose="02040503050406030204" pitchFamily="18" charset="0"/>
+                              </a:rPr>
+                              <m:t>2</m:t>
+                            </m:r>
+                          </m:sup>
+                        </m:sSup>
+                        <m:r>
+                          <a:rPr lang="en-US" b="0" i="1" smtClean="0">
+                            <a:latin typeface="Cambria Math" panose="02040503050406030204" pitchFamily="18" charset="0"/>
+                          </a:rPr>
+                          <m:t> </m:t>
+                        </m:r>
+                      </m:e>
+                    </m:rad>
+                  </m:oMath>
+                </a14:m>
+                <a:endParaRPr lang="en-US" dirty="0"/>
+              </a:p>
+              <a:p>
+                <a:pPr marL="0" lvl="1" indent="0">
+                  <a:buNone/>
+                </a:pPr>
+                <a14:m/>
+              </a:p>
+              <a:p>
+                <a:pPr marL="0" lvl="1" indent="0">
+                  <a:buNone/>
+                </a:pPr>
+                <a:br>
+                  <a:rPr lang="en-US" dirty="0"/>
+                </a:br>
+                <a:endParaRPr lang="en-US" dirty="0"/>
+              </a:p>
+              <a:p>
+                <a:pPr marL="0" lvl="1" indent="0">
+                  <a:buNone/>
+                </a:pPr>
+                <a:endParaRPr lang="en-US" dirty="0"/>
+              </a:p>
+            </p:txBody>
+          </p:sp>
+        </mc:Choice>
+        <mc:Fallback>
+          <p:sp>
+            <p:nvSpPr>
+              <p:cNvPr id="11" name="Text Placeholder"/>
+              <p:cNvSpPr>
+                <a:spLocks noGrp="1" noRot="1" noChangeAspect="1" noMove="1" noResize="1" noEditPoints="1" noAdjustHandles="1" noChangeArrowheads="1" noChangeShapeType="1" noTextEdit="1"/>
+              </p:cNvSpPr>
+              <p:nvPr>
+                <p:ph type="body" sz="quarter" idx="10"/>
+              </p:nvPr>
+            </p:nvSpPr>
+            <p:spPr>
+              <a:blipFill>
+                <a:blip r:embed="rId2"/>
+                <a:stretch>
+                  <a:fillRect l="-1417" t="-1552"/>
+                </a:stretch>
+              </a:blipFill>
+            </p:spPr>
+            <p:txBody>
+              <a:bodyPr/>
+              <a:lstStyle/>
+              <a:p>
+                <a:r>
+                  <a:rPr lang="en-DE">
+                    <a:noFill/>
+                  </a:rPr>
+                  <a:t> </a:t>
+                </a:r>
+              </a:p>
+            </p:txBody>
+          </p:sp>
+        </mc:Fallback>
+      </mc:AlternateContent>
+      <p:sp>
+        <p:nvSpPr>
+          <p:cNvPr id="4" name="Title"/>
+          <p:cNvSpPr>
+            <a:spLocks noGrp="1"/>
+          </p:cNvSpPr>
+          <p:nvPr>
+            <p:ph type="title"/>
+          </p:nvPr>
+        </p:nvSpPr>
+        <p:spPr>
+          <a:xfrm>
+            <a:off x="504001" y="504000"/>
+            <a:ext cx="11186476" cy="677108"/>
+          </a:xfrm>
+        </p:spPr>
+        <p:txBody>
+          <a:bodyPr/>
+          <a:lstStyle/>
+          <a:p>
+            <a:r>
+              <a:rPr lang="en-US" err="1"/>
+              <a:t>Erweiterung</a:t>
+            </a:r>
+            <a:r>
+              <a:rPr lang="en-US"/>
+              <a:t> von Dijkstra’s Algorithm</a:t>
+            </a:r>
+            <a:br>
+              <a:rPr lang="en-US"/>
+            </a:br>
+            <a:r>
+              <a:rPr lang="en-US" sz="2000" b="0">
+                <a:solidFill>
+                  <a:schemeClr val="accent1"/>
+                </a:solidFill>
+              </a:rPr>
+              <a:t>A* Search</a:t>
+            </a:r>
+          </a:p>
+        </p:txBody>
+      </p:sp>
+    </p:spTree>
+    <p:extLst>
+      <p:ext uri="{BB962C8B-B14F-4D97-AF65-F5344CB8AC3E}">
+        <p14:creationId xmlns:p14="http://schemas.microsoft.com/office/powerpoint/2010/main" val="1242600562"/>
+      </p:ext>
+    </p:extLst>
+  </p:cSld>
+  <p:clrMapOvr>
+    <a:masterClrMapping/>
+  </p:clrMapOvr>
+</p:sld>
+</file>
+
+<file path=ppt/slides/slide18.xml><?xml version="1.0" encoding="utf-8"?>
+<p:sld xmlns:a="http://schemas.openxmlformats.org/drawingml/2006/main" xmlns:r="http://schemas.openxmlformats.org/officeDocument/2006/relationships" xmlns:p="http://schemas.openxmlformats.org/presentationml/2006/main">
+  <p:cSld>
+    <p:spTree>
+      <p:nvGrpSpPr>
+        <p:cNvPr id="1" name=""/>
+        <p:cNvGrpSpPr/>
+        <p:nvPr/>
+      </p:nvGrpSpPr>
+      <p:grpSpPr>
+        <a:xfrm>
+          <a:off x="0" y="0"/>
+          <a:ext cx="0" cy="0"/>
+          <a:chOff x="0" y="0"/>
+          <a:chExt cx="0" cy="0"/>
+        </a:xfrm>
+      </p:grpSpPr>
       <p:sp>
         <p:nvSpPr>
           <p:cNvPr id="11" name="Text Placeholder"/>
@@ -10033,7 +10799,7 @@
 </p:sld>
 </file>
 
-<file path=ppt/slides/slide18.xml><?xml version="1.0" encoding="utf-8"?>
+<file path=ppt/slides/slide19.xml><?xml version="1.0" encoding="utf-8"?>
 <p:sld xmlns:a="http://schemas.openxmlformats.org/drawingml/2006/main" xmlns:r="http://schemas.openxmlformats.org/officeDocument/2006/relationships" xmlns:p="http://schemas.openxmlformats.org/presentationml/2006/main">
   <p:cSld>
     <p:spTree>
@@ -10084,82 +10850,6 @@
     <p:extLst>
       <p:ext uri="{BB962C8B-B14F-4D97-AF65-F5344CB8AC3E}">
         <p14:creationId xmlns:p14="http://schemas.microsoft.com/office/powerpoint/2010/main" val="418140978"/>
-      </p:ext>
-    </p:extLst>
-  </p:cSld>
-  <p:clrMapOvr>
-    <a:masterClrMapping/>
-  </p:clrMapOvr>
-</p:sld>
-</file>
-
-<file path=ppt/slides/slide19.xml><?xml version="1.0" encoding="utf-8"?>
-<p:sld xmlns:a="http://schemas.openxmlformats.org/drawingml/2006/main" xmlns:r="http://schemas.openxmlformats.org/officeDocument/2006/relationships" xmlns:p="http://schemas.openxmlformats.org/presentationml/2006/main">
-  <p:cSld>
-    <p:spTree>
-      <p:nvGrpSpPr>
-        <p:cNvPr id="1" name=""/>
-        <p:cNvGrpSpPr/>
-        <p:nvPr/>
-      </p:nvGrpSpPr>
-      <p:grpSpPr>
-        <a:xfrm>
-          <a:off x="0" y="0"/>
-          <a:ext cx="0" cy="0"/>
-          <a:chOff x="0" y="0"/>
-          <a:chExt cx="0" cy="0"/>
-        </a:xfrm>
-      </p:grpSpPr>
-      <p:sp>
-        <p:nvSpPr>
-          <p:cNvPr id="2" name="Quote placeholder"/>
-          <p:cNvSpPr>
-            <a:spLocks noGrp="1"/>
-          </p:cNvSpPr>
-          <p:nvPr>
-            <p:ph type="body" sz="quarter" idx="10"/>
-          </p:nvPr>
-        </p:nvSpPr>
-        <p:spPr/>
-        <p:txBody>
-          <a:bodyPr/>
-          <a:lstStyle/>
-          <a:p>
-            <a:pPr lvl="0"/>
-            <a:r>
-              <a:rPr lang="en-US"/>
-              <a:t>“For the absence of a bibliography I offer </a:t>
-            </a:r>
-            <a:r>
-              <a:rPr lang="en-US">
-                <a:solidFill>
-                  <a:schemeClr val="accent1"/>
-                </a:solidFill>
-              </a:rPr>
-              <a:t>neither explanation nor apology</a:t>
-            </a:r>
-            <a:r>
-              <a:rPr lang="en-US"/>
-              <a:t>.”</a:t>
-            </a:r>
-          </a:p>
-          <a:p>
-            <a:pPr lvl="1"/>
-            <a:r>
-              <a:rPr lang="en-US" err="1"/>
-              <a:t>Edsger</a:t>
-            </a:r>
-            <a:r>
-              <a:rPr lang="en-US"/>
-              <a:t> W. Dijkstra</a:t>
-            </a:r>
-          </a:p>
-        </p:txBody>
-      </p:sp>
-    </p:spTree>
-    <p:extLst>
-      <p:ext uri="{BB962C8B-B14F-4D97-AF65-F5344CB8AC3E}">
-        <p14:creationId xmlns:p14="http://schemas.microsoft.com/office/powerpoint/2010/main" val="1801416843"/>
       </p:ext>
     </p:extLst>
   </p:cSld>
@@ -10327,6 +11017,82 @@
       </p:grpSpPr>
       <p:sp>
         <p:nvSpPr>
+          <p:cNvPr id="2" name="Quote placeholder"/>
+          <p:cNvSpPr>
+            <a:spLocks noGrp="1"/>
+          </p:cNvSpPr>
+          <p:nvPr>
+            <p:ph type="body" sz="quarter" idx="10"/>
+          </p:nvPr>
+        </p:nvSpPr>
+        <p:spPr/>
+        <p:txBody>
+          <a:bodyPr/>
+          <a:lstStyle/>
+          <a:p>
+            <a:pPr lvl="0"/>
+            <a:r>
+              <a:rPr lang="en-US"/>
+              <a:t>“For the absence of a bibliography I offer </a:t>
+            </a:r>
+            <a:r>
+              <a:rPr lang="en-US">
+                <a:solidFill>
+                  <a:schemeClr val="accent1"/>
+                </a:solidFill>
+              </a:rPr>
+              <a:t>neither explanation nor apology</a:t>
+            </a:r>
+            <a:r>
+              <a:rPr lang="en-US"/>
+              <a:t>.”</a:t>
+            </a:r>
+          </a:p>
+          <a:p>
+            <a:pPr lvl="1"/>
+            <a:r>
+              <a:rPr lang="en-US" err="1"/>
+              <a:t>Edsger</a:t>
+            </a:r>
+            <a:r>
+              <a:rPr lang="en-US"/>
+              <a:t> W. Dijkstra</a:t>
+            </a:r>
+          </a:p>
+        </p:txBody>
+      </p:sp>
+    </p:spTree>
+    <p:extLst>
+      <p:ext uri="{BB962C8B-B14F-4D97-AF65-F5344CB8AC3E}">
+        <p14:creationId xmlns:p14="http://schemas.microsoft.com/office/powerpoint/2010/main" val="1801416843"/>
+      </p:ext>
+    </p:extLst>
+  </p:cSld>
+  <p:clrMapOvr>
+    <a:masterClrMapping/>
+  </p:clrMapOvr>
+</p:sld>
+</file>
+
+<file path=ppt/slides/slide21.xml><?xml version="1.0" encoding="utf-8"?>
+<p:sld xmlns:a="http://schemas.openxmlformats.org/drawingml/2006/main" xmlns:r="http://schemas.openxmlformats.org/officeDocument/2006/relationships" xmlns:p="http://schemas.openxmlformats.org/presentationml/2006/main">
+  <p:cSld>
+    <p:spTree>
+      <p:nvGrpSpPr>
+        <p:cNvPr id="1" name=""/>
+        <p:cNvGrpSpPr/>
+        <p:nvPr/>
+      </p:nvGrpSpPr>
+      <p:grpSpPr>
+        <a:xfrm>
+          <a:off x="0" y="0"/>
+          <a:ext cx="0" cy="0"/>
+          <a:chOff x="0" y="0"/>
+          <a:chExt cx="0" cy="0"/>
+        </a:xfrm>
+      </p:grpSpPr>
+      <p:sp>
+        <p:nvSpPr>
           <p:cNvPr id="11" name="Text Placeholder"/>
           <p:cNvSpPr>
             <a:spLocks noGrp="1"/>
@@ -10403,7 +11169,7 @@
 </p:sld>
 </file>
 
-<file path=ppt/slides/slide21.xml><?xml version="1.0" encoding="utf-8"?>
+<file path=ppt/slides/slide22.xml><?xml version="1.0" encoding="utf-8"?>
 <p:sld xmlns:a="http://schemas.openxmlformats.org/drawingml/2006/main" xmlns:r="http://schemas.openxmlformats.org/officeDocument/2006/relationships" xmlns:p="http://schemas.openxmlformats.org/presentationml/2006/main">
   <p:cSld>
     <p:spTree>
@@ -10455,7 +11221,7 @@
 </p:sld>
 </file>
 
-<file path=ppt/slides/slide22.xml><?xml version="1.0" encoding="utf-8"?>
+<file path=ppt/slides/slide23.xml><?xml version="1.0" encoding="utf-8"?>
 <p:sld xmlns:a="http://schemas.openxmlformats.org/drawingml/2006/main" xmlns:r="http://schemas.openxmlformats.org/officeDocument/2006/relationships" xmlns:p="http://schemas.openxmlformats.org/presentationml/2006/main" show="0">
   <p:cSld>
     <p:spTree>
@@ -10481,7 +11247,7 @@
 </p:sld>
 </file>
 
-<file path=ppt/slides/slide23.xml><?xml version="1.0" encoding="utf-8"?>
+<file path=ppt/slides/slide24.xml><?xml version="1.0" encoding="utf-8"?>
 <p:sld xmlns:a="http://schemas.openxmlformats.org/drawingml/2006/main" xmlns:r="http://schemas.openxmlformats.org/officeDocument/2006/relationships" xmlns:p="http://schemas.openxmlformats.org/presentationml/2006/main" show="0">
   <p:cSld>
     <p:spTree>
@@ -10940,168 +11706,177 @@
           <a:p>
             <a:pPr lvl="0"/>
             <a:r>
-              <a:rPr lang="en-US"/>
+              <a:rPr lang="en-US" dirty="0"/>
               <a:t>Undirected Graphs</a:t>
             </a:r>
           </a:p>
           <a:p>
             <a:pPr lvl="1"/>
             <a:r>
-              <a:rPr lang="en-US"/>
+              <a:rPr lang="en-US" dirty="0"/>
               <a:t>Die Edges </a:t>
             </a:r>
             <a:r>
-              <a:rPr lang="en-US" err="1"/>
+              <a:rPr lang="en-US" dirty="0" err="1"/>
               <a:t>haben</a:t>
             </a:r>
             <a:r>
-              <a:rPr lang="en-US"/>
+              <a:rPr lang="en-US" dirty="0"/>
               <a:t> </a:t>
             </a:r>
             <a:r>
-              <a:rPr lang="en-US" err="1"/>
+              <a:rPr lang="en-US" dirty="0" err="1"/>
               <a:t>keine</a:t>
             </a:r>
             <a:r>
-              <a:rPr lang="en-US"/>
+              <a:rPr lang="en-US" dirty="0"/>
               <a:t> </a:t>
             </a:r>
             <a:r>
-              <a:rPr lang="en-US" err="1"/>
+              <a:rPr lang="en-US" dirty="0" err="1"/>
               <a:t>Orientierung</a:t>
             </a:r>
             <a:r>
-              <a:rPr lang="en-US"/>
+              <a:rPr lang="en-US" dirty="0"/>
               <a:t> </a:t>
             </a:r>
             <a:r>
-              <a:rPr lang="en-US" err="1"/>
+              <a:rPr lang="en-US" dirty="0" err="1"/>
               <a:t>oder</a:t>
             </a:r>
             <a:r>
-              <a:rPr lang="en-US"/>
+              <a:rPr lang="en-US" dirty="0"/>
               <a:t> </a:t>
             </a:r>
             <a:r>
-              <a:rPr lang="en-US" err="1"/>
+              <a:rPr lang="en-US" dirty="0" err="1"/>
               <a:t>Richtung</a:t>
             </a:r>
-            <a:endParaRPr lang="en-US"/>
+            <a:endParaRPr lang="en-US" dirty="0"/>
           </a:p>
           <a:p>
             <a:pPr lvl="1"/>
             <a:r>
-              <a:rPr lang="en-US"/>
+              <a:rPr lang="en-US" dirty="0"/>
               <a:t>Die Edge (u, v) </a:t>
             </a:r>
             <a:r>
-              <a:rPr lang="en-US" err="1"/>
+              <a:rPr lang="en-US" dirty="0" err="1"/>
               <a:t>ist</a:t>
             </a:r>
             <a:r>
-              <a:rPr lang="en-US"/>
+              <a:rPr lang="en-US" dirty="0"/>
               <a:t> </a:t>
             </a:r>
             <a:r>
-              <a:rPr lang="en-US" err="1"/>
+              <a:rPr lang="en-US" dirty="0" err="1"/>
               <a:t>identisch</a:t>
             </a:r>
             <a:r>
-              <a:rPr lang="en-US"/>
+              <a:rPr lang="en-US" dirty="0"/>
               <a:t> </a:t>
             </a:r>
             <a:r>
-              <a:rPr lang="en-US" err="1"/>
+              <a:rPr lang="en-US" dirty="0" err="1"/>
               <a:t>mit</a:t>
             </a:r>
             <a:r>
-              <a:rPr lang="en-US"/>
+              <a:rPr lang="en-US" dirty="0"/>
               <a:t> der </a:t>
             </a:r>
             <a:r>
-              <a:rPr lang="en-US" err="1"/>
+              <a:rPr lang="en-US" dirty="0" err="1"/>
               <a:t>Kante</a:t>
             </a:r>
             <a:r>
-              <a:rPr lang="en-US"/>
+              <a:rPr lang="en-US" dirty="0"/>
               <a:t> (v, u)</a:t>
             </a:r>
           </a:p>
           <a:p>
             <a:pPr lvl="1"/>
             <a:r>
-              <a:rPr lang="en-US"/>
+              <a:rPr lang="en-US" dirty="0"/>
               <a:t>Die Vertices </a:t>
             </a:r>
             <a:r>
-              <a:rPr lang="en-US" err="1"/>
+              <a:rPr lang="en-US" dirty="0" err="1"/>
               <a:t>könnten</a:t>
             </a:r>
             <a:r>
-              <a:rPr lang="en-US"/>
+              <a:rPr lang="en-US" dirty="0"/>
               <a:t> </a:t>
             </a:r>
             <a:r>
-              <a:rPr lang="en-US" err="1"/>
+              <a:rPr lang="en-US" dirty="0" err="1"/>
               <a:t>Städte</a:t>
             </a:r>
             <a:r>
-              <a:rPr lang="en-US"/>
+              <a:rPr lang="en-US" dirty="0"/>
               <a:t> </a:t>
             </a:r>
             <a:r>
-              <a:rPr lang="en-US" err="1"/>
+              <a:rPr lang="en-US" dirty="0" err="1"/>
               <a:t>darstellen</a:t>
             </a:r>
             <a:r>
-              <a:rPr lang="en-US"/>
+              <a:rPr lang="en-US" dirty="0"/>
               <a:t> und </a:t>
             </a:r>
-            <a:r>
-              <a:rPr lang="en-US" err="1"/>
+          </a:p>
+          <a:p>
+            <a:pPr marL="0" lvl="1" indent="0">
+              <a:buNone/>
+            </a:pPr>
+            <a:r>
+              <a:rPr lang="en-US" dirty="0"/>
+              <a:t>   </a:t>
+            </a:r>
+            <a:r>
+              <a:rPr lang="en-US" dirty="0" err="1"/>
               <a:t>eine</a:t>
             </a:r>
             <a:r>
-              <a:rPr lang="en-US"/>
+              <a:rPr lang="en-US" dirty="0"/>
               <a:t> Edge </a:t>
             </a:r>
             <a:r>
-              <a:rPr lang="en-US" err="1"/>
+              <a:rPr lang="en-US" dirty="0" err="1"/>
               <a:t>könnte</a:t>
             </a:r>
             <a:r>
-              <a:rPr lang="en-US"/>
+              <a:rPr lang="en-US" dirty="0"/>
               <a:t> </a:t>
             </a:r>
             <a:r>
-              <a:rPr lang="en-US" err="1"/>
+              <a:rPr lang="en-US" dirty="0" err="1"/>
               <a:t>eine</a:t>
             </a:r>
             <a:r>
-              <a:rPr lang="en-US"/>
+              <a:rPr lang="en-US" dirty="0"/>
               <a:t> </a:t>
             </a:r>
             <a:r>
-              <a:rPr lang="en-US" err="1"/>
+              <a:rPr lang="en-US" dirty="0" err="1"/>
               <a:t>bidirektionale</a:t>
             </a:r>
             <a:r>
-              <a:rPr lang="en-US"/>
+              <a:rPr lang="en-US" dirty="0"/>
               <a:t> </a:t>
             </a:r>
             <a:r>
-              <a:rPr lang="en-US" err="1"/>
+              <a:rPr lang="en-US" dirty="0" err="1"/>
               <a:t>Straße</a:t>
             </a:r>
             <a:r>
-              <a:rPr lang="en-US"/>
+              <a:rPr lang="en-US" dirty="0"/>
               <a:t> </a:t>
             </a:r>
             <a:r>
-              <a:rPr lang="en-US" err="1"/>
+              <a:rPr lang="en-US" dirty="0" err="1"/>
               <a:t>representieren</a:t>
             </a:r>
-            <a:endParaRPr lang="en-US"/>
+            <a:endParaRPr lang="en-US" dirty="0"/>
           </a:p>
         </p:txBody>
       </p:sp>
@@ -11144,6 +11919,36 @@
           </a:p>
         </p:txBody>
       </p:sp>
+      <p:pic>
+        <p:nvPicPr>
+          <p:cNvPr id="3" name="Picture 2">
+            <a:extLst>
+              <a:ext uri="{FF2B5EF4-FFF2-40B4-BE49-F238E27FC236}">
+                <a16:creationId xmlns:a16="http://schemas.microsoft.com/office/drawing/2014/main" id="{07D9A331-CE48-4C4D-9300-F251E0ECD785}"/>
+              </a:ext>
+            </a:extLst>
+          </p:cNvPr>
+          <p:cNvPicPr>
+            <a:picLocks noChangeAspect="1"/>
+          </p:cNvPicPr>
+          <p:nvPr/>
+        </p:nvPicPr>
+        <p:blipFill>
+          <a:blip r:embed="rId2"/>
+          <a:stretch>
+            <a:fillRect/>
+          </a:stretch>
+        </p:blipFill>
+        <p:spPr>
+          <a:xfrm>
+            <a:off x="8072476" y="1620000"/>
+            <a:ext cx="3618000" cy="3618000"/>
+          </a:xfrm>
+          <a:prstGeom prst="rect">
+            <a:avLst/>
+          </a:prstGeom>
+        </p:spPr>
+      </p:pic>
     </p:spTree>
     <p:extLst>
       <p:ext uri="{BB962C8B-B14F-4D97-AF65-F5344CB8AC3E}">
@@ -11191,145 +11996,154 @@
           <a:p>
             <a:pPr lvl="0"/>
             <a:r>
-              <a:rPr lang="en-US"/>
+              <a:rPr lang="en-US" dirty="0"/>
               <a:t>Directed Graphs</a:t>
             </a:r>
           </a:p>
           <a:p>
             <a:pPr lvl="1"/>
             <a:r>
-              <a:rPr lang="en-US"/>
+              <a:rPr lang="en-US" dirty="0"/>
               <a:t>Die Edges </a:t>
             </a:r>
             <a:r>
-              <a:rPr lang="en-US" err="1"/>
+              <a:rPr lang="en-US" dirty="0" err="1"/>
               <a:t>haben</a:t>
             </a:r>
             <a:r>
-              <a:rPr lang="en-US"/>
+              <a:rPr lang="en-US" dirty="0"/>
               <a:t> </a:t>
             </a:r>
             <a:r>
-              <a:rPr lang="en-US" err="1"/>
+              <a:rPr lang="en-US" dirty="0" err="1"/>
               <a:t>eine</a:t>
             </a:r>
             <a:r>
-              <a:rPr lang="en-US"/>
+              <a:rPr lang="en-US" dirty="0"/>
               <a:t> </a:t>
             </a:r>
             <a:r>
-              <a:rPr lang="en-US" err="1"/>
+              <a:rPr lang="en-US" dirty="0" err="1"/>
               <a:t>Orientierung</a:t>
             </a:r>
             <a:r>
-              <a:rPr lang="en-US"/>
+              <a:rPr lang="en-US" dirty="0"/>
               <a:t> </a:t>
             </a:r>
             <a:r>
-              <a:rPr lang="en-US" err="1"/>
+              <a:rPr lang="en-US" dirty="0" err="1"/>
               <a:t>oder</a:t>
             </a:r>
             <a:r>
-              <a:rPr lang="en-US"/>
+              <a:rPr lang="en-US" dirty="0"/>
               <a:t> </a:t>
             </a:r>
             <a:r>
-              <a:rPr lang="en-US" err="1"/>
+              <a:rPr lang="en-US" dirty="0" err="1"/>
               <a:t>Richtung</a:t>
             </a:r>
-            <a:endParaRPr lang="en-US"/>
+            <a:endParaRPr lang="en-US" dirty="0"/>
           </a:p>
           <a:p>
             <a:pPr lvl="1"/>
             <a:r>
-              <a:rPr lang="en-US"/>
+              <a:rPr lang="en-US" dirty="0"/>
               <a:t>Die Edge (u, v) </a:t>
             </a:r>
             <a:r>
-              <a:rPr lang="en-US" err="1"/>
+              <a:rPr lang="en-US" dirty="0" err="1"/>
               <a:t>ist</a:t>
             </a:r>
             <a:r>
-              <a:rPr lang="en-US"/>
+              <a:rPr lang="en-US" dirty="0"/>
               <a:t> die Edge von Vertex u </a:t>
             </a:r>
             <a:r>
-              <a:rPr lang="en-US" err="1"/>
+              <a:rPr lang="en-US" dirty="0" err="1"/>
               <a:t>zu</a:t>
             </a:r>
             <a:r>
-              <a:rPr lang="en-US"/>
+              <a:rPr lang="en-US" dirty="0"/>
               <a:t> Vertex v</a:t>
             </a:r>
           </a:p>
           <a:p>
             <a:pPr lvl="1"/>
             <a:r>
-              <a:rPr lang="en-US"/>
+              <a:rPr lang="en-US" dirty="0"/>
               <a:t>Die Vertices </a:t>
             </a:r>
             <a:r>
-              <a:rPr lang="en-US" err="1"/>
+              <a:rPr lang="en-US" dirty="0" err="1"/>
               <a:t>könnten</a:t>
             </a:r>
             <a:r>
-              <a:rPr lang="en-US"/>
+              <a:rPr lang="en-US" dirty="0"/>
               <a:t> Menschen </a:t>
             </a:r>
             <a:r>
-              <a:rPr lang="en-US" err="1"/>
+              <a:rPr lang="en-US" dirty="0" err="1"/>
               <a:t>darstellen</a:t>
             </a:r>
             <a:r>
-              <a:rPr lang="en-US"/>
+              <a:rPr lang="en-US" dirty="0"/>
               <a:t> und </a:t>
             </a:r>
             <a:r>
-              <a:rPr lang="en-US" err="1"/>
+              <a:rPr lang="en-US" dirty="0" err="1"/>
               <a:t>eine</a:t>
             </a:r>
             <a:r>
-              <a:rPr lang="en-US"/>
+              <a:rPr lang="en-US" dirty="0"/>
               <a:t> Edge </a:t>
             </a:r>
-            <a:r>
-              <a:rPr lang="en-US" err="1"/>
+          </a:p>
+          <a:p>
+            <a:pPr marL="0" lvl="1" indent="0">
+              <a:buNone/>
+            </a:pPr>
+            <a:r>
+              <a:rPr lang="en-US" dirty="0"/>
+              <a:t>   </a:t>
+            </a:r>
+            <a:r>
+              <a:rPr lang="en-US" dirty="0" err="1"/>
               <a:t>könnte</a:t>
             </a:r>
             <a:r>
-              <a:rPr lang="en-US"/>
+              <a:rPr lang="en-US" dirty="0"/>
               <a:t> </a:t>
             </a:r>
             <a:r>
-              <a:rPr lang="en-US" err="1"/>
+              <a:rPr lang="en-US" dirty="0" err="1"/>
               <a:t>eine</a:t>
             </a:r>
             <a:r>
-              <a:rPr lang="en-US"/>
+              <a:rPr lang="en-US" dirty="0"/>
               <a:t> Person u sein, die Person v </a:t>
             </a:r>
             <a:r>
-              <a:rPr lang="en-US" err="1"/>
+              <a:rPr lang="en-US" dirty="0" err="1"/>
               <a:t>ein</a:t>
             </a:r>
             <a:r>
-              <a:rPr lang="en-US"/>
+              <a:rPr lang="en-US" dirty="0"/>
               <a:t> </a:t>
             </a:r>
             <a:r>
-              <a:rPr lang="en-US" err="1"/>
+              <a:rPr lang="en-US" dirty="0" err="1"/>
               <a:t>Geschenk</a:t>
             </a:r>
             <a:r>
-              <a:rPr lang="en-US"/>
+              <a:rPr lang="en-US" dirty="0"/>
               <a:t> </a:t>
             </a:r>
             <a:r>
-              <a:rPr lang="en-US" err="1"/>
+              <a:rPr lang="en-US" dirty="0" err="1"/>
               <a:t>gekauft</a:t>
             </a:r>
             <a:r>
-              <a:rPr lang="en-US"/>
+              <a:rPr lang="en-US" dirty="0"/>
               <a:t> hat</a:t>
             </a:r>
           </a:p>
@@ -11374,6 +12188,36 @@
           </a:p>
         </p:txBody>
       </p:sp>
+      <p:pic>
+        <p:nvPicPr>
+          <p:cNvPr id="3" name="Picture 2">
+            <a:extLst>
+              <a:ext uri="{FF2B5EF4-FFF2-40B4-BE49-F238E27FC236}">
+                <a16:creationId xmlns:a16="http://schemas.microsoft.com/office/drawing/2014/main" id="{A74EE34C-1DC2-4275-96AE-D294C8F47A2D}"/>
+              </a:ext>
+            </a:extLst>
+          </p:cNvPr>
+          <p:cNvPicPr>
+            <a:picLocks noChangeAspect="1"/>
+          </p:cNvPicPr>
+          <p:nvPr/>
+        </p:nvPicPr>
+        <p:blipFill>
+          <a:blip r:embed="rId2"/>
+          <a:stretch>
+            <a:fillRect/>
+          </a:stretch>
+        </p:blipFill>
+        <p:spPr>
+          <a:xfrm>
+            <a:off x="8072476" y="1620000"/>
+            <a:ext cx="3618000" cy="3618000"/>
+          </a:xfrm>
+          <a:prstGeom prst="rect">
+            <a:avLst/>
+          </a:prstGeom>
+        </p:spPr>
+      </p:pic>
     </p:spTree>
     <p:extLst>
       <p:ext uri="{BB962C8B-B14F-4D97-AF65-F5344CB8AC3E}">
@@ -11421,221 +12265,251 @@
           <a:p>
             <a:pPr lvl="0"/>
             <a:r>
-              <a:rPr lang="en-US"/>
+              <a:rPr lang="en-US" dirty="0"/>
               <a:t>Weighted Graphs</a:t>
             </a:r>
           </a:p>
           <a:p>
             <a:pPr lvl="1"/>
             <a:r>
-              <a:rPr lang="en-US"/>
+              <a:rPr lang="en-US" dirty="0"/>
               <a:t>Vertices </a:t>
             </a:r>
             <a:r>
-              <a:rPr lang="en-US" err="1"/>
+              <a:rPr lang="en-US" dirty="0" err="1"/>
               <a:t>können</a:t>
             </a:r>
             <a:r>
-              <a:rPr lang="en-US"/>
+              <a:rPr lang="en-US" dirty="0"/>
               <a:t> </a:t>
             </a:r>
             <a:r>
-              <a:rPr lang="en-US" err="1"/>
+              <a:rPr lang="en-US" dirty="0" err="1"/>
               <a:t>ein</a:t>
             </a:r>
             <a:r>
-              <a:rPr lang="en-US"/>
+              <a:rPr lang="en-US" dirty="0"/>
               <a:t> </a:t>
             </a:r>
             <a:r>
-              <a:rPr lang="en-US" err="1"/>
+              <a:rPr lang="en-US" dirty="0" err="1"/>
               <a:t>bestimmtes</a:t>
             </a:r>
             <a:r>
-              <a:rPr lang="en-US"/>
+              <a:rPr lang="en-US" dirty="0"/>
               <a:t> </a:t>
             </a:r>
             <a:r>
-              <a:rPr lang="en-US" err="1"/>
+              <a:rPr lang="en-US" dirty="0" err="1"/>
               <a:t>Gewicht</a:t>
             </a:r>
             <a:r>
-              <a:rPr lang="en-US"/>
+              <a:rPr lang="en-US" dirty="0"/>
               <a:t> </a:t>
             </a:r>
             <a:r>
-              <a:rPr lang="en-US" err="1"/>
+              <a:rPr lang="en-US" dirty="0" err="1"/>
               <a:t>enthalten</a:t>
             </a:r>
-            <a:r>
-              <a:rPr lang="en-US"/>
-              <a:t>, der </a:t>
-            </a:r>
-            <a:r>
-              <a:rPr lang="en-US" err="1"/>
+            <a:endParaRPr lang="en-US" dirty="0"/>
+          </a:p>
+          <a:p>
+            <a:pPr lvl="1"/>
+            <a:r>
+              <a:rPr lang="en-US" dirty="0"/>
+              <a:t>Das </a:t>
+            </a:r>
+            <a:r>
+              <a:rPr lang="en-US" dirty="0" err="1"/>
+              <a:t>Gewicht</a:t>
+            </a:r>
+            <a:r>
+              <a:rPr lang="en-US" dirty="0"/>
+              <a:t> </a:t>
+            </a:r>
+            <a:r>
+              <a:rPr lang="en-US" dirty="0" err="1"/>
+              <a:t>kann</a:t>
+            </a:r>
+            <a:r>
+              <a:rPr lang="en-US" dirty="0"/>
+              <a:t> </a:t>
+            </a:r>
+            <a:r>
+              <a:rPr lang="en-US" dirty="0" err="1"/>
               <a:t>einen</a:t>
             </a:r>
             <a:r>
-              <a:rPr lang="en-US"/>
+              <a:rPr lang="en-US" dirty="0"/>
               <a:t> </a:t>
             </a:r>
             <a:r>
-              <a:rPr lang="en-US" err="1"/>
+              <a:rPr lang="en-US" dirty="0" err="1"/>
               <a:t>beliebigen</a:t>
             </a:r>
             <a:r>
-              <a:rPr lang="en-US"/>
+              <a:rPr lang="en-US" dirty="0"/>
               <a:t> Wert </a:t>
             </a:r>
             <a:r>
-              <a:rPr lang="en-US" err="1"/>
+              <a:rPr lang="en-US" dirty="0" err="1"/>
               <a:t>wie</a:t>
             </a:r>
             <a:r>
-              <a:rPr lang="en-US"/>
+              <a:rPr lang="en-US" dirty="0"/>
               <a:t> </a:t>
             </a:r>
             <a:r>
-              <a:rPr lang="en-US" err="1"/>
+              <a:rPr lang="en-US" dirty="0" err="1"/>
               <a:t>Kosten</a:t>
             </a:r>
             <a:r>
-              <a:rPr lang="en-US"/>
+              <a:rPr lang="en-US" dirty="0"/>
               <a:t>, </a:t>
             </a:r>
             <a:r>
-              <a:rPr lang="en-US" err="1"/>
+              <a:rPr lang="en-US" dirty="0" err="1"/>
               <a:t>Entfernung</a:t>
             </a:r>
             <a:r>
-              <a:rPr lang="en-US"/>
+              <a:rPr lang="en-US" dirty="0"/>
               <a:t>, </a:t>
             </a:r>
-            <a:r>
-              <a:rPr lang="en-US" err="1"/>
+          </a:p>
+          <a:p>
+            <a:pPr marL="0" lvl="1" indent="0">
+              <a:buNone/>
+            </a:pPr>
+            <a:r>
+              <a:rPr lang="en-US" dirty="0"/>
+              <a:t>   </a:t>
+            </a:r>
+            <a:r>
+              <a:rPr lang="en-US" dirty="0" err="1"/>
               <a:t>Menge</a:t>
             </a:r>
             <a:r>
-              <a:rPr lang="en-US"/>
+              <a:rPr lang="en-US" dirty="0"/>
               <a:t> </a:t>
             </a:r>
             <a:r>
-              <a:rPr lang="en-US" err="1"/>
+              <a:rPr lang="en-US" dirty="0" err="1"/>
               <a:t>usw</a:t>
             </a:r>
             <a:r>
-              <a:rPr lang="en-US"/>
+              <a:rPr lang="en-US" dirty="0"/>
               <a:t>. </a:t>
             </a:r>
             <a:r>
-              <a:rPr lang="en-US" err="1"/>
+              <a:rPr lang="en-US" dirty="0" err="1"/>
               <a:t>darstellen</a:t>
             </a:r>
-            <a:r>
-              <a:rPr lang="en-US"/>
+            <a:endParaRPr lang="en-US" dirty="0"/>
+          </a:p>
+          <a:p>
+            <a:pPr lvl="1"/>
+            <a:r>
+              <a:rPr lang="en-US" dirty="0"/>
+              <a:t>Eine Edge in </a:t>
+            </a:r>
+            <a:r>
+              <a:rPr lang="en-US" dirty="0" err="1"/>
+              <a:t>einem</a:t>
+            </a:r>
+            <a:r>
+              <a:rPr lang="en-US" dirty="0"/>
               <a:t> </a:t>
             </a:r>
             <a:r>
-              <a:rPr lang="en-US" err="1"/>
-              <a:t>kann</a:t>
-            </a:r>
-            <a:endParaRPr lang="en-US"/>
+              <a:rPr lang="en-US" dirty="0" err="1"/>
+              <a:t>solchen</a:t>
+            </a:r>
+            <a:r>
+              <a:rPr lang="en-US" dirty="0"/>
+              <a:t> Graph </a:t>
+            </a:r>
+            <a:r>
+              <a:rPr lang="en-US" dirty="0" err="1"/>
+              <a:t>wird</a:t>
+            </a:r>
+            <a:r>
+              <a:rPr lang="en-US" dirty="0"/>
+              <a:t> </a:t>
+            </a:r>
+            <a:r>
+              <a:rPr lang="en-US" dirty="0" err="1"/>
+              <a:t>als</a:t>
+            </a:r>
+            <a:r>
+              <a:rPr lang="en-US" dirty="0"/>
+              <a:t> Triplet (u, v, w) </a:t>
+            </a:r>
+            <a:r>
+              <a:rPr lang="en-US" dirty="0" err="1"/>
+              <a:t>dargestellt</a:t>
+            </a:r>
+            <a:endParaRPr lang="en-US" dirty="0"/>
           </a:p>
           <a:p>
             <a:pPr lvl="1"/>
             <a:r>
-              <a:rPr lang="en-US"/>
-              <a:t>Eine Edge in </a:t>
-            </a:r>
-            <a:r>
-              <a:rPr lang="en-US" err="1"/>
+              <a:rPr lang="en-US" dirty="0"/>
+              <a:t>Vertices </a:t>
+            </a:r>
+            <a:r>
+              <a:rPr lang="en-US" dirty="0" err="1"/>
+              <a:t>mit</a:t>
+            </a:r>
+            <a:r>
+              <a:rPr lang="en-US" dirty="0"/>
+              <a:t> </a:t>
+            </a:r>
+            <a:r>
+              <a:rPr lang="en-US" dirty="0" err="1"/>
               <a:t>einem</a:t>
             </a:r>
             <a:r>
-              <a:rPr lang="en-US"/>
+              <a:rPr lang="en-US" dirty="0"/>
               <a:t> </a:t>
             </a:r>
             <a:r>
-              <a:rPr lang="en-US" err="1"/>
-              <a:t>solchen</a:t>
-            </a:r>
-            <a:r>
-              <a:rPr lang="en-US"/>
-              <a:t> Graph </a:t>
-            </a:r>
-            <a:r>
-              <a:rPr lang="en-US" err="1"/>
-              <a:t>wird</a:t>
-            </a:r>
-            <a:r>
-              <a:rPr lang="en-US"/>
+              <a:rPr lang="en-US" dirty="0" err="1"/>
+              <a:t>Gewicht</a:t>
+            </a:r>
+            <a:r>
+              <a:rPr lang="en-US" dirty="0"/>
               <a:t> </a:t>
             </a:r>
             <a:r>
-              <a:rPr lang="en-US" err="1"/>
-              <a:t>als</a:t>
-            </a:r>
-            <a:r>
-              <a:rPr lang="en-US"/>
-              <a:t> Triplet (u, v, w) </a:t>
-            </a:r>
-            <a:r>
-              <a:rPr lang="en-US" err="1"/>
-              <a:t>dargestellt</a:t>
-            </a:r>
-            <a:endParaRPr lang="en-US"/>
-          </a:p>
-          <a:p>
-            <a:pPr lvl="1"/>
-            <a:r>
-              <a:rPr lang="en-US"/>
-              <a:t>Vertices </a:t>
-            </a:r>
-            <a:r>
-              <a:rPr lang="en-US" err="1"/>
-              <a:t>mit</a:t>
-            </a:r>
-            <a:r>
-              <a:rPr lang="en-US"/>
+              <a:rPr lang="en-US" dirty="0" err="1"/>
+              <a:t>können</a:t>
+            </a:r>
+            <a:r>
+              <a:rPr lang="en-US" dirty="0"/>
+              <a:t> in undirected </a:t>
+            </a:r>
+            <a:r>
+              <a:rPr lang="en-US" dirty="0" err="1"/>
+              <a:t>oder</a:t>
+            </a:r>
+            <a:r>
+              <a:rPr lang="en-US" dirty="0"/>
               <a:t> </a:t>
             </a:r>
-            <a:r>
-              <a:rPr lang="en-US" err="1"/>
-              <a:t>einem</a:t>
-            </a:r>
-            <a:r>
-              <a:rPr lang="en-US"/>
-              <a:t> </a:t>
-            </a:r>
-            <a:r>
-              <a:rPr lang="en-US" err="1"/>
-              <a:t>Gewicht</a:t>
-            </a:r>
-            <a:r>
-              <a:rPr lang="en-US"/>
-              <a:t> </a:t>
-            </a:r>
-            <a:r>
-              <a:rPr lang="en-US" err="1"/>
-              <a:t>können</a:t>
-            </a:r>
-            <a:r>
-              <a:rPr lang="en-US"/>
-              <a:t> in undirected </a:t>
-            </a:r>
-            <a:r>
-              <a:rPr lang="en-US" err="1"/>
-              <a:t>oder</a:t>
-            </a:r>
-            <a:r>
-              <a:rPr lang="en-US"/>
-              <a:t> directed Graphs </a:t>
-            </a:r>
-            <a:r>
-              <a:rPr lang="en-US" err="1"/>
+          </a:p>
+          <a:p>
+            <a:pPr marL="0" lvl="1" indent="0">
+              <a:buNone/>
+            </a:pPr>
+            <a:r>
+              <a:rPr lang="en-US" dirty="0"/>
+              <a:t>   directed Graphs </a:t>
+            </a:r>
+            <a:r>
+              <a:rPr lang="en-US" dirty="0" err="1"/>
               <a:t>vorkommen</a:t>
             </a:r>
-            <a:endParaRPr lang="en-US"/>
+            <a:endParaRPr lang="en-US" dirty="0"/>
           </a:p>
         </p:txBody>
       </p:sp>
@@ -11660,24 +12534,54 @@
           <a:lstStyle/>
           <a:p>
             <a:r>
-              <a:rPr lang="en-US"/>
+              <a:rPr lang="en-US" dirty="0"/>
               <a:t>Dijkstra’s Shortest Path Algorithm</a:t>
             </a:r>
             <a:br>
-              <a:rPr lang="en-US"/>
+              <a:rPr lang="en-US" dirty="0"/>
             </a:br>
             <a:r>
-              <a:rPr lang="en-US" sz="2000" b="0" err="1">
+              <a:rPr lang="en-US" sz="2000" b="0" dirty="0" err="1">
                 <a:solidFill>
                   <a:schemeClr val="accent1"/>
                 </a:solidFill>
               </a:rPr>
               <a:t>Graphen</a:t>
             </a:r>
-            <a:endParaRPr lang="en-US" sz="2000" b="0"/>
+            <a:endParaRPr lang="en-US" sz="2000" b="0" dirty="0"/>
           </a:p>
         </p:txBody>
       </p:sp>
+      <p:pic>
+        <p:nvPicPr>
+          <p:cNvPr id="3" name="Picture 2">
+            <a:extLst>
+              <a:ext uri="{FF2B5EF4-FFF2-40B4-BE49-F238E27FC236}">
+                <a16:creationId xmlns:a16="http://schemas.microsoft.com/office/drawing/2014/main" id="{C453A092-1D9D-4A57-BADE-1B00ACCB32A2}"/>
+              </a:ext>
+            </a:extLst>
+          </p:cNvPr>
+          <p:cNvPicPr>
+            <a:picLocks noChangeAspect="1"/>
+          </p:cNvPicPr>
+          <p:nvPr/>
+        </p:nvPicPr>
+        <p:blipFill>
+          <a:blip r:embed="rId2"/>
+          <a:stretch>
+            <a:fillRect/>
+          </a:stretch>
+        </p:blipFill>
+        <p:spPr>
+          <a:xfrm>
+            <a:off x="8072476" y="1620000"/>
+            <a:ext cx="3618000" cy="3618000"/>
+          </a:xfrm>
+          <a:prstGeom prst="rect">
+            <a:avLst/>
+          </a:prstGeom>
+        </p:spPr>
+      </p:pic>
     </p:spTree>
     <p:extLst>
       <p:ext uri="{BB962C8B-B14F-4D97-AF65-F5344CB8AC3E}">
@@ -12354,6 +13258,15 @@
 </file>
 
 <file path=customXml/item1.xml><?xml version="1.0" encoding="utf-8"?>
+<?mso-contentType ?>
+<FormTemplates xmlns="http://schemas.microsoft.com/sharepoint/v3/contenttype/forms">
+  <Display>DocumentLibraryForm</Display>
+  <Edit>DocumentLibraryForm</Edit>
+  <New>DocumentLibraryForm</New>
+</FormTemplates>
+</file>
+
+<file path=customXml/item2.xml><?xml version="1.0" encoding="utf-8"?>
 <p:properties xmlns:p="http://schemas.microsoft.com/office/2006/metadata/properties" xmlns:xsi="http://www.w3.org/2001/XMLSchema-instance" xmlns:pc="http://schemas.microsoft.com/office/infopath/2007/PartnerControls">
   <documentManagement>
     <ResponsibleContact xmlns="47fc58d8-9f4b-4bc8-b278-c3cb6f298023">
@@ -12365,15 +13278,6 @@
     </ResponsibleContact>
   </documentManagement>
 </p:properties>
-</file>
-
-<file path=customXml/item2.xml><?xml version="1.0" encoding="utf-8"?>
-<?mso-contentType ?>
-<FormTemplates xmlns="http://schemas.microsoft.com/sharepoint/v3/contenttype/forms">
-  <Display>DocumentLibraryForm</Display>
-  <Edit>DocumentLibraryForm</Edit>
-  <New>DocumentLibraryForm</New>
-</FormTemplates>
 </file>
 
 <file path=customXml/item3.xml><?xml version="1.0" encoding="utf-8"?>
@@ -12600,19 +13504,19 @@
 </file>
 
 <file path=customXml/itemProps1.xml><?xml version="1.0" encoding="utf-8"?>
+<ds:datastoreItem xmlns:ds="http://schemas.openxmlformats.org/officeDocument/2006/customXml" ds:itemID="{398FD485-E434-4109-8170-8E0CFCDC1783}">
+  <ds:schemaRefs>
+    <ds:schemaRef ds:uri="http://schemas.microsoft.com/sharepoint/v3/contenttype/forms"/>
+  </ds:schemaRefs>
+</ds:datastoreItem>
+</file>
+
+<file path=customXml/itemProps2.xml><?xml version="1.0" encoding="utf-8"?>
 <ds:datastoreItem xmlns:ds="http://schemas.openxmlformats.org/officeDocument/2006/customXml" ds:itemID="{85C1D00C-D380-4A8A-881E-03688FCC3109}">
   <ds:schemaRefs>
     <ds:schemaRef ds:uri="47fc58d8-9f4b-4bc8-b278-c3cb6f298023"/>
     <ds:schemaRef ds:uri="http://schemas.microsoft.com/office/2006/metadata/properties"/>
     <ds:schemaRef ds:uri="http://schemas.microsoft.com/office/infopath/2007/PartnerControls"/>
-  </ds:schemaRefs>
-</ds:datastoreItem>
-</file>
-
-<file path=customXml/itemProps2.xml><?xml version="1.0" encoding="utf-8"?>
-<ds:datastoreItem xmlns:ds="http://schemas.openxmlformats.org/officeDocument/2006/customXml" ds:itemID="{398FD485-E434-4109-8170-8E0CFCDC1783}">
-  <ds:schemaRefs>
-    <ds:schemaRef ds:uri="http://schemas.microsoft.com/sharepoint/v3/contenttype/forms"/>
   </ds:schemaRefs>
 </ds:datastoreItem>
 </file>

--- a/docs/ALG_7_Graphen_Dijkstra.pptx
+++ b/docs/ALG_7_Graphen_Dijkstra.pptx
@@ -10163,49 +10163,6 @@
               </a:p>
               <a:p>
                 <a:pPr lvl="1"/>
-                <a:r>
-                  <a:rPr lang="de-DE" dirty="0"/>
-                  <a:t>Berechnung </a:t>
-                </a:r>
-                <a:r>
-                  <a:rPr lang="en-US" dirty="0"/>
-                  <a:t>des </a:t>
-                </a:r>
-                <a:r>
-                  <a:rPr lang="en-US" dirty="0" err="1"/>
-                  <a:t>absoluten</a:t>
-                </a:r>
-                <a:r>
-                  <a:rPr lang="en-US" dirty="0"/>
-                  <a:t> </a:t>
-                </a:r>
-                <a:r>
-                  <a:rPr lang="en-US" dirty="0" err="1"/>
-                  <a:t>Abstandes</a:t>
-                </a:r>
-                <a:r>
-                  <a:rPr lang="en-US" dirty="0"/>
-                  <a:t> von </a:t>
-                </a:r>
-                <a:r>
-                  <a:rPr lang="en-US" dirty="0" err="1"/>
-                  <a:t>einer</a:t>
-                </a:r>
-                <a:r>
-                  <a:rPr lang="en-US" dirty="0"/>
-                  <a:t> Edge </a:t>
-                </a:r>
-                <a:r>
-                  <a:rPr lang="en-US" dirty="0" err="1"/>
-                  <a:t>zur</a:t>
-                </a:r>
-                <a:r>
-                  <a:rPr lang="en-US" dirty="0"/>
-                  <a:t> Destination Edge</a:t>
-                </a:r>
-              </a:p>
-              <a:p>
-                <a:pPr lvl="1"/>
                 <a14:m>
                   <m:oMath xmlns:m="http://schemas.openxmlformats.org/officeDocument/2006/math">
                     <m:r>
@@ -10221,27 +10178,39 @@
                       <m:t>= </m:t>
                     </m:r>
                     <m:r>
-                      <a:rPr lang="en-DE" smtClean="0"/>
+                      <a:rPr lang="en-DE" smtClean="0">
+                        <a:latin typeface="Cambria Math" panose="02040503050406030204" pitchFamily="18" charset="0"/>
+                      </a:rPr>
                       <m:t>∣</m:t>
                     </m:r>
                     <m:r>
-                      <a:rPr lang="en-DE" i="1"/>
+                      <a:rPr lang="en-DE" i="1">
+                        <a:latin typeface="Cambria Math" panose="02040503050406030204" pitchFamily="18" charset="0"/>
+                      </a:rPr>
                       <m:t>𝑥𝑠𝑡𝑎𝑟𝑡</m:t>
                     </m:r>
                     <m:r>
-                      <a:rPr lang="en-DE"/>
+                      <a:rPr lang="en-DE">
+                        <a:latin typeface="Cambria Math" panose="02040503050406030204" pitchFamily="18" charset="0"/>
+                      </a:rPr>
                       <m:t>​</m:t>
                     </m:r>
                     <m:r>
-                      <a:rPr lang="en-DE" i="1"/>
+                      <a:rPr lang="en-DE" i="1">
+                        <a:latin typeface="Cambria Math" panose="02040503050406030204" pitchFamily="18" charset="0"/>
+                      </a:rPr>
                       <m:t>−</m:t>
                     </m:r>
                     <m:r>
-                      <a:rPr lang="en-DE" i="1"/>
+                      <a:rPr lang="en-DE" i="1">
+                        <a:latin typeface="Cambria Math" panose="02040503050406030204" pitchFamily="18" charset="0"/>
+                      </a:rPr>
                       <m:t>𝑥𝑑𝑒𝑠𝑡𝑖𝑛𝑎𝑡𝑖𝑜𝑛</m:t>
                     </m:r>
                     <m:r>
-                      <a:rPr lang="en-DE"/>
+                      <a:rPr lang="en-DE">
+                        <a:latin typeface="Cambria Math" panose="02040503050406030204" pitchFamily="18" charset="0"/>
+                      </a:rPr>
                       <m:t>​∣+</m:t>
                     </m:r>
                     <m:r>
@@ -10251,27 +10220,39 @@
                       <m:t> </m:t>
                     </m:r>
                     <m:r>
-                      <a:rPr lang="en-DE"/>
+                      <a:rPr lang="en-DE">
+                        <a:latin typeface="Cambria Math" panose="02040503050406030204" pitchFamily="18" charset="0"/>
+                      </a:rPr>
                       <m:t>∣</m:t>
                     </m:r>
                     <m:r>
-                      <a:rPr lang="en-DE" i="1"/>
+                      <a:rPr lang="en-DE" i="1">
+                        <a:latin typeface="Cambria Math" panose="02040503050406030204" pitchFamily="18" charset="0"/>
+                      </a:rPr>
                       <m:t>𝑦𝑠𝑡𝑎𝑟𝑡</m:t>
                     </m:r>
                     <m:r>
-                      <a:rPr lang="en-DE"/>
+                      <a:rPr lang="en-DE">
+                        <a:latin typeface="Cambria Math" panose="02040503050406030204" pitchFamily="18" charset="0"/>
+                      </a:rPr>
                       <m:t>​</m:t>
                     </m:r>
                     <m:r>
-                      <a:rPr lang="en-DE" i="1"/>
+                      <a:rPr lang="en-DE" i="1">
+                        <a:latin typeface="Cambria Math" panose="02040503050406030204" pitchFamily="18" charset="0"/>
+                      </a:rPr>
                       <m:t>−</m:t>
                     </m:r>
                     <m:r>
-                      <a:rPr lang="en-DE" i="1"/>
+                      <a:rPr lang="en-DE" i="1">
+                        <a:latin typeface="Cambria Math" panose="02040503050406030204" pitchFamily="18" charset="0"/>
+                      </a:rPr>
                       <m:t>𝑦𝑑𝑒𝑠𝑡𝑖𝑛𝑎𝑡𝑖𝑜𝑛</m:t>
                     </m:r>
                     <m:r>
-                      <a:rPr lang="en-DE"/>
+                      <a:rPr lang="en-DE">
+                        <a:latin typeface="Cambria Math" panose="02040503050406030204" pitchFamily="18" charset="0"/>
+                      </a:rPr>
                       <m:t>​∣</m:t>
                     </m:r>
                   </m:oMath>
@@ -10290,154 +10271,6 @@
                 <a:r>
                   <a:rPr lang="en-US" dirty="0" err="1"/>
                   <a:t>Distanz</a:t>
-                </a:r>
-                <a:endParaRPr lang="en-US" dirty="0"/>
-              </a:p>
-              <a:p>
-                <a:pPr lvl="1"/>
-                <a:r>
-                  <a:rPr lang="en-US" dirty="0" err="1"/>
-                  <a:t>Genauer</a:t>
-                </a:r>
-                <a:r>
-                  <a:rPr lang="en-US" dirty="0"/>
-                  <a:t> </a:t>
-                </a:r>
-                <a:r>
-                  <a:rPr lang="en-US" dirty="0" err="1"/>
-                  <a:t>als</a:t>
-                </a:r>
-                <a:r>
-                  <a:rPr lang="en-US" dirty="0"/>
-                  <a:t> die </a:t>
-                </a:r>
-                <a:r>
-                  <a:rPr lang="en-US" dirty="0" err="1"/>
-                  <a:t>Manhatten</a:t>
-                </a:r>
-                <a:r>
-                  <a:rPr lang="en-US" dirty="0"/>
-                  <a:t> </a:t>
-                </a:r>
-                <a:r>
-                  <a:rPr lang="en-US" dirty="0" err="1"/>
-                  <a:t>Distanz</a:t>
-                </a:r>
-                <a:r>
-                  <a:rPr lang="en-US" dirty="0"/>
-                  <a:t>, </a:t>
-                </a:r>
-                <a:r>
-                  <a:rPr lang="en-US" dirty="0" err="1"/>
-                  <a:t>aber</a:t>
-                </a:r>
-                <a:r>
-                  <a:rPr lang="en-US" dirty="0"/>
-                  <a:t> </a:t>
-                </a:r>
-                <a:r>
-                  <a:rPr lang="en-US" dirty="0" err="1"/>
-                  <a:t>langsamer</a:t>
-                </a:r>
-                <a:r>
-                  <a:rPr lang="en-US" dirty="0"/>
-                  <a:t>, </a:t>
-                </a:r>
-              </a:p>
-              <a:p>
-                <a:pPr marL="0" lvl="1" indent="0">
-                  <a:buNone/>
-                </a:pPr>
-                <a:r>
-                  <a:rPr lang="en-US" dirty="0"/>
-                  <a:t>   da </a:t>
-                </a:r>
-                <a:r>
-                  <a:rPr lang="en-US" dirty="0" err="1"/>
-                  <a:t>ein</a:t>
-                </a:r>
-                <a:r>
-                  <a:rPr lang="en-US" dirty="0"/>
-                  <a:t> </a:t>
-                </a:r>
-                <a:r>
-                  <a:rPr lang="en-US" dirty="0" err="1"/>
-                  <a:t>größeres</a:t>
-                </a:r>
-                <a:r>
-                  <a:rPr lang="en-US" dirty="0"/>
-                  <a:t> </a:t>
-                </a:r>
-                <a:r>
-                  <a:rPr lang="en-US" dirty="0" err="1"/>
-                  <a:t>Gebiet</a:t>
-                </a:r>
-                <a:r>
-                  <a:rPr lang="en-US" dirty="0"/>
-                  <a:t> </a:t>
-                </a:r>
-                <a:r>
-                  <a:rPr lang="en-US" dirty="0" err="1"/>
-                  <a:t>erkundet</a:t>
-                </a:r>
-                <a:r>
-                  <a:rPr lang="en-US" dirty="0"/>
-                  <a:t> </a:t>
-                </a:r>
-                <a:r>
-                  <a:rPr lang="en-US" dirty="0" err="1"/>
-                  <a:t>werden</a:t>
-                </a:r>
-                <a:r>
-                  <a:rPr lang="en-US" dirty="0"/>
-                  <a:t> muss</a:t>
-                </a:r>
-              </a:p>
-              <a:p>
-                <a:pPr lvl="1"/>
-                <a:r>
-                  <a:rPr lang="en-US" dirty="0" err="1"/>
-                  <a:t>Bevorzugt</a:t>
-                </a:r>
-                <a:r>
-                  <a:rPr lang="en-US" dirty="0"/>
-                  <a:t> </a:t>
-                </a:r>
-                <a:r>
-                  <a:rPr lang="en-US" dirty="0" err="1"/>
-                  <a:t>einen</a:t>
-                </a:r>
-                <a:r>
-                  <a:rPr lang="en-US" dirty="0"/>
-                  <a:t> </a:t>
-                </a:r>
-                <a:r>
-                  <a:rPr lang="en-US" dirty="0" err="1"/>
-                  <a:t>Pfad</a:t>
-                </a:r>
-                <a:r>
-                  <a:rPr lang="en-US" dirty="0"/>
-                  <a:t> </a:t>
-                </a:r>
-                <a:r>
-                  <a:rPr lang="en-US" dirty="0" err="1"/>
-                  <a:t>entlang</a:t>
-                </a:r>
-                <a:r>
-                  <a:rPr lang="en-US" dirty="0"/>
-                  <a:t> </a:t>
-                </a:r>
-                <a:r>
-                  <a:rPr lang="en-US" dirty="0" err="1"/>
-                  <a:t>einer</a:t>
-                </a:r>
-                <a:r>
-                  <a:rPr lang="en-US" dirty="0"/>
-                  <a:t> </a:t>
-                </a:r>
-                <a:r>
-                  <a:rPr lang="en-US" dirty="0" err="1"/>
-                  <a:t>Linie</a:t>
                 </a:r>
                 <a:endParaRPr lang="en-US" dirty="0"/>
               </a:p>
@@ -10588,7 +10421,7 @@
                 <a:pPr marL="0" lvl="1" indent="0">
                   <a:buNone/>
                 </a:pPr>
-                <a14:m/>
+                <a:endParaRPr lang="en-US" dirty="0"/>
               </a:p>
               <a:p>
                 <a:pPr marL="0" lvl="1" indent="0">
@@ -10684,6 +10517,36 @@
           </a:p>
         </p:txBody>
       </p:sp>
+      <p:pic>
+        <p:nvPicPr>
+          <p:cNvPr id="3" name="Picture 2">
+            <a:extLst>
+              <a:ext uri="{FF2B5EF4-FFF2-40B4-BE49-F238E27FC236}">
+                <a16:creationId xmlns:a16="http://schemas.microsoft.com/office/drawing/2014/main" id="{B45634CA-31E7-4883-81AD-5E6D4C53EC41}"/>
+              </a:ext>
+            </a:extLst>
+          </p:cNvPr>
+          <p:cNvPicPr>
+            <a:picLocks noChangeAspect="1"/>
+          </p:cNvPicPr>
+          <p:nvPr/>
+        </p:nvPicPr>
+        <p:blipFill>
+          <a:blip r:embed="rId3"/>
+          <a:stretch>
+            <a:fillRect/>
+          </a:stretch>
+        </p:blipFill>
+        <p:spPr>
+          <a:xfrm>
+            <a:off x="3185766" y="3376800"/>
+            <a:ext cx="5822942" cy="2959200"/>
+          </a:xfrm>
+          <a:prstGeom prst="rect">
+            <a:avLst/>
+          </a:prstGeom>
+        </p:spPr>
+      </p:pic>
     </p:spTree>
     <p:extLst>
       <p:ext uri="{BB962C8B-B14F-4D97-AF65-F5344CB8AC3E}">
@@ -13258,15 +13121,6 @@
 </file>
 
 <file path=customXml/item1.xml><?xml version="1.0" encoding="utf-8"?>
-<?mso-contentType ?>
-<FormTemplates xmlns="http://schemas.microsoft.com/sharepoint/v3/contenttype/forms">
-  <Display>DocumentLibraryForm</Display>
-  <Edit>DocumentLibraryForm</Edit>
-  <New>DocumentLibraryForm</New>
-</FormTemplates>
-</file>
-
-<file path=customXml/item2.xml><?xml version="1.0" encoding="utf-8"?>
 <p:properties xmlns:p="http://schemas.microsoft.com/office/2006/metadata/properties" xmlns:xsi="http://www.w3.org/2001/XMLSchema-instance" xmlns:pc="http://schemas.microsoft.com/office/infopath/2007/PartnerControls">
   <documentManagement>
     <ResponsibleContact xmlns="47fc58d8-9f4b-4bc8-b278-c3cb6f298023">
@@ -13278,6 +13132,15 @@
     </ResponsibleContact>
   </documentManagement>
 </p:properties>
+</file>
+
+<file path=customXml/item2.xml><?xml version="1.0" encoding="utf-8"?>
+<?mso-contentType ?>
+<FormTemplates xmlns="http://schemas.microsoft.com/sharepoint/v3/contenttype/forms">
+  <Display>DocumentLibraryForm</Display>
+  <Edit>DocumentLibraryForm</Edit>
+  <New>DocumentLibraryForm</New>
+</FormTemplates>
 </file>
 
 <file path=customXml/item3.xml><?xml version="1.0" encoding="utf-8"?>
@@ -13504,19 +13367,19 @@
 </file>
 
 <file path=customXml/itemProps1.xml><?xml version="1.0" encoding="utf-8"?>
-<ds:datastoreItem xmlns:ds="http://schemas.openxmlformats.org/officeDocument/2006/customXml" ds:itemID="{398FD485-E434-4109-8170-8E0CFCDC1783}">
+<ds:datastoreItem xmlns:ds="http://schemas.openxmlformats.org/officeDocument/2006/customXml" ds:itemID="{85C1D00C-D380-4A8A-881E-03688FCC3109}">
   <ds:schemaRefs>
-    <ds:schemaRef ds:uri="http://schemas.microsoft.com/sharepoint/v3/contenttype/forms"/>
+    <ds:schemaRef ds:uri="47fc58d8-9f4b-4bc8-b278-c3cb6f298023"/>
+    <ds:schemaRef ds:uri="http://schemas.microsoft.com/office/2006/metadata/properties"/>
+    <ds:schemaRef ds:uri="http://schemas.microsoft.com/office/infopath/2007/PartnerControls"/>
   </ds:schemaRefs>
 </ds:datastoreItem>
 </file>
 
 <file path=customXml/itemProps2.xml><?xml version="1.0" encoding="utf-8"?>
-<ds:datastoreItem xmlns:ds="http://schemas.openxmlformats.org/officeDocument/2006/customXml" ds:itemID="{85C1D00C-D380-4A8A-881E-03688FCC3109}">
+<ds:datastoreItem xmlns:ds="http://schemas.openxmlformats.org/officeDocument/2006/customXml" ds:itemID="{398FD485-E434-4109-8170-8E0CFCDC1783}">
   <ds:schemaRefs>
-    <ds:schemaRef ds:uri="47fc58d8-9f4b-4bc8-b278-c3cb6f298023"/>
-    <ds:schemaRef ds:uri="http://schemas.microsoft.com/office/2006/metadata/properties"/>
-    <ds:schemaRef ds:uri="http://schemas.microsoft.com/office/infopath/2007/PartnerControls"/>
+    <ds:schemaRef ds:uri="http://schemas.microsoft.com/sharepoint/v3/contenttype/forms"/>
   </ds:schemaRefs>
 </ds:datastoreItem>
 </file>
